--- a/ScreenShot/家庭記帳管理系統-介面切版.pptx
+++ b/ScreenShot/家庭記帳管理系統-介面切版.pptx
@@ -8021,7 +8021,7 @@
         </p:nvSpPr>
         <p:spPr>
           <a:xfrm>
-            <a:off x="199570" y="846864"/>
+            <a:off x="232822" y="855177"/>
             <a:ext cx="8711738" cy="2851266"/>
           </a:xfrm>
           <a:prstGeom prst="rect">

--- a/ScreenShot/家庭記帳管理系統-介面切版.pptx
+++ b/ScreenShot/家庭記帳管理系統-介面切版.pptx
@@ -164,7 +164,7 @@
           </a:lstStyle>
           <a:p>
             <a:r>
-              <a:rPr lang="zh-TW" altLang="en-US" smtClean="0"/>
+              <a:rPr lang="zh-TW" altLang="en-US"/>
               <a:t>按一下以編輯母片標題樣式</a:t>
             </a:r>
             <a:endParaRPr lang="en-US" dirty="0"/>
@@ -229,7 +229,7 @@
           </a:lstStyle>
           <a:p>
             <a:r>
-              <a:rPr lang="zh-TW" altLang="en-US" smtClean="0"/>
+              <a:rPr lang="zh-TW" altLang="en-US"/>
               <a:t>按一下以編輯母片副標題樣式</a:t>
             </a:r>
             <a:endParaRPr lang="en-US" dirty="0"/>
@@ -347,7 +347,7 @@
           <a:lstStyle/>
           <a:p>
             <a:r>
-              <a:rPr lang="zh-TW" altLang="en-US" smtClean="0"/>
+              <a:rPr lang="zh-TW" altLang="en-US"/>
               <a:t>按一下以編輯母片標題樣式</a:t>
             </a:r>
             <a:endParaRPr lang="en-US" dirty="0"/>
@@ -371,35 +371,35 @@
           <a:p>
             <a:pPr lvl="0"/>
             <a:r>
-              <a:rPr lang="zh-TW" altLang="en-US" smtClean="0"/>
+              <a:rPr lang="zh-TW" altLang="en-US"/>
               <a:t>編輯母片文字樣式</a:t>
             </a:r>
           </a:p>
           <a:p>
             <a:pPr lvl="1"/>
             <a:r>
-              <a:rPr lang="zh-TW" altLang="en-US" smtClean="0"/>
+              <a:rPr lang="zh-TW" altLang="en-US"/>
               <a:t>第二層</a:t>
             </a:r>
           </a:p>
           <a:p>
             <a:pPr lvl="2"/>
             <a:r>
-              <a:rPr lang="zh-TW" altLang="en-US" smtClean="0"/>
+              <a:rPr lang="zh-TW" altLang="en-US"/>
               <a:t>第三層</a:t>
             </a:r>
           </a:p>
           <a:p>
             <a:pPr lvl="3"/>
             <a:r>
-              <a:rPr lang="zh-TW" altLang="en-US" smtClean="0"/>
+              <a:rPr lang="zh-TW" altLang="en-US"/>
               <a:t>第四層</a:t>
             </a:r>
           </a:p>
           <a:p>
             <a:pPr lvl="4"/>
             <a:r>
-              <a:rPr lang="zh-TW" altLang="en-US" smtClean="0"/>
+              <a:rPr lang="zh-TW" altLang="en-US"/>
               <a:t>第五層</a:t>
             </a:r>
             <a:endParaRPr lang="en-US" dirty="0"/>
@@ -522,7 +522,7 @@
           <a:lstStyle/>
           <a:p>
             <a:r>
-              <a:rPr lang="zh-TW" altLang="en-US" smtClean="0"/>
+              <a:rPr lang="zh-TW" altLang="en-US"/>
               <a:t>按一下以編輯母片標題樣式</a:t>
             </a:r>
             <a:endParaRPr lang="en-US" dirty="0"/>
@@ -551,35 +551,35 @@
           <a:p>
             <a:pPr lvl="0"/>
             <a:r>
-              <a:rPr lang="zh-TW" altLang="en-US" smtClean="0"/>
+              <a:rPr lang="zh-TW" altLang="en-US"/>
               <a:t>編輯母片文字樣式</a:t>
             </a:r>
           </a:p>
           <a:p>
             <a:pPr lvl="1"/>
             <a:r>
-              <a:rPr lang="zh-TW" altLang="en-US" smtClean="0"/>
+              <a:rPr lang="zh-TW" altLang="en-US"/>
               <a:t>第二層</a:t>
             </a:r>
           </a:p>
           <a:p>
             <a:pPr lvl="2"/>
             <a:r>
-              <a:rPr lang="zh-TW" altLang="en-US" smtClean="0"/>
+              <a:rPr lang="zh-TW" altLang="en-US"/>
               <a:t>第三層</a:t>
             </a:r>
           </a:p>
           <a:p>
             <a:pPr lvl="3"/>
             <a:r>
-              <a:rPr lang="zh-TW" altLang="en-US" smtClean="0"/>
+              <a:rPr lang="zh-TW" altLang="en-US"/>
               <a:t>第四層</a:t>
             </a:r>
           </a:p>
           <a:p>
             <a:pPr lvl="4"/>
             <a:r>
-              <a:rPr lang="zh-TW" altLang="en-US" smtClean="0"/>
+              <a:rPr lang="zh-TW" altLang="en-US"/>
               <a:t>第五層</a:t>
             </a:r>
             <a:endParaRPr lang="en-US" dirty="0"/>
@@ -697,7 +697,7 @@
           <a:lstStyle/>
           <a:p>
             <a:r>
-              <a:rPr lang="zh-TW" altLang="en-US" smtClean="0"/>
+              <a:rPr lang="zh-TW" altLang="en-US"/>
               <a:t>按一下以編輯母片標題樣式</a:t>
             </a:r>
             <a:endParaRPr lang="en-US" dirty="0"/>
@@ -721,35 +721,35 @@
           <a:p>
             <a:pPr lvl="0"/>
             <a:r>
-              <a:rPr lang="zh-TW" altLang="en-US" smtClean="0"/>
+              <a:rPr lang="zh-TW" altLang="en-US"/>
               <a:t>編輯母片文字樣式</a:t>
             </a:r>
           </a:p>
           <a:p>
             <a:pPr lvl="1"/>
             <a:r>
-              <a:rPr lang="zh-TW" altLang="en-US" smtClean="0"/>
+              <a:rPr lang="zh-TW" altLang="en-US"/>
               <a:t>第二層</a:t>
             </a:r>
           </a:p>
           <a:p>
             <a:pPr lvl="2"/>
             <a:r>
-              <a:rPr lang="zh-TW" altLang="en-US" smtClean="0"/>
+              <a:rPr lang="zh-TW" altLang="en-US"/>
               <a:t>第三層</a:t>
             </a:r>
           </a:p>
           <a:p>
             <a:pPr lvl="3"/>
             <a:r>
-              <a:rPr lang="zh-TW" altLang="en-US" smtClean="0"/>
+              <a:rPr lang="zh-TW" altLang="en-US"/>
               <a:t>第四層</a:t>
             </a:r>
           </a:p>
           <a:p>
             <a:pPr lvl="4"/>
             <a:r>
-              <a:rPr lang="zh-TW" altLang="en-US" smtClean="0"/>
+              <a:rPr lang="zh-TW" altLang="en-US"/>
               <a:t>第五層</a:t>
             </a:r>
             <a:endParaRPr lang="en-US" dirty="0"/>
@@ -876,7 +876,7 @@
           </a:lstStyle>
           <a:p>
             <a:r>
-              <a:rPr lang="zh-TW" altLang="en-US" smtClean="0"/>
+              <a:rPr lang="zh-TW" altLang="en-US"/>
               <a:t>按一下以編輯母片標題樣式</a:t>
             </a:r>
             <a:endParaRPr lang="en-US" dirty="0"/>
@@ -994,7 +994,7 @@
           <a:p>
             <a:pPr lvl="0"/>
             <a:r>
-              <a:rPr lang="zh-TW" altLang="en-US" smtClean="0"/>
+              <a:rPr lang="zh-TW" altLang="en-US"/>
               <a:t>編輯母片文字樣式</a:t>
             </a:r>
           </a:p>
@@ -1111,7 +1111,7 @@
           <a:lstStyle/>
           <a:p>
             <a:r>
-              <a:rPr lang="zh-TW" altLang="en-US" smtClean="0"/>
+              <a:rPr lang="zh-TW" altLang="en-US"/>
               <a:t>按一下以編輯母片標題樣式</a:t>
             </a:r>
             <a:endParaRPr lang="en-US" dirty="0"/>
@@ -1140,35 +1140,35 @@
           <a:p>
             <a:pPr lvl="0"/>
             <a:r>
-              <a:rPr lang="zh-TW" altLang="en-US" smtClean="0"/>
+              <a:rPr lang="zh-TW" altLang="en-US"/>
               <a:t>編輯母片文字樣式</a:t>
             </a:r>
           </a:p>
           <a:p>
             <a:pPr lvl="1"/>
             <a:r>
-              <a:rPr lang="zh-TW" altLang="en-US" smtClean="0"/>
+              <a:rPr lang="zh-TW" altLang="en-US"/>
               <a:t>第二層</a:t>
             </a:r>
           </a:p>
           <a:p>
             <a:pPr lvl="2"/>
             <a:r>
-              <a:rPr lang="zh-TW" altLang="en-US" smtClean="0"/>
+              <a:rPr lang="zh-TW" altLang="en-US"/>
               <a:t>第三層</a:t>
             </a:r>
           </a:p>
           <a:p>
             <a:pPr lvl="3"/>
             <a:r>
-              <a:rPr lang="zh-TW" altLang="en-US" smtClean="0"/>
+              <a:rPr lang="zh-TW" altLang="en-US"/>
               <a:t>第四層</a:t>
             </a:r>
           </a:p>
           <a:p>
             <a:pPr lvl="4"/>
             <a:r>
-              <a:rPr lang="zh-TW" altLang="en-US" smtClean="0"/>
+              <a:rPr lang="zh-TW" altLang="en-US"/>
               <a:t>第五層</a:t>
             </a:r>
             <a:endParaRPr lang="en-US" dirty="0"/>
@@ -1197,35 +1197,35 @@
           <a:p>
             <a:pPr lvl="0"/>
             <a:r>
-              <a:rPr lang="zh-TW" altLang="en-US" smtClean="0"/>
+              <a:rPr lang="zh-TW" altLang="en-US"/>
               <a:t>編輯母片文字樣式</a:t>
             </a:r>
           </a:p>
           <a:p>
             <a:pPr lvl="1"/>
             <a:r>
-              <a:rPr lang="zh-TW" altLang="en-US" smtClean="0"/>
+              <a:rPr lang="zh-TW" altLang="en-US"/>
               <a:t>第二層</a:t>
             </a:r>
           </a:p>
           <a:p>
             <a:pPr lvl="2"/>
             <a:r>
-              <a:rPr lang="zh-TW" altLang="en-US" smtClean="0"/>
+              <a:rPr lang="zh-TW" altLang="en-US"/>
               <a:t>第三層</a:t>
             </a:r>
           </a:p>
           <a:p>
             <a:pPr lvl="3"/>
             <a:r>
-              <a:rPr lang="zh-TW" altLang="en-US" smtClean="0"/>
+              <a:rPr lang="zh-TW" altLang="en-US"/>
               <a:t>第四層</a:t>
             </a:r>
           </a:p>
           <a:p>
             <a:pPr lvl="4"/>
             <a:r>
-              <a:rPr lang="zh-TW" altLang="en-US" smtClean="0"/>
+              <a:rPr lang="zh-TW" altLang="en-US"/>
               <a:t>第五層</a:t>
             </a:r>
             <a:endParaRPr lang="en-US" dirty="0"/>
@@ -1348,7 +1348,7 @@
           <a:lstStyle/>
           <a:p>
             <a:r>
-              <a:rPr lang="zh-TW" altLang="en-US" smtClean="0"/>
+              <a:rPr lang="zh-TW" altLang="en-US"/>
               <a:t>按一下以編輯母片標題樣式</a:t>
             </a:r>
             <a:endParaRPr lang="en-US" dirty="0"/>
@@ -1414,7 +1414,7 @@
           <a:p>
             <a:pPr lvl="0"/>
             <a:r>
-              <a:rPr lang="zh-TW" altLang="en-US" smtClean="0"/>
+              <a:rPr lang="zh-TW" altLang="en-US"/>
               <a:t>編輯母片文字樣式</a:t>
             </a:r>
           </a:p>
@@ -1442,35 +1442,35 @@
           <a:p>
             <a:pPr lvl="0"/>
             <a:r>
-              <a:rPr lang="zh-TW" altLang="en-US" smtClean="0"/>
+              <a:rPr lang="zh-TW" altLang="en-US"/>
               <a:t>編輯母片文字樣式</a:t>
             </a:r>
           </a:p>
           <a:p>
             <a:pPr lvl="1"/>
             <a:r>
-              <a:rPr lang="zh-TW" altLang="en-US" smtClean="0"/>
+              <a:rPr lang="zh-TW" altLang="en-US"/>
               <a:t>第二層</a:t>
             </a:r>
           </a:p>
           <a:p>
             <a:pPr lvl="2"/>
             <a:r>
-              <a:rPr lang="zh-TW" altLang="en-US" smtClean="0"/>
+              <a:rPr lang="zh-TW" altLang="en-US"/>
               <a:t>第三層</a:t>
             </a:r>
           </a:p>
           <a:p>
             <a:pPr lvl="3"/>
             <a:r>
-              <a:rPr lang="zh-TW" altLang="en-US" smtClean="0"/>
+              <a:rPr lang="zh-TW" altLang="en-US"/>
               <a:t>第四層</a:t>
             </a:r>
           </a:p>
           <a:p>
             <a:pPr lvl="4"/>
             <a:r>
-              <a:rPr lang="zh-TW" altLang="en-US" smtClean="0"/>
+              <a:rPr lang="zh-TW" altLang="en-US"/>
               <a:t>第五層</a:t>
             </a:r>
             <a:endParaRPr lang="en-US" dirty="0"/>
@@ -1536,7 +1536,7 @@
           <a:p>
             <a:pPr lvl="0"/>
             <a:r>
-              <a:rPr lang="zh-TW" altLang="en-US" smtClean="0"/>
+              <a:rPr lang="zh-TW" altLang="en-US"/>
               <a:t>編輯母片文字樣式</a:t>
             </a:r>
           </a:p>
@@ -1564,35 +1564,35 @@
           <a:p>
             <a:pPr lvl="0"/>
             <a:r>
-              <a:rPr lang="zh-TW" altLang="en-US" smtClean="0"/>
+              <a:rPr lang="zh-TW" altLang="en-US"/>
               <a:t>編輯母片文字樣式</a:t>
             </a:r>
           </a:p>
           <a:p>
             <a:pPr lvl="1"/>
             <a:r>
-              <a:rPr lang="zh-TW" altLang="en-US" smtClean="0"/>
+              <a:rPr lang="zh-TW" altLang="en-US"/>
               <a:t>第二層</a:t>
             </a:r>
           </a:p>
           <a:p>
             <a:pPr lvl="2"/>
             <a:r>
-              <a:rPr lang="zh-TW" altLang="en-US" smtClean="0"/>
+              <a:rPr lang="zh-TW" altLang="en-US"/>
               <a:t>第三層</a:t>
             </a:r>
           </a:p>
           <a:p>
             <a:pPr lvl="3"/>
             <a:r>
-              <a:rPr lang="zh-TW" altLang="en-US" smtClean="0"/>
+              <a:rPr lang="zh-TW" altLang="en-US"/>
               <a:t>第四層</a:t>
             </a:r>
           </a:p>
           <a:p>
             <a:pPr lvl="4"/>
             <a:r>
-              <a:rPr lang="zh-TW" altLang="en-US" smtClean="0"/>
+              <a:rPr lang="zh-TW" altLang="en-US"/>
               <a:t>第五層</a:t>
             </a:r>
             <a:endParaRPr lang="en-US" dirty="0"/>
@@ -1710,7 +1710,7 @@
           <a:lstStyle/>
           <a:p>
             <a:r>
-              <a:rPr lang="zh-TW" altLang="en-US" smtClean="0"/>
+              <a:rPr lang="zh-TW" altLang="en-US"/>
               <a:t>按一下以編輯母片標題樣式</a:t>
             </a:r>
             <a:endParaRPr lang="en-US" dirty="0"/>
@@ -1932,7 +1932,7 @@
           </a:lstStyle>
           <a:p>
             <a:r>
-              <a:rPr lang="zh-TW" altLang="en-US" smtClean="0"/>
+              <a:rPr lang="zh-TW" altLang="en-US"/>
               <a:t>按一下以編輯母片標題樣式</a:t>
             </a:r>
             <a:endParaRPr lang="en-US" dirty="0"/>
@@ -1989,35 +1989,35 @@
           <a:p>
             <a:pPr lvl="0"/>
             <a:r>
-              <a:rPr lang="zh-TW" altLang="en-US" smtClean="0"/>
+              <a:rPr lang="zh-TW" altLang="en-US"/>
               <a:t>編輯母片文字樣式</a:t>
             </a:r>
           </a:p>
           <a:p>
             <a:pPr lvl="1"/>
             <a:r>
-              <a:rPr lang="zh-TW" altLang="en-US" smtClean="0"/>
+              <a:rPr lang="zh-TW" altLang="en-US"/>
               <a:t>第二層</a:t>
             </a:r>
           </a:p>
           <a:p>
             <a:pPr lvl="2"/>
             <a:r>
-              <a:rPr lang="zh-TW" altLang="en-US" smtClean="0"/>
+              <a:rPr lang="zh-TW" altLang="en-US"/>
               <a:t>第三層</a:t>
             </a:r>
           </a:p>
           <a:p>
             <a:pPr lvl="3"/>
             <a:r>
-              <a:rPr lang="zh-TW" altLang="en-US" smtClean="0"/>
+              <a:rPr lang="zh-TW" altLang="en-US"/>
               <a:t>第四層</a:t>
             </a:r>
           </a:p>
           <a:p>
             <a:pPr lvl="4"/>
             <a:r>
-              <a:rPr lang="zh-TW" altLang="en-US" smtClean="0"/>
+              <a:rPr lang="zh-TW" altLang="en-US"/>
               <a:t>第五層</a:t>
             </a:r>
             <a:endParaRPr lang="en-US" dirty="0"/>
@@ -2083,7 +2083,7 @@
           <a:p>
             <a:pPr lvl="0"/>
             <a:r>
-              <a:rPr lang="zh-TW" altLang="en-US" smtClean="0"/>
+              <a:rPr lang="zh-TW" altLang="en-US"/>
               <a:t>編輯母片文字樣式</a:t>
             </a:r>
           </a:p>
@@ -2209,7 +2209,7 @@
           </a:lstStyle>
           <a:p>
             <a:r>
-              <a:rPr lang="zh-TW" altLang="en-US" smtClean="0"/>
+              <a:rPr lang="zh-TW" altLang="en-US"/>
               <a:t>按一下以編輯母片標題樣式</a:t>
             </a:r>
             <a:endParaRPr lang="en-US" dirty="0"/>
@@ -2274,7 +2274,7 @@
           </a:lstStyle>
           <a:p>
             <a:r>
-              <a:rPr lang="zh-TW" altLang="en-US" smtClean="0"/>
+              <a:rPr lang="zh-TW" altLang="en-US"/>
               <a:t>按一下圖示以新增圖片</a:t>
             </a:r>
             <a:endParaRPr lang="en-US" dirty="0"/>
@@ -2340,7 +2340,7 @@
           <a:p>
             <a:pPr lvl="0"/>
             <a:r>
-              <a:rPr lang="zh-TW" altLang="en-US" smtClean="0"/>
+              <a:rPr lang="zh-TW" altLang="en-US"/>
               <a:t>編輯母片文字樣式</a:t>
             </a:r>
           </a:p>
@@ -2472,7 +2472,7 @@
           <a:lstStyle/>
           <a:p>
             <a:r>
-              <a:rPr lang="zh-TW" altLang="en-US" smtClean="0"/>
+              <a:rPr lang="zh-TW" altLang="en-US"/>
               <a:t>按一下以編輯母片標題樣式</a:t>
             </a:r>
             <a:endParaRPr lang="en-US" dirty="0"/>
@@ -2506,35 +2506,35 @@
           <a:p>
             <a:pPr lvl="0"/>
             <a:r>
-              <a:rPr lang="zh-TW" altLang="en-US" smtClean="0"/>
+              <a:rPr lang="zh-TW" altLang="en-US"/>
               <a:t>編輯母片文字樣式</a:t>
             </a:r>
           </a:p>
           <a:p>
             <a:pPr lvl="1"/>
             <a:r>
-              <a:rPr lang="zh-TW" altLang="en-US" smtClean="0"/>
+              <a:rPr lang="zh-TW" altLang="en-US"/>
               <a:t>第二層</a:t>
             </a:r>
           </a:p>
           <a:p>
             <a:pPr lvl="2"/>
             <a:r>
-              <a:rPr lang="zh-TW" altLang="en-US" smtClean="0"/>
+              <a:rPr lang="zh-TW" altLang="en-US"/>
               <a:t>第三層</a:t>
             </a:r>
           </a:p>
           <a:p>
             <a:pPr lvl="3"/>
             <a:r>
-              <a:rPr lang="zh-TW" altLang="en-US" smtClean="0"/>
+              <a:rPr lang="zh-TW" altLang="en-US"/>
               <a:t>第四層</a:t>
             </a:r>
           </a:p>
           <a:p>
             <a:pPr lvl="4"/>
             <a:r>
-              <a:rPr lang="zh-TW" altLang="en-US" smtClean="0"/>
+              <a:rPr lang="zh-TW" altLang="en-US"/>
               <a:t>第五層</a:t>
             </a:r>
             <a:endParaRPr lang="en-US" dirty="0"/>
@@ -3192,44 +3192,44 @@
           <a:lstStyle/>
           <a:p>
             <a:r>
-              <a:rPr lang="zh-TW" altLang="en-US" dirty="0" smtClean="0"/>
+              <a:rPr lang="zh-TW" altLang="en-US" dirty="0"/>
               <a:t>  公開圓餅圖</a:t>
             </a:r>
-            <a:endParaRPr lang="en-US" altLang="zh-TW" dirty="0" smtClean="0"/>
-          </a:p>
-          <a:p>
-            <a:r>
-              <a:rPr lang="zh-TW" altLang="en-US" dirty="0" smtClean="0"/>
+            <a:endParaRPr lang="en-US" altLang="zh-TW" dirty="0"/>
+          </a:p>
+          <a:p>
+            <a:r>
+              <a:rPr lang="zh-TW" altLang="en-US" dirty="0"/>
               <a:t>   </a:t>
             </a:r>
             <a:r>
-              <a:rPr lang="en-US" altLang="zh-TW" dirty="0" smtClean="0"/>
+              <a:rPr lang="en-US" altLang="zh-TW" dirty="0"/>
               <a:t>(</a:t>
             </a:r>
             <a:r>
-              <a:rPr lang="zh-TW" altLang="en-US" dirty="0" smtClean="0"/>
+              <a:rPr lang="zh-TW" altLang="en-US" dirty="0"/>
               <a:t>家庭</a:t>
             </a:r>
             <a:r>
-              <a:rPr lang="en-US" altLang="zh-TW" dirty="0" smtClean="0"/>
+              <a:rPr lang="en-US" altLang="zh-TW" dirty="0"/>
               <a:t>)</a:t>
             </a:r>
           </a:p>
           <a:p>
             <a:pPr algn="ctr"/>
             <a:r>
-              <a:rPr lang="zh-TW" altLang="en-US" dirty="0" smtClean="0"/>
+              <a:rPr lang="zh-TW" altLang="en-US" dirty="0"/>
               <a:t>本月公開總收入</a:t>
             </a:r>
-            <a:endParaRPr lang="en-US" altLang="zh-TW" dirty="0" smtClean="0"/>
+            <a:endParaRPr lang="en-US" altLang="zh-TW" dirty="0"/>
           </a:p>
           <a:p>
             <a:pPr algn="ctr"/>
             <a:r>
-              <a:rPr lang="zh-TW" altLang="en-US" dirty="0" smtClean="0"/>
+              <a:rPr lang="zh-TW" altLang="en-US" dirty="0"/>
               <a:t>扣掉公開總支出</a:t>
             </a:r>
-            <a:endParaRPr lang="en-US" altLang="zh-TW" dirty="0" smtClean="0"/>
+            <a:endParaRPr lang="en-US" altLang="zh-TW" dirty="0"/>
           </a:p>
         </p:txBody>
       </p:sp>
@@ -3281,22 +3281,21 @@
                     <a:p>
                       <a:pPr algn="ctr"/>
                       <a:r>
-                        <a:rPr lang="zh-TW" altLang="en-US" sz="1400" dirty="0" smtClean="0"/>
+                        <a:rPr lang="zh-TW" altLang="en-US" sz="1400" dirty="0"/>
                         <a:t>本月收入</a:t>
                       </a:r>
-                      <a:endParaRPr lang="en-US" altLang="zh-TW" sz="1400" dirty="0" smtClean="0"/>
+                      <a:endParaRPr lang="en-US" altLang="zh-TW" sz="1400" dirty="0"/>
                     </a:p>
                     <a:p>
                       <a:pPr algn="ctr"/>
                       <a:r>
-                        <a:rPr lang="en-US" altLang="zh-TW" sz="1400" dirty="0" smtClean="0"/>
+                        <a:rPr lang="en-US" altLang="zh-TW" sz="1400" dirty="0"/>
                         <a:t>XXXXXXXX</a:t>
                       </a:r>
                       <a:r>
-                        <a:rPr lang="zh-TW" altLang="en-US" sz="1400" dirty="0" smtClean="0"/>
+                        <a:rPr lang="zh-TW" altLang="en-US" sz="1400" dirty="0"/>
                         <a:t>元</a:t>
                       </a:r>
-                      <a:endParaRPr lang="zh-TW" altLang="en-US" sz="1400" dirty="0"/>
                     </a:p>
                   </a:txBody>
                   <a:tcPr anchor="ctr"/>
@@ -3326,10 +3325,9 @@
                     <a:p>
                       <a:pPr algn="ctr"/>
                       <a:r>
-                        <a:rPr lang="zh-TW" altLang="en-US" sz="1400" dirty="0" smtClean="0"/>
+                        <a:rPr lang="zh-TW" altLang="en-US" sz="1400" dirty="0"/>
                         <a:t>項目</a:t>
                       </a:r>
-                      <a:endParaRPr lang="zh-TW" altLang="en-US" sz="1400" dirty="0"/>
                     </a:p>
                   </a:txBody>
                   <a:tcPr anchor="ctr"/>
@@ -3341,10 +3339,9 @@
                     <a:p>
                       <a:pPr algn="ctr"/>
                       <a:r>
-                        <a:rPr lang="zh-TW" altLang="en-US" sz="1400" dirty="0" smtClean="0"/>
+                        <a:rPr lang="zh-TW" altLang="en-US" sz="1400" dirty="0"/>
                         <a:t>金額</a:t>
                       </a:r>
-                      <a:endParaRPr lang="zh-TW" altLang="en-US" sz="1400" dirty="0"/>
                     </a:p>
                   </a:txBody>
                   <a:tcPr anchor="ctr"/>
@@ -3552,22 +3549,21 @@
                     <a:p>
                       <a:pPr algn="ctr"/>
                       <a:r>
-                        <a:rPr lang="zh-TW" altLang="en-US" sz="1400" dirty="0" smtClean="0"/>
+                        <a:rPr lang="zh-TW" altLang="en-US" sz="1400" dirty="0"/>
                         <a:t>本月支出</a:t>
                       </a:r>
-                      <a:endParaRPr lang="en-US" altLang="zh-TW" sz="1400" dirty="0" smtClean="0"/>
+                      <a:endParaRPr lang="en-US" altLang="zh-TW" sz="1400" dirty="0"/>
                     </a:p>
                     <a:p>
                       <a:pPr algn="ctr"/>
                       <a:r>
-                        <a:rPr lang="en-US" altLang="zh-TW" sz="1400" dirty="0" smtClean="0"/>
+                        <a:rPr lang="en-US" altLang="zh-TW" sz="1400" dirty="0"/>
                         <a:t>XXXXXXXX</a:t>
                       </a:r>
                       <a:r>
-                        <a:rPr lang="zh-TW" altLang="en-US" sz="1400" dirty="0" smtClean="0"/>
+                        <a:rPr lang="zh-TW" altLang="en-US" sz="1400" dirty="0"/>
                         <a:t>元</a:t>
                       </a:r>
-                      <a:endParaRPr lang="zh-TW" altLang="en-US" sz="1400" dirty="0"/>
                     </a:p>
                   </a:txBody>
                   <a:tcPr anchor="ctr"/>
@@ -3596,10 +3592,9 @@
                     <a:p>
                       <a:pPr algn="ctr"/>
                       <a:r>
-                        <a:rPr lang="zh-TW" altLang="en-US" sz="1400" dirty="0" smtClean="0"/>
+                        <a:rPr lang="zh-TW" altLang="en-US" sz="1400" dirty="0"/>
                         <a:t>項目</a:t>
                       </a:r>
-                      <a:endParaRPr lang="zh-TW" altLang="en-US" sz="1400" dirty="0"/>
                     </a:p>
                   </a:txBody>
                   <a:tcPr anchor="ctr"/>
@@ -3611,10 +3606,9 @@
                     <a:p>
                       <a:pPr algn="ctr"/>
                       <a:r>
-                        <a:rPr lang="zh-TW" altLang="en-US" sz="1400" dirty="0" smtClean="0"/>
+                        <a:rPr lang="zh-TW" altLang="en-US" sz="1400" dirty="0"/>
                         <a:t>金額</a:t>
                       </a:r>
-                      <a:endParaRPr lang="zh-TW" altLang="en-US" sz="1400" dirty="0"/>
                     </a:p>
                   </a:txBody>
                   <a:tcPr anchor="ctr"/>
@@ -3803,10 +3797,9 @@
           <a:lstStyle/>
           <a:p>
             <a:r>
-              <a:rPr lang="zh-TW" altLang="en-US" dirty="0" smtClean="0"/>
+              <a:rPr lang="zh-TW" altLang="en-US" dirty="0"/>
               <a:t>歡迎來到家族記帳管理系統                 請登入會員 </a:t>
             </a:r>
-            <a:endParaRPr lang="zh-TW" altLang="en-US" dirty="0"/>
           </a:p>
         </p:txBody>
       </p:sp>
@@ -4120,10 +4113,9 @@
           <a:p>
             <a:pPr algn="ctr"/>
             <a:r>
-              <a:rPr lang="zh-TW" altLang="en-US" dirty="0" smtClean="0"/>
+              <a:rPr lang="zh-TW" altLang="en-US" dirty="0"/>
               <a:t>投票區</a:t>
             </a:r>
-            <a:endParaRPr lang="zh-TW" altLang="en-US" dirty="0"/>
           </a:p>
         </p:txBody>
       </p:sp>
@@ -4164,7 +4156,7 @@
           <a:p>
             <a:pPr algn="ctr"/>
             <a:r>
-              <a:rPr lang="en-US" altLang="zh-TW" dirty="0" smtClean="0"/>
+              <a:rPr lang="en-US" altLang="zh-TW" dirty="0"/>
               <a:t>subject</a:t>
             </a:r>
             <a:endParaRPr lang="zh-TW" altLang="en-US" dirty="0"/>
@@ -4208,12 +4200,8 @@
           <a:p>
             <a:pPr algn="ctr"/>
             <a:r>
-              <a:rPr lang="zh-TW" altLang="en-US" dirty="0" smtClean="0"/>
-              <a:t>進行</a:t>
-            </a:r>
-            <a:r>
               <a:rPr lang="zh-TW" altLang="en-US" dirty="0"/>
-              <a:t>中</a:t>
+              <a:t>進行中</a:t>
             </a:r>
           </a:p>
         </p:txBody>
@@ -4255,10 +4243,9 @@
           <a:p>
             <a:pPr algn="ctr"/>
             <a:r>
-              <a:rPr lang="zh-TW" altLang="en-US" dirty="0" smtClean="0"/>
+              <a:rPr lang="zh-TW" altLang="en-US" dirty="0"/>
               <a:t>已結束</a:t>
             </a:r>
-            <a:endParaRPr lang="zh-TW" altLang="en-US" dirty="0"/>
           </a:p>
         </p:txBody>
       </p:sp>
@@ -4299,7 +4286,7 @@
           <a:p>
             <a:pPr algn="ctr"/>
             <a:r>
-              <a:rPr lang="en-US" altLang="zh-TW" dirty="0" smtClean="0"/>
+              <a:rPr lang="en-US" altLang="zh-TW" dirty="0"/>
               <a:t>subject</a:t>
             </a:r>
             <a:endParaRPr lang="zh-TW" altLang="en-US" dirty="0"/>
@@ -4343,7 +4330,7 @@
           <a:p>
             <a:pPr algn="ctr"/>
             <a:r>
-              <a:rPr lang="en-US" altLang="zh-TW" dirty="0" smtClean="0"/>
+              <a:rPr lang="en-US" altLang="zh-TW" dirty="0"/>
               <a:t>total</a:t>
             </a:r>
             <a:endParaRPr lang="zh-TW" altLang="en-US" dirty="0"/>
@@ -4387,7 +4374,7 @@
           <a:p>
             <a:pPr algn="ctr"/>
             <a:r>
-              <a:rPr lang="en-US" altLang="zh-TW" dirty="0" smtClean="0"/>
+              <a:rPr lang="en-US" altLang="zh-TW" dirty="0"/>
               <a:t>result</a:t>
             </a:r>
             <a:endParaRPr lang="zh-TW" altLang="en-US" dirty="0"/>
@@ -4439,7 +4426,7 @@
           <a:p>
             <a:pPr algn="ctr"/>
             <a:r>
-              <a:rPr lang="en-US" altLang="zh-TW" sz="2000" b="1" dirty="0" smtClean="0">
+              <a:rPr lang="en-US" altLang="zh-TW" sz="2000" b="1" dirty="0">
                 <a:solidFill>
                   <a:srgbClr val="FFFF00"/>
                 </a:solidFill>
@@ -4513,7 +4500,7 @@
           <a:p>
             <a:pPr algn="ctr"/>
             <a:r>
-              <a:rPr lang="en-US" altLang="zh-TW" sz="2000" b="1" dirty="0" err="1" smtClean="0">
+              <a:rPr lang="en-US" altLang="zh-TW" sz="2000" b="1" dirty="0" err="1">
                 <a:solidFill>
                   <a:srgbClr val="FFFF00"/>
                 </a:solidFill>
@@ -4587,7 +4574,7 @@
           <a:p>
             <a:pPr algn="ctr"/>
             <a:r>
-              <a:rPr lang="en-US" altLang="zh-TW" sz="2000" b="1" dirty="0" err="1" smtClean="0">
+              <a:rPr lang="en-US" altLang="zh-TW" sz="2000" b="1" dirty="0" err="1">
                 <a:solidFill>
                   <a:srgbClr val="FFFF00"/>
                 </a:solidFill>
@@ -4658,7 +4645,7 @@
           <a:lstStyle/>
           <a:p>
             <a:r>
-              <a:rPr lang="en-US" altLang="zh-TW" dirty="0" smtClean="0"/>
+              <a:rPr lang="en-US" altLang="zh-TW" dirty="0"/>
               <a:t>&lt;div&gt; “ top”</a:t>
             </a:r>
             <a:endParaRPr lang="zh-TW" altLang="en-US" dirty="0"/>
@@ -4707,7 +4694,7 @@
           <a:lstStyle/>
           <a:p>
             <a:r>
-              <a:rPr lang="en-US" altLang="zh-TW" dirty="0" smtClean="0"/>
+              <a:rPr lang="en-US" altLang="zh-TW" dirty="0"/>
               <a:t>&lt;div&gt;“ public”</a:t>
             </a:r>
             <a:endParaRPr lang="zh-TW" altLang="en-US" dirty="0"/>
@@ -4756,30 +4743,25 @@
           <a:lstStyle/>
           <a:p>
             <a:r>
-              <a:rPr lang="en-US" altLang="zh-TW" dirty="0" smtClean="0"/>
+              <a:rPr lang="en-US" altLang="zh-TW" dirty="0"/>
               <a:t>&lt;div &gt;</a:t>
             </a:r>
-            <a:endParaRPr lang="en-US" altLang="zh-TW" dirty="0"/>
-          </a:p>
-          <a:p>
-            <a:r>
-              <a:rPr lang="en-US" altLang="zh-TW" dirty="0" smtClean="0"/>
+          </a:p>
+          <a:p>
+            <a:r>
+              <a:rPr lang="en-US" altLang="zh-TW" dirty="0"/>
               <a:t>“public”</a:t>
             </a:r>
           </a:p>
           <a:p>
             <a:r>
               <a:rPr lang="en-US" altLang="zh-TW" dirty="0"/>
-              <a:t>&lt;div </a:t>
-            </a:r>
-            <a:r>
-              <a:rPr lang="en-US" altLang="zh-TW" dirty="0" smtClean="0"/>
-              <a:t>&gt;</a:t>
-            </a:r>
-          </a:p>
-          <a:p>
-            <a:r>
-              <a:rPr lang="en-US" altLang="zh-TW" dirty="0" smtClean="0"/>
+              <a:t>&lt;div &gt;</a:t>
+            </a:r>
+          </a:p>
+          <a:p>
+            <a:r>
+              <a:rPr lang="en-US" altLang="zh-TW" dirty="0"/>
               <a:t>“public-left”</a:t>
             </a:r>
           </a:p>
@@ -4827,30 +4809,25 @@
           <a:lstStyle/>
           <a:p>
             <a:r>
-              <a:rPr lang="en-US" altLang="zh-TW" dirty="0" smtClean="0"/>
+              <a:rPr lang="en-US" altLang="zh-TW" dirty="0"/>
               <a:t>&lt;div &gt;</a:t>
             </a:r>
-            <a:endParaRPr lang="en-US" altLang="zh-TW" dirty="0"/>
-          </a:p>
-          <a:p>
-            <a:r>
-              <a:rPr lang="en-US" altLang="zh-TW" dirty="0" smtClean="0"/>
+          </a:p>
+          <a:p>
+            <a:r>
+              <a:rPr lang="en-US" altLang="zh-TW" dirty="0"/>
               <a:t>“public”</a:t>
             </a:r>
           </a:p>
           <a:p>
             <a:r>
               <a:rPr lang="en-US" altLang="zh-TW" dirty="0"/>
-              <a:t>&lt;div </a:t>
-            </a:r>
-            <a:r>
-              <a:rPr lang="en-US" altLang="zh-TW" dirty="0" smtClean="0"/>
-              <a:t>&gt;</a:t>
-            </a:r>
-          </a:p>
-          <a:p>
-            <a:r>
-              <a:rPr lang="en-US" altLang="zh-TW" dirty="0" smtClean="0"/>
+              <a:t>&lt;div &gt;</a:t>
+            </a:r>
+          </a:p>
+          <a:p>
+            <a:r>
+              <a:rPr lang="en-US" altLang="zh-TW" dirty="0"/>
               <a:t>“public-right”</a:t>
             </a:r>
           </a:p>
@@ -4898,29 +4875,25 @@
           <a:lstStyle/>
           <a:p>
             <a:r>
-              <a:rPr lang="en-US" altLang="zh-TW" dirty="0" smtClean="0"/>
+              <a:rPr lang="en-US" altLang="zh-TW" dirty="0"/>
               <a:t>&lt;div &gt;</a:t>
             </a:r>
           </a:p>
           <a:p>
             <a:r>
-              <a:rPr lang="en-US" altLang="zh-TW" dirty="0" smtClean="0"/>
+              <a:rPr lang="en-US" altLang="zh-TW" dirty="0"/>
               <a:t>“public”</a:t>
             </a:r>
           </a:p>
           <a:p>
             <a:r>
               <a:rPr lang="en-US" altLang="zh-TW" dirty="0"/>
-              <a:t>&lt;div </a:t>
-            </a:r>
-            <a:r>
-              <a:rPr lang="en-US" altLang="zh-TW" dirty="0" smtClean="0"/>
-              <a:t>&gt;</a:t>
-            </a:r>
-          </a:p>
-          <a:p>
-            <a:r>
-              <a:rPr lang="en-US" altLang="zh-TW" dirty="0" smtClean="0"/>
+              <a:t>&lt;div &gt;</a:t>
+            </a:r>
+          </a:p>
+          <a:p>
+            <a:r>
+              <a:rPr lang="en-US" altLang="zh-TW" dirty="0"/>
               <a:t>“public-center”</a:t>
             </a:r>
           </a:p>
@@ -4968,7 +4941,7 @@
           <a:lstStyle/>
           <a:p>
             <a:r>
-              <a:rPr lang="en-US" altLang="zh-TW" dirty="0" smtClean="0"/>
+              <a:rPr lang="en-US" altLang="zh-TW" dirty="0"/>
               <a:t>&lt;div&gt;“ vote-list”</a:t>
             </a:r>
             <a:endParaRPr lang="zh-TW" altLang="en-US" dirty="0"/>
@@ -5017,7 +4990,7 @@
           <a:lstStyle/>
           <a:p>
             <a:r>
-              <a:rPr lang="en-US" altLang="zh-TW" dirty="0" smtClean="0"/>
+              <a:rPr lang="en-US" altLang="zh-TW" dirty="0"/>
               <a:t>&lt;div&gt; “ container”</a:t>
             </a:r>
             <a:endParaRPr lang="zh-TW" altLang="en-US" dirty="0"/>
@@ -5034,13 +5007,6 @@
   <p:clrMapOvr>
     <a:masterClrMapping/>
   </p:clrMapOvr>
-  <p:timing>
-    <p:tnLst>
-      <p:par>
-        <p:cTn id="1" dur="indefinite" restart="never" nodeType="tmRoot"/>
-      </p:par>
-    </p:tnLst>
-  </p:timing>
 </p:sld>
 </file>
 
@@ -5187,18 +5153,17 @@
           <a:lstStyle/>
           <a:p>
             <a:r>
-              <a:rPr lang="zh-TW" altLang="en-US" dirty="0" smtClean="0"/>
+              <a:rPr lang="zh-TW" altLang="en-US" dirty="0"/>
               <a:t>歡迎</a:t>
             </a:r>
             <a:r>
-              <a:rPr lang="en-US" altLang="zh-TW" dirty="0" smtClean="0"/>
+              <a:rPr lang="en-US" altLang="zh-TW" dirty="0"/>
               <a:t>XXX  </a:t>
             </a:r>
             <a:r>
-              <a:rPr lang="zh-TW" altLang="en-US" dirty="0" smtClean="0"/>
+              <a:rPr lang="zh-TW" altLang="en-US" dirty="0"/>
               <a:t>進入家族記帳管理系統                                                                                                            </a:t>
             </a:r>
-            <a:endParaRPr lang="zh-TW" altLang="en-US" dirty="0"/>
           </a:p>
         </p:txBody>
       </p:sp>
@@ -5239,12 +5204,8 @@
           <a:p>
             <a:pPr algn="ctr"/>
             <a:r>
-              <a:rPr lang="zh-TW" altLang="en-US" dirty="0" smtClean="0"/>
-              <a:t>設</a:t>
-            </a:r>
-            <a:r>
               <a:rPr lang="zh-TW" altLang="en-US" dirty="0"/>
-              <a:t>定</a:t>
+              <a:t>設定</a:t>
             </a:r>
           </a:p>
         </p:txBody>
@@ -5289,10 +5250,9 @@
           <a:p>
             <a:pPr algn="ctr"/>
             <a:r>
-              <a:rPr lang="zh-TW" altLang="en-US" dirty="0" smtClean="0"/>
+              <a:rPr lang="zh-TW" altLang="en-US" dirty="0"/>
               <a:t>清單</a:t>
             </a:r>
-            <a:endParaRPr lang="zh-TW" altLang="en-US" dirty="0"/>
           </a:p>
         </p:txBody>
       </p:sp>
@@ -5379,10 +5339,10 @@
                     <a:p>
                       <a:pPr algn="ctr"/>
                       <a:r>
-                        <a:rPr lang="zh-TW" altLang="en-US" sz="1050" dirty="0" smtClean="0"/>
+                        <a:rPr lang="zh-TW" altLang="en-US" sz="1050" dirty="0"/>
                         <a:t>項次</a:t>
                       </a:r>
-                      <a:endParaRPr lang="en-US" altLang="zh-TW" sz="1050" dirty="0" smtClean="0"/>
+                      <a:endParaRPr lang="en-US" altLang="zh-TW" sz="1050" dirty="0"/>
                     </a:p>
                   </a:txBody>
                   <a:tcPr anchor="ctr"/>
@@ -5394,15 +5354,15 @@
                     <a:p>
                       <a:pPr algn="ctr"/>
                       <a:r>
-                        <a:rPr lang="zh-TW" altLang="en-US" sz="1050" dirty="0" smtClean="0"/>
+                        <a:rPr lang="zh-TW" altLang="en-US" sz="1050" dirty="0"/>
                         <a:t>主題</a:t>
                       </a:r>
-                      <a:endParaRPr lang="en-US" altLang="zh-TW" sz="1050" dirty="0" smtClean="0"/>
+                      <a:endParaRPr lang="en-US" altLang="zh-TW" sz="1050" dirty="0"/>
                     </a:p>
                     <a:p>
                       <a:pPr algn="ctr"/>
                       <a:r>
-                        <a:rPr lang="en-US" altLang="zh-TW" sz="1050" dirty="0" smtClean="0"/>
+                        <a:rPr lang="en-US" altLang="zh-TW" sz="1050" dirty="0"/>
                         <a:t>subject</a:t>
                       </a:r>
                       <a:endParaRPr lang="zh-TW" altLang="en-US" sz="1050" dirty="0"/>
@@ -5417,11 +5377,11 @@
                     <a:p>
                       <a:pPr algn="ctr"/>
                       <a:r>
-                        <a:rPr lang="zh-TW" altLang="en-US" sz="1050" dirty="0" smtClean="0"/>
+                        <a:rPr lang="zh-TW" altLang="en-US" sz="1050" dirty="0"/>
                         <a:t>開始時間</a:t>
                       </a:r>
                       <a:r>
-                        <a:rPr lang="en-US" altLang="zh-TW" sz="1050" dirty="0" err="1" smtClean="0"/>
+                        <a:rPr lang="en-US" altLang="zh-TW" sz="1050" dirty="0" err="1"/>
                         <a:t>open_time</a:t>
                       </a:r>
                       <a:endParaRPr lang="zh-TW" altLang="en-US" sz="1050" dirty="0"/>
@@ -5436,18 +5396,18 @@
                     <a:p>
                       <a:pPr algn="ctr"/>
                       <a:r>
-                        <a:rPr lang="zh-TW" altLang="en-US" sz="1050" dirty="0" smtClean="0"/>
+                        <a:rPr lang="zh-TW" altLang="en-US" sz="1050" dirty="0"/>
                         <a:t>結束時間</a:t>
                       </a:r>
-                      <a:endParaRPr lang="en-US" altLang="zh-TW" sz="1050" dirty="0" smtClean="0"/>
+                      <a:endParaRPr lang="en-US" altLang="zh-TW" sz="1050" dirty="0"/>
                     </a:p>
                     <a:p>
                       <a:pPr algn="ctr"/>
                       <a:r>
-                        <a:rPr lang="en-US" altLang="zh-TW" sz="1050" dirty="0" err="1" smtClean="0"/>
+                        <a:rPr lang="en-US" altLang="zh-TW" sz="1050" dirty="0" err="1"/>
                         <a:t>close_time</a:t>
                       </a:r>
-                      <a:endParaRPr lang="en-US" altLang="zh-TW" sz="1050" dirty="0" smtClean="0"/>
+                      <a:endParaRPr lang="en-US" altLang="zh-TW" sz="1050" dirty="0"/>
                     </a:p>
                   </a:txBody>
                   <a:tcPr anchor="ctr"/>
@@ -5459,15 +5419,15 @@
                     <a:p>
                       <a:pPr algn="ctr"/>
                       <a:r>
-                        <a:rPr lang="zh-TW" altLang="en-US" sz="1050" dirty="0" smtClean="0"/>
+                        <a:rPr lang="zh-TW" altLang="en-US" sz="1050" dirty="0"/>
                         <a:t>單複選</a:t>
                       </a:r>
-                      <a:endParaRPr lang="en-US" altLang="zh-TW" sz="1050" dirty="0" smtClean="0"/>
+                      <a:endParaRPr lang="en-US" altLang="zh-TW" sz="1050" dirty="0"/>
                     </a:p>
                     <a:p>
                       <a:pPr algn="ctr"/>
                       <a:r>
-                        <a:rPr lang="en-US" altLang="zh-TW" sz="1050" dirty="0" smtClean="0"/>
+                        <a:rPr lang="en-US" altLang="zh-TW" sz="1050" dirty="0"/>
                         <a:t>type</a:t>
                       </a:r>
                     </a:p>
@@ -5481,10 +5441,9 @@
                     <a:p>
                       <a:pPr algn="ctr"/>
                       <a:r>
-                        <a:rPr lang="zh-TW" altLang="en-US" sz="1050" dirty="0" smtClean="0"/>
+                        <a:rPr lang="zh-TW" altLang="en-US" sz="1050" dirty="0"/>
                         <a:t>已投票完成者</a:t>
                       </a:r>
-                      <a:endParaRPr lang="zh-TW" altLang="en-US" sz="1050" dirty="0"/>
                     </a:p>
                   </a:txBody>
                   <a:tcPr anchor="ctr"/>
@@ -5513,7 +5472,7 @@
                     <a:lstStyle/>
                     <a:p>
                       <a:pPr algn="l"/>
-                      <a:endParaRPr lang="en-US" altLang="zh-TW" sz="1100" dirty="0" smtClean="0"/>
+                      <a:endParaRPr lang="en-US" altLang="zh-TW" sz="1100" dirty="0"/>
                     </a:p>
                   </a:txBody>
                   <a:tcPr/>
@@ -5540,7 +5499,7 @@
                         <a:tabLst/>
                         <a:defRPr/>
                       </a:pPr>
-                      <a:endParaRPr lang="zh-TW" altLang="en-US" sz="1100" dirty="0" smtClean="0"/>
+                      <a:endParaRPr lang="zh-TW" altLang="en-US" sz="1100" dirty="0"/>
                     </a:p>
                   </a:txBody>
                   <a:tcPr/>
@@ -5567,7 +5526,7 @@
                         <a:tabLst/>
                         <a:defRPr/>
                       </a:pPr>
-                      <a:endParaRPr lang="zh-TW" altLang="en-US" sz="1100" dirty="0" smtClean="0"/>
+                      <a:endParaRPr lang="zh-TW" altLang="en-US" sz="1100" dirty="0"/>
                     </a:p>
                   </a:txBody>
                   <a:tcPr/>
@@ -5594,7 +5553,7 @@
                         <a:tabLst/>
                         <a:defRPr/>
                       </a:pPr>
-                      <a:endParaRPr lang="en-US" altLang="zh-TW" sz="1100" dirty="0" smtClean="0"/>
+                      <a:endParaRPr lang="en-US" altLang="zh-TW" sz="1100" dirty="0"/>
                     </a:p>
                   </a:txBody>
                   <a:tcPr/>
@@ -5621,7 +5580,7 @@
                         <a:tabLst/>
                         <a:defRPr/>
                       </a:pPr>
-                      <a:endParaRPr lang="zh-TW" altLang="en-US" sz="1100" dirty="0" smtClean="0"/>
+                      <a:endParaRPr lang="zh-TW" altLang="en-US" sz="1100" dirty="0"/>
                     </a:p>
                   </a:txBody>
                   <a:tcPr/>
@@ -5648,7 +5607,7 @@
                         <a:tabLst/>
                         <a:defRPr/>
                       </a:pPr>
-                      <a:endParaRPr lang="zh-TW" altLang="en-US" sz="1100" dirty="0" smtClean="0"/>
+                      <a:endParaRPr lang="zh-TW" altLang="en-US" sz="1100" dirty="0"/>
                     </a:p>
                   </a:txBody>
                   <a:tcPr/>
@@ -5675,7 +5634,7 @@
                         <a:tabLst/>
                         <a:defRPr/>
                       </a:pPr>
-                      <a:endParaRPr lang="zh-TW" altLang="en-US" sz="1100" dirty="0" smtClean="0"/>
+                      <a:endParaRPr lang="zh-TW" altLang="en-US" sz="1100" dirty="0"/>
                     </a:p>
                   </a:txBody>
                   <a:tcPr/>
@@ -5780,7 +5739,7 @@
           <a:p>
             <a:pPr algn="ctr"/>
             <a:r>
-              <a:rPr lang="zh-TW" altLang="en-US" dirty="0" smtClean="0">
+              <a:rPr lang="zh-TW" altLang="en-US" dirty="0">
                 <a:solidFill>
                   <a:srgbClr val="FF0000"/>
                 </a:solidFill>
@@ -5788,7 +5747,7 @@
               <a:t>送出後回傳完整</a:t>
             </a:r>
             <a:r>
-              <a:rPr lang="en-US" altLang="zh-TW" dirty="0" smtClean="0">
+              <a:rPr lang="en-US" altLang="zh-TW" dirty="0">
                 <a:solidFill>
                   <a:srgbClr val="FF0000"/>
                 </a:solidFill>
@@ -5796,7 +5755,7 @@
               <a:t>list</a:t>
             </a:r>
             <a:r>
-              <a:rPr lang="zh-TW" altLang="en-US" dirty="0" smtClean="0">
+              <a:rPr lang="zh-TW" altLang="en-US" dirty="0">
                 <a:solidFill>
                   <a:srgbClr val="FF0000"/>
                 </a:solidFill>
@@ -5804,7 +5763,7 @@
               <a:t>用</a:t>
             </a:r>
             <a:r>
-              <a:rPr lang="en-US" altLang="zh-TW" dirty="0" err="1" smtClean="0">
+              <a:rPr lang="en-US" altLang="zh-TW" dirty="0" err="1">
                 <a:solidFill>
                   <a:srgbClr val="FF0000"/>
                 </a:solidFill>
@@ -5812,18 +5771,13 @@
               <a:t>desc</a:t>
             </a:r>
             <a:r>
-              <a:rPr lang="zh-TW" altLang="en-US" dirty="0" smtClean="0">
+              <a:rPr lang="zh-TW" altLang="en-US" dirty="0">
                 <a:solidFill>
                   <a:srgbClr val="FF0000"/>
                 </a:solidFill>
               </a:rPr>
               <a:t>倒置輸出</a:t>
             </a:r>
-            <a:endParaRPr lang="zh-TW" altLang="en-US" dirty="0">
-              <a:solidFill>
-                <a:srgbClr val="FF0000"/>
-              </a:solidFill>
-            </a:endParaRPr>
           </a:p>
         </p:txBody>
       </p:sp>
@@ -5864,10 +5818,9 @@
           <a:p>
             <a:pPr algn="ctr"/>
             <a:r>
-              <a:rPr lang="zh-TW" altLang="en-US" sz="2800" dirty="0" smtClean="0"/>
+              <a:rPr lang="zh-TW" altLang="en-US" sz="2800" dirty="0"/>
               <a:t>≡</a:t>
             </a:r>
-            <a:endParaRPr lang="zh-TW" altLang="en-US" sz="2800" dirty="0"/>
           </a:p>
         </p:txBody>
       </p:sp>
@@ -5894,10 +5847,9 @@
           <a:lstStyle/>
           <a:p>
             <a:r>
-              <a:rPr lang="zh-TW" altLang="en-US" dirty="0" smtClean="0"/>
+              <a:rPr lang="zh-TW" altLang="en-US" dirty="0"/>
               <a:t>下一頁</a:t>
             </a:r>
-            <a:endParaRPr lang="zh-TW" altLang="en-US" dirty="0"/>
           </a:p>
         </p:txBody>
       </p:sp>
@@ -5924,18 +5876,17 @@
           <a:lstStyle/>
           <a:p>
             <a:r>
-              <a:rPr lang="zh-TW" altLang="en-US" dirty="0" smtClean="0"/>
+              <a:rPr lang="zh-TW" altLang="en-US" dirty="0"/>
               <a:t>第</a:t>
             </a:r>
             <a:r>
-              <a:rPr lang="en-US" altLang="zh-TW" dirty="0" smtClean="0"/>
+              <a:rPr lang="en-US" altLang="zh-TW" dirty="0"/>
               <a:t>1</a:t>
             </a:r>
             <a:r>
-              <a:rPr lang="zh-TW" altLang="en-US" dirty="0" smtClean="0"/>
+              <a:rPr lang="zh-TW" altLang="en-US" dirty="0"/>
               <a:t>頁</a:t>
             </a:r>
-            <a:endParaRPr lang="zh-TW" altLang="en-US" dirty="0"/>
           </a:p>
         </p:txBody>
       </p:sp>
@@ -5962,18 +5913,13 @@
           <a:lstStyle/>
           <a:p>
             <a:r>
-              <a:rPr lang="zh-TW" altLang="en-US" u="dbl" dirty="0" smtClean="0">
+              <a:rPr lang="zh-TW" altLang="en-US" u="dbl" dirty="0">
                 <a:solidFill>
                   <a:srgbClr val="FF0000"/>
                 </a:solidFill>
               </a:rPr>
               <a:t>上一頁</a:t>
             </a:r>
-            <a:endParaRPr lang="zh-TW" altLang="en-US" u="dbl" dirty="0">
-              <a:solidFill>
-                <a:srgbClr val="FF0000"/>
-              </a:solidFill>
-            </a:endParaRPr>
           </a:p>
         </p:txBody>
       </p:sp>
@@ -6014,7 +5960,7 @@
           <a:p>
             <a:pPr algn="ctr"/>
             <a:r>
-              <a:rPr lang="en-US" altLang="zh-TW" sz="2800" dirty="0" smtClean="0"/>
+              <a:rPr lang="en-US" altLang="zh-TW" sz="2800" dirty="0"/>
               <a:t>-</a:t>
             </a:r>
             <a:endParaRPr lang="zh-TW" altLang="en-US" sz="2800" dirty="0"/>
@@ -6066,7 +6012,7 @@
           <a:p>
             <a:pPr algn="ctr"/>
             <a:r>
-              <a:rPr lang="zh-TW" altLang="en-US" b="1" dirty="0" smtClean="0">
+              <a:rPr lang="zh-TW" altLang="en-US" b="1" dirty="0">
                 <a:solidFill>
                   <a:schemeClr val="tx1"/>
                 </a:solidFill>
@@ -6074,7 +6020,7 @@
               <a:t>排列：舊</a:t>
             </a:r>
             <a:r>
-              <a:rPr lang="en-US" altLang="zh-TW" b="1" dirty="0" smtClean="0">
+              <a:rPr lang="en-US" altLang="zh-TW" b="1" dirty="0">
                 <a:solidFill>
                   <a:schemeClr val="tx1"/>
                 </a:solidFill>
@@ -6082,7 +6028,7 @@
               <a:t>-&gt;</a:t>
             </a:r>
             <a:r>
-              <a:rPr lang="zh-TW" altLang="en-US" b="1" dirty="0" smtClean="0">
+              <a:rPr lang="zh-TW" altLang="en-US" b="1" dirty="0">
                 <a:solidFill>
                   <a:schemeClr val="tx1"/>
                 </a:solidFill>
@@ -6137,26 +6083,13 @@
           <a:p>
             <a:pPr algn="ctr"/>
             <a:r>
-              <a:rPr lang="zh-TW" altLang="en-US" b="1" dirty="0" smtClean="0">
-                <a:solidFill>
-                  <a:schemeClr val="tx1"/>
-                </a:solidFill>
-              </a:rPr>
-              <a:t>進行</a:t>
-            </a:r>
-            <a:r>
               <a:rPr lang="zh-TW" altLang="en-US" b="1" dirty="0">
                 <a:solidFill>
                   <a:schemeClr val="tx1"/>
                 </a:solidFill>
               </a:rPr>
-              <a:t>中</a:t>
-            </a:r>
-            <a:endParaRPr lang="zh-TW" altLang="en-US" b="1" dirty="0" smtClean="0">
-              <a:solidFill>
-                <a:schemeClr val="tx1"/>
-              </a:solidFill>
-            </a:endParaRPr>
+              <a:t>進行中</a:t>
+            </a:r>
           </a:p>
         </p:txBody>
       </p:sp>
@@ -6205,26 +6138,13 @@
           <a:p>
             <a:pPr algn="ctr"/>
             <a:r>
-              <a:rPr lang="zh-TW" altLang="en-US" b="1" dirty="0" smtClean="0">
-                <a:solidFill>
-                  <a:schemeClr val="tx1"/>
-                </a:solidFill>
-              </a:rPr>
-              <a:t>已結</a:t>
-            </a:r>
-            <a:r>
               <a:rPr lang="zh-TW" altLang="en-US" b="1" dirty="0">
                 <a:solidFill>
                   <a:schemeClr val="tx1"/>
                 </a:solidFill>
               </a:rPr>
-              <a:t>束</a:t>
-            </a:r>
-            <a:endParaRPr lang="zh-TW" altLang="en-US" b="1" dirty="0" smtClean="0">
-              <a:solidFill>
-                <a:schemeClr val="tx1"/>
-              </a:solidFill>
-            </a:endParaRPr>
+              <a:t>已結束</a:t>
+            </a:r>
           </a:p>
         </p:txBody>
       </p:sp>
@@ -6238,13 +6158,6 @@
   <p:clrMapOvr>
     <a:masterClrMapping/>
   </p:clrMapOvr>
-  <p:timing>
-    <p:tnLst>
-      <p:par>
-        <p:cTn id="1" dur="indefinite" restart="never" nodeType="tmRoot"/>
-      </p:par>
-    </p:tnLst>
-  </p:timing>
 </p:sld>
 </file>
 
@@ -6391,18 +6304,17 @@
           <a:lstStyle/>
           <a:p>
             <a:r>
-              <a:rPr lang="zh-TW" altLang="en-US" dirty="0" smtClean="0"/>
+              <a:rPr lang="zh-TW" altLang="en-US" dirty="0"/>
               <a:t>歡迎</a:t>
             </a:r>
             <a:r>
-              <a:rPr lang="en-US" altLang="zh-TW" dirty="0" smtClean="0"/>
+              <a:rPr lang="en-US" altLang="zh-TW" dirty="0"/>
               <a:t>XXX  </a:t>
             </a:r>
             <a:r>
-              <a:rPr lang="zh-TW" altLang="en-US" dirty="0" smtClean="0"/>
+              <a:rPr lang="zh-TW" altLang="en-US" dirty="0"/>
               <a:t>進入家族記帳管理系統                                                                                                            </a:t>
             </a:r>
-            <a:endParaRPr lang="zh-TW" altLang="en-US" dirty="0"/>
           </a:p>
         </p:txBody>
       </p:sp>
@@ -6443,12 +6355,8 @@
           <a:p>
             <a:pPr algn="ctr"/>
             <a:r>
-              <a:rPr lang="zh-TW" altLang="en-US" dirty="0" smtClean="0"/>
-              <a:t>設</a:t>
-            </a:r>
-            <a:r>
               <a:rPr lang="zh-TW" altLang="en-US" dirty="0"/>
-              <a:t>定</a:t>
+              <a:t>設定</a:t>
             </a:r>
           </a:p>
         </p:txBody>
@@ -6493,10 +6401,9 @@
           <a:p>
             <a:pPr algn="ctr"/>
             <a:r>
-              <a:rPr lang="zh-TW" altLang="en-US" dirty="0" smtClean="0"/>
+              <a:rPr lang="zh-TW" altLang="en-US" dirty="0"/>
               <a:t>清單</a:t>
             </a:r>
-            <a:endParaRPr lang="zh-TW" altLang="en-US" dirty="0"/>
           </a:p>
         </p:txBody>
       </p:sp>
@@ -6583,18 +6490,18 @@
                     <a:p>
                       <a:pPr algn="ctr"/>
                       <a:r>
-                        <a:rPr lang="zh-TW" altLang="en-US" sz="1050" dirty="0" smtClean="0"/>
+                        <a:rPr lang="zh-TW" altLang="en-US" sz="1050" dirty="0"/>
                         <a:t>異動時間</a:t>
                       </a:r>
-                      <a:endParaRPr lang="en-US" altLang="zh-TW" sz="1050" dirty="0" smtClean="0"/>
+                      <a:endParaRPr lang="en-US" altLang="zh-TW" sz="1050" dirty="0"/>
                     </a:p>
                     <a:p>
                       <a:pPr algn="ctr"/>
                       <a:r>
-                        <a:rPr lang="en-US" altLang="zh-TW" sz="1050" dirty="0" err="1" smtClean="0"/>
+                        <a:rPr lang="en-US" altLang="zh-TW" sz="1050" dirty="0" err="1"/>
                         <a:t>created_time</a:t>
                       </a:r>
-                      <a:endParaRPr lang="en-US" altLang="zh-TW" sz="1050" dirty="0" smtClean="0"/>
+                      <a:endParaRPr lang="en-US" altLang="zh-TW" sz="1050" dirty="0"/>
                     </a:p>
                   </a:txBody>
                   <a:tcPr anchor="ctr"/>
@@ -6606,30 +6513,30 @@
                     <a:p>
                       <a:pPr algn="ctr"/>
                       <a:r>
-                        <a:rPr lang="zh-TW" altLang="en-US" sz="1050" dirty="0" smtClean="0"/>
+                        <a:rPr lang="zh-TW" altLang="en-US" sz="1050" dirty="0"/>
                         <a:t>異動事項</a:t>
                       </a:r>
-                      <a:endParaRPr lang="en-US" altLang="zh-TW" sz="1050" dirty="0" smtClean="0"/>
+                      <a:endParaRPr lang="en-US" altLang="zh-TW" sz="1050" dirty="0"/>
                     </a:p>
                     <a:p>
                       <a:pPr algn="ctr"/>
                       <a:r>
-                        <a:rPr lang="en-US" altLang="zh-TW" sz="1050" dirty="0" smtClean="0"/>
+                        <a:rPr lang="en-US" altLang="zh-TW" sz="1050" dirty="0"/>
                         <a:t>summary-&gt;</a:t>
                       </a:r>
                       <a:br>
-                        <a:rPr lang="en-US" altLang="zh-TW" sz="1050" dirty="0" smtClean="0"/>
+                        <a:rPr lang="en-US" altLang="zh-TW" sz="1050" dirty="0"/>
                       </a:br>
                       <a:r>
-                        <a:rPr lang="en-US" altLang="zh-TW" sz="1050" dirty="0" smtClean="0"/>
+                        <a:rPr lang="en-US" altLang="zh-TW" sz="1050" dirty="0"/>
                         <a:t>“</a:t>
                       </a:r>
                       <a:r>
-                        <a:rPr lang="zh-TW" altLang="en-US" sz="1050" dirty="0" smtClean="0"/>
+                        <a:rPr lang="zh-TW" altLang="en-US" sz="1050" dirty="0"/>
                         <a:t>更新</a:t>
                       </a:r>
                       <a:r>
-                        <a:rPr lang="en-US" altLang="zh-TW" sz="1050" dirty="0" smtClean="0"/>
+                        <a:rPr lang="en-US" altLang="zh-TW" sz="1050" dirty="0"/>
                         <a:t>”class</a:t>
                       </a:r>
                     </a:p>
@@ -6653,22 +6560,22 @@
                     <a:p>
                       <a:pPr algn="ctr"/>
                       <a:r>
-                        <a:rPr lang="zh-TW" altLang="en-US" sz="1050" dirty="0" smtClean="0"/>
+                        <a:rPr lang="zh-TW" altLang="en-US" sz="1050" dirty="0"/>
                         <a:t>更新項目</a:t>
                       </a:r>
-                      <a:endParaRPr lang="en-US" altLang="zh-TW" sz="1050" dirty="0" smtClean="0"/>
+                      <a:endParaRPr lang="en-US" altLang="zh-TW" sz="1050" dirty="0"/>
                     </a:p>
                     <a:p>
                       <a:pPr algn="ctr"/>
                       <a:r>
-                        <a:rPr lang="en-US" altLang="zh-TW" sz="1050" dirty="0" smtClean="0"/>
+                        <a:rPr lang="en-US" altLang="zh-TW" sz="1050" dirty="0"/>
                         <a:t>summary-&gt;</a:t>
                       </a:r>
                       <a:br>
-                        <a:rPr lang="en-US" altLang="zh-TW" sz="1050" dirty="0" smtClean="0"/>
+                        <a:rPr lang="en-US" altLang="zh-TW" sz="1050" dirty="0"/>
                       </a:br>
                       <a:r>
-                        <a:rPr lang="en-US" altLang="zh-TW" sz="1050" dirty="0" smtClean="0"/>
+                        <a:rPr lang="en-US" altLang="zh-TW" sz="1050" dirty="0"/>
                         <a:t>project</a:t>
                       </a:r>
                     </a:p>
@@ -6701,10 +6608,9 @@
                     <a:p>
                       <a:pPr algn="ctr"/>
                       <a:r>
-                        <a:rPr lang="zh-TW" altLang="en-US" sz="1200" dirty="0" smtClean="0"/>
+                        <a:rPr lang="zh-TW" altLang="en-US" sz="1200" dirty="0"/>
                         <a:t>投票</a:t>
                       </a:r>
-                      <a:endParaRPr lang="zh-TW" altLang="en-US" sz="1200" dirty="0"/>
                     </a:p>
                   </a:txBody>
                   <a:tcPr anchor="ctr">
@@ -6764,10 +6670,9 @@
                     <a:p>
                       <a:pPr algn="ctr"/>
                       <a:r>
-                        <a:rPr lang="zh-TW" altLang="en-US" sz="1050" dirty="0" smtClean="0"/>
+                        <a:rPr lang="zh-TW" altLang="en-US" sz="1050" dirty="0"/>
                         <a:t>備考</a:t>
                       </a:r>
-                      <a:endParaRPr lang="zh-TW" altLang="en-US" sz="1050" dirty="0"/>
                     </a:p>
                   </a:txBody>
                   <a:tcPr anchor="ctr">
@@ -6804,7 +6709,7 @@
                     <a:lstStyle/>
                     <a:p>
                       <a:pPr algn="ctr"/>
-                      <a:endParaRPr lang="en-US" altLang="zh-TW" sz="1050" dirty="0" smtClean="0"/>
+                      <a:endParaRPr lang="en-US" altLang="zh-TW" sz="1050" dirty="0"/>
                     </a:p>
                   </a:txBody>
                   <a:tcPr anchor="ctr"/>
@@ -6815,7 +6720,7 @@
                     <a:lstStyle/>
                     <a:p>
                       <a:pPr algn="ctr"/>
-                      <a:endParaRPr lang="en-US" altLang="zh-TW" sz="1050" dirty="0" smtClean="0"/>
+                      <a:endParaRPr lang="en-US" altLang="zh-TW" sz="1050" dirty="0"/>
                     </a:p>
                   </a:txBody>
                   <a:tcPr anchor="ctr"/>
@@ -6826,7 +6731,7 @@
                     <a:lstStyle/>
                     <a:p>
                       <a:pPr algn="ctr"/>
-                      <a:endParaRPr lang="en-US" altLang="zh-TW" sz="1050" dirty="0" smtClean="0"/>
+                      <a:endParaRPr lang="en-US" altLang="zh-TW" sz="1050" dirty="0"/>
                     </a:p>
                   </a:txBody>
                   <a:tcPr anchor="ctr"/>
@@ -6838,7 +6743,7 @@
                     <a:p>
                       <a:pPr algn="ctr"/>
                       <a:r>
-                        <a:rPr lang="zh-TW" altLang="en-US" sz="1050" b="1" kern="1200" dirty="0" smtClean="0">
+                        <a:rPr lang="zh-TW" altLang="en-US" sz="1050" b="1" kern="1200" dirty="0">
                           <a:solidFill>
                             <a:schemeClr val="lt1"/>
                           </a:solidFill>
@@ -6848,7 +6753,7 @@
                         </a:rPr>
                         <a:t>主題</a:t>
                       </a:r>
-                      <a:endParaRPr lang="en-US" altLang="zh-TW" sz="1050" b="1" kern="1200" dirty="0" smtClean="0">
+                      <a:endParaRPr lang="en-US" altLang="zh-TW" sz="1050" b="1" kern="1200" dirty="0">
                         <a:solidFill>
                           <a:schemeClr val="lt1"/>
                         </a:solidFill>
@@ -6876,7 +6781,7 @@
                         <a:defRPr/>
                       </a:pPr>
                       <a:r>
-                        <a:rPr lang="en-US" altLang="zh-TW" sz="1050" b="1" kern="1200" dirty="0" err="1" smtClean="0">
+                        <a:rPr lang="en-US" altLang="zh-TW" sz="1050" b="1" kern="1200" dirty="0" err="1">
                           <a:solidFill>
                             <a:schemeClr val="lt1"/>
                           </a:solidFill>
@@ -6886,7 +6791,7 @@
                         </a:rPr>
                         <a:t>topicsV.topic</a:t>
                       </a:r>
-                      <a:endParaRPr lang="en-US" altLang="zh-TW" sz="1050" b="1" kern="1200" dirty="0" smtClean="0">
+                      <a:endParaRPr lang="en-US" altLang="zh-TW" sz="1050" b="1" kern="1200" dirty="0">
                         <a:solidFill>
                           <a:schemeClr val="lt1"/>
                         </a:solidFill>
@@ -6898,7 +6803,7 @@
                     <a:p>
                       <a:pPr algn="ctr"/>
                       <a:r>
-                        <a:rPr lang="en-US" altLang="zh-TW" sz="1050" b="1" kern="1200" dirty="0" smtClean="0">
+                        <a:rPr lang="en-US" altLang="zh-TW" sz="1050" b="1" kern="1200" dirty="0">
                           <a:solidFill>
                             <a:schemeClr val="lt1"/>
                           </a:solidFill>
@@ -6909,7 +6814,7 @@
                         <a:t>-&gt;</a:t>
                       </a:r>
                       <a:r>
-                        <a:rPr lang="en-US" altLang="zh-TW" sz="1050" b="1" kern="1200" dirty="0" err="1" smtClean="0">
+                        <a:rPr lang="en-US" altLang="zh-TW" sz="1050" b="1" kern="1200" dirty="0" err="1">
                           <a:solidFill>
                             <a:schemeClr val="lt1"/>
                           </a:solidFill>
@@ -6919,7 +6824,7 @@
                         </a:rPr>
                         <a:t>topic_id</a:t>
                       </a:r>
-                      <a:endParaRPr lang="en-US" altLang="zh-TW" sz="1050" b="1" kern="1200" dirty="0" smtClean="0">
+                      <a:endParaRPr lang="en-US" altLang="zh-TW" sz="1050" b="1" kern="1200" dirty="0">
                         <a:solidFill>
                           <a:schemeClr val="lt1"/>
                         </a:solidFill>
@@ -6969,7 +6874,7 @@
                     <a:p>
                       <a:pPr algn="ctr"/>
                       <a:r>
-                        <a:rPr lang="zh-TW" altLang="en-US" sz="1050" b="1" kern="1200" dirty="0" smtClean="0">
+                        <a:rPr lang="zh-TW" altLang="en-US" sz="1050" b="1" kern="1200" dirty="0">
                           <a:solidFill>
                             <a:schemeClr val="lt1"/>
                           </a:solidFill>
@@ -6979,7 +6884,7 @@
                         </a:rPr>
                         <a:t> 選擇</a:t>
                       </a:r>
-                      <a:endParaRPr lang="en-US" altLang="zh-TW" sz="1050" b="1" kern="1200" dirty="0" smtClean="0">
+                      <a:endParaRPr lang="en-US" altLang="zh-TW" sz="1050" b="1" kern="1200" dirty="0">
                         <a:solidFill>
                           <a:schemeClr val="lt1"/>
                         </a:solidFill>
@@ -6991,7 +6896,7 @@
                     <a:p>
                       <a:pPr algn="ctr"/>
                       <a:r>
-                        <a:rPr lang="en-US" altLang="zh-TW" sz="1050" b="1" kern="1200" dirty="0" err="1" smtClean="0">
+                        <a:rPr lang="en-US" altLang="zh-TW" sz="1050" b="1" kern="1200" dirty="0" err="1">
                           <a:solidFill>
                             <a:schemeClr val="lt1"/>
                           </a:solidFill>
@@ -7042,7 +6947,7 @@
                     <a:p>
                       <a:pPr algn="ctr"/>
                       <a:r>
-                        <a:rPr lang="zh-TW" altLang="en-US" sz="1050" b="1" kern="1200" dirty="0" smtClean="0">
+                        <a:rPr lang="zh-TW" altLang="en-US" sz="1050" b="1" kern="1200" dirty="0">
                           <a:solidFill>
                             <a:schemeClr val="lt1"/>
                           </a:solidFill>
@@ -7052,7 +6957,7 @@
                         </a:rPr>
                         <a:t>投票時間</a:t>
                       </a:r>
-                      <a:endParaRPr lang="en-US" altLang="zh-TW" sz="1050" b="1" kern="1200" dirty="0" smtClean="0">
+                      <a:endParaRPr lang="en-US" altLang="zh-TW" sz="1050" b="1" kern="1200" dirty="0">
                         <a:solidFill>
                           <a:schemeClr val="lt1"/>
                         </a:solidFill>
@@ -7064,7 +6969,7 @@
                     <a:p>
                       <a:pPr algn="ctr"/>
                       <a:r>
-                        <a:rPr lang="en-US" altLang="zh-TW" sz="1050" b="1" kern="1200" dirty="0" err="1" smtClean="0">
+                        <a:rPr lang="en-US" altLang="zh-TW" sz="1050" b="1" kern="1200" dirty="0" err="1">
                           <a:solidFill>
                             <a:schemeClr val="lt1"/>
                           </a:solidFill>
@@ -7074,7 +6979,7 @@
                         </a:rPr>
                         <a:t>vote_time</a:t>
                       </a:r>
-                      <a:endParaRPr lang="en-US" altLang="zh-TW" sz="1050" b="1" kern="1200" dirty="0" smtClean="0">
+                      <a:endParaRPr lang="en-US" altLang="zh-TW" sz="1050" b="1" kern="1200" dirty="0">
                         <a:solidFill>
                           <a:schemeClr val="lt1"/>
                         </a:solidFill>
@@ -7141,7 +7046,7 @@
                     <a:lstStyle/>
                     <a:p>
                       <a:pPr algn="l"/>
-                      <a:endParaRPr lang="en-US" altLang="zh-TW" sz="1100" dirty="0" smtClean="0"/>
+                      <a:endParaRPr lang="en-US" altLang="zh-TW" sz="1100" dirty="0"/>
                     </a:p>
                   </a:txBody>
                   <a:tcPr/>
@@ -7169,23 +7074,23 @@
                         <a:defRPr/>
                       </a:pPr>
                       <a:r>
-                        <a:rPr lang="en-US" altLang="zh-TW" sz="1100" dirty="0" smtClean="0"/>
+                        <a:rPr lang="en-US" altLang="zh-TW" sz="1100" dirty="0"/>
                         <a:t>“</a:t>
                       </a:r>
                       <a:r>
-                        <a:rPr lang="zh-TW" altLang="en-US" sz="1100" dirty="0" smtClean="0"/>
+                        <a:rPr lang="zh-TW" altLang="en-US" sz="1100" dirty="0"/>
                         <a:t>更新</a:t>
                       </a:r>
                       <a:r>
-                        <a:rPr lang="en-US" altLang="zh-TW" sz="1100" dirty="0" smtClean="0"/>
+                        <a:rPr lang="en-US" altLang="zh-TW" sz="1100" dirty="0"/>
                         <a:t>”</a:t>
                       </a:r>
                       <a:r>
-                        <a:rPr lang="zh-TW" altLang="en-US" sz="1100" dirty="0" smtClean="0"/>
+                        <a:rPr lang="zh-TW" altLang="en-US" sz="1100" dirty="0"/>
                         <a:t>收入 </a:t>
                       </a:r>
                       <a:r>
-                        <a:rPr lang="en-US" altLang="zh-TW" sz="1100" dirty="0" smtClean="0"/>
+                        <a:rPr lang="en-US" altLang="zh-TW" sz="1100" dirty="0"/>
                         <a:t>||</a:t>
                       </a:r>
                     </a:p>
@@ -7208,19 +7113,19 @@
                         <a:defRPr/>
                       </a:pPr>
                       <a:r>
-                        <a:rPr lang="en-US" altLang="zh-TW" sz="1100" dirty="0" smtClean="0"/>
+                        <a:rPr lang="en-US" altLang="zh-TW" sz="1100" dirty="0"/>
                         <a:t>“</a:t>
                       </a:r>
                       <a:r>
-                        <a:rPr lang="zh-TW" altLang="en-US" sz="1100" dirty="0" smtClean="0"/>
+                        <a:rPr lang="zh-TW" altLang="en-US" sz="1100" dirty="0"/>
                         <a:t>更新</a:t>
                       </a:r>
                       <a:r>
-                        <a:rPr lang="en-US" altLang="zh-TW" sz="1100" dirty="0" smtClean="0"/>
+                        <a:rPr lang="en-US" altLang="zh-TW" sz="1100" dirty="0"/>
                         <a:t>”</a:t>
                       </a:r>
                       <a:r>
-                        <a:rPr lang="zh-TW" altLang="en-US" sz="1100" dirty="0" smtClean="0"/>
+                        <a:rPr lang="zh-TW" altLang="en-US" sz="1100" dirty="0"/>
                         <a:t>支出</a:t>
                       </a:r>
                     </a:p>
@@ -7259,7 +7164,7 @@
                         <a:tabLst/>
                         <a:defRPr/>
                       </a:pPr>
-                      <a:endParaRPr lang="zh-TW" altLang="en-US" sz="1100" dirty="0" smtClean="0"/>
+                      <a:endParaRPr lang="zh-TW" altLang="en-US" sz="1100" dirty="0"/>
                     </a:p>
                   </a:txBody>
                   <a:tcPr>
@@ -7296,7 +7201,7 @@
                         <a:tabLst/>
                         <a:defRPr/>
                       </a:pPr>
-                      <a:endParaRPr lang="zh-TW" altLang="en-US" sz="1100" dirty="0" smtClean="0"/>
+                      <a:endParaRPr lang="zh-TW" altLang="en-US" sz="1100" dirty="0"/>
                     </a:p>
                   </a:txBody>
                   <a:tcPr>
@@ -7333,7 +7238,7 @@
                         <a:tabLst/>
                         <a:defRPr/>
                       </a:pPr>
-                      <a:endParaRPr lang="zh-TW" altLang="en-US" sz="1100" dirty="0" smtClean="0"/>
+                      <a:endParaRPr lang="zh-TW" altLang="en-US" sz="1100" dirty="0"/>
                     </a:p>
                   </a:txBody>
                   <a:tcPr>
@@ -7370,7 +7275,7 @@
                         <a:tabLst/>
                         <a:defRPr/>
                       </a:pPr>
-                      <a:endParaRPr lang="en-US" altLang="zh-TW" sz="1100" dirty="0" smtClean="0"/>
+                      <a:endParaRPr lang="en-US" altLang="zh-TW" sz="1100" dirty="0"/>
                     </a:p>
                   </a:txBody>
                   <a:tcPr>
@@ -7407,7 +7312,7 @@
                         <a:tabLst/>
                         <a:defRPr/>
                       </a:pPr>
-                      <a:endParaRPr lang="zh-TW" altLang="en-US" sz="1100" dirty="0" smtClean="0"/>
+                      <a:endParaRPr lang="zh-TW" altLang="en-US" sz="1100" dirty="0"/>
                     </a:p>
                   </a:txBody>
                   <a:tcPr>
@@ -7524,10 +7429,9 @@
           <a:p>
             <a:pPr algn="ctr"/>
             <a:r>
-              <a:rPr lang="zh-TW" altLang="en-US" sz="2800" dirty="0" smtClean="0"/>
+              <a:rPr lang="zh-TW" altLang="en-US" sz="2800" dirty="0"/>
               <a:t>≡</a:t>
             </a:r>
-            <a:endParaRPr lang="zh-TW" altLang="en-US" sz="2800" dirty="0"/>
           </a:p>
         </p:txBody>
       </p:sp>
@@ -7554,10 +7458,9 @@
           <a:lstStyle/>
           <a:p>
             <a:r>
-              <a:rPr lang="zh-TW" altLang="en-US" dirty="0" smtClean="0"/>
+              <a:rPr lang="zh-TW" altLang="en-US" dirty="0"/>
               <a:t>下一頁</a:t>
             </a:r>
-            <a:endParaRPr lang="zh-TW" altLang="en-US" dirty="0"/>
           </a:p>
         </p:txBody>
       </p:sp>
@@ -7584,18 +7487,17 @@
           <a:lstStyle/>
           <a:p>
             <a:r>
-              <a:rPr lang="zh-TW" altLang="en-US" dirty="0" smtClean="0"/>
+              <a:rPr lang="zh-TW" altLang="en-US" dirty="0"/>
               <a:t>第</a:t>
             </a:r>
             <a:r>
-              <a:rPr lang="en-US" altLang="zh-TW" dirty="0" smtClean="0"/>
+              <a:rPr lang="en-US" altLang="zh-TW" dirty="0"/>
               <a:t>1</a:t>
             </a:r>
             <a:r>
-              <a:rPr lang="zh-TW" altLang="en-US" dirty="0" smtClean="0"/>
+              <a:rPr lang="zh-TW" altLang="en-US" dirty="0"/>
               <a:t>頁</a:t>
             </a:r>
-            <a:endParaRPr lang="zh-TW" altLang="en-US" dirty="0"/>
           </a:p>
         </p:txBody>
       </p:sp>
@@ -7622,18 +7524,13 @@
           <a:lstStyle/>
           <a:p>
             <a:r>
-              <a:rPr lang="zh-TW" altLang="en-US" u="dbl" dirty="0" smtClean="0">
+              <a:rPr lang="zh-TW" altLang="en-US" u="dbl" dirty="0">
                 <a:solidFill>
                   <a:srgbClr val="FF0000"/>
                 </a:solidFill>
               </a:rPr>
               <a:t>上一頁</a:t>
             </a:r>
-            <a:endParaRPr lang="zh-TW" altLang="en-US" u="dbl" dirty="0">
-              <a:solidFill>
-                <a:srgbClr val="FF0000"/>
-              </a:solidFill>
-            </a:endParaRPr>
           </a:p>
         </p:txBody>
       </p:sp>
@@ -7674,7 +7571,7 @@
           <a:p>
             <a:pPr algn="ctr"/>
             <a:r>
-              <a:rPr lang="en-US" altLang="zh-TW" sz="2800" dirty="0" smtClean="0"/>
+              <a:rPr lang="en-US" altLang="zh-TW" sz="2800" dirty="0"/>
               <a:t>-</a:t>
             </a:r>
             <a:endParaRPr lang="zh-TW" altLang="en-US" sz="2800" dirty="0"/>
@@ -7734,7 +7631,7 @@
               <a:t>排列：新</a:t>
             </a:r>
             <a:r>
-              <a:rPr lang="en-US" altLang="zh-TW" b="1" dirty="0" smtClean="0">
+              <a:rPr lang="en-US" altLang="zh-TW" b="1" dirty="0">
                 <a:solidFill>
                   <a:schemeClr val="tx1"/>
                 </a:solidFill>
@@ -7742,7 +7639,7 @@
               <a:t>-&gt;</a:t>
             </a:r>
             <a:r>
-              <a:rPr lang="zh-TW" altLang="en-US" b="1" dirty="0" smtClean="0">
+              <a:rPr lang="zh-TW" altLang="en-US" b="1" dirty="0">
                 <a:solidFill>
                   <a:schemeClr val="tx1"/>
                 </a:solidFill>
@@ -7797,26 +7694,13 @@
           <a:p>
             <a:pPr algn="ctr"/>
             <a:r>
-              <a:rPr lang="zh-TW" altLang="en-US" b="1" dirty="0" smtClean="0">
-                <a:solidFill>
-                  <a:schemeClr val="tx1"/>
-                </a:solidFill>
-              </a:rPr>
-              <a:t>收</a:t>
-            </a:r>
-            <a:r>
               <a:rPr lang="zh-TW" altLang="en-US" b="1" dirty="0">
                 <a:solidFill>
                   <a:schemeClr val="tx1"/>
                 </a:solidFill>
               </a:rPr>
-              <a:t>支</a:t>
-            </a:r>
-            <a:endParaRPr lang="zh-TW" altLang="en-US" b="1" dirty="0" smtClean="0">
-              <a:solidFill>
-                <a:schemeClr val="tx1"/>
-              </a:solidFill>
-            </a:endParaRPr>
+              <a:t>收支</a:t>
+            </a:r>
           </a:p>
         </p:txBody>
       </p:sp>
@@ -7865,7 +7749,7 @@
           <a:p>
             <a:pPr algn="ctr"/>
             <a:r>
-              <a:rPr lang="zh-TW" altLang="en-US" b="1" dirty="0" smtClean="0">
+              <a:rPr lang="zh-TW" altLang="en-US" b="1" dirty="0">
                 <a:solidFill>
                   <a:schemeClr val="tx1"/>
                 </a:solidFill>
@@ -7920,7 +7804,7 @@
           <a:p>
             <a:pPr algn="ctr"/>
             <a:r>
-              <a:rPr lang="zh-TW" altLang="en-US" b="1" dirty="0" smtClean="0">
+              <a:rPr lang="zh-TW" altLang="en-US" b="1" dirty="0">
                 <a:solidFill>
                   <a:schemeClr val="tx1"/>
                 </a:solidFill>
@@ -7940,13 +7824,6 @@
   <p:clrMapOvr>
     <a:masterClrMapping/>
   </p:clrMapOvr>
-  <p:timing>
-    <p:tnLst>
-      <p:par>
-        <p:cTn id="1" dur="indefinite" restart="never" nodeType="tmRoot"/>
-      </p:par>
-    </p:tnLst>
-  </p:timing>
 </p:sld>
 </file>
 
@@ -8136,44 +8013,44 @@
           <a:lstStyle/>
           <a:p>
             <a:r>
-              <a:rPr lang="zh-TW" altLang="en-US" dirty="0" smtClean="0"/>
+              <a:rPr lang="zh-TW" altLang="en-US" dirty="0"/>
               <a:t>  公開圓餅圖</a:t>
             </a:r>
-            <a:endParaRPr lang="en-US" altLang="zh-TW" dirty="0" smtClean="0"/>
-          </a:p>
-          <a:p>
-            <a:r>
-              <a:rPr lang="zh-TW" altLang="en-US" dirty="0" smtClean="0"/>
+            <a:endParaRPr lang="en-US" altLang="zh-TW" dirty="0"/>
+          </a:p>
+          <a:p>
+            <a:r>
+              <a:rPr lang="zh-TW" altLang="en-US" dirty="0"/>
               <a:t>   </a:t>
             </a:r>
             <a:r>
-              <a:rPr lang="en-US" altLang="zh-TW" dirty="0" smtClean="0"/>
+              <a:rPr lang="en-US" altLang="zh-TW" dirty="0"/>
               <a:t>(</a:t>
             </a:r>
             <a:r>
-              <a:rPr lang="zh-TW" altLang="en-US" dirty="0" smtClean="0"/>
+              <a:rPr lang="zh-TW" altLang="en-US" dirty="0"/>
               <a:t>家庭</a:t>
             </a:r>
             <a:r>
-              <a:rPr lang="en-US" altLang="zh-TW" dirty="0" smtClean="0"/>
+              <a:rPr lang="en-US" altLang="zh-TW" dirty="0"/>
               <a:t>)</a:t>
             </a:r>
           </a:p>
           <a:p>
             <a:pPr algn="ctr"/>
             <a:r>
-              <a:rPr lang="zh-TW" altLang="en-US" dirty="0" smtClean="0"/>
+              <a:rPr lang="zh-TW" altLang="en-US" dirty="0"/>
               <a:t>本月公開總收入</a:t>
             </a:r>
-            <a:endParaRPr lang="en-US" altLang="zh-TW" dirty="0" smtClean="0"/>
+            <a:endParaRPr lang="en-US" altLang="zh-TW" dirty="0"/>
           </a:p>
           <a:p>
             <a:pPr algn="ctr"/>
             <a:r>
-              <a:rPr lang="zh-TW" altLang="en-US" dirty="0" smtClean="0"/>
+              <a:rPr lang="zh-TW" altLang="en-US" dirty="0"/>
               <a:t>扣掉公開總支出</a:t>
             </a:r>
-            <a:endParaRPr lang="en-US" altLang="zh-TW" dirty="0" smtClean="0"/>
+            <a:endParaRPr lang="en-US" altLang="zh-TW" dirty="0"/>
           </a:p>
         </p:txBody>
       </p:sp>
@@ -8225,22 +8102,21 @@
                     <a:p>
                       <a:pPr algn="ctr"/>
                       <a:r>
-                        <a:rPr lang="zh-TW" altLang="en-US" sz="1400" dirty="0" smtClean="0"/>
+                        <a:rPr lang="zh-TW" altLang="en-US" sz="1400" dirty="0"/>
                         <a:t>本月收入</a:t>
                       </a:r>
-                      <a:endParaRPr lang="en-US" altLang="zh-TW" sz="1400" dirty="0" smtClean="0"/>
+                      <a:endParaRPr lang="en-US" altLang="zh-TW" sz="1400" dirty="0"/>
                     </a:p>
                     <a:p>
                       <a:pPr algn="ctr"/>
                       <a:r>
-                        <a:rPr lang="en-US" altLang="zh-TW" sz="1400" dirty="0" smtClean="0"/>
+                        <a:rPr lang="en-US" altLang="zh-TW" sz="1400" dirty="0"/>
                         <a:t>XXXXXXXX</a:t>
                       </a:r>
                       <a:r>
-                        <a:rPr lang="zh-TW" altLang="en-US" sz="1400" dirty="0" smtClean="0"/>
+                        <a:rPr lang="zh-TW" altLang="en-US" sz="1400" dirty="0"/>
                         <a:t>元</a:t>
                       </a:r>
-                      <a:endParaRPr lang="zh-TW" altLang="en-US" sz="1400" dirty="0"/>
                     </a:p>
                   </a:txBody>
                   <a:tcPr anchor="ctr"/>
@@ -8270,10 +8146,9 @@
                     <a:p>
                       <a:pPr algn="ctr"/>
                       <a:r>
-                        <a:rPr lang="zh-TW" altLang="en-US" sz="1400" dirty="0" smtClean="0"/>
+                        <a:rPr lang="zh-TW" altLang="en-US" sz="1400" dirty="0"/>
                         <a:t>項目</a:t>
                       </a:r>
-                      <a:endParaRPr lang="zh-TW" altLang="en-US" sz="1400" dirty="0"/>
                     </a:p>
                   </a:txBody>
                   <a:tcPr anchor="ctr"/>
@@ -8285,10 +8160,9 @@
                     <a:p>
                       <a:pPr algn="ctr"/>
                       <a:r>
-                        <a:rPr lang="zh-TW" altLang="en-US" sz="1400" dirty="0" smtClean="0"/>
+                        <a:rPr lang="zh-TW" altLang="en-US" sz="1400" dirty="0"/>
                         <a:t>金額</a:t>
                       </a:r>
-                      <a:endParaRPr lang="zh-TW" altLang="en-US" sz="1400" dirty="0"/>
                     </a:p>
                   </a:txBody>
                   <a:tcPr anchor="ctr"/>
@@ -8467,22 +8341,21 @@
                     <a:p>
                       <a:pPr algn="ctr"/>
                       <a:r>
-                        <a:rPr lang="zh-TW" altLang="en-US" sz="1400" dirty="0" smtClean="0"/>
+                        <a:rPr lang="zh-TW" altLang="en-US" sz="1400" dirty="0"/>
                         <a:t>本月支出</a:t>
                       </a:r>
-                      <a:endParaRPr lang="en-US" altLang="zh-TW" sz="1400" dirty="0" smtClean="0"/>
+                      <a:endParaRPr lang="en-US" altLang="zh-TW" sz="1400" dirty="0"/>
                     </a:p>
                     <a:p>
                       <a:pPr algn="ctr"/>
                       <a:r>
-                        <a:rPr lang="en-US" altLang="zh-TW" sz="1400" dirty="0" smtClean="0"/>
+                        <a:rPr lang="en-US" altLang="zh-TW" sz="1400" dirty="0"/>
                         <a:t>XXXXXXXX</a:t>
                       </a:r>
                       <a:r>
-                        <a:rPr lang="zh-TW" altLang="en-US" sz="1400" dirty="0" smtClean="0"/>
+                        <a:rPr lang="zh-TW" altLang="en-US" sz="1400" dirty="0"/>
                         <a:t>元</a:t>
                       </a:r>
-                      <a:endParaRPr lang="zh-TW" altLang="en-US" sz="1400" dirty="0"/>
                     </a:p>
                   </a:txBody>
                   <a:tcPr anchor="ctr"/>
@@ -8511,10 +8384,9 @@
                     <a:p>
                       <a:pPr algn="ctr"/>
                       <a:r>
-                        <a:rPr lang="zh-TW" altLang="en-US" sz="1400" dirty="0" smtClean="0"/>
+                        <a:rPr lang="zh-TW" altLang="en-US" sz="1400" dirty="0"/>
                         <a:t>項目</a:t>
                       </a:r>
-                      <a:endParaRPr lang="zh-TW" altLang="en-US" sz="1400" dirty="0"/>
                     </a:p>
                   </a:txBody>
                   <a:tcPr anchor="ctr"/>
@@ -8526,10 +8398,9 @@
                     <a:p>
                       <a:pPr algn="ctr"/>
                       <a:r>
-                        <a:rPr lang="zh-TW" altLang="en-US" sz="1400" dirty="0" smtClean="0"/>
+                        <a:rPr lang="zh-TW" altLang="en-US" sz="1400" dirty="0"/>
                         <a:t>金額</a:t>
                       </a:r>
-                      <a:endParaRPr lang="zh-TW" altLang="en-US" sz="1400" dirty="0"/>
                     </a:p>
                   </a:txBody>
                   <a:tcPr anchor="ctr"/>
@@ -8691,18 +8562,17 @@
           <a:lstStyle/>
           <a:p>
             <a:r>
-              <a:rPr lang="zh-TW" altLang="en-US" dirty="0" smtClean="0"/>
+              <a:rPr lang="zh-TW" altLang="en-US" dirty="0"/>
               <a:t>歡迎</a:t>
             </a:r>
             <a:r>
-              <a:rPr lang="en-US" altLang="zh-TW" dirty="0" smtClean="0"/>
+              <a:rPr lang="en-US" altLang="zh-TW" dirty="0"/>
               <a:t>XXX  </a:t>
             </a:r>
             <a:r>
-              <a:rPr lang="zh-TW" altLang="en-US" dirty="0" smtClean="0"/>
+              <a:rPr lang="zh-TW" altLang="en-US" dirty="0"/>
               <a:t>進入家族記帳管理系統                                                                                                            </a:t>
             </a:r>
-            <a:endParaRPr lang="zh-TW" altLang="en-US" dirty="0"/>
           </a:p>
         </p:txBody>
       </p:sp>
@@ -9015,42 +8885,42 @@
           <a:lstStyle/>
           <a:p>
             <a:r>
-              <a:rPr lang="zh-TW" altLang="en-US" dirty="0" smtClean="0"/>
+              <a:rPr lang="zh-TW" altLang="en-US" dirty="0"/>
               <a:t>  圓餅圖</a:t>
             </a:r>
-            <a:endParaRPr lang="en-US" altLang="zh-TW" dirty="0" smtClean="0"/>
-          </a:p>
-          <a:p>
-            <a:r>
-              <a:rPr lang="zh-TW" altLang="en-US" dirty="0" smtClean="0"/>
+            <a:endParaRPr lang="en-US" altLang="zh-TW" dirty="0"/>
+          </a:p>
+          <a:p>
+            <a:r>
+              <a:rPr lang="zh-TW" altLang="en-US" dirty="0"/>
               <a:t>   </a:t>
             </a:r>
             <a:r>
-              <a:rPr lang="en-US" altLang="zh-TW" dirty="0" smtClean="0"/>
+              <a:rPr lang="en-US" altLang="zh-TW" dirty="0"/>
               <a:t>(</a:t>
             </a:r>
             <a:r>
-              <a:rPr lang="zh-TW" altLang="en-US" dirty="0" smtClean="0"/>
+              <a:rPr lang="zh-TW" altLang="en-US" dirty="0"/>
               <a:t>私人</a:t>
             </a:r>
             <a:r>
-              <a:rPr lang="en-US" altLang="zh-TW" dirty="0" smtClean="0"/>
+              <a:rPr lang="en-US" altLang="zh-TW" dirty="0"/>
               <a:t>)</a:t>
             </a:r>
           </a:p>
           <a:p>
             <a:r>
-              <a:rPr lang="zh-TW" altLang="en-US" dirty="0" smtClean="0"/>
+              <a:rPr lang="zh-TW" altLang="en-US" dirty="0"/>
               <a:t>  本月總收入</a:t>
             </a:r>
-            <a:endParaRPr lang="en-US" altLang="zh-TW" dirty="0" smtClean="0"/>
-          </a:p>
-          <a:p>
-            <a:r>
-              <a:rPr lang="zh-TW" altLang="en-US" dirty="0" smtClean="0"/>
+            <a:endParaRPr lang="en-US" altLang="zh-TW" dirty="0"/>
+          </a:p>
+          <a:p>
+            <a:r>
+              <a:rPr lang="zh-TW" altLang="en-US" dirty="0"/>
               <a:t>  扣掉總支出</a:t>
             </a:r>
-            <a:endParaRPr lang="en-US" altLang="zh-TW" dirty="0" smtClean="0"/>
+            <a:endParaRPr lang="en-US" altLang="zh-TW" dirty="0"/>
           </a:p>
         </p:txBody>
       </p:sp>
@@ -9102,22 +8972,21 @@
                     <a:p>
                       <a:pPr algn="ctr"/>
                       <a:r>
-                        <a:rPr lang="zh-TW" altLang="en-US" sz="1400" dirty="0" smtClean="0"/>
+                        <a:rPr lang="zh-TW" altLang="en-US" sz="1400" dirty="0"/>
                         <a:t>本月收入</a:t>
                       </a:r>
-                      <a:endParaRPr lang="en-US" altLang="zh-TW" sz="1400" dirty="0" smtClean="0"/>
+                      <a:endParaRPr lang="en-US" altLang="zh-TW" sz="1400" dirty="0"/>
                     </a:p>
                     <a:p>
                       <a:pPr algn="ctr"/>
                       <a:r>
-                        <a:rPr lang="en-US" altLang="zh-TW" sz="1400" dirty="0" smtClean="0"/>
+                        <a:rPr lang="en-US" altLang="zh-TW" sz="1400" dirty="0"/>
                         <a:t>XXXXXXXX</a:t>
                       </a:r>
                       <a:r>
-                        <a:rPr lang="zh-TW" altLang="en-US" sz="1400" dirty="0" smtClean="0"/>
+                        <a:rPr lang="zh-TW" altLang="en-US" sz="1400" dirty="0"/>
                         <a:t>元</a:t>
                       </a:r>
-                      <a:endParaRPr lang="zh-TW" altLang="en-US" sz="1400" dirty="0"/>
                     </a:p>
                   </a:txBody>
                   <a:tcPr anchor="ctr"/>
@@ -9147,10 +9016,9 @@
                     <a:p>
                       <a:pPr algn="ctr"/>
                       <a:r>
-                        <a:rPr lang="zh-TW" altLang="en-US" sz="1400" dirty="0" smtClean="0"/>
+                        <a:rPr lang="zh-TW" altLang="en-US" sz="1400" dirty="0"/>
                         <a:t>項目</a:t>
                       </a:r>
-                      <a:endParaRPr lang="zh-TW" altLang="en-US" sz="1400" dirty="0"/>
                     </a:p>
                   </a:txBody>
                   <a:tcPr anchor="ctr"/>
@@ -9162,10 +9030,9 @@
                     <a:p>
                       <a:pPr algn="ctr"/>
                       <a:r>
-                        <a:rPr lang="zh-TW" altLang="en-US" sz="1400" dirty="0" smtClean="0"/>
+                        <a:rPr lang="zh-TW" altLang="en-US" sz="1400" dirty="0"/>
                         <a:t>金額</a:t>
                       </a:r>
-                      <a:endParaRPr lang="zh-TW" altLang="en-US" sz="1400" dirty="0"/>
                     </a:p>
                   </a:txBody>
                   <a:tcPr anchor="ctr"/>
@@ -9344,22 +9211,21 @@
                     <a:p>
                       <a:pPr algn="ctr"/>
                       <a:r>
-                        <a:rPr lang="zh-TW" altLang="en-US" sz="1400" dirty="0" smtClean="0"/>
+                        <a:rPr lang="zh-TW" altLang="en-US" sz="1400" dirty="0"/>
                         <a:t>本月支出</a:t>
                       </a:r>
-                      <a:endParaRPr lang="en-US" altLang="zh-TW" sz="1400" dirty="0" smtClean="0"/>
+                      <a:endParaRPr lang="en-US" altLang="zh-TW" sz="1400" dirty="0"/>
                     </a:p>
                     <a:p>
                       <a:pPr algn="ctr"/>
                       <a:r>
-                        <a:rPr lang="en-US" altLang="zh-TW" sz="1400" dirty="0" smtClean="0"/>
+                        <a:rPr lang="en-US" altLang="zh-TW" sz="1400" dirty="0"/>
                         <a:t>XXXXXXXX</a:t>
                       </a:r>
                       <a:r>
-                        <a:rPr lang="zh-TW" altLang="en-US" sz="1400" dirty="0" smtClean="0"/>
+                        <a:rPr lang="zh-TW" altLang="en-US" sz="1400" dirty="0"/>
                         <a:t>元</a:t>
                       </a:r>
-                      <a:endParaRPr lang="zh-TW" altLang="en-US" sz="1400" dirty="0"/>
                     </a:p>
                   </a:txBody>
                   <a:tcPr anchor="ctr"/>
@@ -9388,10 +9254,9 @@
                     <a:p>
                       <a:pPr algn="ctr"/>
                       <a:r>
-                        <a:rPr lang="zh-TW" altLang="en-US" sz="1400" dirty="0" smtClean="0"/>
+                        <a:rPr lang="zh-TW" altLang="en-US" sz="1400" dirty="0"/>
                         <a:t>項目</a:t>
                       </a:r>
-                      <a:endParaRPr lang="zh-TW" altLang="en-US" sz="1400" dirty="0"/>
                     </a:p>
                   </a:txBody>
                   <a:tcPr anchor="ctr"/>
@@ -9403,10 +9268,9 @@
                     <a:p>
                       <a:pPr algn="ctr"/>
                       <a:r>
-                        <a:rPr lang="zh-TW" altLang="en-US" sz="1400" dirty="0" smtClean="0"/>
+                        <a:rPr lang="zh-TW" altLang="en-US" sz="1400" dirty="0"/>
                         <a:t>金額</a:t>
                       </a:r>
-                      <a:endParaRPr lang="zh-TW" altLang="en-US" sz="1400" dirty="0"/>
                     </a:p>
                   </a:txBody>
                   <a:tcPr anchor="ctr"/>
@@ -9839,10 +9703,9 @@
           <a:p>
             <a:pPr algn="ctr"/>
             <a:r>
-              <a:rPr lang="zh-TW" altLang="en-US" dirty="0" smtClean="0"/>
+              <a:rPr lang="zh-TW" altLang="en-US" dirty="0"/>
               <a:t>設定</a:t>
             </a:r>
-            <a:endParaRPr lang="zh-TW" altLang="en-US" dirty="0"/>
           </a:p>
         </p:txBody>
       </p:sp>
@@ -9883,10 +9746,9 @@
           <a:p>
             <a:pPr algn="ctr"/>
             <a:r>
-              <a:rPr lang="zh-TW" altLang="en-US" dirty="0" smtClean="0"/>
+              <a:rPr lang="zh-TW" altLang="en-US" dirty="0"/>
               <a:t>清單</a:t>
             </a:r>
-            <a:endParaRPr lang="zh-TW" altLang="en-US" dirty="0"/>
           </a:p>
         </p:txBody>
       </p:sp>
@@ -9935,7 +9797,7 @@
           <a:p>
             <a:pPr algn="ctr"/>
             <a:r>
-              <a:rPr lang="en-US" altLang="zh-TW" sz="2000" b="1" dirty="0" smtClean="0">
+              <a:rPr lang="en-US" altLang="zh-TW" sz="2000" b="1" dirty="0">
                 <a:solidFill>
                   <a:srgbClr val="FFFF00"/>
                 </a:solidFill>
@@ -10009,7 +9871,7 @@
           <a:p>
             <a:pPr algn="ctr"/>
             <a:r>
-              <a:rPr lang="en-US" altLang="zh-TW" sz="2000" b="1" dirty="0" err="1" smtClean="0">
+              <a:rPr lang="en-US" altLang="zh-TW" sz="2000" b="1" dirty="0" err="1">
                 <a:solidFill>
                   <a:srgbClr val="FFFF00"/>
                 </a:solidFill>
@@ -10083,7 +9945,7 @@
           <a:p>
             <a:pPr algn="ctr"/>
             <a:r>
-              <a:rPr lang="en-US" altLang="zh-TW" sz="2000" b="1" dirty="0" err="1" smtClean="0">
+              <a:rPr lang="en-US" altLang="zh-TW" sz="2000" b="1" dirty="0" err="1">
                 <a:solidFill>
                   <a:srgbClr val="FFFF00"/>
                 </a:solidFill>
@@ -10154,7 +10016,7 @@
           <a:lstStyle/>
           <a:p>
             <a:r>
-              <a:rPr lang="en-US" altLang="zh-TW" dirty="0" smtClean="0"/>
+              <a:rPr lang="en-US" altLang="zh-TW" dirty="0"/>
               <a:t>&lt;div&gt; “ top”</a:t>
             </a:r>
             <a:endParaRPr lang="zh-TW" altLang="en-US" dirty="0"/>
@@ -10203,7 +10065,7 @@
           <a:lstStyle/>
           <a:p>
             <a:r>
-              <a:rPr lang="en-US" altLang="zh-TW" dirty="0" smtClean="0"/>
+              <a:rPr lang="en-US" altLang="zh-TW" dirty="0"/>
               <a:t>&lt;div&gt;“ public”</a:t>
             </a:r>
             <a:endParaRPr lang="zh-TW" altLang="en-US" dirty="0"/>
@@ -10254,30 +10116,25 @@
           <a:lstStyle/>
           <a:p>
             <a:r>
-              <a:rPr lang="en-US" altLang="zh-TW" dirty="0" smtClean="0"/>
+              <a:rPr lang="en-US" altLang="zh-TW" dirty="0"/>
               <a:t>&lt;div &gt;</a:t>
             </a:r>
-            <a:endParaRPr lang="en-US" altLang="zh-TW" dirty="0"/>
-          </a:p>
-          <a:p>
-            <a:r>
-              <a:rPr lang="en-US" altLang="zh-TW" dirty="0" smtClean="0"/>
+          </a:p>
+          <a:p>
+            <a:r>
+              <a:rPr lang="en-US" altLang="zh-TW" dirty="0"/>
               <a:t>“public”</a:t>
             </a:r>
           </a:p>
           <a:p>
             <a:r>
               <a:rPr lang="en-US" altLang="zh-TW" dirty="0"/>
-              <a:t>&lt;div </a:t>
-            </a:r>
-            <a:r>
-              <a:rPr lang="en-US" altLang="zh-TW" dirty="0" smtClean="0"/>
-              <a:t>&gt;</a:t>
-            </a:r>
-          </a:p>
-          <a:p>
-            <a:r>
-              <a:rPr lang="en-US" altLang="zh-TW" dirty="0" smtClean="0"/>
+              <a:t>&lt;div &gt;</a:t>
+            </a:r>
+          </a:p>
+          <a:p>
+            <a:r>
+              <a:rPr lang="en-US" altLang="zh-TW" dirty="0"/>
               <a:t>“public-left”</a:t>
             </a:r>
           </a:p>
@@ -10327,30 +10184,25 @@
           <a:lstStyle/>
           <a:p>
             <a:r>
-              <a:rPr lang="en-US" altLang="zh-TW" dirty="0" smtClean="0"/>
+              <a:rPr lang="en-US" altLang="zh-TW" dirty="0"/>
               <a:t>&lt;div &gt;</a:t>
             </a:r>
-            <a:endParaRPr lang="en-US" altLang="zh-TW" dirty="0"/>
-          </a:p>
-          <a:p>
-            <a:r>
-              <a:rPr lang="en-US" altLang="zh-TW" dirty="0" smtClean="0"/>
+          </a:p>
+          <a:p>
+            <a:r>
+              <a:rPr lang="en-US" altLang="zh-TW" dirty="0"/>
               <a:t>“public”</a:t>
             </a:r>
           </a:p>
           <a:p>
             <a:r>
               <a:rPr lang="en-US" altLang="zh-TW" dirty="0"/>
-              <a:t>&lt;div </a:t>
-            </a:r>
-            <a:r>
-              <a:rPr lang="en-US" altLang="zh-TW" dirty="0" smtClean="0"/>
-              <a:t>&gt;</a:t>
-            </a:r>
-          </a:p>
-          <a:p>
-            <a:r>
-              <a:rPr lang="en-US" altLang="zh-TW" dirty="0" smtClean="0"/>
+              <a:t>&lt;div &gt;</a:t>
+            </a:r>
+          </a:p>
+          <a:p>
+            <a:r>
+              <a:rPr lang="en-US" altLang="zh-TW" dirty="0"/>
               <a:t>“public-right”</a:t>
             </a:r>
           </a:p>
@@ -10400,29 +10252,25 @@
           <a:lstStyle/>
           <a:p>
             <a:r>
-              <a:rPr lang="en-US" altLang="zh-TW" dirty="0" smtClean="0"/>
+              <a:rPr lang="en-US" altLang="zh-TW" dirty="0"/>
               <a:t>&lt;div &gt;</a:t>
             </a:r>
           </a:p>
           <a:p>
             <a:r>
-              <a:rPr lang="en-US" altLang="zh-TW" dirty="0" smtClean="0"/>
+              <a:rPr lang="en-US" altLang="zh-TW" dirty="0"/>
               <a:t>“public”</a:t>
             </a:r>
           </a:p>
           <a:p>
             <a:r>
               <a:rPr lang="en-US" altLang="zh-TW" dirty="0"/>
-              <a:t>&lt;div </a:t>
-            </a:r>
-            <a:r>
-              <a:rPr lang="en-US" altLang="zh-TW" dirty="0" smtClean="0"/>
-              <a:t>&gt;</a:t>
-            </a:r>
-          </a:p>
-          <a:p>
-            <a:r>
-              <a:rPr lang="en-US" altLang="zh-TW" dirty="0" smtClean="0"/>
+              <a:t>&lt;div &gt;</a:t>
+            </a:r>
+          </a:p>
+          <a:p>
+            <a:r>
+              <a:rPr lang="en-US" altLang="zh-TW" dirty="0"/>
               <a:t>“public-center”</a:t>
             </a:r>
           </a:p>
@@ -10472,39 +10320,26 @@
           <a:lstStyle/>
           <a:p>
             <a:r>
-              <a:rPr lang="en-US" altLang="zh-TW" dirty="0" smtClean="0"/>
+              <a:rPr lang="en-US" altLang="zh-TW" dirty="0"/>
               <a:t>&lt;div &gt;</a:t>
             </a:r>
-            <a:endParaRPr lang="en-US" altLang="zh-TW" dirty="0"/>
-          </a:p>
-          <a:p>
-            <a:r>
-              <a:rPr lang="en-US" altLang="zh-TW" dirty="0" smtClean="0"/>
+          </a:p>
+          <a:p>
+            <a:r>
+              <a:rPr lang="en-US" altLang="zh-TW" dirty="0"/>
               <a:t>“private”</a:t>
             </a:r>
           </a:p>
           <a:p>
             <a:r>
               <a:rPr lang="en-US" altLang="zh-TW" dirty="0"/>
-              <a:t>&lt;div </a:t>
-            </a:r>
-            <a:r>
-              <a:rPr lang="en-US" altLang="zh-TW" dirty="0" smtClean="0"/>
-              <a:t>&gt;</a:t>
-            </a:r>
-          </a:p>
-          <a:p>
-            <a:r>
-              <a:rPr lang="en-US" altLang="zh-TW" dirty="0" smtClean="0"/>
-              <a:t>“</a:t>
-            </a:r>
+              <a:t>&lt;div &gt;</a:t>
+            </a:r>
+          </a:p>
+          <a:p>
             <a:r>
               <a:rPr lang="en-US" altLang="zh-TW" dirty="0"/>
-              <a:t>private </a:t>
-            </a:r>
-            <a:r>
-              <a:rPr lang="en-US" altLang="zh-TW" dirty="0" smtClean="0"/>
-              <a:t>-left”</a:t>
+              <a:t>“private -left”</a:t>
             </a:r>
           </a:p>
         </p:txBody>
@@ -10553,47 +10388,26 @@
           <a:lstStyle/>
           <a:p>
             <a:r>
-              <a:rPr lang="en-US" altLang="zh-TW" dirty="0" smtClean="0"/>
+              <a:rPr lang="en-US" altLang="zh-TW" dirty="0"/>
               <a:t>&lt;div &gt;</a:t>
             </a:r>
-            <a:endParaRPr lang="en-US" altLang="zh-TW" dirty="0"/>
-          </a:p>
-          <a:p>
-            <a:r>
-              <a:rPr lang="en-US" altLang="zh-TW" dirty="0" smtClean="0"/>
-              <a:t>“</a:t>
-            </a:r>
+          </a:p>
+          <a:p>
             <a:r>
               <a:rPr lang="en-US" altLang="zh-TW" dirty="0"/>
-              <a:t>private</a:t>
-            </a:r>
-            <a:r>
-              <a:rPr lang="en-US" altLang="zh-TW" dirty="0" smtClean="0"/>
-              <a:t>”</a:t>
+              <a:t>“private”</a:t>
             </a:r>
           </a:p>
           <a:p>
             <a:r>
               <a:rPr lang="en-US" altLang="zh-TW" dirty="0"/>
-              <a:t>&lt;div </a:t>
-            </a:r>
-            <a:r>
-              <a:rPr lang="en-US" altLang="zh-TW" dirty="0" smtClean="0"/>
-              <a:t>&gt;</a:t>
-            </a:r>
-          </a:p>
-          <a:p>
-            <a:r>
-              <a:rPr lang="en-US" altLang="zh-TW" dirty="0" smtClean="0"/>
-              <a:t>“</a:t>
-            </a:r>
+              <a:t>&lt;div &gt;</a:t>
+            </a:r>
+          </a:p>
+          <a:p>
             <a:r>
               <a:rPr lang="en-US" altLang="zh-TW" dirty="0"/>
-              <a:t>private </a:t>
-            </a:r>
-            <a:r>
-              <a:rPr lang="en-US" altLang="zh-TW" dirty="0" smtClean="0"/>
-              <a:t>-right”</a:t>
+              <a:t>“private -right”</a:t>
             </a:r>
           </a:p>
         </p:txBody>
@@ -10642,46 +10456,26 @@
           <a:lstStyle/>
           <a:p>
             <a:r>
-              <a:rPr lang="en-US" altLang="zh-TW" dirty="0" smtClean="0"/>
+              <a:rPr lang="en-US" altLang="zh-TW" dirty="0"/>
               <a:t>&lt;div &gt;</a:t>
             </a:r>
           </a:p>
           <a:p>
             <a:r>
-              <a:rPr lang="en-US" altLang="zh-TW" dirty="0" smtClean="0"/>
-              <a:t>“</a:t>
-            </a:r>
-            <a:r>
               <a:rPr lang="en-US" altLang="zh-TW" dirty="0"/>
-              <a:t>private</a:t>
-            </a:r>
-            <a:r>
-              <a:rPr lang="en-US" altLang="zh-TW" dirty="0" smtClean="0"/>
-              <a:t>”</a:t>
+              <a:t>“private”</a:t>
             </a:r>
           </a:p>
           <a:p>
             <a:r>
               <a:rPr lang="en-US" altLang="zh-TW" dirty="0"/>
-              <a:t>&lt;div </a:t>
-            </a:r>
-            <a:r>
-              <a:rPr lang="en-US" altLang="zh-TW" dirty="0" smtClean="0"/>
-              <a:t>&gt;</a:t>
-            </a:r>
-          </a:p>
-          <a:p>
-            <a:r>
-              <a:rPr lang="en-US" altLang="zh-TW" dirty="0" smtClean="0"/>
-              <a:t>“</a:t>
-            </a:r>
+              <a:t>&lt;div &gt;</a:t>
+            </a:r>
+          </a:p>
+          <a:p>
             <a:r>
               <a:rPr lang="en-US" altLang="zh-TW" dirty="0"/>
-              <a:t>private </a:t>
-            </a:r>
-            <a:r>
-              <a:rPr lang="en-US" altLang="zh-TW" dirty="0" smtClean="0"/>
-              <a:t>-center”</a:t>
+              <a:t>“private -center”</a:t>
             </a:r>
           </a:p>
         </p:txBody>
@@ -10728,16 +10522,8 @@
           <a:lstStyle/>
           <a:p>
             <a:r>
-              <a:rPr lang="en-US" altLang="zh-TW" dirty="0" smtClean="0"/>
-              <a:t>&lt;div&gt;“</a:t>
-            </a:r>
-            <a:r>
               <a:rPr lang="en-US" altLang="zh-TW" dirty="0"/>
-              <a:t>private</a:t>
-            </a:r>
-            <a:r>
-              <a:rPr lang="en-US" altLang="zh-TW" dirty="0" smtClean="0"/>
-              <a:t>”</a:t>
+              <a:t>&lt;div&gt;“private”</a:t>
             </a:r>
             <a:endParaRPr lang="zh-TW" altLang="en-US" dirty="0"/>
           </a:p>
@@ -10785,15 +10571,15 @@
           <a:lstStyle/>
           <a:p>
             <a:r>
-              <a:rPr lang="en-US" altLang="zh-TW" dirty="0" smtClean="0"/>
+              <a:rPr lang="en-US" altLang="zh-TW" dirty="0"/>
               <a:t>&lt;div&gt; “ </a:t>
             </a:r>
             <a:r>
-              <a:rPr lang="en-US" altLang="zh-TW" dirty="0" err="1" smtClean="0"/>
+              <a:rPr lang="en-US" altLang="zh-TW" dirty="0" err="1"/>
               <a:t>nav</a:t>
             </a:r>
             <a:r>
-              <a:rPr lang="en-US" altLang="zh-TW" dirty="0" smtClean="0"/>
+              <a:rPr lang="en-US" altLang="zh-TW" dirty="0"/>
               <a:t>”</a:t>
             </a:r>
             <a:endParaRPr lang="zh-TW" altLang="en-US" dirty="0"/>
@@ -10810,13 +10596,6 @@
   <p:clrMapOvr>
     <a:masterClrMapping/>
   </p:clrMapOvr>
-  <p:timing>
-    <p:tnLst>
-      <p:par>
-        <p:cTn id="1" dur="indefinite" restart="never" nodeType="tmRoot"/>
-      </p:par>
-    </p:tnLst>
-  </p:timing>
 </p:sld>
 </file>
 
@@ -11006,44 +10785,44 @@
           <a:lstStyle/>
           <a:p>
             <a:r>
-              <a:rPr lang="zh-TW" altLang="en-US" dirty="0" smtClean="0"/>
+              <a:rPr lang="zh-TW" altLang="en-US" dirty="0"/>
               <a:t>  公開圓餅圖</a:t>
             </a:r>
-            <a:endParaRPr lang="en-US" altLang="zh-TW" dirty="0" smtClean="0"/>
-          </a:p>
-          <a:p>
-            <a:r>
-              <a:rPr lang="zh-TW" altLang="en-US" dirty="0" smtClean="0"/>
+            <a:endParaRPr lang="en-US" altLang="zh-TW" dirty="0"/>
+          </a:p>
+          <a:p>
+            <a:r>
+              <a:rPr lang="zh-TW" altLang="en-US" dirty="0"/>
               <a:t>   </a:t>
             </a:r>
             <a:r>
-              <a:rPr lang="en-US" altLang="zh-TW" dirty="0" smtClean="0"/>
+              <a:rPr lang="en-US" altLang="zh-TW" dirty="0"/>
               <a:t>(</a:t>
             </a:r>
             <a:r>
-              <a:rPr lang="zh-TW" altLang="en-US" dirty="0" smtClean="0"/>
+              <a:rPr lang="zh-TW" altLang="en-US" dirty="0"/>
               <a:t>家庭</a:t>
             </a:r>
             <a:r>
-              <a:rPr lang="en-US" altLang="zh-TW" dirty="0" smtClean="0"/>
+              <a:rPr lang="en-US" altLang="zh-TW" dirty="0"/>
               <a:t>)</a:t>
             </a:r>
           </a:p>
           <a:p>
             <a:pPr algn="ctr"/>
             <a:r>
-              <a:rPr lang="zh-TW" altLang="en-US" dirty="0" smtClean="0"/>
+              <a:rPr lang="zh-TW" altLang="en-US" dirty="0"/>
               <a:t>本月公開總收入</a:t>
             </a:r>
-            <a:endParaRPr lang="en-US" altLang="zh-TW" dirty="0" smtClean="0"/>
+            <a:endParaRPr lang="en-US" altLang="zh-TW" dirty="0"/>
           </a:p>
           <a:p>
             <a:pPr algn="ctr"/>
             <a:r>
-              <a:rPr lang="zh-TW" altLang="en-US" dirty="0" smtClean="0"/>
+              <a:rPr lang="zh-TW" altLang="en-US" dirty="0"/>
               <a:t>扣掉公開總支出</a:t>
             </a:r>
-            <a:endParaRPr lang="en-US" altLang="zh-TW" dirty="0" smtClean="0"/>
+            <a:endParaRPr lang="en-US" altLang="zh-TW" dirty="0"/>
           </a:p>
         </p:txBody>
       </p:sp>
@@ -11089,22 +10868,21 @@
                     <a:p>
                       <a:pPr algn="ctr"/>
                       <a:r>
-                        <a:rPr lang="zh-TW" altLang="en-US" sz="1400" dirty="0" smtClean="0"/>
+                        <a:rPr lang="zh-TW" altLang="en-US" sz="1400" dirty="0"/>
                         <a:t>本月收入</a:t>
                       </a:r>
-                      <a:endParaRPr lang="en-US" altLang="zh-TW" sz="1400" dirty="0" smtClean="0"/>
+                      <a:endParaRPr lang="en-US" altLang="zh-TW" sz="1400" dirty="0"/>
                     </a:p>
                     <a:p>
                       <a:pPr algn="ctr"/>
                       <a:r>
-                        <a:rPr lang="en-US" altLang="zh-TW" sz="1400" dirty="0" smtClean="0"/>
+                        <a:rPr lang="en-US" altLang="zh-TW" sz="1400" dirty="0"/>
                         <a:t>XXXXXXXX</a:t>
                       </a:r>
                       <a:r>
-                        <a:rPr lang="zh-TW" altLang="en-US" sz="1400" dirty="0" smtClean="0"/>
+                        <a:rPr lang="zh-TW" altLang="en-US" sz="1400" dirty="0"/>
                         <a:t>元</a:t>
                       </a:r>
-                      <a:endParaRPr lang="zh-TW" altLang="en-US" sz="1400" dirty="0"/>
                     </a:p>
                   </a:txBody>
                   <a:tcPr anchor="ctr"/>
@@ -11134,10 +10912,9 @@
                     <a:p>
                       <a:pPr algn="ctr"/>
                       <a:r>
-                        <a:rPr lang="zh-TW" altLang="en-US" sz="1400" dirty="0" smtClean="0"/>
+                        <a:rPr lang="zh-TW" altLang="en-US" sz="1400" dirty="0"/>
                         <a:t>項目</a:t>
                       </a:r>
-                      <a:endParaRPr lang="zh-TW" altLang="en-US" sz="1400" dirty="0"/>
                     </a:p>
                   </a:txBody>
                   <a:tcPr anchor="ctr"/>
@@ -11149,10 +10926,9 @@
                     <a:p>
                       <a:pPr algn="ctr"/>
                       <a:r>
-                        <a:rPr lang="zh-TW" altLang="en-US" sz="1400" dirty="0" smtClean="0"/>
+                        <a:rPr lang="zh-TW" altLang="en-US" sz="1400" dirty="0"/>
                         <a:t>金額</a:t>
                       </a:r>
-                      <a:endParaRPr lang="zh-TW" altLang="en-US" sz="1400" dirty="0"/>
                     </a:p>
                   </a:txBody>
                   <a:tcPr anchor="ctr"/>
@@ -11325,22 +11101,21 @@
                     <a:p>
                       <a:pPr algn="ctr"/>
                       <a:r>
-                        <a:rPr lang="zh-TW" altLang="en-US" sz="1400" dirty="0" smtClean="0"/>
+                        <a:rPr lang="zh-TW" altLang="en-US" sz="1400" dirty="0"/>
                         <a:t>本月支出</a:t>
                       </a:r>
-                      <a:endParaRPr lang="en-US" altLang="zh-TW" sz="1400" dirty="0" smtClean="0"/>
+                      <a:endParaRPr lang="en-US" altLang="zh-TW" sz="1400" dirty="0"/>
                     </a:p>
                     <a:p>
                       <a:pPr algn="ctr"/>
                       <a:r>
-                        <a:rPr lang="en-US" altLang="zh-TW" sz="1400" dirty="0" smtClean="0"/>
+                        <a:rPr lang="en-US" altLang="zh-TW" sz="1400" dirty="0"/>
                         <a:t>XXXXXXXX</a:t>
                       </a:r>
                       <a:r>
-                        <a:rPr lang="zh-TW" altLang="en-US" sz="1400" dirty="0" smtClean="0"/>
+                        <a:rPr lang="zh-TW" altLang="en-US" sz="1400" dirty="0"/>
                         <a:t>元</a:t>
                       </a:r>
-                      <a:endParaRPr lang="zh-TW" altLang="en-US" sz="1400" dirty="0"/>
                     </a:p>
                   </a:txBody>
                   <a:tcPr anchor="ctr"/>
@@ -11369,10 +11144,9 @@
                     <a:p>
                       <a:pPr algn="ctr"/>
                       <a:r>
-                        <a:rPr lang="zh-TW" altLang="en-US" sz="1400" dirty="0" smtClean="0"/>
+                        <a:rPr lang="zh-TW" altLang="en-US" sz="1400" dirty="0"/>
                         <a:t>項目</a:t>
                       </a:r>
-                      <a:endParaRPr lang="zh-TW" altLang="en-US" sz="1400" dirty="0"/>
                     </a:p>
                   </a:txBody>
                   <a:tcPr anchor="ctr"/>
@@ -11384,10 +11158,9 @@
                     <a:p>
                       <a:pPr algn="ctr"/>
                       <a:r>
-                        <a:rPr lang="zh-TW" altLang="en-US" sz="1400" dirty="0" smtClean="0"/>
+                        <a:rPr lang="zh-TW" altLang="en-US" sz="1400" dirty="0"/>
                         <a:t>金額</a:t>
                       </a:r>
-                      <a:endParaRPr lang="zh-TW" altLang="en-US" sz="1400" dirty="0"/>
                     </a:p>
                   </a:txBody>
                   <a:tcPr anchor="ctr"/>
@@ -11549,18 +11322,17 @@
           <a:lstStyle/>
           <a:p>
             <a:r>
-              <a:rPr lang="zh-TW" altLang="en-US" dirty="0" smtClean="0"/>
+              <a:rPr lang="zh-TW" altLang="en-US" dirty="0"/>
               <a:t>歡迎</a:t>
             </a:r>
             <a:r>
-              <a:rPr lang="en-US" altLang="zh-TW" dirty="0" smtClean="0"/>
+              <a:rPr lang="en-US" altLang="zh-TW" dirty="0"/>
               <a:t>XXX  </a:t>
             </a:r>
             <a:r>
-              <a:rPr lang="zh-TW" altLang="en-US" dirty="0" smtClean="0"/>
+              <a:rPr lang="zh-TW" altLang="en-US" dirty="0"/>
               <a:t>進入家族記帳管理系統                                                                                                            </a:t>
             </a:r>
-            <a:endParaRPr lang="zh-TW" altLang="en-US" dirty="0"/>
           </a:p>
         </p:txBody>
       </p:sp>
@@ -11873,42 +11645,42 @@
           <a:lstStyle/>
           <a:p>
             <a:r>
-              <a:rPr lang="zh-TW" altLang="en-US" dirty="0" smtClean="0"/>
+              <a:rPr lang="zh-TW" altLang="en-US" dirty="0"/>
               <a:t>  圓餅圖</a:t>
             </a:r>
-            <a:endParaRPr lang="en-US" altLang="zh-TW" dirty="0" smtClean="0"/>
-          </a:p>
-          <a:p>
-            <a:r>
-              <a:rPr lang="zh-TW" altLang="en-US" dirty="0" smtClean="0"/>
+            <a:endParaRPr lang="en-US" altLang="zh-TW" dirty="0"/>
+          </a:p>
+          <a:p>
+            <a:r>
+              <a:rPr lang="zh-TW" altLang="en-US" dirty="0"/>
               <a:t>   </a:t>
             </a:r>
             <a:r>
-              <a:rPr lang="en-US" altLang="zh-TW" dirty="0" smtClean="0"/>
+              <a:rPr lang="en-US" altLang="zh-TW" dirty="0"/>
               <a:t>(</a:t>
             </a:r>
             <a:r>
-              <a:rPr lang="zh-TW" altLang="en-US" dirty="0" smtClean="0"/>
+              <a:rPr lang="zh-TW" altLang="en-US" dirty="0"/>
               <a:t>私人</a:t>
             </a:r>
             <a:r>
-              <a:rPr lang="en-US" altLang="zh-TW" dirty="0" smtClean="0"/>
+              <a:rPr lang="en-US" altLang="zh-TW" dirty="0"/>
               <a:t>)</a:t>
             </a:r>
           </a:p>
           <a:p>
             <a:r>
-              <a:rPr lang="zh-TW" altLang="en-US" dirty="0" smtClean="0"/>
+              <a:rPr lang="zh-TW" altLang="en-US" dirty="0"/>
               <a:t>  本月總收入</a:t>
             </a:r>
-            <a:endParaRPr lang="en-US" altLang="zh-TW" dirty="0" smtClean="0"/>
-          </a:p>
-          <a:p>
-            <a:r>
-              <a:rPr lang="zh-TW" altLang="en-US" dirty="0" smtClean="0"/>
+            <a:endParaRPr lang="en-US" altLang="zh-TW" dirty="0"/>
+          </a:p>
+          <a:p>
+            <a:r>
+              <a:rPr lang="zh-TW" altLang="en-US" dirty="0"/>
               <a:t>  扣掉總支出</a:t>
             </a:r>
-            <a:endParaRPr lang="en-US" altLang="zh-TW" dirty="0" smtClean="0"/>
+            <a:endParaRPr lang="en-US" altLang="zh-TW" dirty="0"/>
           </a:p>
         </p:txBody>
       </p:sp>
@@ -11954,22 +11726,21 @@
                     <a:p>
                       <a:pPr algn="ctr"/>
                       <a:r>
-                        <a:rPr lang="zh-TW" altLang="en-US" sz="1400" dirty="0" smtClean="0"/>
+                        <a:rPr lang="zh-TW" altLang="en-US" sz="1400" dirty="0"/>
                         <a:t>本月收入</a:t>
                       </a:r>
-                      <a:endParaRPr lang="en-US" altLang="zh-TW" sz="1400" dirty="0" smtClean="0"/>
+                      <a:endParaRPr lang="en-US" altLang="zh-TW" sz="1400" dirty="0"/>
                     </a:p>
                     <a:p>
                       <a:pPr algn="ctr"/>
                       <a:r>
-                        <a:rPr lang="en-US" altLang="zh-TW" sz="1400" dirty="0" smtClean="0"/>
+                        <a:rPr lang="en-US" altLang="zh-TW" sz="1400" dirty="0"/>
                         <a:t>XXXXXXXX</a:t>
                       </a:r>
                       <a:r>
-                        <a:rPr lang="zh-TW" altLang="en-US" sz="1400" dirty="0" smtClean="0"/>
+                        <a:rPr lang="zh-TW" altLang="en-US" sz="1400" dirty="0"/>
                         <a:t>元</a:t>
                       </a:r>
-                      <a:endParaRPr lang="zh-TW" altLang="en-US" sz="1400" dirty="0"/>
                     </a:p>
                   </a:txBody>
                   <a:tcPr anchor="ctr"/>
@@ -11999,10 +11770,9 @@
                     <a:p>
                       <a:pPr algn="ctr"/>
                       <a:r>
-                        <a:rPr lang="zh-TW" altLang="en-US" sz="1400" dirty="0" smtClean="0"/>
+                        <a:rPr lang="zh-TW" altLang="en-US" sz="1400" dirty="0"/>
                         <a:t>項目</a:t>
                       </a:r>
-                      <a:endParaRPr lang="zh-TW" altLang="en-US" sz="1400" dirty="0"/>
                     </a:p>
                   </a:txBody>
                   <a:tcPr anchor="ctr"/>
@@ -12014,10 +11784,9 @@
                     <a:p>
                       <a:pPr algn="ctr"/>
                       <a:r>
-                        <a:rPr lang="zh-TW" altLang="en-US" sz="1400" dirty="0" smtClean="0"/>
+                        <a:rPr lang="zh-TW" altLang="en-US" sz="1400" dirty="0"/>
                         <a:t>金額</a:t>
                       </a:r>
-                      <a:endParaRPr lang="zh-TW" altLang="en-US" sz="1400" dirty="0"/>
                     </a:p>
                   </a:txBody>
                   <a:tcPr anchor="ctr"/>
@@ -12190,22 +11959,21 @@
                     <a:p>
                       <a:pPr algn="ctr"/>
                       <a:r>
-                        <a:rPr lang="zh-TW" altLang="en-US" sz="1400" dirty="0" smtClean="0"/>
+                        <a:rPr lang="zh-TW" altLang="en-US" sz="1400" dirty="0"/>
                         <a:t>本月支出</a:t>
                       </a:r>
-                      <a:endParaRPr lang="en-US" altLang="zh-TW" sz="1400" dirty="0" smtClean="0"/>
+                      <a:endParaRPr lang="en-US" altLang="zh-TW" sz="1400" dirty="0"/>
                     </a:p>
                     <a:p>
                       <a:pPr algn="ctr"/>
                       <a:r>
-                        <a:rPr lang="en-US" altLang="zh-TW" sz="1400" dirty="0" smtClean="0"/>
+                        <a:rPr lang="en-US" altLang="zh-TW" sz="1400" dirty="0"/>
                         <a:t>XXXXXXXX</a:t>
                       </a:r>
                       <a:r>
-                        <a:rPr lang="zh-TW" altLang="en-US" sz="1400" dirty="0" smtClean="0"/>
+                        <a:rPr lang="zh-TW" altLang="en-US" sz="1400" dirty="0"/>
                         <a:t>元</a:t>
                       </a:r>
-                      <a:endParaRPr lang="zh-TW" altLang="en-US" sz="1400" dirty="0"/>
                     </a:p>
                   </a:txBody>
                   <a:tcPr anchor="ctr"/>
@@ -12234,10 +12002,9 @@
                     <a:p>
                       <a:pPr algn="ctr"/>
                       <a:r>
-                        <a:rPr lang="zh-TW" altLang="en-US" sz="1400" dirty="0" smtClean="0"/>
+                        <a:rPr lang="zh-TW" altLang="en-US" sz="1400" dirty="0"/>
                         <a:t>項目</a:t>
                       </a:r>
-                      <a:endParaRPr lang="zh-TW" altLang="en-US" sz="1400" dirty="0"/>
                     </a:p>
                   </a:txBody>
                   <a:tcPr anchor="ctr"/>
@@ -12249,10 +12016,9 @@
                     <a:p>
                       <a:pPr algn="ctr"/>
                       <a:r>
-                        <a:rPr lang="zh-TW" altLang="en-US" sz="1400" dirty="0" smtClean="0"/>
+                        <a:rPr lang="zh-TW" altLang="en-US" sz="1400" dirty="0"/>
                         <a:t>金額</a:t>
                       </a:r>
-                      <a:endParaRPr lang="zh-TW" altLang="en-US" sz="1400" dirty="0"/>
                     </a:p>
                   </a:txBody>
                   <a:tcPr anchor="ctr"/>
@@ -12685,12 +12451,8 @@
           <a:p>
             <a:pPr algn="ctr"/>
             <a:r>
-              <a:rPr lang="zh-TW" altLang="en-US" dirty="0" smtClean="0"/>
-              <a:t>設</a:t>
-            </a:r>
-            <a:r>
               <a:rPr lang="zh-TW" altLang="en-US" dirty="0"/>
-              <a:t>定</a:t>
+              <a:t>設定</a:t>
             </a:r>
           </a:p>
         </p:txBody>
@@ -12735,10 +12497,9 @@
           <a:p>
             <a:pPr algn="ctr"/>
             <a:r>
-              <a:rPr lang="zh-TW" altLang="en-US" dirty="0" smtClean="0"/>
+              <a:rPr lang="zh-TW" altLang="en-US" dirty="0"/>
               <a:t>清單</a:t>
             </a:r>
-            <a:endParaRPr lang="zh-TW" altLang="en-US" dirty="0"/>
           </a:p>
         </p:txBody>
       </p:sp>
@@ -12831,18 +12592,13 @@
                     <a:p>
                       <a:pPr algn="ctr"/>
                       <a:r>
-                        <a:rPr lang="zh-TW" altLang="en-US" b="1" dirty="0" smtClean="0">
+                        <a:rPr lang="zh-TW" altLang="en-US" b="1" dirty="0">
                           <a:solidFill>
                             <a:schemeClr val="tx1"/>
                           </a:solidFill>
                         </a:rPr>
                         <a:t>收支登記</a:t>
                       </a:r>
-                      <a:endParaRPr lang="zh-TW" altLang="en-US" b="1" dirty="0">
-                        <a:solidFill>
-                          <a:schemeClr val="tx1"/>
-                        </a:solidFill>
-                      </a:endParaRPr>
                     </a:p>
                   </a:txBody>
                   <a:tcPr anchor="ctr">
@@ -12865,18 +12621,13 @@
                     <a:p>
                       <a:pPr algn="ctr"/>
                       <a:r>
-                        <a:rPr lang="zh-TW" altLang="en-US" b="1" dirty="0" smtClean="0">
+                        <a:rPr lang="zh-TW" altLang="en-US" b="1" dirty="0">
                           <a:solidFill>
                             <a:schemeClr val="tx1"/>
                           </a:solidFill>
                         </a:rPr>
                         <a:t>收支清單</a:t>
                       </a:r>
-                      <a:endParaRPr lang="zh-TW" altLang="en-US" b="1" dirty="0">
-                        <a:solidFill>
-                          <a:schemeClr val="tx1"/>
-                        </a:solidFill>
-                      </a:endParaRPr>
                     </a:p>
                   </a:txBody>
                   <a:tcPr anchor="ctr">
@@ -12899,18 +12650,13 @@
                     <a:p>
                       <a:pPr algn="ctr"/>
                       <a:r>
-                        <a:rPr lang="zh-TW" altLang="en-US" b="1" dirty="0" smtClean="0">
+                        <a:rPr lang="zh-TW" altLang="en-US" b="1" dirty="0">
                           <a:solidFill>
                             <a:schemeClr val="tx1"/>
                           </a:solidFill>
                         </a:rPr>
                         <a:t>類別管理</a:t>
                       </a:r>
-                      <a:endParaRPr lang="zh-TW" altLang="en-US" b="1" dirty="0">
-                        <a:solidFill>
-                          <a:schemeClr val="tx1"/>
-                        </a:solidFill>
-                      </a:endParaRPr>
                     </a:p>
                   </a:txBody>
                   <a:tcPr anchor="ctr">
@@ -12933,18 +12679,13 @@
                     <a:p>
                       <a:pPr algn="ctr"/>
                       <a:r>
-                        <a:rPr lang="zh-TW" altLang="en-US" b="1" dirty="0" smtClean="0">
+                        <a:rPr lang="zh-TW" altLang="en-US" b="1" dirty="0">
                           <a:solidFill>
                             <a:schemeClr val="tx1"/>
                           </a:solidFill>
                         </a:rPr>
                         <a:t>特定查詢</a:t>
                       </a:r>
-                      <a:endParaRPr lang="zh-TW" altLang="en-US" b="1" dirty="0">
-                        <a:solidFill>
-                          <a:schemeClr val="tx1"/>
-                        </a:solidFill>
-                      </a:endParaRPr>
                     </a:p>
                   </a:txBody>
                   <a:tcPr anchor="ctr">
@@ -12967,18 +12708,13 @@
                     <a:p>
                       <a:pPr algn="ctr"/>
                       <a:r>
-                        <a:rPr lang="zh-TW" altLang="en-US" b="1" dirty="0" smtClean="0">
+                        <a:rPr lang="zh-TW" altLang="en-US" b="1" dirty="0">
                           <a:solidFill>
                             <a:schemeClr val="tx1"/>
                           </a:solidFill>
                         </a:rPr>
                         <a:t>投票功能</a:t>
                       </a:r>
-                      <a:endParaRPr lang="zh-TW" altLang="en-US" b="1" dirty="0">
-                        <a:solidFill>
-                          <a:schemeClr val="tx1"/>
-                        </a:solidFill>
-                      </a:endParaRPr>
                     </a:p>
                   </a:txBody>
                   <a:tcPr anchor="ctr">
@@ -13001,18 +12737,13 @@
                     <a:p>
                       <a:pPr algn="ctr"/>
                       <a:r>
-                        <a:rPr lang="zh-TW" altLang="en-US" b="1" dirty="0" smtClean="0">
+                        <a:rPr lang="zh-TW" altLang="en-US" b="1" dirty="0">
                           <a:solidFill>
                             <a:schemeClr val="tx1"/>
                           </a:solidFill>
                         </a:rPr>
                         <a:t>歷史紀錄查詢</a:t>
                       </a:r>
-                      <a:endParaRPr lang="zh-TW" altLang="en-US" b="1" dirty="0">
-                        <a:solidFill>
-                          <a:schemeClr val="tx1"/>
-                        </a:solidFill>
-                      </a:endParaRPr>
                     </a:p>
                   </a:txBody>
                   <a:tcPr anchor="ctr">
@@ -13075,7 +12806,7 @@
           <a:lstStyle/>
           <a:p>
             <a:r>
-              <a:rPr lang="en-US" altLang="zh-TW" sz="2000" b="1" dirty="0" err="1" smtClean="0">
+              <a:rPr lang="en-US" altLang="zh-TW" sz="2000" b="1" dirty="0" err="1">
                 <a:solidFill>
                   <a:srgbClr val="FFFF00"/>
                 </a:solidFill>
@@ -13090,7 +12821,7 @@
               <a:t>js</a:t>
             </a:r>
             <a:r>
-              <a:rPr lang="en-US" altLang="zh-TW" sz="2000" b="1" dirty="0" smtClean="0">
+              <a:rPr lang="en-US" altLang="zh-TW" sz="2000" b="1" dirty="0">
                 <a:solidFill>
                   <a:srgbClr val="FFFF00"/>
                 </a:solidFill>
@@ -13105,7 +12836,7 @@
               <a:t>:</a:t>
             </a:r>
             <a:br>
-              <a:rPr lang="en-US" altLang="zh-TW" sz="2000" b="1" dirty="0" smtClean="0">
+              <a:rPr lang="en-US" altLang="zh-TW" sz="2000" b="1" dirty="0">
                 <a:solidFill>
                   <a:srgbClr val="FFFF00"/>
                 </a:solidFill>
@@ -13119,7 +12850,7 @@
               </a:rPr>
             </a:br>
             <a:r>
-              <a:rPr lang="en-US" altLang="zh-TW" sz="2000" b="1" dirty="0" smtClean="0">
+              <a:rPr lang="en-US" altLang="zh-TW" sz="2000" b="1" dirty="0">
                 <a:solidFill>
                   <a:srgbClr val="FFFF00"/>
                 </a:solidFill>
@@ -13134,7 +12865,7 @@
               <a:t>   </a:t>
             </a:r>
             <a:r>
-              <a:rPr lang="en-US" altLang="zh-TW" sz="2000" b="1" dirty="0" err="1" smtClean="0">
+              <a:rPr lang="en-US" altLang="zh-TW" sz="2000" b="1" dirty="0" err="1">
                 <a:solidFill>
                   <a:srgbClr val="FFFF00"/>
                 </a:solidFill>
@@ -13148,7 +12879,7 @@
               </a:rPr>
               <a:t>display:block</a:t>
             </a:r>
-            <a:endParaRPr lang="en-US" altLang="zh-TW" sz="2000" b="1" dirty="0" smtClean="0">
+            <a:endParaRPr lang="en-US" altLang="zh-TW" sz="2000" b="1" dirty="0">
               <a:solidFill>
                 <a:srgbClr val="FFFF00"/>
               </a:solidFill>
@@ -13175,25 +12906,10 @@
                   </a:outerShdw>
                 </a:effectLst>
               </a:rPr>
-              <a:t> </a:t>
-            </a:r>
-            <a:r>
-              <a:rPr lang="en-US" altLang="zh-TW" sz="2000" b="1" dirty="0" smtClean="0">
-                <a:solidFill>
-                  <a:srgbClr val="FFFF00"/>
-                </a:solidFill>
-                <a:effectLst>
-                  <a:outerShdw blurRad="38100" dist="38100" dir="2700000" algn="tl">
-                    <a:srgbClr val="000000">
-                      <a:alpha val="43137"/>
-                    </a:srgbClr>
-                  </a:outerShdw>
-                </a:effectLst>
-              </a:rPr>
-              <a:t>  box-menu</a:t>
+              <a:t>   box-menu</a:t>
             </a:r>
             <a:br>
-              <a:rPr lang="en-US" altLang="zh-TW" sz="2000" b="1" dirty="0" smtClean="0">
+              <a:rPr lang="en-US" altLang="zh-TW" sz="2000" b="1" dirty="0">
                 <a:solidFill>
                   <a:srgbClr val="FFFF00"/>
                 </a:solidFill>
@@ -13207,7 +12923,7 @@
               </a:rPr>
             </a:br>
             <a:r>
-              <a:rPr lang="en-US" altLang="zh-TW" sz="2000" b="1" dirty="0" smtClean="0">
+              <a:rPr lang="en-US" altLang="zh-TW" sz="2000" b="1" dirty="0">
                 <a:solidFill>
                   <a:srgbClr val="FFFF00"/>
                 </a:solidFill>
@@ -13222,7 +12938,7 @@
               <a:t>CSS:</a:t>
             </a:r>
             <a:br>
-              <a:rPr lang="en-US" altLang="zh-TW" sz="2000" b="1" dirty="0" smtClean="0">
+              <a:rPr lang="en-US" altLang="zh-TW" sz="2000" b="1" dirty="0">
                 <a:solidFill>
                   <a:srgbClr val="FFFF00"/>
                 </a:solidFill>
@@ -13236,7 +12952,7 @@
               </a:rPr>
             </a:br>
             <a:r>
-              <a:rPr lang="en-US" altLang="zh-TW" sz="2000" b="1" dirty="0" smtClean="0">
+              <a:rPr lang="en-US" altLang="zh-TW" sz="2000" b="1" dirty="0">
                 <a:solidFill>
                   <a:srgbClr val="FFFF00"/>
                 </a:solidFill>
@@ -13251,7 +12967,7 @@
               <a:t>  </a:t>
             </a:r>
             <a:r>
-              <a:rPr lang="en-US" altLang="zh-TW" sz="2000" b="1" dirty="0" err="1" smtClean="0">
+              <a:rPr lang="en-US" altLang="zh-TW" sz="2000" b="1" dirty="0" err="1">
                 <a:solidFill>
                   <a:srgbClr val="FFFF00"/>
                 </a:solidFill>
@@ -13322,7 +13038,7 @@
           <a:lstStyle/>
           <a:p>
             <a:r>
-              <a:rPr lang="en-US" altLang="zh-TW" dirty="0" smtClean="0"/>
+              <a:rPr lang="en-US" altLang="zh-TW" dirty="0"/>
               <a:t>&lt;div&gt;“ menu”</a:t>
             </a:r>
             <a:endParaRPr lang="zh-TW" altLang="en-US" dirty="0"/>
@@ -13371,15 +13087,15 @@
           <a:lstStyle/>
           <a:p>
             <a:r>
-              <a:rPr lang="en-US" altLang="zh-TW" dirty="0" smtClean="0"/>
+              <a:rPr lang="en-US" altLang="zh-TW" dirty="0"/>
               <a:t>&lt;div&gt; “ </a:t>
             </a:r>
             <a:r>
-              <a:rPr lang="en-US" altLang="zh-TW" dirty="0" err="1" smtClean="0"/>
+              <a:rPr lang="en-US" altLang="zh-TW" dirty="0" err="1"/>
               <a:t>nav</a:t>
             </a:r>
             <a:r>
-              <a:rPr lang="en-US" altLang="zh-TW" dirty="0" smtClean="0"/>
+              <a:rPr lang="en-US" altLang="zh-TW" dirty="0"/>
               <a:t>”</a:t>
             </a:r>
             <a:endParaRPr lang="zh-TW" altLang="en-US" dirty="0"/>
@@ -13396,13 +13112,6 @@
   <p:clrMapOvr>
     <a:masterClrMapping/>
   </p:clrMapOvr>
-  <p:timing>
-    <p:tnLst>
-      <p:par>
-        <p:cTn id="1" dur="indefinite" restart="never" nodeType="tmRoot"/>
-      </p:par>
-    </p:tnLst>
-  </p:timing>
 </p:sld>
 </file>
 
@@ -13592,44 +13301,44 @@
           <a:lstStyle/>
           <a:p>
             <a:r>
-              <a:rPr lang="zh-TW" altLang="en-US" dirty="0" smtClean="0"/>
+              <a:rPr lang="zh-TW" altLang="en-US" dirty="0"/>
               <a:t>  公開圓餅圖</a:t>
             </a:r>
-            <a:endParaRPr lang="en-US" altLang="zh-TW" dirty="0" smtClean="0"/>
-          </a:p>
-          <a:p>
-            <a:r>
-              <a:rPr lang="zh-TW" altLang="en-US" dirty="0" smtClean="0"/>
+            <a:endParaRPr lang="en-US" altLang="zh-TW" dirty="0"/>
+          </a:p>
+          <a:p>
+            <a:r>
+              <a:rPr lang="zh-TW" altLang="en-US" dirty="0"/>
               <a:t>   </a:t>
             </a:r>
             <a:r>
-              <a:rPr lang="en-US" altLang="zh-TW" dirty="0" smtClean="0"/>
+              <a:rPr lang="en-US" altLang="zh-TW" dirty="0"/>
               <a:t>(</a:t>
             </a:r>
             <a:r>
-              <a:rPr lang="zh-TW" altLang="en-US" dirty="0" smtClean="0"/>
+              <a:rPr lang="zh-TW" altLang="en-US" dirty="0"/>
               <a:t>家庭</a:t>
             </a:r>
             <a:r>
-              <a:rPr lang="en-US" altLang="zh-TW" dirty="0" smtClean="0"/>
+              <a:rPr lang="en-US" altLang="zh-TW" dirty="0"/>
               <a:t>)</a:t>
             </a:r>
           </a:p>
           <a:p>
             <a:pPr algn="ctr"/>
             <a:r>
-              <a:rPr lang="zh-TW" altLang="en-US" dirty="0" smtClean="0"/>
+              <a:rPr lang="zh-TW" altLang="en-US" dirty="0"/>
               <a:t>本月公開總收入</a:t>
             </a:r>
-            <a:endParaRPr lang="en-US" altLang="zh-TW" dirty="0" smtClean="0"/>
+            <a:endParaRPr lang="en-US" altLang="zh-TW" dirty="0"/>
           </a:p>
           <a:p>
             <a:pPr algn="ctr"/>
             <a:r>
-              <a:rPr lang="zh-TW" altLang="en-US" dirty="0" smtClean="0"/>
+              <a:rPr lang="zh-TW" altLang="en-US" dirty="0"/>
               <a:t>扣掉公開總支出</a:t>
             </a:r>
-            <a:endParaRPr lang="en-US" altLang="zh-TW" dirty="0" smtClean="0"/>
+            <a:endParaRPr lang="en-US" altLang="zh-TW" dirty="0"/>
           </a:p>
         </p:txBody>
       </p:sp>
@@ -13675,22 +13384,21 @@
                     <a:p>
                       <a:pPr algn="ctr"/>
                       <a:r>
-                        <a:rPr lang="zh-TW" altLang="en-US" sz="1400" dirty="0" smtClean="0"/>
+                        <a:rPr lang="zh-TW" altLang="en-US" sz="1400" dirty="0"/>
                         <a:t>本月收入</a:t>
                       </a:r>
-                      <a:endParaRPr lang="en-US" altLang="zh-TW" sz="1400" dirty="0" smtClean="0"/>
+                      <a:endParaRPr lang="en-US" altLang="zh-TW" sz="1400" dirty="0"/>
                     </a:p>
                     <a:p>
                       <a:pPr algn="ctr"/>
                       <a:r>
-                        <a:rPr lang="en-US" altLang="zh-TW" sz="1400" dirty="0" smtClean="0"/>
+                        <a:rPr lang="en-US" altLang="zh-TW" sz="1400" dirty="0"/>
                         <a:t>XXXXXXXX</a:t>
                       </a:r>
                       <a:r>
-                        <a:rPr lang="zh-TW" altLang="en-US" sz="1400" dirty="0" smtClean="0"/>
+                        <a:rPr lang="zh-TW" altLang="en-US" sz="1400" dirty="0"/>
                         <a:t>元</a:t>
                       </a:r>
-                      <a:endParaRPr lang="zh-TW" altLang="en-US" sz="1400" dirty="0"/>
                     </a:p>
                   </a:txBody>
                   <a:tcPr anchor="ctr"/>
@@ -13720,10 +13428,9 @@
                     <a:p>
                       <a:pPr algn="ctr"/>
                       <a:r>
-                        <a:rPr lang="zh-TW" altLang="en-US" sz="1400" dirty="0" smtClean="0"/>
+                        <a:rPr lang="zh-TW" altLang="en-US" sz="1400" dirty="0"/>
                         <a:t>項目</a:t>
                       </a:r>
-                      <a:endParaRPr lang="zh-TW" altLang="en-US" sz="1400" dirty="0"/>
                     </a:p>
                   </a:txBody>
                   <a:tcPr anchor="ctr"/>
@@ -13735,10 +13442,9 @@
                     <a:p>
                       <a:pPr algn="ctr"/>
                       <a:r>
-                        <a:rPr lang="zh-TW" altLang="en-US" sz="1400" dirty="0" smtClean="0"/>
+                        <a:rPr lang="zh-TW" altLang="en-US" sz="1400" dirty="0"/>
                         <a:t>金額</a:t>
                       </a:r>
-                      <a:endParaRPr lang="zh-TW" altLang="en-US" sz="1400" dirty="0"/>
                     </a:p>
                   </a:txBody>
                   <a:tcPr anchor="ctr"/>
@@ -13911,22 +13617,21 @@
                     <a:p>
                       <a:pPr algn="ctr"/>
                       <a:r>
-                        <a:rPr lang="zh-TW" altLang="en-US" sz="1400" dirty="0" smtClean="0"/>
+                        <a:rPr lang="zh-TW" altLang="en-US" sz="1400" dirty="0"/>
                         <a:t>本月支出</a:t>
                       </a:r>
-                      <a:endParaRPr lang="en-US" altLang="zh-TW" sz="1400" dirty="0" smtClean="0"/>
+                      <a:endParaRPr lang="en-US" altLang="zh-TW" sz="1400" dirty="0"/>
                     </a:p>
                     <a:p>
                       <a:pPr algn="ctr"/>
                       <a:r>
-                        <a:rPr lang="en-US" altLang="zh-TW" sz="1400" dirty="0" smtClean="0"/>
+                        <a:rPr lang="en-US" altLang="zh-TW" sz="1400" dirty="0"/>
                         <a:t>XXXXXXXX</a:t>
                       </a:r>
                       <a:r>
-                        <a:rPr lang="zh-TW" altLang="en-US" sz="1400" dirty="0" smtClean="0"/>
+                        <a:rPr lang="zh-TW" altLang="en-US" sz="1400" dirty="0"/>
                         <a:t>元</a:t>
                       </a:r>
-                      <a:endParaRPr lang="zh-TW" altLang="en-US" sz="1400" dirty="0"/>
                     </a:p>
                   </a:txBody>
                   <a:tcPr anchor="ctr"/>
@@ -13955,10 +13660,9 @@
                     <a:p>
                       <a:pPr algn="ctr"/>
                       <a:r>
-                        <a:rPr lang="zh-TW" altLang="en-US" sz="1400" dirty="0" smtClean="0"/>
+                        <a:rPr lang="zh-TW" altLang="en-US" sz="1400" dirty="0"/>
                         <a:t>項目</a:t>
                       </a:r>
-                      <a:endParaRPr lang="zh-TW" altLang="en-US" sz="1400" dirty="0"/>
                     </a:p>
                   </a:txBody>
                   <a:tcPr anchor="ctr"/>
@@ -13970,10 +13674,9 @@
                     <a:p>
                       <a:pPr algn="ctr"/>
                       <a:r>
-                        <a:rPr lang="zh-TW" altLang="en-US" sz="1400" dirty="0" smtClean="0"/>
+                        <a:rPr lang="zh-TW" altLang="en-US" sz="1400" dirty="0"/>
                         <a:t>金額</a:t>
                       </a:r>
-                      <a:endParaRPr lang="zh-TW" altLang="en-US" sz="1400" dirty="0"/>
                     </a:p>
                   </a:txBody>
                   <a:tcPr anchor="ctr"/>
@@ -14135,18 +13838,17 @@
           <a:lstStyle/>
           <a:p>
             <a:r>
-              <a:rPr lang="zh-TW" altLang="en-US" dirty="0" smtClean="0"/>
+              <a:rPr lang="zh-TW" altLang="en-US" dirty="0"/>
               <a:t>歡迎</a:t>
             </a:r>
             <a:r>
-              <a:rPr lang="en-US" altLang="zh-TW" dirty="0" smtClean="0"/>
+              <a:rPr lang="en-US" altLang="zh-TW" dirty="0"/>
               <a:t>XXX  </a:t>
             </a:r>
             <a:r>
-              <a:rPr lang="zh-TW" altLang="en-US" dirty="0" smtClean="0"/>
+              <a:rPr lang="zh-TW" altLang="en-US" dirty="0"/>
               <a:t>進入家族記帳管理系統                                                                                                            </a:t>
             </a:r>
-            <a:endParaRPr lang="zh-TW" altLang="en-US" dirty="0"/>
           </a:p>
         </p:txBody>
       </p:sp>
@@ -14459,42 +14161,42 @@
           <a:lstStyle/>
           <a:p>
             <a:r>
-              <a:rPr lang="zh-TW" altLang="en-US" dirty="0" smtClean="0"/>
+              <a:rPr lang="zh-TW" altLang="en-US" dirty="0"/>
               <a:t>  圓餅圖</a:t>
             </a:r>
-            <a:endParaRPr lang="en-US" altLang="zh-TW" dirty="0" smtClean="0"/>
-          </a:p>
-          <a:p>
-            <a:r>
-              <a:rPr lang="zh-TW" altLang="en-US" dirty="0" smtClean="0"/>
+            <a:endParaRPr lang="en-US" altLang="zh-TW" dirty="0"/>
+          </a:p>
+          <a:p>
+            <a:r>
+              <a:rPr lang="zh-TW" altLang="en-US" dirty="0"/>
               <a:t>   </a:t>
             </a:r>
             <a:r>
-              <a:rPr lang="en-US" altLang="zh-TW" dirty="0" smtClean="0"/>
+              <a:rPr lang="en-US" altLang="zh-TW" dirty="0"/>
               <a:t>(</a:t>
             </a:r>
             <a:r>
-              <a:rPr lang="zh-TW" altLang="en-US" dirty="0" smtClean="0"/>
+              <a:rPr lang="zh-TW" altLang="en-US" dirty="0"/>
               <a:t>私人</a:t>
             </a:r>
             <a:r>
-              <a:rPr lang="en-US" altLang="zh-TW" dirty="0" smtClean="0"/>
+              <a:rPr lang="en-US" altLang="zh-TW" dirty="0"/>
               <a:t>)</a:t>
             </a:r>
           </a:p>
           <a:p>
             <a:r>
-              <a:rPr lang="zh-TW" altLang="en-US" dirty="0" smtClean="0"/>
+              <a:rPr lang="zh-TW" altLang="en-US" dirty="0"/>
               <a:t>  本月總收入</a:t>
             </a:r>
-            <a:endParaRPr lang="en-US" altLang="zh-TW" dirty="0" smtClean="0"/>
-          </a:p>
-          <a:p>
-            <a:r>
-              <a:rPr lang="zh-TW" altLang="en-US" dirty="0" smtClean="0"/>
+            <a:endParaRPr lang="en-US" altLang="zh-TW" dirty="0"/>
+          </a:p>
+          <a:p>
+            <a:r>
+              <a:rPr lang="zh-TW" altLang="en-US" dirty="0"/>
               <a:t>  扣掉總支出</a:t>
             </a:r>
-            <a:endParaRPr lang="en-US" altLang="zh-TW" dirty="0" smtClean="0"/>
+            <a:endParaRPr lang="en-US" altLang="zh-TW" dirty="0"/>
           </a:p>
         </p:txBody>
       </p:sp>
@@ -14540,22 +14242,21 @@
                     <a:p>
                       <a:pPr algn="ctr"/>
                       <a:r>
-                        <a:rPr lang="zh-TW" altLang="en-US" sz="1400" dirty="0" smtClean="0"/>
+                        <a:rPr lang="zh-TW" altLang="en-US" sz="1400" dirty="0"/>
                         <a:t>本月收入</a:t>
                       </a:r>
-                      <a:endParaRPr lang="en-US" altLang="zh-TW" sz="1400" dirty="0" smtClean="0"/>
+                      <a:endParaRPr lang="en-US" altLang="zh-TW" sz="1400" dirty="0"/>
                     </a:p>
                     <a:p>
                       <a:pPr algn="ctr"/>
                       <a:r>
-                        <a:rPr lang="en-US" altLang="zh-TW" sz="1400" dirty="0" smtClean="0"/>
+                        <a:rPr lang="en-US" altLang="zh-TW" sz="1400" dirty="0"/>
                         <a:t>XXXXXXXX</a:t>
                       </a:r>
                       <a:r>
-                        <a:rPr lang="zh-TW" altLang="en-US" sz="1400" dirty="0" smtClean="0"/>
+                        <a:rPr lang="zh-TW" altLang="en-US" sz="1400" dirty="0"/>
                         <a:t>元</a:t>
                       </a:r>
-                      <a:endParaRPr lang="zh-TW" altLang="en-US" sz="1400" dirty="0"/>
                     </a:p>
                   </a:txBody>
                   <a:tcPr anchor="ctr"/>
@@ -14585,10 +14286,9 @@
                     <a:p>
                       <a:pPr algn="ctr"/>
                       <a:r>
-                        <a:rPr lang="zh-TW" altLang="en-US" sz="1400" dirty="0" smtClean="0"/>
+                        <a:rPr lang="zh-TW" altLang="en-US" sz="1400" dirty="0"/>
                         <a:t>項目</a:t>
                       </a:r>
-                      <a:endParaRPr lang="zh-TW" altLang="en-US" sz="1400" dirty="0"/>
                     </a:p>
                   </a:txBody>
                   <a:tcPr anchor="ctr"/>
@@ -14600,10 +14300,9 @@
                     <a:p>
                       <a:pPr algn="ctr"/>
                       <a:r>
-                        <a:rPr lang="zh-TW" altLang="en-US" sz="1400" dirty="0" smtClean="0"/>
+                        <a:rPr lang="zh-TW" altLang="en-US" sz="1400" dirty="0"/>
                         <a:t>金額</a:t>
                       </a:r>
-                      <a:endParaRPr lang="zh-TW" altLang="en-US" sz="1400" dirty="0"/>
                     </a:p>
                   </a:txBody>
                   <a:tcPr anchor="ctr"/>
@@ -14776,22 +14475,21 @@
                     <a:p>
                       <a:pPr algn="ctr"/>
                       <a:r>
-                        <a:rPr lang="zh-TW" altLang="en-US" sz="1400" dirty="0" smtClean="0"/>
+                        <a:rPr lang="zh-TW" altLang="en-US" sz="1400" dirty="0"/>
                         <a:t>本月支出</a:t>
                       </a:r>
-                      <a:endParaRPr lang="en-US" altLang="zh-TW" sz="1400" dirty="0" smtClean="0"/>
+                      <a:endParaRPr lang="en-US" altLang="zh-TW" sz="1400" dirty="0"/>
                     </a:p>
                     <a:p>
                       <a:pPr algn="ctr"/>
                       <a:r>
-                        <a:rPr lang="en-US" altLang="zh-TW" sz="1400" dirty="0" smtClean="0"/>
+                        <a:rPr lang="en-US" altLang="zh-TW" sz="1400" dirty="0"/>
                         <a:t>XXXXXXXX</a:t>
                       </a:r>
                       <a:r>
-                        <a:rPr lang="zh-TW" altLang="en-US" sz="1400" dirty="0" smtClean="0"/>
+                        <a:rPr lang="zh-TW" altLang="en-US" sz="1400" dirty="0"/>
                         <a:t>元</a:t>
                       </a:r>
-                      <a:endParaRPr lang="zh-TW" altLang="en-US" sz="1400" dirty="0"/>
                     </a:p>
                   </a:txBody>
                   <a:tcPr anchor="ctr"/>
@@ -14820,10 +14518,9 @@
                     <a:p>
                       <a:pPr algn="ctr"/>
                       <a:r>
-                        <a:rPr lang="zh-TW" altLang="en-US" sz="1400" dirty="0" smtClean="0"/>
+                        <a:rPr lang="zh-TW" altLang="en-US" sz="1400" dirty="0"/>
                         <a:t>項目</a:t>
                       </a:r>
-                      <a:endParaRPr lang="zh-TW" altLang="en-US" sz="1400" dirty="0"/>
                     </a:p>
                   </a:txBody>
                   <a:tcPr anchor="ctr"/>
@@ -14835,10 +14532,9 @@
                     <a:p>
                       <a:pPr algn="ctr"/>
                       <a:r>
-                        <a:rPr lang="zh-TW" altLang="en-US" sz="1400" dirty="0" smtClean="0"/>
+                        <a:rPr lang="zh-TW" altLang="en-US" sz="1400" dirty="0"/>
                         <a:t>金額</a:t>
                       </a:r>
-                      <a:endParaRPr lang="zh-TW" altLang="en-US" sz="1400" dirty="0"/>
                     </a:p>
                   </a:txBody>
                   <a:tcPr anchor="ctr"/>
@@ -15276,12 +14972,8 @@
           <a:p>
             <a:pPr algn="ctr"/>
             <a:r>
-              <a:rPr lang="zh-TW" altLang="en-US" dirty="0" smtClean="0"/>
-              <a:t>設</a:t>
-            </a:r>
-            <a:r>
               <a:rPr lang="zh-TW" altLang="en-US" dirty="0"/>
-              <a:t>定</a:t>
+              <a:t>設定</a:t>
             </a:r>
           </a:p>
         </p:txBody>
@@ -15326,10 +15018,9 @@
           <a:p>
             <a:pPr algn="ctr"/>
             <a:r>
-              <a:rPr lang="zh-TW" altLang="en-US" dirty="0" smtClean="0"/>
+              <a:rPr lang="zh-TW" altLang="en-US" dirty="0"/>
               <a:t>清單</a:t>
             </a:r>
-            <a:endParaRPr lang="zh-TW" altLang="en-US" dirty="0"/>
           </a:p>
         </p:txBody>
       </p:sp>
@@ -15422,18 +15113,13 @@
                     <a:p>
                       <a:pPr algn="ctr"/>
                       <a:r>
-                        <a:rPr lang="zh-TW" altLang="en-US" b="1" dirty="0" smtClean="0">
+                        <a:rPr lang="zh-TW" altLang="en-US" b="1" dirty="0">
                           <a:solidFill>
                             <a:schemeClr val="tx1"/>
                           </a:solidFill>
                         </a:rPr>
                         <a:t>帳號管理</a:t>
                       </a:r>
-                      <a:endParaRPr lang="zh-TW" altLang="en-US" b="1" dirty="0">
-                        <a:solidFill>
-                          <a:schemeClr val="tx1"/>
-                        </a:solidFill>
-                      </a:endParaRPr>
                     </a:p>
                   </a:txBody>
                   <a:tcPr anchor="ctr">
@@ -15456,18 +15142,13 @@
                     <a:p>
                       <a:pPr algn="ctr"/>
                       <a:r>
-                        <a:rPr lang="zh-TW" altLang="en-US" b="1" dirty="0" smtClean="0">
+                        <a:rPr lang="zh-TW" altLang="en-US" b="1" dirty="0">
                           <a:solidFill>
                             <a:schemeClr val="tx1"/>
                           </a:solidFill>
                         </a:rPr>
                         <a:t>登出</a:t>
                       </a:r>
-                      <a:endParaRPr lang="zh-TW" altLang="en-US" b="1" dirty="0">
-                        <a:solidFill>
-                          <a:schemeClr val="tx1"/>
-                        </a:solidFill>
-                      </a:endParaRPr>
                     </a:p>
                   </a:txBody>
                   <a:tcPr anchor="ctr">
@@ -15528,15 +15209,15 @@
           <a:lstStyle/>
           <a:p>
             <a:r>
-              <a:rPr lang="en-US" altLang="zh-TW" dirty="0" smtClean="0"/>
+              <a:rPr lang="en-US" altLang="zh-TW" dirty="0"/>
               <a:t>&lt;div&gt; “ </a:t>
             </a:r>
             <a:r>
-              <a:rPr lang="en-US" altLang="zh-TW" dirty="0" err="1" smtClean="0"/>
+              <a:rPr lang="en-US" altLang="zh-TW" dirty="0" err="1"/>
               <a:t>nav</a:t>
             </a:r>
             <a:r>
-              <a:rPr lang="en-US" altLang="zh-TW" dirty="0" smtClean="0"/>
+              <a:rPr lang="en-US" altLang="zh-TW" dirty="0"/>
               <a:t>”</a:t>
             </a:r>
             <a:endParaRPr lang="zh-TW" altLang="en-US" dirty="0"/>
@@ -15587,7 +15268,7 @@
           <a:lstStyle/>
           <a:p>
             <a:r>
-              <a:rPr lang="en-US" altLang="zh-TW" sz="2000" b="1" dirty="0" err="1" smtClean="0">
+              <a:rPr lang="en-US" altLang="zh-TW" sz="2000" b="1" dirty="0" err="1">
                 <a:solidFill>
                   <a:srgbClr val="FFFF00"/>
                 </a:solidFill>
@@ -15602,7 +15283,7 @@
               <a:t>js</a:t>
             </a:r>
             <a:r>
-              <a:rPr lang="en-US" altLang="zh-TW" sz="2000" b="1" dirty="0" smtClean="0">
+              <a:rPr lang="en-US" altLang="zh-TW" sz="2000" b="1" dirty="0">
                 <a:solidFill>
                   <a:srgbClr val="FFFF00"/>
                 </a:solidFill>
@@ -15617,7 +15298,7 @@
               <a:t>:</a:t>
             </a:r>
             <a:br>
-              <a:rPr lang="en-US" altLang="zh-TW" sz="2000" b="1" dirty="0" smtClean="0">
+              <a:rPr lang="en-US" altLang="zh-TW" sz="2000" b="1" dirty="0">
                 <a:solidFill>
                   <a:srgbClr val="FFFF00"/>
                 </a:solidFill>
@@ -15631,7 +15312,7 @@
               </a:rPr>
             </a:br>
             <a:r>
-              <a:rPr lang="en-US" altLang="zh-TW" sz="2000" b="1" dirty="0" smtClean="0">
+              <a:rPr lang="en-US" altLang="zh-TW" sz="2000" b="1" dirty="0">
                 <a:solidFill>
                   <a:srgbClr val="FFFF00"/>
                 </a:solidFill>
@@ -15646,7 +15327,7 @@
               <a:t>   </a:t>
             </a:r>
             <a:r>
-              <a:rPr lang="en-US" altLang="zh-TW" sz="2000" b="1" dirty="0" err="1" smtClean="0">
+              <a:rPr lang="en-US" altLang="zh-TW" sz="2000" b="1" dirty="0" err="1">
                 <a:solidFill>
                   <a:srgbClr val="FFFF00"/>
                 </a:solidFill>
@@ -15660,7 +15341,7 @@
               </a:rPr>
               <a:t>display:block</a:t>
             </a:r>
-            <a:endParaRPr lang="en-US" altLang="zh-TW" sz="2000" b="1" dirty="0" smtClean="0">
+            <a:endParaRPr lang="en-US" altLang="zh-TW" sz="2000" b="1" dirty="0">
               <a:solidFill>
                 <a:srgbClr val="FFFF00"/>
               </a:solidFill>
@@ -15687,25 +15368,10 @@
                   </a:outerShdw>
                 </a:effectLst>
               </a:rPr>
-              <a:t> </a:t>
-            </a:r>
-            <a:r>
-              <a:rPr lang="en-US" altLang="zh-TW" sz="2000" b="1" dirty="0" smtClean="0">
-                <a:solidFill>
-                  <a:srgbClr val="FFFF00"/>
-                </a:solidFill>
-                <a:effectLst>
-                  <a:outerShdw blurRad="38100" dist="38100" dir="2700000" algn="tl">
-                    <a:srgbClr val="000000">
-                      <a:alpha val="43137"/>
-                    </a:srgbClr>
-                  </a:outerShdw>
-                </a:effectLst>
-              </a:rPr>
-              <a:t>  box-setting</a:t>
+              <a:t>   box-setting</a:t>
             </a:r>
             <a:br>
-              <a:rPr lang="en-US" altLang="zh-TW" sz="2000" b="1" dirty="0" smtClean="0">
+              <a:rPr lang="en-US" altLang="zh-TW" sz="2000" b="1" dirty="0">
                 <a:solidFill>
                   <a:srgbClr val="FFFF00"/>
                 </a:solidFill>
@@ -15719,7 +15385,7 @@
               </a:rPr>
             </a:br>
             <a:r>
-              <a:rPr lang="en-US" altLang="zh-TW" sz="2000" b="1" dirty="0" smtClean="0">
+              <a:rPr lang="en-US" altLang="zh-TW" sz="2000" b="1" dirty="0">
                 <a:solidFill>
                   <a:srgbClr val="FFFF00"/>
                 </a:solidFill>
@@ -15734,7 +15400,7 @@
               <a:t>CSS:</a:t>
             </a:r>
             <a:br>
-              <a:rPr lang="en-US" altLang="zh-TW" sz="2000" b="1" dirty="0" smtClean="0">
+              <a:rPr lang="en-US" altLang="zh-TW" sz="2000" b="1" dirty="0">
                 <a:solidFill>
                   <a:srgbClr val="FFFF00"/>
                 </a:solidFill>
@@ -15748,7 +15414,7 @@
               </a:rPr>
             </a:br>
             <a:r>
-              <a:rPr lang="en-US" altLang="zh-TW" sz="2000" b="1" dirty="0" smtClean="0">
+              <a:rPr lang="en-US" altLang="zh-TW" sz="2000" b="1" dirty="0">
                 <a:solidFill>
                   <a:srgbClr val="FFFF00"/>
                 </a:solidFill>
@@ -15763,7 +15429,7 @@
               <a:t>  </a:t>
             </a:r>
             <a:r>
-              <a:rPr lang="en-US" altLang="zh-TW" sz="2000" b="1" dirty="0" err="1" smtClean="0">
+              <a:rPr lang="en-US" altLang="zh-TW" sz="2000" b="1" dirty="0" err="1">
                 <a:solidFill>
                   <a:srgbClr val="FFFF00"/>
                 </a:solidFill>
@@ -15834,12 +15500,8 @@
           <a:lstStyle/>
           <a:p>
             <a:r>
-              <a:rPr lang="en-US" altLang="zh-TW" dirty="0" smtClean="0"/>
-              <a:t>&lt;</a:t>
-            </a:r>
-            <a:r>
               <a:rPr lang="en-US" altLang="zh-TW" dirty="0"/>
-              <a:t>div&gt;“setting”</a:t>
+              <a:t>&lt;div&gt;“setting”</a:t>
             </a:r>
             <a:endParaRPr lang="zh-TW" altLang="en-US" dirty="0"/>
           </a:p>
@@ -15855,13 +15517,6 @@
   <p:clrMapOvr>
     <a:masterClrMapping/>
   </p:clrMapOvr>
-  <p:timing>
-    <p:tnLst>
-      <p:par>
-        <p:cTn id="1" dur="indefinite" restart="never" nodeType="tmRoot"/>
-      </p:par>
-    </p:tnLst>
-  </p:timing>
 </p:sld>
 </file>
 
@@ -16008,18 +15663,17 @@
           <a:lstStyle/>
           <a:p>
             <a:r>
-              <a:rPr lang="zh-TW" altLang="en-US" dirty="0" smtClean="0"/>
+              <a:rPr lang="zh-TW" altLang="en-US" dirty="0"/>
               <a:t>歡迎</a:t>
             </a:r>
             <a:r>
-              <a:rPr lang="en-US" altLang="zh-TW" dirty="0" smtClean="0"/>
+              <a:rPr lang="en-US" altLang="zh-TW" dirty="0"/>
               <a:t>XXX  </a:t>
             </a:r>
             <a:r>
-              <a:rPr lang="zh-TW" altLang="en-US" dirty="0" smtClean="0"/>
+              <a:rPr lang="zh-TW" altLang="en-US" dirty="0"/>
               <a:t>進入家族記帳管理系統                                                                                                            </a:t>
             </a:r>
-            <a:endParaRPr lang="zh-TW" altLang="en-US" dirty="0"/>
           </a:p>
         </p:txBody>
       </p:sp>
@@ -16060,12 +15714,8 @@
           <a:p>
             <a:pPr algn="ctr"/>
             <a:r>
-              <a:rPr lang="zh-TW" altLang="en-US" dirty="0" smtClean="0"/>
-              <a:t>設</a:t>
-            </a:r>
-            <a:r>
               <a:rPr lang="zh-TW" altLang="en-US" dirty="0"/>
-              <a:t>定</a:t>
+              <a:t>設定</a:t>
             </a:r>
           </a:p>
         </p:txBody>
@@ -16110,10 +15760,9 @@
           <a:p>
             <a:pPr algn="ctr"/>
             <a:r>
-              <a:rPr lang="zh-TW" altLang="en-US" dirty="0" smtClean="0"/>
+              <a:rPr lang="zh-TW" altLang="en-US" dirty="0"/>
               <a:t>清單</a:t>
             </a:r>
-            <a:endParaRPr lang="zh-TW" altLang="en-US" dirty="0"/>
           </a:p>
         </p:txBody>
       </p:sp>
@@ -16162,7 +15811,7 @@
           <a:p>
             <a:pPr algn="ctr"/>
             <a:r>
-              <a:rPr lang="zh-TW" altLang="en-US" b="1" dirty="0" smtClean="0">
+              <a:rPr lang="zh-TW" altLang="en-US" b="1" dirty="0">
                 <a:solidFill>
                   <a:schemeClr val="tx1"/>
                 </a:solidFill>
@@ -16181,7 +15830,7 @@
           <p:nvPr>
             <p:extLst>
               <p:ext uri="{D42A27DB-BD31-4B8C-83A1-F6EECF244321}">
-                <p14:modId xmlns:p14="http://schemas.microsoft.com/office/powerpoint/2010/main" val="786630447"/>
+                <p14:modId xmlns:p14="http://schemas.microsoft.com/office/powerpoint/2010/main" val="3036238190"/>
               </p:ext>
             </p:extLst>
           </p:nvPr>
@@ -16255,15 +15904,15 @@
                     <a:p>
                       <a:pPr algn="ctr"/>
                       <a:r>
-                        <a:rPr lang="zh-TW" altLang="en-US" sz="1050" dirty="0" smtClean="0"/>
+                        <a:rPr lang="zh-TW" altLang="en-US" sz="1050" dirty="0"/>
                         <a:t>發生日期</a:t>
                       </a:r>
-                      <a:endParaRPr lang="en-US" altLang="zh-TW" sz="1050" dirty="0" smtClean="0"/>
+                      <a:endParaRPr lang="en-US" altLang="zh-TW" sz="1050" dirty="0"/>
                     </a:p>
                     <a:p>
                       <a:pPr algn="ctr"/>
                       <a:r>
-                        <a:rPr lang="en-US" altLang="zh-TW" sz="1050" dirty="0" smtClean="0"/>
+                        <a:rPr lang="en-US" altLang="zh-TW" sz="1050" dirty="0"/>
                         <a:t>effective_time</a:t>
                       </a:r>
                     </a:p>
@@ -16277,15 +15926,15 @@
                     <a:p>
                       <a:pPr algn="ctr"/>
                       <a:r>
-                        <a:rPr lang="zh-TW" altLang="en-US" sz="1050" dirty="0" smtClean="0"/>
+                        <a:rPr lang="zh-TW" altLang="en-US" sz="1050" dirty="0"/>
                         <a:t>項目</a:t>
                       </a:r>
-                      <a:endParaRPr lang="en-US" altLang="zh-TW" sz="1050" dirty="0" smtClean="0"/>
+                      <a:endParaRPr lang="en-US" altLang="zh-TW" sz="1050" dirty="0"/>
                     </a:p>
                     <a:p>
                       <a:pPr algn="ctr"/>
                       <a:r>
-                        <a:rPr lang="en-US" altLang="zh-TW" sz="1050" dirty="0" smtClean="0"/>
+                        <a:rPr lang="en-US" altLang="zh-TW" sz="1050" dirty="0"/>
                         <a:t>project</a:t>
                       </a:r>
                       <a:endParaRPr lang="zh-TW" altLang="en-US" sz="1050" dirty="0"/>
@@ -16300,15 +15949,15 @@
                     <a:p>
                       <a:pPr algn="ctr"/>
                       <a:r>
-                        <a:rPr lang="zh-TW" altLang="en-US" sz="1050" dirty="0" smtClean="0"/>
+                        <a:rPr lang="zh-TW" altLang="en-US" sz="1050" dirty="0"/>
                         <a:t>細項</a:t>
                       </a:r>
-                      <a:endParaRPr lang="en-US" altLang="zh-TW" sz="1050" dirty="0" smtClean="0"/>
+                      <a:endParaRPr lang="en-US" altLang="zh-TW" sz="1050" dirty="0"/>
                     </a:p>
                     <a:p>
                       <a:pPr algn="ctr"/>
                       <a:r>
-                        <a:rPr lang="en-US" altLang="zh-TW" sz="1050" dirty="0" smtClean="0"/>
+                        <a:rPr lang="en-US" altLang="zh-TW" sz="1050" dirty="0"/>
                         <a:t>details</a:t>
                       </a:r>
                       <a:endParaRPr lang="zh-TW" altLang="en-US" sz="1050" dirty="0"/>
@@ -16323,18 +15972,18 @@
                     <a:p>
                       <a:pPr algn="ctr"/>
                       <a:r>
-                        <a:rPr lang="zh-TW" altLang="en-US" sz="1050" dirty="0" smtClean="0"/>
+                        <a:rPr lang="zh-TW" altLang="en-US" sz="1050" dirty="0"/>
                         <a:t>類別</a:t>
                       </a:r>
-                      <a:endParaRPr lang="en-US" altLang="zh-TW" sz="1050" dirty="0" smtClean="0"/>
+                      <a:endParaRPr lang="en-US" altLang="zh-TW" sz="1050" dirty="0"/>
                     </a:p>
                     <a:p>
                       <a:pPr algn="ctr"/>
                       <a:r>
-                        <a:rPr lang="en-US" altLang="zh-TW" sz="1050" dirty="0" smtClean="0"/>
+                        <a:rPr lang="en-US" altLang="zh-TW" sz="1050" dirty="0"/>
                         <a:t>category</a:t>
                       </a:r>
-                      <a:endParaRPr lang="zh-TW" altLang="en-US" sz="1050" dirty="0" smtClean="0"/>
+                      <a:endParaRPr lang="zh-TW" altLang="en-US" sz="1050" dirty="0"/>
                     </a:p>
                   </a:txBody>
                   <a:tcPr anchor="ctr"/>
@@ -16346,15 +15995,15 @@
                     <a:p>
                       <a:pPr algn="ctr"/>
                       <a:r>
-                        <a:rPr lang="zh-TW" altLang="en-US" sz="1050" dirty="0" smtClean="0"/>
+                        <a:rPr lang="zh-TW" altLang="en-US" sz="1050" dirty="0"/>
                         <a:t>數量</a:t>
                       </a:r>
-                      <a:endParaRPr lang="en-US" altLang="zh-TW" sz="1050" dirty="0" smtClean="0"/>
+                      <a:endParaRPr lang="en-US" altLang="zh-TW" sz="1050" dirty="0"/>
                     </a:p>
                     <a:p>
                       <a:pPr algn="ctr"/>
                       <a:r>
-                        <a:rPr lang="en-US" altLang="zh-TW" sz="1050" dirty="0" smtClean="0"/>
+                        <a:rPr lang="en-US" altLang="zh-TW" sz="1050" dirty="0"/>
                         <a:t>amount</a:t>
                       </a:r>
                       <a:endParaRPr lang="zh-TW" altLang="en-US" sz="1050" dirty="0"/>
@@ -16369,15 +16018,15 @@
                     <a:p>
                       <a:pPr algn="ctr"/>
                       <a:r>
-                        <a:rPr lang="zh-TW" altLang="en-US" sz="1050" dirty="0" smtClean="0"/>
+                        <a:rPr lang="zh-TW" altLang="en-US" sz="1050" dirty="0"/>
                         <a:t>是否公開</a:t>
                       </a:r>
-                      <a:endParaRPr lang="en-US" altLang="zh-TW" sz="1050" dirty="0" smtClean="0"/>
+                      <a:endParaRPr lang="en-US" altLang="zh-TW" sz="1050" dirty="0"/>
                     </a:p>
                     <a:p>
                       <a:pPr algn="ctr"/>
                       <a:r>
-                        <a:rPr lang="en-US" altLang="zh-TW" sz="1050" dirty="0" smtClean="0"/>
+                        <a:rPr lang="en-US" altLang="zh-TW" sz="1050" dirty="0"/>
                         <a:t>private</a:t>
                       </a:r>
                       <a:endParaRPr lang="zh-TW" altLang="en-US" sz="1050" dirty="0"/>
@@ -16392,15 +16041,15 @@
                     <a:p>
                       <a:pPr algn="ctr"/>
                       <a:r>
-                        <a:rPr lang="zh-TW" altLang="en-US" sz="1050" dirty="0" smtClean="0"/>
+                        <a:rPr lang="zh-TW" altLang="en-US" sz="1050" dirty="0"/>
                         <a:t>持續性</a:t>
                       </a:r>
-                      <a:endParaRPr lang="en-US" altLang="zh-TW" sz="1050" dirty="0" smtClean="0"/>
+                      <a:endParaRPr lang="en-US" altLang="zh-TW" sz="1050" dirty="0"/>
                     </a:p>
                     <a:p>
                       <a:pPr algn="ctr"/>
                       <a:r>
-                        <a:rPr lang="en-US" altLang="zh-TW" sz="1050" dirty="0" smtClean="0"/>
+                        <a:rPr lang="en-US" altLang="zh-TW" sz="1050" dirty="0"/>
                         <a:t>continuous</a:t>
                       </a:r>
                       <a:endParaRPr lang="zh-TW" altLang="en-US" sz="1050" dirty="0"/>
@@ -16422,21 +16071,21 @@
                     <a:p>
                       <a:pPr algn="l"/>
                       <a:r>
-                        <a:rPr lang="en-US" altLang="zh-TW" sz="1100" dirty="0" smtClean="0"/>
+                        <a:rPr lang="en-US" altLang="zh-TW" sz="1100" dirty="0"/>
                         <a:t>type=date</a:t>
                       </a:r>
                     </a:p>
                     <a:p>
                       <a:pPr algn="l"/>
                       <a:r>
-                        <a:rPr lang="en-US" altLang="zh-TW" sz="1100" dirty="0" smtClean="0"/>
+                        <a:rPr lang="en-US" altLang="zh-TW" sz="1100" dirty="0"/>
                         <a:t>name=effTime</a:t>
                       </a:r>
                     </a:p>
                     <a:p>
                       <a:pPr algn="l"/>
                       <a:r>
-                        <a:rPr lang="en-US" altLang="zh-TW" sz="1100" dirty="0" smtClean="0"/>
+                        <a:rPr lang="en-US" altLang="zh-TW" sz="1100" dirty="0"/>
                         <a:t>Id=effTime</a:t>
                       </a:r>
                       <a:endParaRPr lang="zh-TW" altLang="en-US" sz="1100" dirty="0"/>
@@ -16467,7 +16116,7 @@
                         <a:defRPr/>
                       </a:pPr>
                       <a:r>
-                        <a:rPr lang="en-US" altLang="zh-TW" sz="1100" dirty="0" smtClean="0"/>
+                        <a:rPr lang="en-US" altLang="zh-TW" sz="1100" dirty="0"/>
                         <a:t>t=text</a:t>
                       </a:r>
                     </a:p>
@@ -16490,7 +16139,7 @@
                         <a:defRPr/>
                       </a:pPr>
                       <a:r>
-                        <a:rPr lang="en-US" altLang="zh-TW" sz="1100" dirty="0" smtClean="0"/>
+                        <a:rPr lang="en-US" altLang="zh-TW" sz="1100" dirty="0"/>
                         <a:t>n=project</a:t>
                       </a:r>
                     </a:p>
@@ -16513,10 +16162,10 @@
                         <a:defRPr/>
                       </a:pPr>
                       <a:r>
-                        <a:rPr lang="en-US" altLang="zh-TW" sz="1100" dirty="0" smtClean="0"/>
+                        <a:rPr lang="en-US" altLang="zh-TW" sz="1100" dirty="0"/>
                         <a:t>I=project</a:t>
                       </a:r>
-                      <a:endParaRPr lang="zh-TW" altLang="en-US" sz="1100" dirty="0" smtClean="0"/>
+                      <a:endParaRPr lang="zh-TW" altLang="en-US" sz="1100" dirty="0"/>
                     </a:p>
                   </a:txBody>
                   <a:tcPr/>
@@ -16544,7 +16193,7 @@
                         <a:defRPr/>
                       </a:pPr>
                       <a:r>
-                        <a:rPr lang="en-US" altLang="zh-TW" sz="1100" dirty="0" smtClean="0"/>
+                        <a:rPr lang="en-US" altLang="zh-TW" sz="1100" dirty="0"/>
                         <a:t>t=text</a:t>
                       </a:r>
                     </a:p>
@@ -16567,7 +16216,7 @@
                         <a:defRPr/>
                       </a:pPr>
                       <a:r>
-                        <a:rPr lang="en-US" altLang="zh-TW" sz="1100" dirty="0" smtClean="0"/>
+                        <a:rPr lang="en-US" altLang="zh-TW" sz="1100" dirty="0"/>
                         <a:t>n=project</a:t>
                       </a:r>
                     </a:p>
@@ -16590,10 +16239,10 @@
                         <a:defRPr/>
                       </a:pPr>
                       <a:r>
-                        <a:rPr lang="en-US" altLang="zh-TW" sz="1100" dirty="0" smtClean="0"/>
+                        <a:rPr lang="en-US" altLang="zh-TW" sz="1100" dirty="0"/>
                         <a:t>I=project</a:t>
                       </a:r>
-                      <a:endParaRPr lang="zh-TW" altLang="en-US" sz="1100" dirty="0" smtClean="0"/>
+                      <a:endParaRPr lang="zh-TW" altLang="en-US" sz="1100" dirty="0"/>
                     </a:p>
                   </a:txBody>
                   <a:tcPr/>
@@ -16621,7 +16270,7 @@
                         <a:defRPr/>
                       </a:pPr>
                       <a:r>
-                        <a:rPr lang="en-US" altLang="zh-TW" sz="1100" dirty="0" smtClean="0"/>
+                        <a:rPr lang="en-US" altLang="zh-TW" sz="1100" dirty="0"/>
                         <a:t>t=text</a:t>
                       </a:r>
                     </a:p>
@@ -16644,7 +16293,7 @@
                         <a:defRPr/>
                       </a:pPr>
                       <a:r>
-                        <a:rPr lang="en-US" altLang="zh-TW" sz="1100" dirty="0" smtClean="0"/>
+                        <a:rPr lang="en-US" altLang="zh-TW" sz="1100" dirty="0"/>
                         <a:t>n=category</a:t>
                       </a:r>
                     </a:p>
@@ -16667,7 +16316,7 @@
                         <a:defRPr/>
                       </a:pPr>
                       <a:r>
-                        <a:rPr lang="en-US" altLang="zh-TW" sz="1100" dirty="0" smtClean="0"/>
+                        <a:rPr lang="en-US" altLang="zh-TW" sz="1100" dirty="0"/>
                         <a:t>I=category</a:t>
                       </a:r>
                     </a:p>
@@ -16697,7 +16346,7 @@
                         <a:defRPr/>
                       </a:pPr>
                       <a:r>
-                        <a:rPr lang="en-US" altLang="zh-TW" sz="1100" dirty="0" smtClean="0"/>
+                        <a:rPr lang="en-US" altLang="zh-TW" sz="1100" dirty="0"/>
                         <a:t>t=number</a:t>
                       </a:r>
                     </a:p>
@@ -16720,7 +16369,7 @@
                         <a:defRPr/>
                       </a:pPr>
                       <a:r>
-                        <a:rPr lang="en-US" altLang="zh-TW" sz="1100" dirty="0" smtClean="0"/>
+                        <a:rPr lang="en-US" altLang="zh-TW" sz="1100" dirty="0"/>
                         <a:t>n=amount</a:t>
                       </a:r>
                     </a:p>
@@ -16743,10 +16392,10 @@
                         <a:defRPr/>
                       </a:pPr>
                       <a:r>
-                        <a:rPr lang="en-US" altLang="zh-TW" sz="1100" dirty="0" smtClean="0"/>
+                        <a:rPr lang="en-US" altLang="zh-TW" sz="1100" dirty="0"/>
                         <a:t>I=amount</a:t>
                       </a:r>
-                      <a:endParaRPr lang="zh-TW" altLang="en-US" sz="1100" dirty="0" smtClean="0"/>
+                      <a:endParaRPr lang="zh-TW" altLang="en-US" sz="1100" dirty="0"/>
                     </a:p>
                     <a:p>
                       <a:pPr algn="l"/>
@@ -16778,7 +16427,7 @@
                         <a:defRPr/>
                       </a:pPr>
                       <a:r>
-                        <a:rPr lang="en-US" altLang="zh-TW" sz="1100" dirty="0" smtClean="0"/>
+                        <a:rPr lang="en-US" altLang="zh-TW" sz="1100" dirty="0"/>
                         <a:t>t=select</a:t>
                       </a:r>
                     </a:p>
@@ -16801,14 +16450,14 @@
                         <a:defRPr/>
                       </a:pPr>
                       <a:r>
-                        <a:rPr lang="en-US" altLang="zh-TW" sz="1100" dirty="0" smtClean="0"/>
+                        <a:rPr lang="en-US" altLang="zh-TW" sz="1100" dirty="0"/>
                         <a:t>n=</a:t>
                       </a:r>
                       <a:r>
-                        <a:rPr lang="en-US" altLang="zh-TW" sz="1100" dirty="0" err="1" smtClean="0"/>
+                        <a:rPr lang="en-US" altLang="zh-TW" sz="1100" dirty="0" err="1"/>
                         <a:t>selectPri</a:t>
                       </a:r>
-                      <a:endParaRPr lang="en-US" altLang="zh-TW" sz="1100" dirty="0" smtClean="0"/>
+                      <a:endParaRPr lang="en-US" altLang="zh-TW" sz="1100" dirty="0"/>
                     </a:p>
                     <a:p>
                       <a:pPr marL="0" marR="0" indent="0" algn="l" defTabSz="914400" rtl="0" eaLnBrk="1" fontAlgn="auto" latinLnBrk="0" hangingPunct="1">
@@ -16829,14 +16478,14 @@
                         <a:defRPr/>
                       </a:pPr>
                       <a:r>
-                        <a:rPr lang="en-US" altLang="zh-TW" sz="1100" dirty="0" smtClean="0"/>
+                        <a:rPr lang="en-US" altLang="zh-TW" sz="1100" dirty="0"/>
                         <a:t>I=</a:t>
                       </a:r>
                       <a:r>
-                        <a:rPr lang="en-US" altLang="zh-TW" sz="1100" dirty="0" err="1" smtClean="0"/>
+                        <a:rPr lang="en-US" altLang="zh-TW" sz="1100" dirty="0" err="1"/>
                         <a:t>selectPri</a:t>
                       </a:r>
-                      <a:endParaRPr lang="en-US" altLang="zh-TW" sz="1100" dirty="0" smtClean="0"/>
+                      <a:endParaRPr lang="en-US" altLang="zh-TW" sz="1100" dirty="0"/>
                     </a:p>
                     <a:p>
                       <a:pPr marL="0" marR="0" indent="0" algn="l" defTabSz="914400" rtl="0" eaLnBrk="1" fontAlgn="auto" latinLnBrk="0" hangingPunct="1">
@@ -16857,11 +16506,11 @@
                         <a:defRPr/>
                       </a:pPr>
                       <a:r>
-                        <a:rPr lang="en-US" altLang="zh-TW" sz="1100" dirty="0" err="1" smtClean="0"/>
+                        <a:rPr lang="en-US" altLang="zh-TW" sz="1100" dirty="0" err="1"/>
                         <a:t>opt.value</a:t>
                       </a:r>
                       <a:r>
-                        <a:rPr lang="en-US" altLang="zh-TW" sz="1100" dirty="0" smtClean="0"/>
+                        <a:rPr lang="en-US" altLang="zh-TW" sz="1100" dirty="0"/>
                         <a:t>=&gt;</a:t>
                       </a:r>
                     </a:p>
@@ -16884,11 +16533,11 @@
                         <a:defRPr/>
                       </a:pPr>
                       <a:r>
-                        <a:rPr lang="zh-TW" altLang="en-US" sz="1100" dirty="0" smtClean="0"/>
+                        <a:rPr lang="zh-TW" altLang="en-US" sz="1100" dirty="0"/>
                         <a:t>公開</a:t>
                       </a:r>
                       <a:r>
-                        <a:rPr lang="en-US" altLang="zh-TW" sz="1100" dirty="0" smtClean="0"/>
+                        <a:rPr lang="en-US" altLang="zh-TW" sz="1100" dirty="0"/>
                         <a:t>=0(default)</a:t>
                       </a:r>
                     </a:p>
@@ -16911,14 +16560,14 @@
                         <a:defRPr/>
                       </a:pPr>
                       <a:r>
-                        <a:rPr lang="zh-TW" altLang="en-US" sz="1100" dirty="0" smtClean="0"/>
+                        <a:rPr lang="zh-TW" altLang="en-US" sz="1100" dirty="0"/>
                         <a:t>私人</a:t>
                       </a:r>
                       <a:r>
-                        <a:rPr lang="en-US" altLang="zh-TW" sz="1100" dirty="0" smtClean="0"/>
+                        <a:rPr lang="en-US" altLang="zh-TW" sz="1100" dirty="0"/>
                         <a:t>=1</a:t>
                       </a:r>
-                      <a:endParaRPr lang="zh-TW" altLang="en-US" sz="1100" dirty="0" smtClean="0"/>
+                      <a:endParaRPr lang="zh-TW" altLang="en-US" sz="1100" dirty="0"/>
                     </a:p>
                   </a:txBody>
                   <a:tcPr/>
@@ -16946,7 +16595,7 @@
                         <a:defRPr/>
                       </a:pPr>
                       <a:r>
-                        <a:rPr lang="en-US" altLang="zh-TW" sz="1100" dirty="0" smtClean="0"/>
+                        <a:rPr lang="en-US" altLang="zh-TW" sz="1100" dirty="0"/>
                         <a:t>t=select</a:t>
                       </a:r>
                     </a:p>
@@ -16969,14 +16618,14 @@
                         <a:defRPr/>
                       </a:pPr>
                       <a:r>
-                        <a:rPr lang="en-US" altLang="zh-TW" sz="1100" dirty="0" smtClean="0"/>
+                        <a:rPr lang="en-US" altLang="zh-TW" sz="1100" dirty="0"/>
                         <a:t>n=</a:t>
                       </a:r>
                       <a:r>
-                        <a:rPr lang="en-US" altLang="zh-TW" sz="1100" dirty="0" err="1" smtClean="0"/>
+                        <a:rPr lang="en-US" altLang="zh-TW" sz="1100" dirty="0" err="1"/>
                         <a:t>selectCont</a:t>
                       </a:r>
-                      <a:endParaRPr lang="en-US" altLang="zh-TW" sz="1100" dirty="0" smtClean="0"/>
+                      <a:endParaRPr lang="en-US" altLang="zh-TW" sz="1100" dirty="0"/>
                     </a:p>
                     <a:p>
                       <a:pPr marL="0" marR="0" indent="0" algn="l" defTabSz="914400" rtl="0" eaLnBrk="1" fontAlgn="auto" latinLnBrk="0" hangingPunct="1">
@@ -16997,14 +16646,14 @@
                         <a:defRPr/>
                       </a:pPr>
                       <a:r>
-                        <a:rPr lang="en-US" altLang="zh-TW" sz="1100" dirty="0" smtClean="0"/>
+                        <a:rPr lang="en-US" altLang="zh-TW" sz="1100" dirty="0"/>
                         <a:t>I=</a:t>
                       </a:r>
                       <a:r>
-                        <a:rPr lang="en-US" altLang="zh-TW" sz="1100" dirty="0" err="1" smtClean="0"/>
+                        <a:rPr lang="en-US" altLang="zh-TW" sz="1100" dirty="0" err="1"/>
                         <a:t>selectCont</a:t>
                       </a:r>
-                      <a:endParaRPr lang="en-US" altLang="zh-TW" sz="1100" dirty="0" smtClean="0"/>
+                      <a:endParaRPr lang="en-US" altLang="zh-TW" sz="1100" dirty="0"/>
                     </a:p>
                     <a:p>
                       <a:pPr marL="0" marR="0" indent="0" algn="l" defTabSz="914400" rtl="0" eaLnBrk="1" fontAlgn="auto" latinLnBrk="0" hangingPunct="1">
@@ -17025,11 +16674,11 @@
                         <a:defRPr/>
                       </a:pPr>
                       <a:r>
-                        <a:rPr lang="en-US" altLang="zh-TW" sz="1100" dirty="0" err="1" smtClean="0"/>
+                        <a:rPr lang="en-US" altLang="zh-TW" sz="1100" dirty="0" err="1"/>
                         <a:t>opt.value</a:t>
                       </a:r>
                       <a:r>
-                        <a:rPr lang="en-US" altLang="zh-TW" sz="1100" dirty="0" smtClean="0"/>
+                        <a:rPr lang="en-US" altLang="zh-TW" sz="1100" dirty="0"/>
                         <a:t>=&gt;</a:t>
                       </a:r>
                     </a:p>
@@ -17052,11 +16701,11 @@
                         <a:defRPr/>
                       </a:pPr>
                       <a:r>
-                        <a:rPr lang="zh-TW" altLang="en-US" sz="1100" dirty="0" smtClean="0"/>
+                        <a:rPr lang="zh-TW" altLang="en-US" sz="1100" dirty="0"/>
                         <a:t>否</a:t>
                       </a:r>
                       <a:r>
-                        <a:rPr lang="en-US" altLang="zh-TW" sz="1100" dirty="0" smtClean="0"/>
+                        <a:rPr lang="en-US" altLang="zh-TW" sz="1100" dirty="0"/>
                         <a:t>=0(default)</a:t>
                       </a:r>
                     </a:p>
@@ -17079,14 +16728,14 @@
                         <a:defRPr/>
                       </a:pPr>
                       <a:r>
-                        <a:rPr lang="zh-TW" altLang="en-US" sz="1100" dirty="0" smtClean="0"/>
+                        <a:rPr lang="zh-TW" altLang="en-US" sz="1100" dirty="0"/>
                         <a:t>是</a:t>
                       </a:r>
                       <a:r>
-                        <a:rPr lang="en-US" altLang="zh-TW" sz="1100" dirty="0" smtClean="0"/>
+                        <a:rPr lang="en-US" altLang="zh-TW" sz="1100" dirty="0"/>
                         <a:t>=1</a:t>
                       </a:r>
-                      <a:endParaRPr lang="zh-TW" altLang="en-US" sz="1100" dirty="0" smtClean="0"/>
+                      <a:endParaRPr lang="zh-TW" altLang="en-US" sz="1100" dirty="0"/>
                     </a:p>
                   </a:txBody>
                   <a:tcPr/>
@@ -17146,7 +16795,7 @@
           <a:p>
             <a:pPr algn="ctr"/>
             <a:r>
-              <a:rPr lang="zh-TW" altLang="en-US" b="1" dirty="0" smtClean="0">
+              <a:rPr lang="zh-TW" altLang="en-US" b="1" dirty="0">
                 <a:solidFill>
                   <a:schemeClr val="tx1"/>
                 </a:solidFill>
@@ -17201,7 +16850,7 @@
           <a:p>
             <a:pPr algn="ctr"/>
             <a:r>
-              <a:rPr lang="zh-TW" altLang="en-US" b="1" dirty="0" smtClean="0">
+              <a:rPr lang="zh-TW" altLang="en-US" b="1" dirty="0">
                 <a:solidFill>
                   <a:schemeClr val="tx1"/>
                 </a:solidFill>
@@ -17234,10 +16883,9 @@
           <a:lstStyle/>
           <a:p>
             <a:r>
-              <a:rPr lang="zh-TW" altLang="en-US" dirty="0" smtClean="0"/>
+              <a:rPr lang="zh-TW" altLang="en-US" dirty="0"/>
               <a:t>一鍵切換</a:t>
             </a:r>
-            <a:endParaRPr lang="zh-TW" altLang="en-US" dirty="0"/>
           </a:p>
         </p:txBody>
       </p:sp>
@@ -17319,18 +16967,17 @@
           <a:lstStyle/>
           <a:p>
             <a:r>
-              <a:rPr lang="zh-TW" altLang="en-US" dirty="0" smtClean="0"/>
+              <a:rPr lang="zh-TW" altLang="en-US" dirty="0"/>
               <a:t>上面切換</a:t>
             </a:r>
             <a:r>
-              <a:rPr lang="en-US" altLang="zh-TW" dirty="0" smtClean="0"/>
+              <a:rPr lang="en-US" altLang="zh-TW" dirty="0"/>
               <a:t>-</a:t>
             </a:r>
             <a:r>
-              <a:rPr lang="zh-TW" altLang="en-US" dirty="0" smtClean="0"/>
+              <a:rPr lang="zh-TW" altLang="en-US" dirty="0"/>
               <a:t>此處會變色</a:t>
             </a:r>
-            <a:endParaRPr lang="zh-TW" altLang="en-US" dirty="0"/>
           </a:p>
         </p:txBody>
       </p:sp>
@@ -17371,7 +17018,7 @@
           <a:p>
             <a:pPr algn="ctr"/>
             <a:r>
-              <a:rPr lang="en-US" altLang="zh-TW" sz="2800" dirty="0" smtClean="0"/>
+              <a:rPr lang="en-US" altLang="zh-TW" sz="2800" dirty="0"/>
               <a:t>+</a:t>
             </a:r>
             <a:endParaRPr lang="zh-TW" altLang="en-US" sz="2800" dirty="0"/>
@@ -17413,7 +17060,7 @@
           <a:p>
             <a:pPr algn="ctr"/>
             <a:r>
-              <a:rPr lang="zh-TW" altLang="en-US" dirty="0" smtClean="0">
+              <a:rPr lang="zh-TW" altLang="en-US" dirty="0">
                 <a:solidFill>
                   <a:srgbClr val="FF0000"/>
                 </a:solidFill>
@@ -17421,7 +17068,7 @@
               <a:t>送出後回傳新增</a:t>
             </a:r>
             <a:r>
-              <a:rPr lang="en-US" altLang="zh-TW" dirty="0" smtClean="0">
+              <a:rPr lang="en-US" altLang="zh-TW" dirty="0">
                 <a:solidFill>
                   <a:srgbClr val="FF0000"/>
                 </a:solidFill>
@@ -17429,18 +17076,13 @@
               <a:t>id</a:t>
             </a:r>
             <a:r>
-              <a:rPr lang="zh-TW" altLang="en-US" dirty="0" smtClean="0">
+              <a:rPr lang="zh-TW" altLang="en-US" dirty="0">
                 <a:solidFill>
                   <a:srgbClr val="FF0000"/>
                 </a:solidFill>
               </a:rPr>
               <a:t>輸出新增確認頁面</a:t>
             </a:r>
-            <a:endParaRPr lang="zh-TW" altLang="en-US" dirty="0">
-              <a:solidFill>
-                <a:srgbClr val="FF0000"/>
-              </a:solidFill>
-            </a:endParaRPr>
           </a:p>
         </p:txBody>
       </p:sp>
@@ -17489,7 +17131,7 @@
           <a:p>
             <a:pPr algn="ctr"/>
             <a:r>
-              <a:rPr lang="en-US" altLang="zh-TW" sz="2000" b="1" dirty="0" smtClean="0">
+              <a:rPr lang="en-US" altLang="zh-TW" sz="2000" b="1" dirty="0">
                 <a:solidFill>
                   <a:srgbClr val="FFFF00"/>
                 </a:solidFill>
@@ -17563,7 +17205,7 @@
           <a:p>
             <a:pPr algn="ctr"/>
             <a:r>
-              <a:rPr lang="en-US" altLang="zh-TW" sz="2000" b="1" dirty="0" err="1" smtClean="0">
+              <a:rPr lang="en-US" altLang="zh-TW" sz="2000" b="1" dirty="0" err="1">
                 <a:solidFill>
                   <a:srgbClr val="FFFF00"/>
                 </a:solidFill>
@@ -17634,7 +17276,7 @@
           <a:lstStyle/>
           <a:p>
             <a:r>
-              <a:rPr lang="en-US" altLang="zh-TW" dirty="0" smtClean="0"/>
+              <a:rPr lang="en-US" altLang="zh-TW" dirty="0"/>
               <a:t>&lt;div&gt; “ top”</a:t>
             </a:r>
             <a:endParaRPr lang="zh-TW" altLang="en-US" dirty="0"/>
@@ -17684,11 +17326,7 @@
           <a:p>
             <a:r>
               <a:rPr lang="en-US" altLang="zh-TW" dirty="0"/>
-              <a:t>&lt;div&gt;“</a:t>
-            </a:r>
-            <a:r>
-              <a:rPr lang="en-US" altLang="zh-TW" dirty="0" smtClean="0"/>
-              <a:t>summary-list”</a:t>
+              <a:t>&lt;div&gt;“summary-list”</a:t>
             </a:r>
             <a:endParaRPr lang="zh-TW" altLang="en-US" dirty="0"/>
           </a:p>
@@ -17736,15 +17374,15 @@
           <a:lstStyle/>
           <a:p>
             <a:r>
-              <a:rPr lang="en-US" altLang="zh-TW" dirty="0" smtClean="0"/>
+              <a:rPr lang="en-US" altLang="zh-TW" dirty="0"/>
               <a:t>&lt;div&gt; “ </a:t>
             </a:r>
             <a:r>
-              <a:rPr lang="en-US" altLang="zh-TW" dirty="0" err="1" smtClean="0"/>
+              <a:rPr lang="en-US" altLang="zh-TW" dirty="0" err="1"/>
               <a:t>nav</a:t>
             </a:r>
             <a:r>
-              <a:rPr lang="en-US" altLang="zh-TW" dirty="0" smtClean="0"/>
+              <a:rPr lang="en-US" altLang="zh-TW" dirty="0"/>
               <a:t>”</a:t>
             </a:r>
             <a:endParaRPr lang="zh-TW" altLang="en-US" dirty="0"/>
@@ -17794,25 +17432,13 @@
           <a:p>
             <a:r>
               <a:rPr lang="en-US" altLang="zh-TW" dirty="0"/>
-              <a:t>&lt;div</a:t>
-            </a:r>
-            <a:r>
-              <a:rPr lang="en-US" altLang="zh-TW" dirty="0" smtClean="0"/>
-              <a:t>&gt;&lt;form post&gt;</a:t>
-            </a:r>
-          </a:p>
-          <a:p>
-            <a:r>
-              <a:rPr lang="en-US" altLang="zh-TW" dirty="0" smtClean="0"/>
-              <a:t>“</a:t>
-            </a:r>
+              <a:t>&lt;div&gt;&lt;form post&gt;</a:t>
+            </a:r>
+          </a:p>
+          <a:p>
             <a:r>
               <a:rPr lang="en-US" altLang="zh-TW" dirty="0"/>
-              <a:t>summary</a:t>
-            </a:r>
-            <a:r>
-              <a:rPr lang="en-US" altLang="zh-TW" dirty="0" smtClean="0"/>
-              <a:t>”</a:t>
+              <a:t>“summary”</a:t>
             </a:r>
             <a:endParaRPr lang="zh-TW" altLang="en-US" dirty="0"/>
           </a:p>
@@ -17828,13 +17454,6 @@
   <p:clrMapOvr>
     <a:masterClrMapping/>
   </p:clrMapOvr>
-  <p:timing>
-    <p:tnLst>
-      <p:par>
-        <p:cTn id="1" dur="indefinite" restart="never" nodeType="tmRoot"/>
-      </p:par>
-    </p:tnLst>
-  </p:timing>
 </p:sld>
 </file>
 
@@ -17981,18 +17600,17 @@
           <a:lstStyle/>
           <a:p>
             <a:r>
-              <a:rPr lang="zh-TW" altLang="en-US" dirty="0" smtClean="0"/>
+              <a:rPr lang="zh-TW" altLang="en-US" dirty="0"/>
               <a:t>歡迎</a:t>
             </a:r>
             <a:r>
-              <a:rPr lang="en-US" altLang="zh-TW" dirty="0" smtClean="0"/>
+              <a:rPr lang="en-US" altLang="zh-TW" dirty="0"/>
               <a:t>XXX  </a:t>
             </a:r>
             <a:r>
-              <a:rPr lang="zh-TW" altLang="en-US" dirty="0" smtClean="0"/>
+              <a:rPr lang="zh-TW" altLang="en-US" dirty="0"/>
               <a:t>進入家族記帳管理系統                                                                                                            </a:t>
             </a:r>
-            <a:endParaRPr lang="zh-TW" altLang="en-US" dirty="0"/>
           </a:p>
         </p:txBody>
       </p:sp>
@@ -18033,12 +17651,8 @@
           <a:p>
             <a:pPr algn="ctr"/>
             <a:r>
-              <a:rPr lang="zh-TW" altLang="en-US" dirty="0" smtClean="0"/>
-              <a:t>設</a:t>
-            </a:r>
-            <a:r>
               <a:rPr lang="zh-TW" altLang="en-US" dirty="0"/>
-              <a:t>定</a:t>
+              <a:t>設定</a:t>
             </a:r>
           </a:p>
         </p:txBody>
@@ -18083,10 +17697,9 @@
           <a:p>
             <a:pPr algn="ctr"/>
             <a:r>
-              <a:rPr lang="zh-TW" altLang="en-US" dirty="0" smtClean="0"/>
+              <a:rPr lang="zh-TW" altLang="en-US" dirty="0"/>
               <a:t>清單</a:t>
             </a:r>
-            <a:endParaRPr lang="zh-TW" altLang="en-US" dirty="0"/>
           </a:p>
         </p:txBody>
       </p:sp>
@@ -18135,7 +17748,7 @@
           <a:p>
             <a:pPr algn="ctr"/>
             <a:r>
-              <a:rPr lang="zh-TW" altLang="en-US" b="1" dirty="0" smtClean="0">
+              <a:rPr lang="zh-TW" altLang="en-US" b="1" dirty="0">
                 <a:solidFill>
                   <a:schemeClr val="tx1"/>
                 </a:solidFill>
@@ -18228,15 +17841,15 @@
                     <a:p>
                       <a:pPr algn="ctr"/>
                       <a:r>
-                        <a:rPr lang="zh-TW" altLang="en-US" sz="1050" dirty="0" smtClean="0"/>
+                        <a:rPr lang="zh-TW" altLang="en-US" sz="1050" dirty="0"/>
                         <a:t>發生日期</a:t>
                       </a:r>
-                      <a:endParaRPr lang="en-US" altLang="zh-TW" sz="1050" dirty="0" smtClean="0"/>
+                      <a:endParaRPr lang="en-US" altLang="zh-TW" sz="1050" dirty="0"/>
                     </a:p>
                     <a:p>
                       <a:pPr algn="ctr"/>
                       <a:r>
-                        <a:rPr lang="en-US" altLang="zh-TW" sz="1050" dirty="0" smtClean="0"/>
+                        <a:rPr lang="en-US" altLang="zh-TW" sz="1050" dirty="0"/>
                         <a:t>effective_time</a:t>
                       </a:r>
                     </a:p>
@@ -18250,15 +17863,15 @@
                     <a:p>
                       <a:pPr algn="ctr"/>
                       <a:r>
-                        <a:rPr lang="zh-TW" altLang="en-US" sz="1050" dirty="0" smtClean="0"/>
+                        <a:rPr lang="zh-TW" altLang="en-US" sz="1050" dirty="0"/>
                         <a:t>項目</a:t>
                       </a:r>
-                      <a:endParaRPr lang="en-US" altLang="zh-TW" sz="1050" dirty="0" smtClean="0"/>
+                      <a:endParaRPr lang="en-US" altLang="zh-TW" sz="1050" dirty="0"/>
                     </a:p>
                     <a:p>
                       <a:pPr algn="ctr"/>
                       <a:r>
-                        <a:rPr lang="en-US" altLang="zh-TW" sz="1050" dirty="0" smtClean="0"/>
+                        <a:rPr lang="en-US" altLang="zh-TW" sz="1050" dirty="0"/>
                         <a:t>project</a:t>
                       </a:r>
                       <a:endParaRPr lang="zh-TW" altLang="en-US" sz="1050" dirty="0"/>
@@ -18273,15 +17886,15 @@
                     <a:p>
                       <a:pPr algn="ctr"/>
                       <a:r>
-                        <a:rPr lang="zh-TW" altLang="en-US" sz="1050" dirty="0" smtClean="0"/>
+                        <a:rPr lang="zh-TW" altLang="en-US" sz="1050" dirty="0"/>
                         <a:t>細項</a:t>
                       </a:r>
-                      <a:endParaRPr lang="en-US" altLang="zh-TW" sz="1050" dirty="0" smtClean="0"/>
+                      <a:endParaRPr lang="en-US" altLang="zh-TW" sz="1050" dirty="0"/>
                     </a:p>
                     <a:p>
                       <a:pPr algn="ctr"/>
                       <a:r>
-                        <a:rPr lang="en-US" altLang="zh-TW" sz="1050" dirty="0" smtClean="0"/>
+                        <a:rPr lang="en-US" altLang="zh-TW" sz="1050" dirty="0"/>
                         <a:t>details</a:t>
                       </a:r>
                       <a:endParaRPr lang="zh-TW" altLang="en-US" sz="1050" dirty="0"/>
@@ -18296,18 +17909,18 @@
                     <a:p>
                       <a:pPr algn="ctr"/>
                       <a:r>
-                        <a:rPr lang="zh-TW" altLang="en-US" sz="1050" dirty="0" smtClean="0"/>
+                        <a:rPr lang="zh-TW" altLang="en-US" sz="1050" dirty="0"/>
                         <a:t>類別</a:t>
                       </a:r>
-                      <a:endParaRPr lang="en-US" altLang="zh-TW" sz="1050" dirty="0" smtClean="0"/>
+                      <a:endParaRPr lang="en-US" altLang="zh-TW" sz="1050" dirty="0"/>
                     </a:p>
                     <a:p>
                       <a:pPr algn="ctr"/>
                       <a:r>
-                        <a:rPr lang="en-US" altLang="zh-TW" sz="1050" dirty="0" smtClean="0"/>
+                        <a:rPr lang="en-US" altLang="zh-TW" sz="1050" dirty="0"/>
                         <a:t>category</a:t>
                       </a:r>
-                      <a:endParaRPr lang="zh-TW" altLang="en-US" sz="1050" dirty="0" smtClean="0"/>
+                      <a:endParaRPr lang="zh-TW" altLang="en-US" sz="1050" dirty="0"/>
                     </a:p>
                   </a:txBody>
                   <a:tcPr anchor="ctr"/>
@@ -18319,15 +17932,15 @@
                     <a:p>
                       <a:pPr algn="ctr"/>
                       <a:r>
-                        <a:rPr lang="zh-TW" altLang="en-US" sz="1050" dirty="0" smtClean="0"/>
+                        <a:rPr lang="zh-TW" altLang="en-US" sz="1050" dirty="0"/>
                         <a:t>數量</a:t>
                       </a:r>
-                      <a:endParaRPr lang="en-US" altLang="zh-TW" sz="1050" dirty="0" smtClean="0"/>
+                      <a:endParaRPr lang="en-US" altLang="zh-TW" sz="1050" dirty="0"/>
                     </a:p>
                     <a:p>
                       <a:pPr algn="ctr"/>
                       <a:r>
-                        <a:rPr lang="en-US" altLang="zh-TW" sz="1050" dirty="0" smtClean="0"/>
+                        <a:rPr lang="en-US" altLang="zh-TW" sz="1050" dirty="0"/>
                         <a:t>amount</a:t>
                       </a:r>
                       <a:endParaRPr lang="zh-TW" altLang="en-US" sz="1050" dirty="0"/>
@@ -18342,15 +17955,15 @@
                     <a:p>
                       <a:pPr algn="ctr"/>
                       <a:r>
-                        <a:rPr lang="zh-TW" altLang="en-US" sz="1050" dirty="0" smtClean="0"/>
+                        <a:rPr lang="zh-TW" altLang="en-US" sz="1050" dirty="0"/>
                         <a:t>是否公開</a:t>
                       </a:r>
-                      <a:endParaRPr lang="en-US" altLang="zh-TW" sz="1050" dirty="0" smtClean="0"/>
+                      <a:endParaRPr lang="en-US" altLang="zh-TW" sz="1050" dirty="0"/>
                     </a:p>
                     <a:p>
                       <a:pPr algn="ctr"/>
                       <a:r>
-                        <a:rPr lang="en-US" altLang="zh-TW" sz="1050" dirty="0" smtClean="0"/>
+                        <a:rPr lang="en-US" altLang="zh-TW" sz="1050" dirty="0"/>
                         <a:t>private</a:t>
                       </a:r>
                       <a:endParaRPr lang="zh-TW" altLang="en-US" sz="1050" dirty="0"/>
@@ -18365,15 +17978,15 @@
                     <a:p>
                       <a:pPr algn="ctr"/>
                       <a:r>
-                        <a:rPr lang="zh-TW" altLang="en-US" sz="1050" dirty="0" smtClean="0"/>
+                        <a:rPr lang="zh-TW" altLang="en-US" sz="1050" dirty="0"/>
                         <a:t>持續性</a:t>
                       </a:r>
-                      <a:endParaRPr lang="en-US" altLang="zh-TW" sz="1050" dirty="0" smtClean="0"/>
+                      <a:endParaRPr lang="en-US" altLang="zh-TW" sz="1050" dirty="0"/>
                     </a:p>
                     <a:p>
                       <a:pPr algn="ctr"/>
                       <a:r>
-                        <a:rPr lang="en-US" altLang="zh-TW" sz="1050" dirty="0" smtClean="0"/>
+                        <a:rPr lang="en-US" altLang="zh-TW" sz="1050" dirty="0"/>
                         <a:t>continuous</a:t>
                       </a:r>
                       <a:endParaRPr lang="zh-TW" altLang="en-US" sz="1050" dirty="0"/>
@@ -18395,21 +18008,21 @@
                     <a:p>
                       <a:pPr algn="l"/>
                       <a:r>
-                        <a:rPr lang="en-US" altLang="zh-TW" sz="1100" dirty="0" smtClean="0"/>
+                        <a:rPr lang="en-US" altLang="zh-TW" sz="1100" dirty="0"/>
                         <a:t>type=date</a:t>
                       </a:r>
                     </a:p>
                     <a:p>
                       <a:pPr algn="l"/>
                       <a:r>
-                        <a:rPr lang="en-US" altLang="zh-TW" sz="1100" dirty="0" smtClean="0"/>
+                        <a:rPr lang="en-US" altLang="zh-TW" sz="1100" dirty="0"/>
                         <a:t>name=effTime</a:t>
                       </a:r>
                     </a:p>
                     <a:p>
                       <a:pPr algn="l"/>
                       <a:r>
-                        <a:rPr lang="en-US" altLang="zh-TW" sz="1100" dirty="0" smtClean="0"/>
+                        <a:rPr lang="en-US" altLang="zh-TW" sz="1100" dirty="0"/>
                         <a:t>Id=effTime</a:t>
                       </a:r>
                       <a:endParaRPr lang="zh-TW" altLang="en-US" sz="1100" dirty="0"/>
@@ -18440,7 +18053,7 @@
                         <a:defRPr/>
                       </a:pPr>
                       <a:r>
-                        <a:rPr lang="en-US" altLang="zh-TW" sz="1100" dirty="0" smtClean="0"/>
+                        <a:rPr lang="en-US" altLang="zh-TW" sz="1100" dirty="0"/>
                         <a:t>t=text</a:t>
                       </a:r>
                     </a:p>
@@ -18463,7 +18076,7 @@
                         <a:defRPr/>
                       </a:pPr>
                       <a:r>
-                        <a:rPr lang="en-US" altLang="zh-TW" sz="1100" dirty="0" smtClean="0"/>
+                        <a:rPr lang="en-US" altLang="zh-TW" sz="1100" dirty="0"/>
                         <a:t>n=project</a:t>
                       </a:r>
                     </a:p>
@@ -18486,10 +18099,10 @@
                         <a:defRPr/>
                       </a:pPr>
                       <a:r>
-                        <a:rPr lang="en-US" altLang="zh-TW" sz="1100" dirty="0" smtClean="0"/>
+                        <a:rPr lang="en-US" altLang="zh-TW" sz="1100" dirty="0"/>
                         <a:t>I=project</a:t>
                       </a:r>
-                      <a:endParaRPr lang="zh-TW" altLang="en-US" sz="1100" dirty="0" smtClean="0"/>
+                      <a:endParaRPr lang="zh-TW" altLang="en-US" sz="1100" dirty="0"/>
                     </a:p>
                   </a:txBody>
                   <a:tcPr/>
@@ -18517,7 +18130,7 @@
                         <a:defRPr/>
                       </a:pPr>
                       <a:r>
-                        <a:rPr lang="en-US" altLang="zh-TW" sz="1100" dirty="0" smtClean="0"/>
+                        <a:rPr lang="en-US" altLang="zh-TW" sz="1100" dirty="0"/>
                         <a:t>t=text</a:t>
                       </a:r>
                     </a:p>
@@ -18540,7 +18153,7 @@
                         <a:defRPr/>
                       </a:pPr>
                       <a:r>
-                        <a:rPr lang="en-US" altLang="zh-TW" sz="1100" dirty="0" smtClean="0"/>
+                        <a:rPr lang="en-US" altLang="zh-TW" sz="1100" dirty="0"/>
                         <a:t>n=project</a:t>
                       </a:r>
                     </a:p>
@@ -18563,10 +18176,10 @@
                         <a:defRPr/>
                       </a:pPr>
                       <a:r>
-                        <a:rPr lang="en-US" altLang="zh-TW" sz="1100" dirty="0" smtClean="0"/>
+                        <a:rPr lang="en-US" altLang="zh-TW" sz="1100" dirty="0"/>
                         <a:t>I=project</a:t>
                       </a:r>
-                      <a:endParaRPr lang="zh-TW" altLang="en-US" sz="1100" dirty="0" smtClean="0"/>
+                      <a:endParaRPr lang="zh-TW" altLang="en-US" sz="1100" dirty="0"/>
                     </a:p>
                   </a:txBody>
                   <a:tcPr/>
@@ -18594,7 +18207,7 @@
                         <a:defRPr/>
                       </a:pPr>
                       <a:r>
-                        <a:rPr lang="en-US" altLang="zh-TW" sz="1100" dirty="0" smtClean="0"/>
+                        <a:rPr lang="en-US" altLang="zh-TW" sz="1100" dirty="0"/>
                         <a:t>t=text</a:t>
                       </a:r>
                     </a:p>
@@ -18617,7 +18230,7 @@
                         <a:defRPr/>
                       </a:pPr>
                       <a:r>
-                        <a:rPr lang="en-US" altLang="zh-TW" sz="1100" dirty="0" smtClean="0"/>
+                        <a:rPr lang="en-US" altLang="zh-TW" sz="1100" dirty="0"/>
                         <a:t>n=category</a:t>
                       </a:r>
                     </a:p>
@@ -18640,7 +18253,7 @@
                         <a:defRPr/>
                       </a:pPr>
                       <a:r>
-                        <a:rPr lang="en-US" altLang="zh-TW" sz="1100" dirty="0" smtClean="0"/>
+                        <a:rPr lang="en-US" altLang="zh-TW" sz="1100" dirty="0"/>
                         <a:t>I=category</a:t>
                       </a:r>
                     </a:p>
@@ -18670,7 +18283,7 @@
                         <a:defRPr/>
                       </a:pPr>
                       <a:r>
-                        <a:rPr lang="en-US" altLang="zh-TW" sz="1100" dirty="0" smtClean="0"/>
+                        <a:rPr lang="en-US" altLang="zh-TW" sz="1100" dirty="0"/>
                         <a:t>t=number</a:t>
                       </a:r>
                     </a:p>
@@ -18693,7 +18306,7 @@
                         <a:defRPr/>
                       </a:pPr>
                       <a:r>
-                        <a:rPr lang="en-US" altLang="zh-TW" sz="1100" dirty="0" smtClean="0"/>
+                        <a:rPr lang="en-US" altLang="zh-TW" sz="1100" dirty="0"/>
                         <a:t>n=amount</a:t>
                       </a:r>
                     </a:p>
@@ -18716,10 +18329,10 @@
                         <a:defRPr/>
                       </a:pPr>
                       <a:r>
-                        <a:rPr lang="en-US" altLang="zh-TW" sz="1100" dirty="0" smtClean="0"/>
+                        <a:rPr lang="en-US" altLang="zh-TW" sz="1100" dirty="0"/>
                         <a:t>I=amount</a:t>
                       </a:r>
-                      <a:endParaRPr lang="zh-TW" altLang="en-US" sz="1100" dirty="0" smtClean="0"/>
+                      <a:endParaRPr lang="zh-TW" altLang="en-US" sz="1100" dirty="0"/>
                     </a:p>
                     <a:p>
                       <a:pPr algn="l"/>
@@ -18751,7 +18364,7 @@
                         <a:defRPr/>
                       </a:pPr>
                       <a:r>
-                        <a:rPr lang="en-US" altLang="zh-TW" sz="1100" dirty="0" smtClean="0"/>
+                        <a:rPr lang="en-US" altLang="zh-TW" sz="1100" dirty="0"/>
                         <a:t>t=select</a:t>
                       </a:r>
                     </a:p>
@@ -18774,14 +18387,14 @@
                         <a:defRPr/>
                       </a:pPr>
                       <a:r>
-                        <a:rPr lang="en-US" altLang="zh-TW" sz="1100" dirty="0" smtClean="0"/>
+                        <a:rPr lang="en-US" altLang="zh-TW" sz="1100" dirty="0"/>
                         <a:t>n=</a:t>
                       </a:r>
                       <a:r>
-                        <a:rPr lang="en-US" altLang="zh-TW" sz="1100" dirty="0" err="1" smtClean="0"/>
+                        <a:rPr lang="en-US" altLang="zh-TW" sz="1100" dirty="0" err="1"/>
                         <a:t>selectPri</a:t>
                       </a:r>
-                      <a:endParaRPr lang="en-US" altLang="zh-TW" sz="1100" dirty="0" smtClean="0"/>
+                      <a:endParaRPr lang="en-US" altLang="zh-TW" sz="1100" dirty="0"/>
                     </a:p>
                     <a:p>
                       <a:pPr marL="0" marR="0" indent="0" algn="l" defTabSz="914400" rtl="0" eaLnBrk="1" fontAlgn="auto" latinLnBrk="0" hangingPunct="1">
@@ -18802,14 +18415,14 @@
                         <a:defRPr/>
                       </a:pPr>
                       <a:r>
-                        <a:rPr lang="en-US" altLang="zh-TW" sz="1100" dirty="0" smtClean="0"/>
+                        <a:rPr lang="en-US" altLang="zh-TW" sz="1100" dirty="0"/>
                         <a:t>I=</a:t>
                       </a:r>
                       <a:r>
-                        <a:rPr lang="en-US" altLang="zh-TW" sz="1100" dirty="0" err="1" smtClean="0"/>
+                        <a:rPr lang="en-US" altLang="zh-TW" sz="1100" dirty="0" err="1"/>
                         <a:t>selectPri</a:t>
                       </a:r>
-                      <a:endParaRPr lang="en-US" altLang="zh-TW" sz="1100" dirty="0" smtClean="0"/>
+                      <a:endParaRPr lang="en-US" altLang="zh-TW" sz="1100" dirty="0"/>
                     </a:p>
                     <a:p>
                       <a:pPr marL="0" marR="0" indent="0" algn="l" defTabSz="914400" rtl="0" eaLnBrk="1" fontAlgn="auto" latinLnBrk="0" hangingPunct="1">
@@ -18830,11 +18443,11 @@
                         <a:defRPr/>
                       </a:pPr>
                       <a:r>
-                        <a:rPr lang="en-US" altLang="zh-TW" sz="1100" dirty="0" err="1" smtClean="0"/>
+                        <a:rPr lang="en-US" altLang="zh-TW" sz="1100" dirty="0" err="1"/>
                         <a:t>opt.value</a:t>
                       </a:r>
                       <a:r>
-                        <a:rPr lang="en-US" altLang="zh-TW" sz="1100" dirty="0" smtClean="0"/>
+                        <a:rPr lang="en-US" altLang="zh-TW" sz="1100" dirty="0"/>
                         <a:t>=&gt;</a:t>
                       </a:r>
                     </a:p>
@@ -18857,11 +18470,11 @@
                         <a:defRPr/>
                       </a:pPr>
                       <a:r>
-                        <a:rPr lang="zh-TW" altLang="en-US" sz="1100" dirty="0" smtClean="0"/>
+                        <a:rPr lang="zh-TW" altLang="en-US" sz="1100" dirty="0"/>
                         <a:t>公開</a:t>
                       </a:r>
                       <a:r>
-                        <a:rPr lang="en-US" altLang="zh-TW" sz="1100" dirty="0" smtClean="0"/>
+                        <a:rPr lang="en-US" altLang="zh-TW" sz="1100" dirty="0"/>
                         <a:t>=0(default)</a:t>
                       </a:r>
                     </a:p>
@@ -18884,14 +18497,14 @@
                         <a:defRPr/>
                       </a:pPr>
                       <a:r>
-                        <a:rPr lang="zh-TW" altLang="en-US" sz="1100" dirty="0" smtClean="0"/>
+                        <a:rPr lang="zh-TW" altLang="en-US" sz="1100" dirty="0"/>
                         <a:t>私人</a:t>
                       </a:r>
                       <a:r>
-                        <a:rPr lang="en-US" altLang="zh-TW" sz="1100" dirty="0" smtClean="0"/>
+                        <a:rPr lang="en-US" altLang="zh-TW" sz="1100" dirty="0"/>
                         <a:t>=1</a:t>
                       </a:r>
-                      <a:endParaRPr lang="zh-TW" altLang="en-US" sz="1100" dirty="0" smtClean="0"/>
+                      <a:endParaRPr lang="zh-TW" altLang="en-US" sz="1100" dirty="0"/>
                     </a:p>
                   </a:txBody>
                   <a:tcPr/>
@@ -18919,7 +18532,7 @@
                         <a:defRPr/>
                       </a:pPr>
                       <a:r>
-                        <a:rPr lang="en-US" altLang="zh-TW" sz="1100" dirty="0" smtClean="0"/>
+                        <a:rPr lang="en-US" altLang="zh-TW" sz="1100" dirty="0"/>
                         <a:t>t=select</a:t>
                       </a:r>
                     </a:p>
@@ -18942,14 +18555,14 @@
                         <a:defRPr/>
                       </a:pPr>
                       <a:r>
-                        <a:rPr lang="en-US" altLang="zh-TW" sz="1100" dirty="0" smtClean="0"/>
+                        <a:rPr lang="en-US" altLang="zh-TW" sz="1100" dirty="0"/>
                         <a:t>n=</a:t>
                       </a:r>
                       <a:r>
-                        <a:rPr lang="en-US" altLang="zh-TW" sz="1100" dirty="0" err="1" smtClean="0"/>
+                        <a:rPr lang="en-US" altLang="zh-TW" sz="1100" dirty="0" err="1"/>
                         <a:t>selectCont</a:t>
                       </a:r>
-                      <a:endParaRPr lang="en-US" altLang="zh-TW" sz="1100" dirty="0" smtClean="0"/>
+                      <a:endParaRPr lang="en-US" altLang="zh-TW" sz="1100" dirty="0"/>
                     </a:p>
                     <a:p>
                       <a:pPr marL="0" marR="0" indent="0" algn="l" defTabSz="914400" rtl="0" eaLnBrk="1" fontAlgn="auto" latinLnBrk="0" hangingPunct="1">
@@ -18970,14 +18583,14 @@
                         <a:defRPr/>
                       </a:pPr>
                       <a:r>
-                        <a:rPr lang="en-US" altLang="zh-TW" sz="1100" dirty="0" smtClean="0"/>
+                        <a:rPr lang="en-US" altLang="zh-TW" sz="1100" dirty="0"/>
                         <a:t>I=</a:t>
                       </a:r>
                       <a:r>
-                        <a:rPr lang="en-US" altLang="zh-TW" sz="1100" dirty="0" err="1" smtClean="0"/>
+                        <a:rPr lang="en-US" altLang="zh-TW" sz="1100" dirty="0" err="1"/>
                         <a:t>selectCont</a:t>
                       </a:r>
-                      <a:endParaRPr lang="en-US" altLang="zh-TW" sz="1100" dirty="0" smtClean="0"/>
+                      <a:endParaRPr lang="en-US" altLang="zh-TW" sz="1100" dirty="0"/>
                     </a:p>
                     <a:p>
                       <a:pPr marL="0" marR="0" indent="0" algn="l" defTabSz="914400" rtl="0" eaLnBrk="1" fontAlgn="auto" latinLnBrk="0" hangingPunct="1">
@@ -18998,11 +18611,11 @@
                         <a:defRPr/>
                       </a:pPr>
                       <a:r>
-                        <a:rPr lang="en-US" altLang="zh-TW" sz="1100" dirty="0" err="1" smtClean="0"/>
+                        <a:rPr lang="en-US" altLang="zh-TW" sz="1100" dirty="0" err="1"/>
                         <a:t>opt.value</a:t>
                       </a:r>
                       <a:r>
-                        <a:rPr lang="en-US" altLang="zh-TW" sz="1100" dirty="0" smtClean="0"/>
+                        <a:rPr lang="en-US" altLang="zh-TW" sz="1100" dirty="0"/>
                         <a:t>=&gt;</a:t>
                       </a:r>
                     </a:p>
@@ -19025,11 +18638,11 @@
                         <a:defRPr/>
                       </a:pPr>
                       <a:r>
-                        <a:rPr lang="zh-TW" altLang="en-US" sz="1100" dirty="0" smtClean="0"/>
+                        <a:rPr lang="zh-TW" altLang="en-US" sz="1100" dirty="0"/>
                         <a:t>否</a:t>
                       </a:r>
                       <a:r>
-                        <a:rPr lang="en-US" altLang="zh-TW" sz="1100" dirty="0" smtClean="0"/>
+                        <a:rPr lang="en-US" altLang="zh-TW" sz="1100" dirty="0"/>
                         <a:t>=0(default)</a:t>
                       </a:r>
                     </a:p>
@@ -19052,14 +18665,14 @@
                         <a:defRPr/>
                       </a:pPr>
                       <a:r>
-                        <a:rPr lang="zh-TW" altLang="en-US" sz="1100" dirty="0" smtClean="0"/>
+                        <a:rPr lang="zh-TW" altLang="en-US" sz="1100" dirty="0"/>
                         <a:t>是</a:t>
                       </a:r>
                       <a:r>
-                        <a:rPr lang="en-US" altLang="zh-TW" sz="1100" dirty="0" smtClean="0"/>
+                        <a:rPr lang="en-US" altLang="zh-TW" sz="1100" dirty="0"/>
                         <a:t>=1</a:t>
                       </a:r>
-                      <a:endParaRPr lang="zh-TW" altLang="en-US" sz="1100" dirty="0" smtClean="0"/>
+                      <a:endParaRPr lang="zh-TW" altLang="en-US" sz="1100" dirty="0"/>
                     </a:p>
                   </a:txBody>
                   <a:tcPr/>
@@ -19094,7 +18707,7 @@
                         <a:defRPr/>
                       </a:pPr>
                       <a:r>
-                        <a:rPr lang="zh-TW" altLang="en-US" sz="1400" b="1" kern="1200" dirty="0" smtClean="0">
+                        <a:rPr lang="zh-TW" altLang="en-US" sz="1400" b="1" kern="1200" dirty="0">
                           <a:solidFill>
                             <a:schemeClr val="lt1"/>
                           </a:solidFill>
@@ -19105,7 +18718,7 @@
                         <a:t>是否增加</a:t>
                       </a:r>
                       <a:r>
-                        <a:rPr lang="en-US" altLang="zh-TW" sz="1400" b="1" kern="1200" dirty="0" smtClean="0">
+                        <a:rPr lang="en-US" altLang="zh-TW" sz="1400" b="1" kern="1200" dirty="0">
                           <a:solidFill>
                             <a:schemeClr val="lt1"/>
                           </a:solidFill>
@@ -19116,7 +18729,7 @@
                         <a:t>X</a:t>
                       </a:r>
                       <a:r>
-                        <a:rPr lang="zh-TW" altLang="en-US" sz="1400" b="1" kern="1200" dirty="0" smtClean="0">
+                        <a:rPr lang="zh-TW" altLang="en-US" sz="1400" b="1" kern="1200" dirty="0">
                           <a:solidFill>
                             <a:schemeClr val="lt1"/>
                           </a:solidFill>
@@ -19126,14 +18739,6 @@
                         </a:rPr>
                         <a:t>筆資料</a:t>
                       </a:r>
-                      <a:endParaRPr lang="zh-TW" altLang="en-US" sz="1400" b="1" kern="1200" dirty="0">
-                        <a:solidFill>
-                          <a:schemeClr val="lt1"/>
-                        </a:solidFill>
-                        <a:latin typeface="+mn-lt"/>
-                        <a:ea typeface="+mn-ea"/>
-                        <a:cs typeface="+mn-cs"/>
-                      </a:endParaRPr>
                     </a:p>
                   </a:txBody>
                   <a:tcPr anchor="ctr">
@@ -19164,7 +18769,7 @@
                         <a:tabLst/>
                         <a:defRPr/>
                       </a:pPr>
-                      <a:endParaRPr lang="zh-TW" altLang="en-US" sz="1050" b="1" kern="1200" dirty="0" smtClean="0">
+                      <a:endParaRPr lang="zh-TW" altLang="en-US" sz="1050" b="1" kern="1200" dirty="0">
                         <a:solidFill>
                           <a:schemeClr val="lt1"/>
                         </a:solidFill>
@@ -19202,7 +18807,7 @@
                         <a:tabLst/>
                         <a:defRPr/>
                       </a:pPr>
-                      <a:endParaRPr lang="zh-TW" altLang="en-US" sz="1050" b="1" kern="1200" dirty="0" smtClean="0">
+                      <a:endParaRPr lang="zh-TW" altLang="en-US" sz="1050" b="1" kern="1200" dirty="0">
                         <a:solidFill>
                           <a:schemeClr val="lt1"/>
                         </a:solidFill>
@@ -19240,7 +18845,7 @@
                         <a:tabLst/>
                         <a:defRPr/>
                       </a:pPr>
-                      <a:endParaRPr lang="en-US" altLang="zh-TW" sz="1050" b="1" kern="1200" dirty="0" smtClean="0">
+                      <a:endParaRPr lang="en-US" altLang="zh-TW" sz="1050" b="1" kern="1200" dirty="0">
                         <a:solidFill>
                           <a:schemeClr val="lt1"/>
                         </a:solidFill>
@@ -19300,7 +18905,7 @@
                         <a:tabLst/>
                         <a:defRPr/>
                       </a:pPr>
-                      <a:endParaRPr lang="zh-TW" altLang="en-US" sz="1050" b="1" kern="1200" dirty="0" smtClean="0">
+                      <a:endParaRPr lang="zh-TW" altLang="en-US" sz="1050" b="1" kern="1200" dirty="0">
                         <a:solidFill>
                           <a:schemeClr val="lt1"/>
                         </a:solidFill>
@@ -19338,7 +18943,7 @@
                         <a:tabLst/>
                         <a:defRPr/>
                       </a:pPr>
-                      <a:endParaRPr lang="zh-TW" altLang="en-US" sz="1050" b="1" kern="1200" dirty="0" smtClean="0">
+                      <a:endParaRPr lang="zh-TW" altLang="en-US" sz="1050" b="1" kern="1200" dirty="0">
                         <a:solidFill>
                           <a:schemeClr val="lt1"/>
                         </a:solidFill>
@@ -19409,7 +19014,7 @@
           <a:p>
             <a:pPr algn="ctr"/>
             <a:r>
-              <a:rPr lang="zh-TW" altLang="en-US" b="1" dirty="0" smtClean="0">
+              <a:rPr lang="zh-TW" altLang="en-US" b="1" dirty="0">
                 <a:solidFill>
                   <a:schemeClr val="tx1"/>
                 </a:solidFill>
@@ -19464,7 +19069,7 @@
           <a:p>
             <a:pPr algn="ctr"/>
             <a:r>
-              <a:rPr lang="zh-TW" altLang="en-US" b="1" dirty="0" smtClean="0">
+              <a:rPr lang="zh-TW" altLang="en-US" b="1" dirty="0">
                 <a:solidFill>
                   <a:schemeClr val="tx1"/>
                 </a:solidFill>
@@ -19497,10 +19102,9 @@
           <a:lstStyle/>
           <a:p>
             <a:r>
-              <a:rPr lang="zh-TW" altLang="en-US" dirty="0" smtClean="0"/>
+              <a:rPr lang="zh-TW" altLang="en-US" dirty="0"/>
               <a:t>一鍵切換</a:t>
             </a:r>
-            <a:endParaRPr lang="zh-TW" altLang="en-US" dirty="0"/>
           </a:p>
         </p:txBody>
       </p:sp>
@@ -19582,18 +19186,17 @@
           <a:lstStyle/>
           <a:p>
             <a:r>
-              <a:rPr lang="zh-TW" altLang="en-US" dirty="0" smtClean="0"/>
+              <a:rPr lang="zh-TW" altLang="en-US" dirty="0"/>
               <a:t>上面切換</a:t>
             </a:r>
             <a:r>
-              <a:rPr lang="en-US" altLang="zh-TW" dirty="0" smtClean="0"/>
+              <a:rPr lang="en-US" altLang="zh-TW" dirty="0"/>
               <a:t>-</a:t>
             </a:r>
             <a:r>
-              <a:rPr lang="zh-TW" altLang="en-US" dirty="0" smtClean="0"/>
+              <a:rPr lang="zh-TW" altLang="en-US" dirty="0"/>
               <a:t>此處會變色</a:t>
             </a:r>
-            <a:endParaRPr lang="zh-TW" altLang="en-US" dirty="0"/>
           </a:p>
         </p:txBody>
       </p:sp>
@@ -19632,7 +19235,7 @@
           <a:p>
             <a:pPr algn="ctr"/>
             <a:r>
-              <a:rPr lang="zh-TW" altLang="en-US" dirty="0" smtClean="0">
+              <a:rPr lang="zh-TW" altLang="en-US" dirty="0">
                 <a:solidFill>
                   <a:srgbClr val="FF0000"/>
                 </a:solidFill>
@@ -19640,7 +19243,7 @@
               <a:t>送出後回傳完整</a:t>
             </a:r>
             <a:r>
-              <a:rPr lang="en-US" altLang="zh-TW" dirty="0" smtClean="0">
+              <a:rPr lang="en-US" altLang="zh-TW" dirty="0">
                 <a:solidFill>
                   <a:srgbClr val="FF0000"/>
                 </a:solidFill>
@@ -19648,7 +19251,7 @@
               <a:t>list</a:t>
             </a:r>
             <a:r>
-              <a:rPr lang="zh-TW" altLang="en-US" dirty="0" smtClean="0">
+              <a:rPr lang="zh-TW" altLang="en-US" dirty="0">
                 <a:solidFill>
                   <a:srgbClr val="FF0000"/>
                 </a:solidFill>
@@ -19656,7 +19259,7 @@
               <a:t>用</a:t>
             </a:r>
             <a:r>
-              <a:rPr lang="en-US" altLang="zh-TW" dirty="0" err="1" smtClean="0">
+              <a:rPr lang="en-US" altLang="zh-TW" dirty="0" err="1">
                 <a:solidFill>
                   <a:srgbClr val="FF0000"/>
                 </a:solidFill>
@@ -19664,18 +19267,13 @@
               <a:t>desc</a:t>
             </a:r>
             <a:r>
-              <a:rPr lang="zh-TW" altLang="en-US" dirty="0" smtClean="0">
+              <a:rPr lang="zh-TW" altLang="en-US" dirty="0">
                 <a:solidFill>
                   <a:srgbClr val="FF0000"/>
                 </a:solidFill>
               </a:rPr>
               <a:t>倒置輸出</a:t>
             </a:r>
-            <a:endParaRPr lang="zh-TW" altLang="en-US" dirty="0">
-              <a:solidFill>
-                <a:srgbClr val="FF0000"/>
-              </a:solidFill>
-            </a:endParaRPr>
           </a:p>
         </p:txBody>
       </p:sp>
@@ -19719,10 +19317,9 @@
           <a:p>
             <a:pPr algn="ctr"/>
             <a:r>
-              <a:rPr lang="zh-TW" altLang="en-US" dirty="0" smtClean="0"/>
+              <a:rPr lang="zh-TW" altLang="en-US" dirty="0"/>
               <a:t>取消</a:t>
             </a:r>
-            <a:endParaRPr lang="zh-TW" altLang="en-US" dirty="0"/>
           </a:p>
         </p:txBody>
       </p:sp>
@@ -19766,10 +19363,9 @@
           <a:p>
             <a:pPr algn="ctr"/>
             <a:r>
-              <a:rPr lang="zh-TW" altLang="en-US" dirty="0" smtClean="0"/>
+              <a:rPr lang="zh-TW" altLang="en-US" dirty="0"/>
               <a:t>確定</a:t>
             </a:r>
-            <a:endParaRPr lang="zh-TW" altLang="en-US" dirty="0"/>
           </a:p>
         </p:txBody>
       </p:sp>
@@ -19810,7 +19406,7 @@
           <a:p>
             <a:pPr algn="ctr"/>
             <a:r>
-              <a:rPr lang="en-US" altLang="zh-TW" sz="2800" dirty="0" smtClean="0"/>
+              <a:rPr lang="en-US" altLang="zh-TW" sz="2800" dirty="0"/>
               <a:t>-</a:t>
             </a:r>
             <a:endParaRPr lang="zh-TW" altLang="en-US" sz="2800" dirty="0"/>
@@ -19827,13 +19423,6 @@
   <p:clrMapOvr>
     <a:masterClrMapping/>
   </p:clrMapOvr>
-  <p:timing>
-    <p:tnLst>
-      <p:par>
-        <p:cTn id="1" dur="indefinite" restart="never" nodeType="tmRoot"/>
-      </p:par>
-    </p:tnLst>
-  </p:timing>
 </p:sld>
 </file>
 
@@ -19980,18 +19569,17 @@
           <a:lstStyle/>
           <a:p>
             <a:r>
-              <a:rPr lang="zh-TW" altLang="en-US" dirty="0" smtClean="0"/>
+              <a:rPr lang="zh-TW" altLang="en-US" dirty="0"/>
               <a:t>歡迎</a:t>
             </a:r>
             <a:r>
-              <a:rPr lang="en-US" altLang="zh-TW" dirty="0" smtClean="0"/>
+              <a:rPr lang="en-US" altLang="zh-TW" dirty="0"/>
               <a:t>XXX  </a:t>
             </a:r>
             <a:r>
-              <a:rPr lang="zh-TW" altLang="en-US" dirty="0" smtClean="0"/>
+              <a:rPr lang="zh-TW" altLang="en-US" dirty="0"/>
               <a:t>進入家族記帳管理系統                                                                                                            </a:t>
             </a:r>
-            <a:endParaRPr lang="zh-TW" altLang="en-US" dirty="0"/>
           </a:p>
         </p:txBody>
       </p:sp>
@@ -20032,12 +19620,8 @@
           <a:p>
             <a:pPr algn="ctr"/>
             <a:r>
-              <a:rPr lang="zh-TW" altLang="en-US" dirty="0" smtClean="0"/>
-              <a:t>設</a:t>
-            </a:r>
-            <a:r>
               <a:rPr lang="zh-TW" altLang="en-US" dirty="0"/>
-              <a:t>定</a:t>
+              <a:t>設定</a:t>
             </a:r>
           </a:p>
         </p:txBody>
@@ -20082,10 +19666,9 @@
           <a:p>
             <a:pPr algn="ctr"/>
             <a:r>
-              <a:rPr lang="zh-TW" altLang="en-US" dirty="0" smtClean="0"/>
+              <a:rPr lang="zh-TW" altLang="en-US" dirty="0"/>
               <a:t>清單</a:t>
             </a:r>
-            <a:endParaRPr lang="zh-TW" altLang="en-US" dirty="0"/>
           </a:p>
         </p:txBody>
       </p:sp>
@@ -20134,7 +19717,7 @@
           <a:p>
             <a:pPr algn="ctr"/>
             <a:r>
-              <a:rPr lang="zh-TW" altLang="en-US" b="1" dirty="0" smtClean="0">
+              <a:rPr lang="zh-TW" altLang="en-US" b="1" dirty="0">
                 <a:solidFill>
                   <a:schemeClr val="tx1"/>
                 </a:solidFill>
@@ -20227,15 +19810,15 @@
                     <a:p>
                       <a:pPr algn="ctr"/>
                       <a:r>
-                        <a:rPr lang="zh-TW" altLang="en-US" sz="1050" dirty="0" smtClean="0"/>
+                        <a:rPr lang="zh-TW" altLang="en-US" sz="1050" dirty="0"/>
                         <a:t>發生日期</a:t>
                       </a:r>
-                      <a:endParaRPr lang="en-US" altLang="zh-TW" sz="1050" dirty="0" smtClean="0"/>
+                      <a:endParaRPr lang="en-US" altLang="zh-TW" sz="1050" dirty="0"/>
                     </a:p>
                     <a:p>
                       <a:pPr algn="ctr"/>
                       <a:r>
-                        <a:rPr lang="en-US" altLang="zh-TW" sz="1050" dirty="0" smtClean="0"/>
+                        <a:rPr lang="en-US" altLang="zh-TW" sz="1050" dirty="0"/>
                         <a:t>effective_time</a:t>
                       </a:r>
                     </a:p>
@@ -20249,15 +19832,15 @@
                     <a:p>
                       <a:pPr algn="ctr"/>
                       <a:r>
-                        <a:rPr lang="zh-TW" altLang="en-US" sz="1050" dirty="0" smtClean="0"/>
+                        <a:rPr lang="zh-TW" altLang="en-US" sz="1050" dirty="0"/>
                         <a:t>項目</a:t>
                       </a:r>
-                      <a:endParaRPr lang="en-US" altLang="zh-TW" sz="1050" dirty="0" smtClean="0"/>
+                      <a:endParaRPr lang="en-US" altLang="zh-TW" sz="1050" dirty="0"/>
                     </a:p>
                     <a:p>
                       <a:pPr algn="ctr"/>
                       <a:r>
-                        <a:rPr lang="en-US" altLang="zh-TW" sz="1050" dirty="0" smtClean="0"/>
+                        <a:rPr lang="en-US" altLang="zh-TW" sz="1050" dirty="0"/>
                         <a:t>project</a:t>
                       </a:r>
                       <a:endParaRPr lang="zh-TW" altLang="en-US" sz="1050" dirty="0"/>
@@ -20272,15 +19855,15 @@
                     <a:p>
                       <a:pPr algn="ctr"/>
                       <a:r>
-                        <a:rPr lang="zh-TW" altLang="en-US" sz="1050" dirty="0" smtClean="0"/>
+                        <a:rPr lang="zh-TW" altLang="en-US" sz="1050" dirty="0"/>
                         <a:t>細項</a:t>
                       </a:r>
-                      <a:endParaRPr lang="en-US" altLang="zh-TW" sz="1050" dirty="0" smtClean="0"/>
+                      <a:endParaRPr lang="en-US" altLang="zh-TW" sz="1050" dirty="0"/>
                     </a:p>
                     <a:p>
                       <a:pPr algn="ctr"/>
                       <a:r>
-                        <a:rPr lang="en-US" altLang="zh-TW" sz="1050" dirty="0" smtClean="0"/>
+                        <a:rPr lang="en-US" altLang="zh-TW" sz="1050" dirty="0"/>
                         <a:t>details</a:t>
                       </a:r>
                       <a:endParaRPr lang="zh-TW" altLang="en-US" sz="1050" dirty="0"/>
@@ -20295,18 +19878,18 @@
                     <a:p>
                       <a:pPr algn="ctr"/>
                       <a:r>
-                        <a:rPr lang="zh-TW" altLang="en-US" sz="1050" dirty="0" smtClean="0"/>
+                        <a:rPr lang="zh-TW" altLang="en-US" sz="1050" dirty="0"/>
                         <a:t>類別</a:t>
                       </a:r>
-                      <a:endParaRPr lang="en-US" altLang="zh-TW" sz="1050" dirty="0" smtClean="0"/>
+                      <a:endParaRPr lang="en-US" altLang="zh-TW" sz="1050" dirty="0"/>
                     </a:p>
                     <a:p>
                       <a:pPr algn="ctr"/>
                       <a:r>
-                        <a:rPr lang="en-US" altLang="zh-TW" sz="1050" dirty="0" smtClean="0"/>
+                        <a:rPr lang="en-US" altLang="zh-TW" sz="1050" dirty="0"/>
                         <a:t>category</a:t>
                       </a:r>
-                      <a:endParaRPr lang="zh-TW" altLang="en-US" sz="1050" dirty="0" smtClean="0"/>
+                      <a:endParaRPr lang="zh-TW" altLang="en-US" sz="1050" dirty="0"/>
                     </a:p>
                   </a:txBody>
                   <a:tcPr anchor="ctr"/>
@@ -20318,15 +19901,15 @@
                     <a:p>
                       <a:pPr algn="ctr"/>
                       <a:r>
-                        <a:rPr lang="zh-TW" altLang="en-US" sz="1050" dirty="0" smtClean="0"/>
+                        <a:rPr lang="zh-TW" altLang="en-US" sz="1050" dirty="0"/>
                         <a:t>數量</a:t>
                       </a:r>
-                      <a:endParaRPr lang="en-US" altLang="zh-TW" sz="1050" dirty="0" smtClean="0"/>
+                      <a:endParaRPr lang="en-US" altLang="zh-TW" sz="1050" dirty="0"/>
                     </a:p>
                     <a:p>
                       <a:pPr algn="ctr"/>
                       <a:r>
-                        <a:rPr lang="en-US" altLang="zh-TW" sz="1050" dirty="0" smtClean="0"/>
+                        <a:rPr lang="en-US" altLang="zh-TW" sz="1050" dirty="0"/>
                         <a:t>amount</a:t>
                       </a:r>
                       <a:endParaRPr lang="zh-TW" altLang="en-US" sz="1050" dirty="0"/>
@@ -20341,15 +19924,15 @@
                     <a:p>
                       <a:pPr algn="ctr"/>
                       <a:r>
-                        <a:rPr lang="zh-TW" altLang="en-US" sz="1050" dirty="0" smtClean="0"/>
+                        <a:rPr lang="zh-TW" altLang="en-US" sz="1050" dirty="0"/>
                         <a:t>是否公開</a:t>
                       </a:r>
-                      <a:endParaRPr lang="en-US" altLang="zh-TW" sz="1050" dirty="0" smtClean="0"/>
+                      <a:endParaRPr lang="en-US" altLang="zh-TW" sz="1050" dirty="0"/>
                     </a:p>
                     <a:p>
                       <a:pPr algn="ctr"/>
                       <a:r>
-                        <a:rPr lang="en-US" altLang="zh-TW" sz="1050" dirty="0" smtClean="0"/>
+                        <a:rPr lang="en-US" altLang="zh-TW" sz="1050" dirty="0"/>
                         <a:t>private</a:t>
                       </a:r>
                       <a:endParaRPr lang="zh-TW" altLang="en-US" sz="1050" dirty="0"/>
@@ -20364,15 +19947,15 @@
                     <a:p>
                       <a:pPr algn="ctr"/>
                       <a:r>
-                        <a:rPr lang="zh-TW" altLang="en-US" sz="1050" dirty="0" smtClean="0"/>
+                        <a:rPr lang="zh-TW" altLang="en-US" sz="1050" dirty="0"/>
                         <a:t>持續性</a:t>
                       </a:r>
-                      <a:endParaRPr lang="en-US" altLang="zh-TW" sz="1050" dirty="0" smtClean="0"/>
+                      <a:endParaRPr lang="en-US" altLang="zh-TW" sz="1050" dirty="0"/>
                     </a:p>
                     <a:p>
                       <a:pPr algn="ctr"/>
                       <a:r>
-                        <a:rPr lang="en-US" altLang="zh-TW" sz="1050" dirty="0" smtClean="0"/>
+                        <a:rPr lang="en-US" altLang="zh-TW" sz="1050" dirty="0"/>
                         <a:t>continuous</a:t>
                       </a:r>
                       <a:endParaRPr lang="zh-TW" altLang="en-US" sz="1050" dirty="0"/>
@@ -20420,7 +20003,7 @@
                         <a:tabLst/>
                         <a:defRPr/>
                       </a:pPr>
-                      <a:endParaRPr lang="zh-TW" altLang="en-US" sz="1100" dirty="0" smtClean="0"/>
+                      <a:endParaRPr lang="zh-TW" altLang="en-US" sz="1100" dirty="0"/>
                     </a:p>
                   </a:txBody>
                   <a:tcPr/>
@@ -20447,7 +20030,7 @@
                         <a:tabLst/>
                         <a:defRPr/>
                       </a:pPr>
-                      <a:endParaRPr lang="zh-TW" altLang="en-US" sz="1100" dirty="0" smtClean="0"/>
+                      <a:endParaRPr lang="zh-TW" altLang="en-US" sz="1100" dirty="0"/>
                     </a:p>
                   </a:txBody>
                   <a:tcPr/>
@@ -20474,7 +20057,7 @@
                         <a:tabLst/>
                         <a:defRPr/>
                       </a:pPr>
-                      <a:endParaRPr lang="en-US" altLang="zh-TW" sz="1100" dirty="0" smtClean="0"/>
+                      <a:endParaRPr lang="en-US" altLang="zh-TW" sz="1100" dirty="0"/>
                     </a:p>
                   </a:txBody>
                   <a:tcPr/>
@@ -20512,7 +20095,7 @@
                         <a:tabLst/>
                         <a:defRPr/>
                       </a:pPr>
-                      <a:endParaRPr lang="zh-TW" altLang="en-US" sz="1100" dirty="0" smtClean="0"/>
+                      <a:endParaRPr lang="zh-TW" altLang="en-US" sz="1100" dirty="0"/>
                     </a:p>
                   </a:txBody>
                   <a:tcPr/>
@@ -20539,7 +20122,7 @@
                         <a:tabLst/>
                         <a:defRPr/>
                       </a:pPr>
-                      <a:endParaRPr lang="zh-TW" altLang="en-US" sz="1100" dirty="0" smtClean="0"/>
+                      <a:endParaRPr lang="zh-TW" altLang="en-US" sz="1100" dirty="0"/>
                     </a:p>
                   </a:txBody>
                   <a:tcPr/>
@@ -20654,7 +20237,7 @@
           <a:p>
             <a:pPr algn="ctr"/>
             <a:r>
-              <a:rPr lang="zh-TW" altLang="en-US" b="1" dirty="0" smtClean="0">
+              <a:rPr lang="zh-TW" altLang="en-US" b="1" dirty="0">
                 <a:solidFill>
                   <a:schemeClr val="tx1"/>
                 </a:solidFill>
@@ -20699,7 +20282,7 @@
           <a:p>
             <a:pPr algn="ctr"/>
             <a:r>
-              <a:rPr lang="zh-TW" altLang="en-US" dirty="0" smtClean="0">
+              <a:rPr lang="zh-TW" altLang="en-US" dirty="0">
                 <a:solidFill>
                   <a:srgbClr val="FF0000"/>
                 </a:solidFill>
@@ -20707,7 +20290,7 @@
               <a:t>送出後回傳完整</a:t>
             </a:r>
             <a:r>
-              <a:rPr lang="en-US" altLang="zh-TW" dirty="0" smtClean="0">
+              <a:rPr lang="en-US" altLang="zh-TW" dirty="0">
                 <a:solidFill>
                   <a:srgbClr val="FF0000"/>
                 </a:solidFill>
@@ -20715,7 +20298,7 @@
               <a:t>list</a:t>
             </a:r>
             <a:r>
-              <a:rPr lang="zh-TW" altLang="en-US" dirty="0" smtClean="0">
+              <a:rPr lang="zh-TW" altLang="en-US" dirty="0">
                 <a:solidFill>
                   <a:srgbClr val="FF0000"/>
                 </a:solidFill>
@@ -20723,7 +20306,7 @@
               <a:t>用</a:t>
             </a:r>
             <a:r>
-              <a:rPr lang="en-US" altLang="zh-TW" dirty="0" err="1" smtClean="0">
+              <a:rPr lang="en-US" altLang="zh-TW" dirty="0" err="1">
                 <a:solidFill>
                   <a:srgbClr val="FF0000"/>
                 </a:solidFill>
@@ -20731,18 +20314,13 @@
               <a:t>desc</a:t>
             </a:r>
             <a:r>
-              <a:rPr lang="zh-TW" altLang="en-US" dirty="0" smtClean="0">
+              <a:rPr lang="zh-TW" altLang="en-US" dirty="0">
                 <a:solidFill>
                   <a:srgbClr val="FF0000"/>
                 </a:solidFill>
               </a:rPr>
               <a:t>倒置輸出</a:t>
             </a:r>
-            <a:endParaRPr lang="zh-TW" altLang="en-US" dirty="0">
-              <a:solidFill>
-                <a:srgbClr val="FF0000"/>
-              </a:solidFill>
-            </a:endParaRPr>
           </a:p>
         </p:txBody>
       </p:sp>
@@ -20783,10 +20361,9 @@
           <a:p>
             <a:pPr algn="ctr"/>
             <a:r>
-              <a:rPr lang="zh-TW" altLang="en-US" sz="2800" dirty="0" smtClean="0"/>
+              <a:rPr lang="zh-TW" altLang="en-US" sz="2800" dirty="0"/>
               <a:t>≡</a:t>
             </a:r>
-            <a:endParaRPr lang="zh-TW" altLang="en-US" sz="2800" dirty="0"/>
           </a:p>
         </p:txBody>
       </p:sp>
@@ -20835,7 +20412,7 @@
           <a:p>
             <a:pPr algn="ctr"/>
             <a:r>
-              <a:rPr lang="zh-TW" altLang="en-US" b="1" dirty="0" smtClean="0">
+              <a:rPr lang="zh-TW" altLang="en-US" b="1" dirty="0">
                 <a:solidFill>
                   <a:schemeClr val="tx1"/>
                 </a:solidFill>
@@ -20868,10 +20445,9 @@
           <a:lstStyle/>
           <a:p>
             <a:r>
-              <a:rPr lang="zh-TW" altLang="en-US" dirty="0" smtClean="0"/>
+              <a:rPr lang="zh-TW" altLang="en-US" dirty="0"/>
               <a:t>下一頁</a:t>
             </a:r>
-            <a:endParaRPr lang="zh-TW" altLang="en-US" dirty="0"/>
           </a:p>
         </p:txBody>
       </p:sp>
@@ -20898,18 +20474,17 @@
           <a:lstStyle/>
           <a:p>
             <a:r>
-              <a:rPr lang="zh-TW" altLang="en-US" dirty="0" smtClean="0"/>
+              <a:rPr lang="zh-TW" altLang="en-US" dirty="0"/>
               <a:t>第</a:t>
             </a:r>
             <a:r>
-              <a:rPr lang="en-US" altLang="zh-TW" dirty="0" smtClean="0"/>
+              <a:rPr lang="en-US" altLang="zh-TW" dirty="0"/>
               <a:t>1</a:t>
             </a:r>
             <a:r>
-              <a:rPr lang="zh-TW" altLang="en-US" dirty="0" smtClean="0"/>
+              <a:rPr lang="zh-TW" altLang="en-US" dirty="0"/>
               <a:t>頁</a:t>
             </a:r>
-            <a:endParaRPr lang="zh-TW" altLang="en-US" dirty="0"/>
           </a:p>
         </p:txBody>
       </p:sp>
@@ -20936,18 +20511,13 @@
           <a:lstStyle/>
           <a:p>
             <a:r>
-              <a:rPr lang="zh-TW" altLang="en-US" u="dbl" dirty="0" smtClean="0">
+              <a:rPr lang="zh-TW" altLang="en-US" u="dbl" dirty="0">
                 <a:solidFill>
                   <a:srgbClr val="FF0000"/>
                 </a:solidFill>
               </a:rPr>
               <a:t>上一頁</a:t>
             </a:r>
-            <a:endParaRPr lang="zh-TW" altLang="en-US" u="dbl" dirty="0">
-              <a:solidFill>
-                <a:srgbClr val="FF0000"/>
-              </a:solidFill>
-            </a:endParaRPr>
           </a:p>
         </p:txBody>
       </p:sp>
@@ -20988,7 +20558,7 @@
           <a:p>
             <a:pPr algn="ctr"/>
             <a:r>
-              <a:rPr lang="en-US" altLang="zh-TW" sz="2800" dirty="0" smtClean="0"/>
+              <a:rPr lang="en-US" altLang="zh-TW" sz="2800" dirty="0"/>
               <a:t>-</a:t>
             </a:r>
             <a:endParaRPr lang="zh-TW" altLang="en-US" sz="2800" dirty="0"/>
@@ -21040,7 +20610,7 @@
           <a:p>
             <a:pPr algn="ctr"/>
             <a:r>
-              <a:rPr lang="zh-TW" altLang="en-US" b="1" dirty="0" smtClean="0">
+              <a:rPr lang="zh-TW" altLang="en-US" b="1" dirty="0">
                 <a:solidFill>
                   <a:schemeClr val="tx1"/>
                 </a:solidFill>
@@ -21048,7 +20618,7 @@
               <a:t>排列：舊</a:t>
             </a:r>
             <a:r>
-              <a:rPr lang="en-US" altLang="zh-TW" b="1" dirty="0" smtClean="0">
+              <a:rPr lang="en-US" altLang="zh-TW" b="1" dirty="0">
                 <a:solidFill>
                   <a:schemeClr val="tx1"/>
                 </a:solidFill>
@@ -21056,7 +20626,7 @@
               <a:t>-&gt;</a:t>
             </a:r>
             <a:r>
-              <a:rPr lang="zh-TW" altLang="en-US" b="1" dirty="0" smtClean="0">
+              <a:rPr lang="zh-TW" altLang="en-US" b="1" dirty="0">
                 <a:solidFill>
                   <a:schemeClr val="tx1"/>
                 </a:solidFill>
@@ -21076,13 +20646,6 @@
   <p:clrMapOvr>
     <a:masterClrMapping/>
   </p:clrMapOvr>
-  <p:timing>
-    <p:tnLst>
-      <p:par>
-        <p:cTn id="1" dur="indefinite" restart="never" nodeType="tmRoot"/>
-      </p:par>
-    </p:tnLst>
-  </p:timing>
 </p:sld>
 </file>
 
@@ -21229,18 +20792,17 @@
           <a:lstStyle/>
           <a:p>
             <a:r>
-              <a:rPr lang="zh-TW" altLang="en-US" dirty="0" smtClean="0"/>
+              <a:rPr lang="zh-TW" altLang="en-US" dirty="0"/>
               <a:t>歡迎</a:t>
             </a:r>
             <a:r>
-              <a:rPr lang="en-US" altLang="zh-TW" dirty="0" smtClean="0"/>
+              <a:rPr lang="en-US" altLang="zh-TW" dirty="0"/>
               <a:t>XXX  </a:t>
             </a:r>
             <a:r>
-              <a:rPr lang="zh-TW" altLang="en-US" dirty="0" smtClean="0"/>
+              <a:rPr lang="zh-TW" altLang="en-US" dirty="0"/>
               <a:t>進入家族記帳管理系統                                                                                                            </a:t>
             </a:r>
-            <a:endParaRPr lang="zh-TW" altLang="en-US" dirty="0"/>
           </a:p>
         </p:txBody>
       </p:sp>
@@ -21281,12 +20843,8 @@
           <a:p>
             <a:pPr algn="ctr"/>
             <a:r>
-              <a:rPr lang="zh-TW" altLang="en-US" dirty="0" smtClean="0"/>
-              <a:t>設</a:t>
-            </a:r>
-            <a:r>
               <a:rPr lang="zh-TW" altLang="en-US" dirty="0"/>
-              <a:t>定</a:t>
+              <a:t>設定</a:t>
             </a:r>
           </a:p>
         </p:txBody>
@@ -21331,10 +20889,9 @@
           <a:p>
             <a:pPr algn="ctr"/>
             <a:r>
-              <a:rPr lang="zh-TW" altLang="en-US" dirty="0" smtClean="0"/>
+              <a:rPr lang="zh-TW" altLang="en-US" dirty="0"/>
               <a:t>清單</a:t>
             </a:r>
-            <a:endParaRPr lang="zh-TW" altLang="en-US" dirty="0"/>
           </a:p>
         </p:txBody>
       </p:sp>
@@ -21383,26 +20940,13 @@
           <a:p>
             <a:pPr algn="ctr"/>
             <a:r>
-              <a:rPr lang="zh-TW" altLang="en-US" b="1" dirty="0" smtClean="0">
-                <a:solidFill>
-                  <a:schemeClr val="tx1"/>
-                </a:solidFill>
-              </a:rPr>
-              <a:t>新</a:t>
-            </a:r>
-            <a:r>
               <a:rPr lang="zh-TW" altLang="en-US" b="1" dirty="0">
                 <a:solidFill>
                   <a:schemeClr val="tx1"/>
                 </a:solidFill>
               </a:rPr>
-              <a:t>增</a:t>
-            </a:r>
-            <a:endParaRPr lang="zh-TW" altLang="en-US" b="1" dirty="0" smtClean="0">
-              <a:solidFill>
-                <a:schemeClr val="tx1"/>
-              </a:solidFill>
-            </a:endParaRPr>
+              <a:t>新增</a:t>
+            </a:r>
           </a:p>
         </p:txBody>
       </p:sp>
@@ -21461,15 +21005,15 @@
                     <a:p>
                       <a:pPr algn="ctr"/>
                       <a:r>
-                        <a:rPr lang="zh-TW" altLang="en-US" sz="1050" dirty="0" smtClean="0"/>
+                        <a:rPr lang="zh-TW" altLang="en-US" sz="1050" dirty="0"/>
                         <a:t>編號</a:t>
                       </a:r>
-                      <a:endParaRPr lang="en-US" altLang="zh-TW" sz="1050" dirty="0" smtClean="0"/>
+                      <a:endParaRPr lang="en-US" altLang="zh-TW" sz="1050" dirty="0"/>
                     </a:p>
                     <a:p>
                       <a:pPr algn="ctr"/>
                       <a:r>
-                        <a:rPr lang="en-US" altLang="zh-TW" sz="1050" dirty="0" smtClean="0"/>
+                        <a:rPr lang="en-US" altLang="zh-TW" sz="1050" dirty="0"/>
                         <a:t>id</a:t>
                       </a:r>
                     </a:p>
@@ -21483,15 +21027,15 @@
                     <a:p>
                       <a:pPr algn="ctr"/>
                       <a:r>
-                        <a:rPr lang="zh-TW" altLang="en-US" sz="1050" dirty="0" smtClean="0"/>
+                        <a:rPr lang="zh-TW" altLang="en-US" sz="1050" dirty="0"/>
                         <a:t>類別</a:t>
                       </a:r>
-                      <a:endParaRPr lang="en-US" altLang="zh-TW" sz="1050" dirty="0" smtClean="0"/>
+                      <a:endParaRPr lang="en-US" altLang="zh-TW" sz="1050" dirty="0"/>
                     </a:p>
                     <a:p>
                       <a:pPr algn="ctr"/>
                       <a:r>
-                        <a:rPr lang="en-US" altLang="zh-TW" sz="1050" dirty="0" smtClean="0"/>
+                        <a:rPr lang="en-US" altLang="zh-TW" sz="1050" dirty="0"/>
                         <a:t>category</a:t>
                       </a:r>
                       <a:endParaRPr lang="zh-TW" altLang="en-US" sz="1050" dirty="0"/>
@@ -21506,15 +21050,15 @@
                     <a:p>
                       <a:pPr algn="ctr"/>
                       <a:r>
-                        <a:rPr lang="zh-TW" altLang="en-US" sz="1050" dirty="0" smtClean="0"/>
+                        <a:rPr lang="zh-TW" altLang="en-US" sz="1050" dirty="0"/>
                         <a:t>說明</a:t>
                       </a:r>
-                      <a:endParaRPr lang="en-US" altLang="zh-TW" sz="1050" dirty="0" smtClean="0"/>
+                      <a:endParaRPr lang="en-US" altLang="zh-TW" sz="1050" dirty="0"/>
                     </a:p>
                     <a:p>
                       <a:pPr algn="ctr"/>
                       <a:r>
-                        <a:rPr lang="en-US" altLang="zh-TW" sz="1050" dirty="0" smtClean="0"/>
+                        <a:rPr lang="en-US" altLang="zh-TW" sz="1050" dirty="0"/>
                         <a:t>description</a:t>
                       </a:r>
                       <a:endParaRPr lang="zh-TW" altLang="en-US" sz="1050" dirty="0"/>
@@ -21551,7 +21095,7 @@
                         <a:tabLst/>
                         <a:defRPr/>
                       </a:pPr>
-                      <a:endParaRPr lang="zh-TW" altLang="en-US" sz="1100" dirty="0" smtClean="0"/>
+                      <a:endParaRPr lang="zh-TW" altLang="en-US" sz="1100" dirty="0"/>
                     </a:p>
                   </a:txBody>
                   <a:tcPr anchor="ctr"/>
@@ -21578,7 +21122,7 @@
                         <a:tabLst/>
                         <a:defRPr/>
                       </a:pPr>
-                      <a:endParaRPr lang="zh-TW" altLang="en-US" sz="1100" dirty="0" smtClean="0"/>
+                      <a:endParaRPr lang="zh-TW" altLang="en-US" sz="1100" dirty="0"/>
                     </a:p>
                   </a:txBody>
                   <a:tcPr anchor="ctr"/>
@@ -21605,7 +21149,7 @@
                         <a:tabLst/>
                         <a:defRPr/>
                       </a:pPr>
-                      <a:endParaRPr lang="zh-TW" altLang="en-US" sz="1100" dirty="0" smtClean="0"/>
+                      <a:endParaRPr lang="zh-TW" altLang="en-US" sz="1100" dirty="0"/>
                     </a:p>
                   </a:txBody>
                   <a:tcPr anchor="ctr"/>
@@ -21698,10 +21242,9 @@
           <a:lstStyle/>
           <a:p>
             <a:r>
-              <a:rPr lang="zh-TW" altLang="en-US" dirty="0" smtClean="0"/>
+              <a:rPr lang="zh-TW" altLang="en-US" dirty="0"/>
               <a:t>下一頁</a:t>
             </a:r>
-            <a:endParaRPr lang="zh-TW" altLang="en-US" dirty="0"/>
           </a:p>
         </p:txBody>
       </p:sp>
@@ -21728,18 +21271,17 @@
           <a:lstStyle/>
           <a:p>
             <a:r>
-              <a:rPr lang="zh-TW" altLang="en-US" dirty="0" smtClean="0"/>
+              <a:rPr lang="zh-TW" altLang="en-US" dirty="0"/>
               <a:t>第</a:t>
             </a:r>
             <a:r>
-              <a:rPr lang="en-US" altLang="zh-TW" dirty="0" smtClean="0"/>
+              <a:rPr lang="en-US" altLang="zh-TW" dirty="0"/>
               <a:t>1</a:t>
             </a:r>
             <a:r>
-              <a:rPr lang="zh-TW" altLang="en-US" dirty="0" smtClean="0"/>
+              <a:rPr lang="zh-TW" altLang="en-US" dirty="0"/>
               <a:t>頁</a:t>
             </a:r>
-            <a:endParaRPr lang="zh-TW" altLang="en-US" dirty="0"/>
           </a:p>
         </p:txBody>
       </p:sp>
@@ -21766,18 +21308,13 @@
           <a:lstStyle/>
           <a:p>
             <a:r>
-              <a:rPr lang="zh-TW" altLang="en-US" u="dbl" dirty="0" smtClean="0">
+              <a:rPr lang="zh-TW" altLang="en-US" u="dbl" dirty="0">
                 <a:solidFill>
                   <a:srgbClr val="FF0000"/>
                 </a:solidFill>
               </a:rPr>
               <a:t>上一頁</a:t>
             </a:r>
-            <a:endParaRPr lang="zh-TW" altLang="en-US" u="dbl" dirty="0">
-              <a:solidFill>
-                <a:srgbClr val="FF0000"/>
-              </a:solidFill>
-            </a:endParaRPr>
           </a:p>
         </p:txBody>
       </p:sp>
@@ -21818,10 +21355,9 @@
           <a:p>
             <a:pPr algn="ctr"/>
             <a:r>
-              <a:rPr lang="zh-TW" altLang="en-US" sz="2800" dirty="0" smtClean="0"/>
+              <a:rPr lang="zh-TW" altLang="en-US" sz="2800" dirty="0"/>
               <a:t>≡</a:t>
             </a:r>
-            <a:endParaRPr lang="zh-TW" altLang="en-US" sz="2800" dirty="0"/>
           </a:p>
         </p:txBody>
       </p:sp>
@@ -21862,7 +21398,7 @@
           <a:p>
             <a:pPr algn="ctr"/>
             <a:r>
-              <a:rPr lang="en-US" altLang="zh-TW" sz="2800" dirty="0" smtClean="0"/>
+              <a:rPr lang="en-US" altLang="zh-TW" sz="2800" dirty="0"/>
               <a:t>-</a:t>
             </a:r>
             <a:endParaRPr lang="zh-TW" altLang="en-US" sz="2800" dirty="0"/>
@@ -21906,7 +21442,7 @@
           <a:p>
             <a:pPr algn="ctr"/>
             <a:r>
-              <a:rPr lang="en-US" altLang="zh-TW" sz="2800" dirty="0" smtClean="0"/>
+              <a:rPr lang="en-US" altLang="zh-TW" sz="2800" dirty="0"/>
               <a:t>G</a:t>
             </a:r>
             <a:endParaRPr lang="zh-TW" altLang="en-US" sz="2800" dirty="0"/>
@@ -21923,13 +21459,6 @@
   <p:clrMapOvr>
     <a:masterClrMapping/>
   </p:clrMapOvr>
-  <p:timing>
-    <p:tnLst>
-      <p:par>
-        <p:cTn id="1" dur="indefinite" restart="never" nodeType="tmRoot"/>
-      </p:par>
-    </p:tnLst>
-  </p:timing>
 </p:sld>
 </file>
 
@@ -22076,18 +21605,17 @@
           <a:lstStyle/>
           <a:p>
             <a:r>
-              <a:rPr lang="zh-TW" altLang="en-US" dirty="0" smtClean="0"/>
+              <a:rPr lang="zh-TW" altLang="en-US" dirty="0"/>
               <a:t>歡迎</a:t>
             </a:r>
             <a:r>
-              <a:rPr lang="en-US" altLang="zh-TW" dirty="0" smtClean="0"/>
+              <a:rPr lang="en-US" altLang="zh-TW" dirty="0"/>
               <a:t>XXX  </a:t>
             </a:r>
             <a:r>
-              <a:rPr lang="zh-TW" altLang="en-US" dirty="0" smtClean="0"/>
+              <a:rPr lang="zh-TW" altLang="en-US" dirty="0"/>
               <a:t>進入家族記帳管理系統                                                                                                            </a:t>
             </a:r>
-            <a:endParaRPr lang="zh-TW" altLang="en-US" dirty="0"/>
           </a:p>
         </p:txBody>
       </p:sp>
@@ -22128,12 +21656,8 @@
           <a:p>
             <a:pPr algn="ctr"/>
             <a:r>
-              <a:rPr lang="zh-TW" altLang="en-US" dirty="0" smtClean="0"/>
-              <a:t>設</a:t>
-            </a:r>
-            <a:r>
               <a:rPr lang="zh-TW" altLang="en-US" dirty="0"/>
-              <a:t>定</a:t>
+              <a:t>設定</a:t>
             </a:r>
           </a:p>
         </p:txBody>
@@ -22178,10 +21702,9 @@
           <a:p>
             <a:pPr algn="ctr"/>
             <a:r>
-              <a:rPr lang="zh-TW" altLang="en-US" dirty="0" smtClean="0"/>
+              <a:rPr lang="zh-TW" altLang="en-US" dirty="0"/>
               <a:t>清單</a:t>
             </a:r>
-            <a:endParaRPr lang="zh-TW" altLang="en-US" dirty="0"/>
           </a:p>
         </p:txBody>
       </p:sp>
@@ -22230,14 +21753,14 @@
           <a:p>
             <a:pPr algn="ctr"/>
             <a:r>
-              <a:rPr lang="en-US" altLang="zh-TW" b="1" dirty="0" smtClean="0">
+              <a:rPr lang="en-US" altLang="zh-TW" b="1" dirty="0">
                 <a:solidFill>
                   <a:schemeClr val="tx1"/>
                 </a:solidFill>
               </a:rPr>
               <a:t>XXX</a:t>
             </a:r>
-            <a:endParaRPr lang="zh-TW" altLang="en-US" b="1" dirty="0" smtClean="0">
+            <a:endParaRPr lang="zh-TW" altLang="en-US" b="1" dirty="0">
               <a:solidFill>
                 <a:schemeClr val="tx1"/>
               </a:solidFill>
@@ -22328,15 +21851,15 @@
                     <a:p>
                       <a:pPr algn="ctr"/>
                       <a:r>
-                        <a:rPr lang="zh-TW" altLang="en-US" sz="1050" dirty="0" smtClean="0"/>
+                        <a:rPr lang="zh-TW" altLang="en-US" sz="1050" dirty="0"/>
                         <a:t>發生日期</a:t>
                       </a:r>
-                      <a:endParaRPr lang="en-US" altLang="zh-TW" sz="1050" dirty="0" smtClean="0"/>
+                      <a:endParaRPr lang="en-US" altLang="zh-TW" sz="1050" dirty="0"/>
                     </a:p>
                     <a:p>
                       <a:pPr algn="ctr"/>
                       <a:r>
-                        <a:rPr lang="en-US" altLang="zh-TW" sz="1050" dirty="0" smtClean="0"/>
+                        <a:rPr lang="en-US" altLang="zh-TW" sz="1050" dirty="0"/>
                         <a:t>effective_time</a:t>
                       </a:r>
                     </a:p>
@@ -22350,15 +21873,15 @@
                     <a:p>
                       <a:pPr algn="ctr"/>
                       <a:r>
-                        <a:rPr lang="zh-TW" altLang="en-US" sz="1050" dirty="0" smtClean="0"/>
+                        <a:rPr lang="zh-TW" altLang="en-US" sz="1050" dirty="0"/>
                         <a:t>項目</a:t>
                       </a:r>
-                      <a:endParaRPr lang="en-US" altLang="zh-TW" sz="1050" dirty="0" smtClean="0"/>
+                      <a:endParaRPr lang="en-US" altLang="zh-TW" sz="1050" dirty="0"/>
                     </a:p>
                     <a:p>
                       <a:pPr algn="ctr"/>
                       <a:r>
-                        <a:rPr lang="en-US" altLang="zh-TW" sz="1050" dirty="0" smtClean="0"/>
+                        <a:rPr lang="en-US" altLang="zh-TW" sz="1050" dirty="0"/>
                         <a:t>project</a:t>
                       </a:r>
                       <a:endParaRPr lang="zh-TW" altLang="en-US" sz="1050" dirty="0"/>
@@ -22373,15 +21896,15 @@
                     <a:p>
                       <a:pPr algn="ctr"/>
                       <a:r>
-                        <a:rPr lang="zh-TW" altLang="en-US" sz="1050" dirty="0" smtClean="0"/>
+                        <a:rPr lang="zh-TW" altLang="en-US" sz="1050" dirty="0"/>
                         <a:t>細項</a:t>
                       </a:r>
-                      <a:endParaRPr lang="en-US" altLang="zh-TW" sz="1050" dirty="0" smtClean="0"/>
+                      <a:endParaRPr lang="en-US" altLang="zh-TW" sz="1050" dirty="0"/>
                     </a:p>
                     <a:p>
                       <a:pPr algn="ctr"/>
                       <a:r>
-                        <a:rPr lang="en-US" altLang="zh-TW" sz="1050" dirty="0" smtClean="0"/>
+                        <a:rPr lang="en-US" altLang="zh-TW" sz="1050" dirty="0"/>
                         <a:t>details</a:t>
                       </a:r>
                       <a:endParaRPr lang="zh-TW" altLang="en-US" sz="1050" dirty="0"/>
@@ -22396,18 +21919,18 @@
                     <a:p>
                       <a:pPr algn="ctr"/>
                       <a:r>
-                        <a:rPr lang="zh-TW" altLang="en-US" sz="1050" dirty="0" smtClean="0"/>
+                        <a:rPr lang="zh-TW" altLang="en-US" sz="1050" dirty="0"/>
                         <a:t>類別</a:t>
                       </a:r>
-                      <a:endParaRPr lang="en-US" altLang="zh-TW" sz="1050" dirty="0" smtClean="0"/>
+                      <a:endParaRPr lang="en-US" altLang="zh-TW" sz="1050" dirty="0"/>
                     </a:p>
                     <a:p>
                       <a:pPr algn="ctr"/>
                       <a:r>
-                        <a:rPr lang="en-US" altLang="zh-TW" sz="1050" dirty="0" smtClean="0"/>
+                        <a:rPr lang="en-US" altLang="zh-TW" sz="1050" dirty="0"/>
                         <a:t>category</a:t>
                       </a:r>
-                      <a:endParaRPr lang="zh-TW" altLang="en-US" sz="1050" dirty="0" smtClean="0"/>
+                      <a:endParaRPr lang="zh-TW" altLang="en-US" sz="1050" dirty="0"/>
                     </a:p>
                   </a:txBody>
                   <a:tcPr anchor="ctr"/>
@@ -22419,15 +21942,15 @@
                     <a:p>
                       <a:pPr algn="ctr"/>
                       <a:r>
-                        <a:rPr lang="zh-TW" altLang="en-US" sz="1050" dirty="0" smtClean="0"/>
+                        <a:rPr lang="zh-TW" altLang="en-US" sz="1050" dirty="0"/>
                         <a:t>數量</a:t>
                       </a:r>
-                      <a:endParaRPr lang="en-US" altLang="zh-TW" sz="1050" dirty="0" smtClean="0"/>
+                      <a:endParaRPr lang="en-US" altLang="zh-TW" sz="1050" dirty="0"/>
                     </a:p>
                     <a:p>
                       <a:pPr algn="ctr"/>
                       <a:r>
-                        <a:rPr lang="en-US" altLang="zh-TW" sz="1050" dirty="0" smtClean="0"/>
+                        <a:rPr lang="en-US" altLang="zh-TW" sz="1050" dirty="0"/>
                         <a:t>amount</a:t>
                       </a:r>
                       <a:endParaRPr lang="zh-TW" altLang="en-US" sz="1050" dirty="0"/>
@@ -22442,15 +21965,15 @@
                     <a:p>
                       <a:pPr algn="ctr"/>
                       <a:r>
-                        <a:rPr lang="zh-TW" altLang="en-US" sz="1050" dirty="0" smtClean="0"/>
+                        <a:rPr lang="zh-TW" altLang="en-US" sz="1050" dirty="0"/>
                         <a:t>是否公開</a:t>
                       </a:r>
-                      <a:endParaRPr lang="en-US" altLang="zh-TW" sz="1050" dirty="0" smtClean="0"/>
+                      <a:endParaRPr lang="en-US" altLang="zh-TW" sz="1050" dirty="0"/>
                     </a:p>
                     <a:p>
                       <a:pPr algn="ctr"/>
                       <a:r>
-                        <a:rPr lang="en-US" altLang="zh-TW" sz="1050" dirty="0" smtClean="0"/>
+                        <a:rPr lang="en-US" altLang="zh-TW" sz="1050" dirty="0"/>
                         <a:t>private</a:t>
                       </a:r>
                       <a:endParaRPr lang="zh-TW" altLang="en-US" sz="1050" dirty="0"/>
@@ -22465,15 +21988,15 @@
                     <a:p>
                       <a:pPr algn="ctr"/>
                       <a:r>
-                        <a:rPr lang="zh-TW" altLang="en-US" sz="1050" dirty="0" smtClean="0"/>
+                        <a:rPr lang="zh-TW" altLang="en-US" sz="1050" dirty="0"/>
                         <a:t>持續性</a:t>
                       </a:r>
-                      <a:endParaRPr lang="en-US" altLang="zh-TW" sz="1050" dirty="0" smtClean="0"/>
+                      <a:endParaRPr lang="en-US" altLang="zh-TW" sz="1050" dirty="0"/>
                     </a:p>
                     <a:p>
                       <a:pPr algn="ctr"/>
                       <a:r>
-                        <a:rPr lang="en-US" altLang="zh-TW" sz="1050" dirty="0" smtClean="0"/>
+                        <a:rPr lang="en-US" altLang="zh-TW" sz="1050" dirty="0"/>
                         <a:t>continuous</a:t>
                       </a:r>
                       <a:endParaRPr lang="zh-TW" altLang="en-US" sz="1050" dirty="0"/>
@@ -22521,7 +22044,7 @@
                         <a:tabLst/>
                         <a:defRPr/>
                       </a:pPr>
-                      <a:endParaRPr lang="zh-TW" altLang="en-US" sz="1100" dirty="0" smtClean="0"/>
+                      <a:endParaRPr lang="zh-TW" altLang="en-US" sz="1100" dirty="0"/>
                     </a:p>
                   </a:txBody>
                   <a:tcPr/>
@@ -22548,7 +22071,7 @@
                         <a:tabLst/>
                         <a:defRPr/>
                       </a:pPr>
-                      <a:endParaRPr lang="zh-TW" altLang="en-US" sz="1100" dirty="0" smtClean="0"/>
+                      <a:endParaRPr lang="zh-TW" altLang="en-US" sz="1100" dirty="0"/>
                     </a:p>
                   </a:txBody>
                   <a:tcPr/>
@@ -22575,7 +22098,7 @@
                         <a:tabLst/>
                         <a:defRPr/>
                       </a:pPr>
-                      <a:endParaRPr lang="en-US" altLang="zh-TW" sz="1100" dirty="0" smtClean="0"/>
+                      <a:endParaRPr lang="en-US" altLang="zh-TW" sz="1100" dirty="0"/>
                     </a:p>
                   </a:txBody>
                   <a:tcPr/>
@@ -22613,7 +22136,7 @@
                         <a:tabLst/>
                         <a:defRPr/>
                       </a:pPr>
-                      <a:endParaRPr lang="zh-TW" altLang="en-US" sz="1100" dirty="0" smtClean="0"/>
+                      <a:endParaRPr lang="zh-TW" altLang="en-US" sz="1100" dirty="0"/>
                     </a:p>
                   </a:txBody>
                   <a:tcPr/>
@@ -22640,7 +22163,7 @@
                         <a:tabLst/>
                         <a:defRPr/>
                       </a:pPr>
-                      <a:endParaRPr lang="zh-TW" altLang="en-US" sz="1100" dirty="0" smtClean="0"/>
+                      <a:endParaRPr lang="zh-TW" altLang="en-US" sz="1100" dirty="0"/>
                     </a:p>
                   </a:txBody>
                   <a:tcPr/>
@@ -22700,18 +22223,13 @@
           <a:p>
             <a:pPr algn="ctr"/>
             <a:r>
-              <a:rPr lang="zh-TW" altLang="en-US" b="1" dirty="0" smtClean="0">
+              <a:rPr lang="zh-TW" altLang="en-US" b="1" dirty="0">
                 <a:solidFill>
                   <a:schemeClr val="tx1"/>
                 </a:solidFill>
               </a:rPr>
               <a:t>特定查詢</a:t>
             </a:r>
-            <a:endParaRPr lang="zh-TW" altLang="en-US" b="1" dirty="0">
-              <a:solidFill>
-                <a:schemeClr val="tx1"/>
-              </a:solidFill>
-            </a:endParaRPr>
           </a:p>
         </p:txBody>
       </p:sp>
@@ -22750,7 +22268,7 @@
           <a:p>
             <a:pPr algn="ctr"/>
             <a:r>
-              <a:rPr lang="zh-TW" altLang="en-US" dirty="0" smtClean="0">
+              <a:rPr lang="zh-TW" altLang="en-US" dirty="0">
                 <a:solidFill>
                   <a:srgbClr val="FF0000"/>
                 </a:solidFill>
@@ -22758,7 +22276,7 @@
               <a:t>送出後回傳完整</a:t>
             </a:r>
             <a:r>
-              <a:rPr lang="en-US" altLang="zh-TW" dirty="0" smtClean="0">
+              <a:rPr lang="en-US" altLang="zh-TW" dirty="0">
                 <a:solidFill>
                   <a:srgbClr val="FF0000"/>
                 </a:solidFill>
@@ -22766,7 +22284,7 @@
               <a:t>list</a:t>
             </a:r>
             <a:r>
-              <a:rPr lang="zh-TW" altLang="en-US" dirty="0" smtClean="0">
+              <a:rPr lang="zh-TW" altLang="en-US" dirty="0">
                 <a:solidFill>
                   <a:srgbClr val="FF0000"/>
                 </a:solidFill>
@@ -22774,7 +22292,7 @@
               <a:t>用</a:t>
             </a:r>
             <a:r>
-              <a:rPr lang="en-US" altLang="zh-TW" dirty="0" err="1" smtClean="0">
+              <a:rPr lang="en-US" altLang="zh-TW" dirty="0" err="1">
                 <a:solidFill>
                   <a:srgbClr val="FF0000"/>
                 </a:solidFill>
@@ -22782,18 +22300,13 @@
               <a:t>desc</a:t>
             </a:r>
             <a:r>
-              <a:rPr lang="zh-TW" altLang="en-US" dirty="0" smtClean="0">
+              <a:rPr lang="zh-TW" altLang="en-US" dirty="0">
                 <a:solidFill>
                   <a:srgbClr val="FF0000"/>
                 </a:solidFill>
               </a:rPr>
               <a:t>倒置輸出</a:t>
             </a:r>
-            <a:endParaRPr lang="zh-TW" altLang="en-US" dirty="0">
-              <a:solidFill>
-                <a:srgbClr val="FF0000"/>
-              </a:solidFill>
-            </a:endParaRPr>
           </a:p>
         </p:txBody>
       </p:sp>
@@ -22834,10 +22347,9 @@
           <a:p>
             <a:pPr algn="ctr"/>
             <a:r>
-              <a:rPr lang="zh-TW" altLang="en-US" sz="2800" dirty="0" smtClean="0"/>
+              <a:rPr lang="zh-TW" altLang="en-US" sz="2800" dirty="0"/>
               <a:t>≡</a:t>
             </a:r>
-            <a:endParaRPr lang="zh-TW" altLang="en-US" sz="2800" dirty="0"/>
           </a:p>
         </p:txBody>
       </p:sp>
@@ -22864,10 +22376,9 @@
           <a:lstStyle/>
           <a:p>
             <a:r>
-              <a:rPr lang="zh-TW" altLang="en-US" dirty="0" smtClean="0"/>
+              <a:rPr lang="zh-TW" altLang="en-US" dirty="0"/>
               <a:t>下一頁</a:t>
             </a:r>
-            <a:endParaRPr lang="zh-TW" altLang="en-US" dirty="0"/>
           </a:p>
         </p:txBody>
       </p:sp>
@@ -22894,18 +22405,17 @@
           <a:lstStyle/>
           <a:p>
             <a:r>
-              <a:rPr lang="zh-TW" altLang="en-US" dirty="0" smtClean="0"/>
+              <a:rPr lang="zh-TW" altLang="en-US" dirty="0"/>
               <a:t>第</a:t>
             </a:r>
             <a:r>
-              <a:rPr lang="en-US" altLang="zh-TW" dirty="0" smtClean="0"/>
+              <a:rPr lang="en-US" altLang="zh-TW" dirty="0"/>
               <a:t>1</a:t>
             </a:r>
             <a:r>
-              <a:rPr lang="zh-TW" altLang="en-US" dirty="0" smtClean="0"/>
+              <a:rPr lang="zh-TW" altLang="en-US" dirty="0"/>
               <a:t>頁</a:t>
             </a:r>
-            <a:endParaRPr lang="zh-TW" altLang="en-US" dirty="0"/>
           </a:p>
         </p:txBody>
       </p:sp>
@@ -22932,18 +22442,13 @@
           <a:lstStyle/>
           <a:p>
             <a:r>
-              <a:rPr lang="zh-TW" altLang="en-US" u="dbl" dirty="0" smtClean="0">
+              <a:rPr lang="zh-TW" altLang="en-US" u="dbl" dirty="0">
                 <a:solidFill>
                   <a:srgbClr val="FF0000"/>
                 </a:solidFill>
               </a:rPr>
               <a:t>上一頁</a:t>
             </a:r>
-            <a:endParaRPr lang="zh-TW" altLang="en-US" u="dbl" dirty="0">
-              <a:solidFill>
-                <a:srgbClr val="FF0000"/>
-              </a:solidFill>
-            </a:endParaRPr>
           </a:p>
         </p:txBody>
       </p:sp>
@@ -22984,7 +22489,7 @@
           <a:p>
             <a:pPr algn="ctr"/>
             <a:r>
-              <a:rPr lang="en-US" altLang="zh-TW" sz="2800" dirty="0" smtClean="0"/>
+              <a:rPr lang="en-US" altLang="zh-TW" sz="2800" dirty="0"/>
               <a:t>-</a:t>
             </a:r>
             <a:endParaRPr lang="zh-TW" altLang="en-US" sz="2800" dirty="0"/>
@@ -23031,19 +22536,19 @@
           <a:p>
             <a:pPr algn="ctr"/>
             <a:r>
-              <a:rPr lang="zh-TW" altLang="en-US" sz="1100" dirty="0" smtClean="0"/>
+              <a:rPr lang="zh-TW" altLang="en-US" sz="1100" dirty="0"/>
               <a:t>特定</a:t>
             </a:r>
-            <a:endParaRPr lang="en-US" altLang="zh-TW" sz="1100" dirty="0" smtClean="0"/>
+            <a:endParaRPr lang="en-US" altLang="zh-TW" sz="1100" dirty="0"/>
           </a:p>
           <a:p>
             <a:pPr algn="ctr"/>
             <a:r>
-              <a:rPr lang="zh-TW" altLang="en-US" sz="1100" dirty="0" smtClean="0"/>
+              <a:rPr lang="zh-TW" altLang="en-US" sz="1100" dirty="0"/>
               <a:t>查詢</a:t>
             </a:r>
             <a:r>
-              <a:rPr lang="en-US" altLang="zh-TW" sz="1100" dirty="0" smtClean="0"/>
+              <a:rPr lang="en-US" altLang="zh-TW" sz="1100" dirty="0"/>
               <a:t>1</a:t>
             </a:r>
             <a:endParaRPr lang="zh-TW" altLang="en-US" sz="1100" dirty="0"/>
@@ -23060,13 +22565,6 @@
   <p:clrMapOvr>
     <a:masterClrMapping/>
   </p:clrMapOvr>
-  <p:timing>
-    <p:tnLst>
-      <p:par>
-        <p:cTn id="1" dur="indefinite" restart="never" nodeType="tmRoot"/>
-      </p:par>
-    </p:tnLst>
-  </p:timing>
 </p:sld>
 </file>
 

--- a/ScreenShot/家庭記帳管理系統-介面切版.pptx
+++ b/ScreenShot/家庭記帳管理系統-介面切版.pptx
@@ -16,6 +16,7 @@
     <p:sldId id="264" r:id="rId10"/>
     <p:sldId id="265" r:id="rId11"/>
     <p:sldId id="266" r:id="rId12"/>
+    <p:sldId id="267" r:id="rId13"/>
   </p:sldIdLst>
   <p:sldSz cx="9144000" cy="6858000" type="screen4x3"/>
   <p:notesSz cx="6858000" cy="9144000"/>
@@ -253,7 +254,7 @@
           <a:p>
             <a:fld id="{2FAC5D0C-C9AF-4122-853D-A3B0B8EE5080}" type="datetimeFigureOut">
               <a:rPr lang="zh-TW" altLang="en-US" smtClean="0"/>
-              <a:t>2023/5/24</a:t>
+              <a:t>2023/6/1</a:t>
             </a:fld>
             <a:endParaRPr lang="zh-TW" altLang="en-US"/>
           </a:p>
@@ -423,7 +424,7 @@
           <a:p>
             <a:fld id="{2FAC5D0C-C9AF-4122-853D-A3B0B8EE5080}" type="datetimeFigureOut">
               <a:rPr lang="zh-TW" altLang="en-US" smtClean="0"/>
-              <a:t>2023/5/24</a:t>
+              <a:t>2023/6/1</a:t>
             </a:fld>
             <a:endParaRPr lang="zh-TW" altLang="en-US"/>
           </a:p>
@@ -603,7 +604,7 @@
           <a:p>
             <a:fld id="{2FAC5D0C-C9AF-4122-853D-A3B0B8EE5080}" type="datetimeFigureOut">
               <a:rPr lang="zh-TW" altLang="en-US" smtClean="0"/>
-              <a:t>2023/5/24</a:t>
+              <a:t>2023/6/1</a:t>
             </a:fld>
             <a:endParaRPr lang="zh-TW" altLang="en-US"/>
           </a:p>
@@ -773,7 +774,7 @@
           <a:p>
             <a:fld id="{2FAC5D0C-C9AF-4122-853D-A3B0B8EE5080}" type="datetimeFigureOut">
               <a:rPr lang="zh-TW" altLang="en-US" smtClean="0"/>
-              <a:t>2023/5/24</a:t>
+              <a:t>2023/6/1</a:t>
             </a:fld>
             <a:endParaRPr lang="zh-TW" altLang="en-US"/>
           </a:p>
@@ -1017,7 +1018,7 @@
           <a:p>
             <a:fld id="{2FAC5D0C-C9AF-4122-853D-A3B0B8EE5080}" type="datetimeFigureOut">
               <a:rPr lang="zh-TW" altLang="en-US" smtClean="0"/>
-              <a:t>2023/5/24</a:t>
+              <a:t>2023/6/1</a:t>
             </a:fld>
             <a:endParaRPr lang="zh-TW" altLang="en-US"/>
           </a:p>
@@ -1249,7 +1250,7 @@
           <a:p>
             <a:fld id="{2FAC5D0C-C9AF-4122-853D-A3B0B8EE5080}" type="datetimeFigureOut">
               <a:rPr lang="zh-TW" altLang="en-US" smtClean="0"/>
-              <a:t>2023/5/24</a:t>
+              <a:t>2023/6/1</a:t>
             </a:fld>
             <a:endParaRPr lang="zh-TW" altLang="en-US"/>
           </a:p>
@@ -1616,7 +1617,7 @@
           <a:p>
             <a:fld id="{2FAC5D0C-C9AF-4122-853D-A3B0B8EE5080}" type="datetimeFigureOut">
               <a:rPr lang="zh-TW" altLang="en-US" smtClean="0"/>
-              <a:t>2023/5/24</a:t>
+              <a:t>2023/6/1</a:t>
             </a:fld>
             <a:endParaRPr lang="zh-TW" altLang="en-US"/>
           </a:p>
@@ -1734,7 +1735,7 @@
           <a:p>
             <a:fld id="{2FAC5D0C-C9AF-4122-853D-A3B0B8EE5080}" type="datetimeFigureOut">
               <a:rPr lang="zh-TW" altLang="en-US" smtClean="0"/>
-              <a:t>2023/5/24</a:t>
+              <a:t>2023/6/1</a:t>
             </a:fld>
             <a:endParaRPr lang="zh-TW" altLang="en-US"/>
           </a:p>
@@ -1829,7 +1830,7 @@
           <a:p>
             <a:fld id="{2FAC5D0C-C9AF-4122-853D-A3B0B8EE5080}" type="datetimeFigureOut">
               <a:rPr lang="zh-TW" altLang="en-US" smtClean="0"/>
-              <a:t>2023/5/24</a:t>
+              <a:t>2023/6/1</a:t>
             </a:fld>
             <a:endParaRPr lang="zh-TW" altLang="en-US"/>
           </a:p>
@@ -2106,7 +2107,7 @@
           <a:p>
             <a:fld id="{2FAC5D0C-C9AF-4122-853D-A3B0B8EE5080}" type="datetimeFigureOut">
               <a:rPr lang="zh-TW" altLang="en-US" smtClean="0"/>
-              <a:t>2023/5/24</a:t>
+              <a:t>2023/6/1</a:t>
             </a:fld>
             <a:endParaRPr lang="zh-TW" altLang="en-US"/>
           </a:p>
@@ -2363,7 +2364,7 @@
           <a:p>
             <a:fld id="{2FAC5D0C-C9AF-4122-853D-A3B0B8EE5080}" type="datetimeFigureOut">
               <a:rPr lang="zh-TW" altLang="en-US" smtClean="0"/>
-              <a:t>2023/5/24</a:t>
+              <a:t>2023/6/1</a:t>
             </a:fld>
             <a:endParaRPr lang="zh-TW" altLang="en-US"/>
           </a:p>
@@ -2576,7 +2577,7 @@
           <a:p>
             <a:fld id="{2FAC5D0C-C9AF-4122-853D-A3B0B8EE5080}" type="datetimeFigureOut">
               <a:rPr lang="zh-TW" altLang="en-US" smtClean="0"/>
-              <a:t>2023/5/24</a:t>
+              <a:t>2023/6/1</a:t>
             </a:fld>
             <a:endParaRPr lang="zh-TW" altLang="en-US"/>
           </a:p>
@@ -7827,6 +7828,3481 @@
 </p:sld>
 </file>
 
+<file path=ppt/slides/slide12.xml><?xml version="1.0" encoding="utf-8"?>
+<p:sld xmlns:a="http://schemas.openxmlformats.org/drawingml/2006/main" xmlns:r="http://schemas.openxmlformats.org/officeDocument/2006/relationships" xmlns:p="http://schemas.openxmlformats.org/presentationml/2006/main">
+  <p:cSld>
+    <p:spTree>
+      <p:nvGrpSpPr>
+        <p:cNvPr id="1" name=""/>
+        <p:cNvGrpSpPr/>
+        <p:nvPr/>
+      </p:nvGrpSpPr>
+      <p:grpSpPr>
+        <a:xfrm>
+          <a:off x="0" y="0"/>
+          <a:ext cx="0" cy="0"/>
+          <a:chOff x="0" y="0"/>
+          <a:chExt cx="0" cy="0"/>
+        </a:xfrm>
+      </p:grpSpPr>
+      <p:sp>
+        <p:nvSpPr>
+          <p:cNvPr id="15" name="矩形 14"/>
+          <p:cNvSpPr/>
+          <p:nvPr/>
+        </p:nvSpPr>
+        <p:spPr>
+          <a:xfrm>
+            <a:off x="241069" y="847898"/>
+            <a:ext cx="8711738" cy="5827222"/>
+          </a:xfrm>
+          <a:prstGeom prst="rect">
+            <a:avLst/>
+          </a:prstGeom>
+          <a:solidFill>
+            <a:srgbClr val="D1A5E9"/>
+          </a:solidFill>
+        </p:spPr>
+        <p:style>
+          <a:lnRef idx="2">
+            <a:schemeClr val="accent1">
+              <a:shade val="50000"/>
+            </a:schemeClr>
+          </a:lnRef>
+          <a:fillRef idx="1">
+            <a:schemeClr val="accent1"/>
+          </a:fillRef>
+          <a:effectRef idx="0">
+            <a:schemeClr val="accent1"/>
+          </a:effectRef>
+          <a:fontRef idx="minor">
+            <a:schemeClr val="lt1"/>
+          </a:fontRef>
+        </p:style>
+        <p:txBody>
+          <a:bodyPr rtlCol="0" anchor="ctr"/>
+          <a:lstStyle/>
+          <a:p>
+            <a:pPr algn="ctr"/>
+            <a:endParaRPr lang="zh-TW" altLang="en-US"/>
+          </a:p>
+        </p:txBody>
+      </p:sp>
+      <p:sp>
+        <p:nvSpPr>
+          <p:cNvPr id="4" name="矩形 3"/>
+          <p:cNvSpPr/>
+          <p:nvPr/>
+        </p:nvSpPr>
+        <p:spPr>
+          <a:xfrm>
+            <a:off x="240300" y="241069"/>
+            <a:ext cx="8711738" cy="6434051"/>
+          </a:xfrm>
+          <a:prstGeom prst="rect">
+            <a:avLst/>
+          </a:prstGeom>
+          <a:noFill/>
+        </p:spPr>
+        <p:style>
+          <a:lnRef idx="2">
+            <a:schemeClr val="accent1">
+              <a:shade val="50000"/>
+            </a:schemeClr>
+          </a:lnRef>
+          <a:fillRef idx="1">
+            <a:schemeClr val="accent1"/>
+          </a:fillRef>
+          <a:effectRef idx="0">
+            <a:schemeClr val="accent1"/>
+          </a:effectRef>
+          <a:fontRef idx="minor">
+            <a:schemeClr val="lt1"/>
+          </a:fontRef>
+        </p:style>
+        <p:txBody>
+          <a:bodyPr rtlCol="0" anchor="ctr"/>
+          <a:lstStyle/>
+          <a:p>
+            <a:pPr algn="ctr"/>
+            <a:endParaRPr lang="zh-TW" altLang="en-US"/>
+          </a:p>
+        </p:txBody>
+      </p:sp>
+      <p:sp>
+        <p:nvSpPr>
+          <p:cNvPr id="11" name="矩形 10"/>
+          <p:cNvSpPr/>
+          <p:nvPr/>
+        </p:nvSpPr>
+        <p:spPr>
+          <a:xfrm>
+            <a:off x="241069" y="241069"/>
+            <a:ext cx="8711738" cy="606829"/>
+          </a:xfrm>
+          <a:prstGeom prst="rect">
+            <a:avLst/>
+          </a:prstGeom>
+          <a:ln>
+            <a:solidFill>
+              <a:srgbClr val="0070C0"/>
+            </a:solidFill>
+          </a:ln>
+        </p:spPr>
+        <p:style>
+          <a:lnRef idx="3">
+            <a:schemeClr val="lt1"/>
+          </a:lnRef>
+          <a:fillRef idx="1">
+            <a:schemeClr val="accent6"/>
+          </a:fillRef>
+          <a:effectRef idx="1">
+            <a:schemeClr val="accent6"/>
+          </a:effectRef>
+          <a:fontRef idx="minor">
+            <a:schemeClr val="lt1"/>
+          </a:fontRef>
+        </p:style>
+        <p:txBody>
+          <a:bodyPr rtlCol="0" anchor="ctr"/>
+          <a:lstStyle/>
+          <a:p>
+            <a:r>
+              <a:rPr lang="zh-TW" altLang="en-US" dirty="0"/>
+              <a:t>歡迎來到家族記帳管理系統                 請登入會員 </a:t>
+            </a:r>
+          </a:p>
+        </p:txBody>
+      </p:sp>
+      <p:sp>
+        <p:nvSpPr>
+          <p:cNvPr id="25" name="圓角矩形 24"/>
+          <p:cNvSpPr/>
+          <p:nvPr/>
+        </p:nvSpPr>
+        <p:spPr>
+          <a:xfrm>
+            <a:off x="5971477" y="-232872"/>
+            <a:ext cx="1618044" cy="348279"/>
+          </a:xfrm>
+          <a:prstGeom prst="roundRect">
+            <a:avLst/>
+          </a:prstGeom>
+          <a:solidFill>
+            <a:srgbClr val="3BFBFB">
+              <a:alpha val="74902"/>
+            </a:srgbClr>
+          </a:solidFill>
+          <a:ln w="38100">
+            <a:solidFill>
+              <a:srgbClr val="FFC000"/>
+            </a:solidFill>
+          </a:ln>
+        </p:spPr>
+        <p:style>
+          <a:lnRef idx="0">
+            <a:scrgbClr r="0" g="0" b="0"/>
+          </a:lnRef>
+          <a:fillRef idx="0">
+            <a:scrgbClr r="0" g="0" b="0"/>
+          </a:fillRef>
+          <a:effectRef idx="0">
+            <a:scrgbClr r="0" g="0" b="0"/>
+          </a:effectRef>
+          <a:fontRef idx="minor">
+            <a:schemeClr val="lt1"/>
+          </a:fontRef>
+        </p:style>
+        <p:txBody>
+          <a:bodyPr rtlCol="0" anchor="ctr"/>
+          <a:lstStyle/>
+          <a:p>
+            <a:pPr algn="ctr"/>
+            <a:r>
+              <a:rPr lang="en-US" altLang="zh-TW" sz="2000" b="1" dirty="0">
+                <a:solidFill>
+                  <a:srgbClr val="FFFF00"/>
+                </a:solidFill>
+                <a:effectLst>
+                  <a:outerShdw blurRad="38100" dist="38100" dir="2700000" algn="tl">
+                    <a:srgbClr val="000000">
+                      <a:alpha val="43137"/>
+                    </a:srgbClr>
+                  </a:outerShdw>
+                </a:effectLst>
+              </a:rPr>
+              <a:t>index</a:t>
+            </a:r>
+            <a:endParaRPr lang="zh-TW" altLang="en-US" sz="2000" b="1" dirty="0">
+              <a:solidFill>
+                <a:srgbClr val="FFFF00"/>
+              </a:solidFill>
+              <a:effectLst>
+                <a:outerShdw blurRad="38100" dist="38100" dir="2700000" algn="tl">
+                  <a:srgbClr val="000000">
+                    <a:alpha val="43137"/>
+                  </a:srgbClr>
+                </a:outerShdw>
+              </a:effectLst>
+            </a:endParaRPr>
+          </a:p>
+        </p:txBody>
+      </p:sp>
+      <p:sp>
+        <p:nvSpPr>
+          <p:cNvPr id="26" name="圓角矩形 25"/>
+          <p:cNvSpPr/>
+          <p:nvPr/>
+        </p:nvSpPr>
+        <p:spPr>
+          <a:xfrm>
+            <a:off x="9194125" y="3138643"/>
+            <a:ext cx="1961555" cy="348279"/>
+          </a:xfrm>
+          <a:prstGeom prst="roundRect">
+            <a:avLst/>
+          </a:prstGeom>
+          <a:solidFill>
+            <a:srgbClr val="3BFBFB">
+              <a:alpha val="74902"/>
+            </a:srgbClr>
+          </a:solidFill>
+          <a:ln w="38100">
+            <a:solidFill>
+              <a:srgbClr val="FFC000"/>
+            </a:solidFill>
+          </a:ln>
+        </p:spPr>
+        <p:style>
+          <a:lnRef idx="0">
+            <a:scrgbClr r="0" g="0" b="0"/>
+          </a:lnRef>
+          <a:fillRef idx="0">
+            <a:scrgbClr r="0" g="0" b="0"/>
+          </a:fillRef>
+          <a:effectRef idx="0">
+            <a:scrgbClr r="0" g="0" b="0"/>
+          </a:effectRef>
+          <a:fontRef idx="minor">
+            <a:schemeClr val="lt1"/>
+          </a:fontRef>
+        </p:style>
+        <p:txBody>
+          <a:bodyPr rtlCol="0" anchor="ctr"/>
+          <a:lstStyle/>
+          <a:p>
+            <a:pPr algn="ctr"/>
+            <a:r>
+              <a:rPr lang="en-US" altLang="zh-TW" sz="2000" b="1" dirty="0" err="1" smtClean="0">
+                <a:solidFill>
+                  <a:srgbClr val="FFFF00"/>
+                </a:solidFill>
+                <a:effectLst>
+                  <a:outerShdw blurRad="38100" dist="38100" dir="2700000" algn="tl">
+                    <a:srgbClr val="000000">
+                      <a:alpha val="43137"/>
+                    </a:srgbClr>
+                  </a:outerShdw>
+                </a:effectLst>
+              </a:rPr>
+              <a:t>vote_list_down</a:t>
+            </a:r>
+            <a:endParaRPr lang="zh-TW" altLang="en-US" sz="2000" b="1" dirty="0">
+              <a:solidFill>
+                <a:srgbClr val="FFFF00"/>
+              </a:solidFill>
+              <a:effectLst>
+                <a:outerShdw blurRad="38100" dist="38100" dir="2700000" algn="tl">
+                  <a:srgbClr val="000000">
+                    <a:alpha val="43137"/>
+                  </a:srgbClr>
+                </a:outerShdw>
+              </a:effectLst>
+            </a:endParaRPr>
+          </a:p>
+        </p:txBody>
+      </p:sp>
+      <p:sp>
+        <p:nvSpPr>
+          <p:cNvPr id="27" name="圓角矩形 26"/>
+          <p:cNvSpPr/>
+          <p:nvPr/>
+        </p:nvSpPr>
+        <p:spPr>
+          <a:xfrm>
+            <a:off x="9194125" y="2206266"/>
+            <a:ext cx="1618044" cy="348279"/>
+          </a:xfrm>
+          <a:prstGeom prst="roundRect">
+            <a:avLst/>
+          </a:prstGeom>
+          <a:solidFill>
+            <a:srgbClr val="3BFBFB">
+              <a:alpha val="74902"/>
+            </a:srgbClr>
+          </a:solidFill>
+          <a:ln w="38100">
+            <a:solidFill>
+              <a:srgbClr val="FFC000"/>
+            </a:solidFill>
+          </a:ln>
+        </p:spPr>
+        <p:style>
+          <a:lnRef idx="0">
+            <a:scrgbClr r="0" g="0" b="0"/>
+          </a:lnRef>
+          <a:fillRef idx="0">
+            <a:scrgbClr r="0" g="0" b="0"/>
+          </a:fillRef>
+          <a:effectRef idx="0">
+            <a:scrgbClr r="0" g="0" b="0"/>
+          </a:effectRef>
+          <a:fontRef idx="minor">
+            <a:schemeClr val="lt1"/>
+          </a:fontRef>
+        </p:style>
+        <p:txBody>
+          <a:bodyPr rtlCol="0" anchor="ctr"/>
+          <a:lstStyle/>
+          <a:p>
+            <a:pPr algn="ctr"/>
+            <a:r>
+              <a:rPr lang="en-US" altLang="zh-TW" sz="2000" b="1" dirty="0" err="1" smtClean="0">
+                <a:solidFill>
+                  <a:srgbClr val="FFFF00"/>
+                </a:solidFill>
+                <a:effectLst>
+                  <a:outerShdw blurRad="38100" dist="38100" dir="2700000" algn="tl">
+                    <a:srgbClr val="000000">
+                      <a:alpha val="43137"/>
+                    </a:srgbClr>
+                  </a:outerShdw>
+                </a:effectLst>
+              </a:rPr>
+              <a:t>vote_list_up</a:t>
+            </a:r>
+            <a:endParaRPr lang="zh-TW" altLang="en-US" sz="2000" b="1" dirty="0">
+              <a:solidFill>
+                <a:srgbClr val="FFFF00"/>
+              </a:solidFill>
+              <a:effectLst>
+                <a:outerShdw blurRad="38100" dist="38100" dir="2700000" algn="tl">
+                  <a:srgbClr val="000000">
+                    <a:alpha val="43137"/>
+                  </a:srgbClr>
+                </a:outerShdw>
+              </a:effectLst>
+            </a:endParaRPr>
+          </a:p>
+        </p:txBody>
+      </p:sp>
+      <p:sp>
+        <p:nvSpPr>
+          <p:cNvPr id="6" name="矩形 5"/>
+          <p:cNvSpPr/>
+          <p:nvPr/>
+        </p:nvSpPr>
+        <p:spPr>
+          <a:xfrm>
+            <a:off x="8440883" y="327195"/>
+            <a:ext cx="2344707" cy="406402"/>
+          </a:xfrm>
+          <a:prstGeom prst="rect">
+            <a:avLst/>
+          </a:prstGeom>
+          <a:solidFill>
+            <a:schemeClr val="dk1">
+              <a:alpha val="50000"/>
+            </a:schemeClr>
+          </a:solidFill>
+          <a:ln>
+            <a:noFill/>
+          </a:ln>
+        </p:spPr>
+        <p:style>
+          <a:lnRef idx="0">
+            <a:scrgbClr r="0" g="0" b="0"/>
+          </a:lnRef>
+          <a:fillRef idx="0">
+            <a:scrgbClr r="0" g="0" b="0"/>
+          </a:fillRef>
+          <a:effectRef idx="0">
+            <a:scrgbClr r="0" g="0" b="0"/>
+          </a:effectRef>
+          <a:fontRef idx="minor">
+            <a:schemeClr val="lt1"/>
+          </a:fontRef>
+        </p:style>
+        <p:txBody>
+          <a:bodyPr rtlCol="0" anchor="ctr"/>
+          <a:lstStyle/>
+          <a:p>
+            <a:r>
+              <a:rPr lang="en-US" altLang="zh-TW" dirty="0"/>
+              <a:t>&lt;div&gt; “ top”</a:t>
+            </a:r>
+            <a:endParaRPr lang="zh-TW" altLang="en-US" dirty="0"/>
+          </a:p>
+        </p:txBody>
+      </p:sp>
+      <p:sp>
+        <p:nvSpPr>
+          <p:cNvPr id="29" name="矩形 28"/>
+          <p:cNvSpPr/>
+          <p:nvPr/>
+        </p:nvSpPr>
+        <p:spPr>
+          <a:xfrm>
+            <a:off x="8440882" y="974664"/>
+            <a:ext cx="2344708" cy="406402"/>
+          </a:xfrm>
+          <a:prstGeom prst="rect">
+            <a:avLst/>
+          </a:prstGeom>
+          <a:solidFill>
+            <a:schemeClr val="dk1">
+              <a:alpha val="50000"/>
+            </a:schemeClr>
+          </a:solidFill>
+          <a:ln>
+            <a:noFill/>
+          </a:ln>
+        </p:spPr>
+        <p:style>
+          <a:lnRef idx="0">
+            <a:scrgbClr r="0" g="0" b="0"/>
+          </a:lnRef>
+          <a:fillRef idx="0">
+            <a:scrgbClr r="0" g="0" b="0"/>
+          </a:fillRef>
+          <a:effectRef idx="0">
+            <a:scrgbClr r="0" g="0" b="0"/>
+          </a:effectRef>
+          <a:fontRef idx="minor">
+            <a:schemeClr val="lt1"/>
+          </a:fontRef>
+        </p:style>
+        <p:txBody>
+          <a:bodyPr rtlCol="0" anchor="ctr"/>
+          <a:lstStyle/>
+          <a:p>
+            <a:r>
+              <a:rPr lang="en-US" altLang="zh-TW" dirty="0"/>
+              <a:t>&lt;div&gt;“ public”</a:t>
+            </a:r>
+            <a:endParaRPr lang="zh-TW" altLang="en-US" dirty="0"/>
+          </a:p>
+        </p:txBody>
+      </p:sp>
+      <p:sp>
+        <p:nvSpPr>
+          <p:cNvPr id="33" name="矩形 32"/>
+          <p:cNvSpPr/>
+          <p:nvPr/>
+        </p:nvSpPr>
+        <p:spPr>
+          <a:xfrm>
+            <a:off x="8467461" y="5216697"/>
+            <a:ext cx="2344708" cy="406402"/>
+          </a:xfrm>
+          <a:prstGeom prst="rect">
+            <a:avLst/>
+          </a:prstGeom>
+          <a:solidFill>
+            <a:schemeClr val="dk1">
+              <a:alpha val="50000"/>
+            </a:schemeClr>
+          </a:solidFill>
+          <a:ln>
+            <a:noFill/>
+          </a:ln>
+        </p:spPr>
+        <p:style>
+          <a:lnRef idx="0">
+            <a:scrgbClr r="0" g="0" b="0"/>
+          </a:lnRef>
+          <a:fillRef idx="0">
+            <a:scrgbClr r="0" g="0" b="0"/>
+          </a:fillRef>
+          <a:effectRef idx="0">
+            <a:scrgbClr r="0" g="0" b="0"/>
+          </a:effectRef>
+          <a:fontRef idx="minor">
+            <a:schemeClr val="lt1"/>
+          </a:fontRef>
+        </p:style>
+        <p:txBody>
+          <a:bodyPr rtlCol="0" anchor="ctr"/>
+          <a:lstStyle/>
+          <a:p>
+            <a:r>
+              <a:rPr lang="en-US" altLang="zh-TW" dirty="0"/>
+              <a:t>&lt;div&gt;“ vote-list”</a:t>
+            </a:r>
+            <a:endParaRPr lang="zh-TW" altLang="en-US" dirty="0"/>
+          </a:p>
+        </p:txBody>
+      </p:sp>
+      <p:sp>
+        <p:nvSpPr>
+          <p:cNvPr id="34" name="矩形 33"/>
+          <p:cNvSpPr/>
+          <p:nvPr/>
+        </p:nvSpPr>
+        <p:spPr>
+          <a:xfrm>
+            <a:off x="241069" y="-282409"/>
+            <a:ext cx="2344707" cy="406402"/>
+          </a:xfrm>
+          <a:prstGeom prst="rect">
+            <a:avLst/>
+          </a:prstGeom>
+          <a:solidFill>
+            <a:schemeClr val="dk1">
+              <a:alpha val="50000"/>
+            </a:schemeClr>
+          </a:solidFill>
+          <a:ln>
+            <a:noFill/>
+          </a:ln>
+        </p:spPr>
+        <p:style>
+          <a:lnRef idx="0">
+            <a:scrgbClr r="0" g="0" b="0"/>
+          </a:lnRef>
+          <a:fillRef idx="0">
+            <a:scrgbClr r="0" g="0" b="0"/>
+          </a:fillRef>
+          <a:effectRef idx="0">
+            <a:scrgbClr r="0" g="0" b="0"/>
+          </a:effectRef>
+          <a:fontRef idx="minor">
+            <a:schemeClr val="lt1"/>
+          </a:fontRef>
+        </p:style>
+        <p:txBody>
+          <a:bodyPr rtlCol="0" anchor="ctr"/>
+          <a:lstStyle/>
+          <a:p>
+            <a:r>
+              <a:rPr lang="en-US" altLang="zh-TW" dirty="0"/>
+              <a:t>&lt;div&gt; “ container”</a:t>
+            </a:r>
+            <a:endParaRPr lang="zh-TW" altLang="en-US" dirty="0"/>
+          </a:p>
+        </p:txBody>
+      </p:sp>
+      <p:sp>
+        <p:nvSpPr>
+          <p:cNvPr id="35" name="矩形 34"/>
+          <p:cNvSpPr/>
+          <p:nvPr/>
+        </p:nvSpPr>
+        <p:spPr>
+          <a:xfrm>
+            <a:off x="1544391" y="1243792"/>
+            <a:ext cx="6701835" cy="463088"/>
+          </a:xfrm>
+          <a:prstGeom prst="rect">
+            <a:avLst/>
+          </a:prstGeom>
+          <a:solidFill>
+            <a:srgbClr val="456769"/>
+          </a:solidFill>
+          <a:ln>
+            <a:solidFill>
+              <a:srgbClr val="456769"/>
+            </a:solidFill>
+          </a:ln>
+        </p:spPr>
+        <p:style>
+          <a:lnRef idx="2">
+            <a:schemeClr val="accent1">
+              <a:shade val="50000"/>
+            </a:schemeClr>
+          </a:lnRef>
+          <a:fillRef idx="1">
+            <a:schemeClr val="accent1"/>
+          </a:fillRef>
+          <a:effectRef idx="0">
+            <a:schemeClr val="accent1"/>
+          </a:effectRef>
+          <a:fontRef idx="minor">
+            <a:schemeClr val="lt1"/>
+          </a:fontRef>
+        </p:style>
+        <p:txBody>
+          <a:bodyPr rtlCol="0" anchor="ctr"/>
+          <a:lstStyle/>
+          <a:p>
+            <a:pPr algn="ctr"/>
+            <a:endParaRPr lang="zh-TW" altLang="en-US"/>
+          </a:p>
+        </p:txBody>
+      </p:sp>
+      <p:sp>
+        <p:nvSpPr>
+          <p:cNvPr id="2" name="矩形 1"/>
+          <p:cNvSpPr/>
+          <p:nvPr/>
+        </p:nvSpPr>
+        <p:spPr>
+          <a:xfrm>
+            <a:off x="1631717" y="1279190"/>
+            <a:ext cx="4350770" cy="399011"/>
+          </a:xfrm>
+          <a:prstGeom prst="rect">
+            <a:avLst/>
+          </a:prstGeom>
+          <a:solidFill>
+            <a:srgbClr val="9CFFE8"/>
+          </a:solidFill>
+        </p:spPr>
+        <p:style>
+          <a:lnRef idx="2">
+            <a:schemeClr val="accent1">
+              <a:shade val="50000"/>
+            </a:schemeClr>
+          </a:lnRef>
+          <a:fillRef idx="1">
+            <a:schemeClr val="accent1"/>
+          </a:fillRef>
+          <a:effectRef idx="0">
+            <a:schemeClr val="accent1"/>
+          </a:effectRef>
+          <a:fontRef idx="minor">
+            <a:schemeClr val="lt1"/>
+          </a:fontRef>
+        </p:style>
+        <p:txBody>
+          <a:bodyPr rtlCol="0" anchor="ctr"/>
+          <a:lstStyle/>
+          <a:p>
+            <a:pPr algn="ctr"/>
+            <a:endParaRPr lang="zh-TW" altLang="en-US"/>
+          </a:p>
+        </p:txBody>
+      </p:sp>
+      <p:sp>
+        <p:nvSpPr>
+          <p:cNvPr id="41" name="矩形 40"/>
+          <p:cNvSpPr/>
+          <p:nvPr/>
+        </p:nvSpPr>
+        <p:spPr>
+          <a:xfrm>
+            <a:off x="2311890" y="1268152"/>
+            <a:ext cx="1437705" cy="406402"/>
+          </a:xfrm>
+          <a:prstGeom prst="rect">
+            <a:avLst/>
+          </a:prstGeom>
+          <a:noFill/>
+          <a:ln>
+            <a:noFill/>
+          </a:ln>
+        </p:spPr>
+        <p:style>
+          <a:lnRef idx="0">
+            <a:scrgbClr r="0" g="0" b="0"/>
+          </a:lnRef>
+          <a:fillRef idx="0">
+            <a:scrgbClr r="0" g="0" b="0"/>
+          </a:fillRef>
+          <a:effectRef idx="0">
+            <a:scrgbClr r="0" g="0" b="0"/>
+          </a:effectRef>
+          <a:fontRef idx="minor">
+            <a:schemeClr val="lt1"/>
+          </a:fontRef>
+        </p:style>
+        <p:txBody>
+          <a:bodyPr rtlCol="0" anchor="ctr"/>
+          <a:lstStyle/>
+          <a:p>
+            <a:r>
+              <a:rPr lang="zh-TW" altLang="en-US" dirty="0" smtClean="0">
+                <a:ln w="0"/>
+                <a:solidFill>
+                  <a:schemeClr val="tx1"/>
+                </a:solidFill>
+                <a:effectLst>
+                  <a:outerShdw blurRad="38100" dist="19050" dir="2700000" algn="tl" rotWithShape="0">
+                    <a:schemeClr val="dk1">
+                      <a:alpha val="40000"/>
+                    </a:schemeClr>
+                  </a:outerShdw>
+                </a:effectLst>
+              </a:rPr>
+              <a:t>主題</a:t>
+            </a:r>
+            <a:r>
+              <a:rPr lang="en-US" altLang="zh-TW" dirty="0" smtClean="0">
+                <a:ln w="0"/>
+                <a:solidFill>
+                  <a:schemeClr val="tx1"/>
+                </a:solidFill>
+                <a:effectLst>
+                  <a:outerShdw blurRad="38100" dist="19050" dir="2700000" algn="tl" rotWithShape="0">
+                    <a:schemeClr val="dk1">
+                      <a:alpha val="40000"/>
+                    </a:schemeClr>
+                  </a:outerShdw>
+                </a:effectLst>
+              </a:rPr>
+              <a:t>!!!!!!!!</a:t>
+            </a:r>
+            <a:endParaRPr lang="zh-TW" altLang="en-US" dirty="0">
+              <a:ln w="0"/>
+              <a:solidFill>
+                <a:schemeClr val="tx1"/>
+              </a:solidFill>
+              <a:effectLst>
+                <a:outerShdw blurRad="38100" dist="19050" dir="2700000" algn="tl" rotWithShape="0">
+                  <a:schemeClr val="dk1">
+                    <a:alpha val="40000"/>
+                  </a:schemeClr>
+                </a:outerShdw>
+              </a:effectLst>
+            </a:endParaRPr>
+          </a:p>
+        </p:txBody>
+      </p:sp>
+      <p:sp>
+        <p:nvSpPr>
+          <p:cNvPr id="42" name="矩形 41"/>
+          <p:cNvSpPr/>
+          <p:nvPr/>
+        </p:nvSpPr>
+        <p:spPr>
+          <a:xfrm>
+            <a:off x="5665365" y="1282156"/>
+            <a:ext cx="311488" cy="406402"/>
+          </a:xfrm>
+          <a:prstGeom prst="rect">
+            <a:avLst/>
+          </a:prstGeom>
+          <a:noFill/>
+          <a:ln>
+            <a:noFill/>
+          </a:ln>
+        </p:spPr>
+        <p:style>
+          <a:lnRef idx="0">
+            <a:scrgbClr r="0" g="0" b="0"/>
+          </a:lnRef>
+          <a:fillRef idx="0">
+            <a:scrgbClr r="0" g="0" b="0"/>
+          </a:fillRef>
+          <a:effectRef idx="0">
+            <a:scrgbClr r="0" g="0" b="0"/>
+          </a:effectRef>
+          <a:fontRef idx="minor">
+            <a:schemeClr val="lt1"/>
+          </a:fontRef>
+        </p:style>
+        <p:txBody>
+          <a:bodyPr rtlCol="0" anchor="ctr"/>
+          <a:lstStyle/>
+          <a:p>
+            <a:r>
+              <a:rPr lang="en-US" altLang="zh-TW" dirty="0" smtClean="0">
+                <a:ln w="0"/>
+                <a:solidFill>
+                  <a:srgbClr val="FF0000"/>
+                </a:solidFill>
+                <a:effectLst>
+                  <a:outerShdw blurRad="38100" dist="19050" dir="2700000" algn="tl" rotWithShape="0">
+                    <a:schemeClr val="dk1">
+                      <a:alpha val="40000"/>
+                    </a:schemeClr>
+                  </a:outerShdw>
+                </a:effectLst>
+              </a:rPr>
+              <a:t>6</a:t>
+            </a:r>
+            <a:endParaRPr lang="zh-TW" altLang="en-US" dirty="0">
+              <a:ln w="0"/>
+              <a:solidFill>
+                <a:srgbClr val="FF0000"/>
+              </a:solidFill>
+              <a:effectLst>
+                <a:outerShdw blurRad="38100" dist="19050" dir="2700000" algn="tl" rotWithShape="0">
+                  <a:schemeClr val="dk1">
+                    <a:alpha val="40000"/>
+                  </a:schemeClr>
+                </a:outerShdw>
+              </a:effectLst>
+            </a:endParaRPr>
+          </a:p>
+        </p:txBody>
+      </p:sp>
+      <p:sp>
+        <p:nvSpPr>
+          <p:cNvPr id="48" name="手繪多邊形 47"/>
+          <p:cNvSpPr/>
+          <p:nvPr/>
+        </p:nvSpPr>
+        <p:spPr>
+          <a:xfrm flipV="1">
+            <a:off x="539750" y="1473592"/>
+            <a:ext cx="845122" cy="352445"/>
+          </a:xfrm>
+          <a:custGeom>
+            <a:avLst/>
+            <a:gdLst>
+              <a:gd name="connsiteX0" fmla="*/ 871 w 932344"/>
+              <a:gd name="connsiteY0" fmla="*/ 300334 h 314194"/>
+              <a:gd name="connsiteX1" fmla="*/ 4676 w 932344"/>
+              <a:gd name="connsiteY1" fmla="*/ 309519 h 314194"/>
+              <a:gd name="connsiteX2" fmla="*/ 15963 w 932344"/>
+              <a:gd name="connsiteY2" fmla="*/ 314194 h 314194"/>
+              <a:gd name="connsiteX3" fmla="*/ 871 w 932344"/>
+              <a:gd name="connsiteY3" fmla="*/ 314194 h 314194"/>
+              <a:gd name="connsiteX4" fmla="*/ 871 w 932344"/>
+              <a:gd name="connsiteY4" fmla="*/ 232279 h 314194"/>
+              <a:gd name="connsiteX5" fmla="*/ 871 w 932344"/>
+              <a:gd name="connsiteY5" fmla="*/ 300334 h 314194"/>
+              <a:gd name="connsiteX6" fmla="*/ 0 w 932344"/>
+              <a:gd name="connsiteY6" fmla="*/ 298231 h 314194"/>
+              <a:gd name="connsiteX7" fmla="*/ 0 w 932344"/>
+              <a:gd name="connsiteY7" fmla="*/ 234382 h 314194"/>
+              <a:gd name="connsiteX8" fmla="*/ 708889 w 932344"/>
+              <a:gd name="connsiteY8" fmla="*/ 0 h 314194"/>
+              <a:gd name="connsiteX9" fmla="*/ 715765 w 932344"/>
+              <a:gd name="connsiteY9" fmla="*/ 9668 h 314194"/>
+              <a:gd name="connsiteX10" fmla="*/ 724078 w 932344"/>
+              <a:gd name="connsiteY10" fmla="*/ 9668 h 314194"/>
+              <a:gd name="connsiteX11" fmla="*/ 724078 w 932344"/>
+              <a:gd name="connsiteY11" fmla="*/ 21357 h 314194"/>
+              <a:gd name="connsiteX12" fmla="*/ 932344 w 932344"/>
+              <a:gd name="connsiteY12" fmla="*/ 314193 h 314194"/>
+              <a:gd name="connsiteX13" fmla="*/ 918351 w 932344"/>
+              <a:gd name="connsiteY13" fmla="*/ 314193 h 314194"/>
+              <a:gd name="connsiteX14" fmla="*/ 905956 w 932344"/>
+              <a:gd name="connsiteY14" fmla="*/ 298552 h 314194"/>
+              <a:gd name="connsiteX15" fmla="*/ 799843 w 932344"/>
+              <a:gd name="connsiteY15" fmla="*/ 239716 h 314194"/>
+              <a:gd name="connsiteX16" fmla="*/ 735757 w 932344"/>
+              <a:gd name="connsiteY16" fmla="*/ 223985 h 314194"/>
+              <a:gd name="connsiteX17" fmla="*/ 708033 w 932344"/>
+              <a:gd name="connsiteY17" fmla="*/ 222786 h 314194"/>
+              <a:gd name="connsiteX18" fmla="*/ 697489 w 932344"/>
+              <a:gd name="connsiteY18" fmla="*/ 218419 h 314194"/>
+              <a:gd name="connsiteX19" fmla="*/ 15963 w 932344"/>
+              <a:gd name="connsiteY19" fmla="*/ 218419 h 314194"/>
+              <a:gd name="connsiteX20" fmla="*/ 4676 w 932344"/>
+              <a:gd name="connsiteY20" fmla="*/ 223095 h 314194"/>
+              <a:gd name="connsiteX21" fmla="*/ 871 w 932344"/>
+              <a:gd name="connsiteY21" fmla="*/ 232279 h 314194"/>
+              <a:gd name="connsiteX22" fmla="*/ 871 w 932344"/>
+              <a:gd name="connsiteY22" fmla="*/ 9668 h 314194"/>
+              <a:gd name="connsiteX23" fmla="*/ 702013 w 932344"/>
+              <a:gd name="connsiteY23" fmla="*/ 9668 h 314194"/>
+            </a:gdLst>
+            <a:ahLst/>
+            <a:cxnLst>
+              <a:cxn ang="0">
+                <a:pos x="connsiteX0" y="connsiteY0"/>
+              </a:cxn>
+              <a:cxn ang="0">
+                <a:pos x="connsiteX1" y="connsiteY1"/>
+              </a:cxn>
+              <a:cxn ang="0">
+                <a:pos x="connsiteX2" y="connsiteY2"/>
+              </a:cxn>
+              <a:cxn ang="0">
+                <a:pos x="connsiteX3" y="connsiteY3"/>
+              </a:cxn>
+              <a:cxn ang="0">
+                <a:pos x="connsiteX4" y="connsiteY4"/>
+              </a:cxn>
+              <a:cxn ang="0">
+                <a:pos x="connsiteX5" y="connsiteY5"/>
+              </a:cxn>
+              <a:cxn ang="0">
+                <a:pos x="connsiteX6" y="connsiteY6"/>
+              </a:cxn>
+              <a:cxn ang="0">
+                <a:pos x="connsiteX7" y="connsiteY7"/>
+              </a:cxn>
+              <a:cxn ang="0">
+                <a:pos x="connsiteX8" y="connsiteY8"/>
+              </a:cxn>
+              <a:cxn ang="0">
+                <a:pos x="connsiteX9" y="connsiteY9"/>
+              </a:cxn>
+              <a:cxn ang="0">
+                <a:pos x="connsiteX10" y="connsiteY10"/>
+              </a:cxn>
+              <a:cxn ang="0">
+                <a:pos x="connsiteX11" y="connsiteY11"/>
+              </a:cxn>
+              <a:cxn ang="0">
+                <a:pos x="connsiteX12" y="connsiteY12"/>
+              </a:cxn>
+              <a:cxn ang="0">
+                <a:pos x="connsiteX13" y="connsiteY13"/>
+              </a:cxn>
+              <a:cxn ang="0">
+                <a:pos x="connsiteX14" y="connsiteY14"/>
+              </a:cxn>
+              <a:cxn ang="0">
+                <a:pos x="connsiteX15" y="connsiteY15"/>
+              </a:cxn>
+              <a:cxn ang="0">
+                <a:pos x="connsiteX16" y="connsiteY16"/>
+              </a:cxn>
+              <a:cxn ang="0">
+                <a:pos x="connsiteX17" y="connsiteY17"/>
+              </a:cxn>
+              <a:cxn ang="0">
+                <a:pos x="connsiteX18" y="connsiteY18"/>
+              </a:cxn>
+              <a:cxn ang="0">
+                <a:pos x="connsiteX19" y="connsiteY19"/>
+              </a:cxn>
+              <a:cxn ang="0">
+                <a:pos x="connsiteX20" y="connsiteY20"/>
+              </a:cxn>
+              <a:cxn ang="0">
+                <a:pos x="connsiteX21" y="connsiteY21"/>
+              </a:cxn>
+              <a:cxn ang="0">
+                <a:pos x="connsiteX22" y="connsiteY22"/>
+              </a:cxn>
+              <a:cxn ang="0">
+                <a:pos x="connsiteX23" y="connsiteY23"/>
+              </a:cxn>
+            </a:cxnLst>
+            <a:rect l="l" t="t" r="r" b="b"/>
+            <a:pathLst>
+              <a:path w="932344" h="314194">
+                <a:moveTo>
+                  <a:pt x="871" y="300334"/>
+                </a:moveTo>
+                <a:lnTo>
+                  <a:pt x="4676" y="309519"/>
+                </a:lnTo>
+                <a:cubicBezTo>
+                  <a:pt x="7564" y="312407"/>
+                  <a:pt x="11555" y="314194"/>
+                  <a:pt x="15963" y="314194"/>
+                </a:cubicBezTo>
+                <a:lnTo>
+                  <a:pt x="871" y="314194"/>
+                </a:lnTo>
+                <a:close/>
+                <a:moveTo>
+                  <a:pt x="871" y="232279"/>
+                </a:moveTo>
+                <a:lnTo>
+                  <a:pt x="871" y="300334"/>
+                </a:lnTo>
+                <a:lnTo>
+                  <a:pt x="0" y="298231"/>
+                </a:lnTo>
+                <a:lnTo>
+                  <a:pt x="0" y="234382"/>
+                </a:lnTo>
+                <a:close/>
+                <a:moveTo>
+                  <a:pt x="708889" y="0"/>
+                </a:moveTo>
+                <a:lnTo>
+                  <a:pt x="715765" y="9668"/>
+                </a:lnTo>
+                <a:lnTo>
+                  <a:pt x="724078" y="9668"/>
+                </a:lnTo>
+                <a:lnTo>
+                  <a:pt x="724078" y="21357"/>
+                </a:lnTo>
+                <a:lnTo>
+                  <a:pt x="932344" y="314193"/>
+                </a:lnTo>
+                <a:lnTo>
+                  <a:pt x="918351" y="314193"/>
+                </a:lnTo>
+                <a:lnTo>
+                  <a:pt x="905956" y="298552"/>
+                </a:lnTo>
+                <a:cubicBezTo>
+                  <a:pt x="881307" y="276131"/>
+                  <a:pt x="843988" y="254748"/>
+                  <a:pt x="799843" y="239716"/>
+                </a:cubicBezTo>
+                <a:cubicBezTo>
+                  <a:pt x="777770" y="232200"/>
+                  <a:pt x="756080" y="226983"/>
+                  <a:pt x="735757" y="223985"/>
+                </a:cubicBezTo>
+                <a:lnTo>
+                  <a:pt x="708033" y="222786"/>
+                </a:lnTo>
+                <a:lnTo>
+                  <a:pt x="697489" y="218419"/>
+                </a:lnTo>
+                <a:lnTo>
+                  <a:pt x="15963" y="218419"/>
+                </a:lnTo>
+                <a:cubicBezTo>
+                  <a:pt x="11555" y="218419"/>
+                  <a:pt x="7564" y="220206"/>
+                  <a:pt x="4676" y="223095"/>
+                </a:cubicBezTo>
+                <a:lnTo>
+                  <a:pt x="871" y="232279"/>
+                </a:lnTo>
+                <a:lnTo>
+                  <a:pt x="871" y="9668"/>
+                </a:lnTo>
+                <a:lnTo>
+                  <a:pt x="702013" y="9668"/>
+                </a:lnTo>
+                <a:close/>
+              </a:path>
+            </a:pathLst>
+          </a:custGeom>
+          <a:solidFill>
+            <a:srgbClr val="99E4E8"/>
+          </a:solidFill>
+          <a:ln>
+            <a:solidFill>
+              <a:srgbClr val="456769"/>
+            </a:solidFill>
+          </a:ln>
+        </p:spPr>
+        <p:style>
+          <a:lnRef idx="2">
+            <a:schemeClr val="accent1">
+              <a:shade val="50000"/>
+            </a:schemeClr>
+          </a:lnRef>
+          <a:fillRef idx="1">
+            <a:schemeClr val="accent1"/>
+          </a:fillRef>
+          <a:effectRef idx="0">
+            <a:schemeClr val="accent1"/>
+          </a:effectRef>
+          <a:fontRef idx="minor">
+            <a:schemeClr val="lt1"/>
+          </a:fontRef>
+        </p:style>
+        <p:txBody>
+          <a:bodyPr rot="0" spcFirstLastPara="0" vertOverflow="overflow" horzOverflow="overflow" vert="horz" wrap="square" lIns="91440" tIns="45720" rIns="91440" bIns="45720" numCol="1" spcCol="0" rtlCol="0" fromWordArt="0" anchor="ctr" anchorCtr="0" forceAA="0" compatLnSpc="1">
+            <a:prstTxWarp prst="textNoShape">
+              <a:avLst/>
+            </a:prstTxWarp>
+            <a:noAutofit/>
+          </a:bodyPr>
+          <a:lstStyle/>
+          <a:p>
+            <a:pPr algn="ctr"/>
+            <a:endParaRPr lang="zh-TW" altLang="en-US"/>
+          </a:p>
+        </p:txBody>
+      </p:sp>
+      <p:sp>
+        <p:nvSpPr>
+          <p:cNvPr id="49" name="手繪多邊形 48"/>
+          <p:cNvSpPr/>
+          <p:nvPr/>
+        </p:nvSpPr>
+        <p:spPr>
+          <a:xfrm>
+            <a:off x="539749" y="1043317"/>
+            <a:ext cx="829753" cy="402704"/>
+          </a:xfrm>
+          <a:custGeom>
+            <a:avLst/>
+            <a:gdLst>
+              <a:gd name="connsiteX0" fmla="*/ 871 w 932344"/>
+              <a:gd name="connsiteY0" fmla="*/ 300334 h 314194"/>
+              <a:gd name="connsiteX1" fmla="*/ 4676 w 932344"/>
+              <a:gd name="connsiteY1" fmla="*/ 309519 h 314194"/>
+              <a:gd name="connsiteX2" fmla="*/ 15963 w 932344"/>
+              <a:gd name="connsiteY2" fmla="*/ 314194 h 314194"/>
+              <a:gd name="connsiteX3" fmla="*/ 871 w 932344"/>
+              <a:gd name="connsiteY3" fmla="*/ 314194 h 314194"/>
+              <a:gd name="connsiteX4" fmla="*/ 871 w 932344"/>
+              <a:gd name="connsiteY4" fmla="*/ 232279 h 314194"/>
+              <a:gd name="connsiteX5" fmla="*/ 871 w 932344"/>
+              <a:gd name="connsiteY5" fmla="*/ 300334 h 314194"/>
+              <a:gd name="connsiteX6" fmla="*/ 0 w 932344"/>
+              <a:gd name="connsiteY6" fmla="*/ 298231 h 314194"/>
+              <a:gd name="connsiteX7" fmla="*/ 0 w 932344"/>
+              <a:gd name="connsiteY7" fmla="*/ 234382 h 314194"/>
+              <a:gd name="connsiteX8" fmla="*/ 708889 w 932344"/>
+              <a:gd name="connsiteY8" fmla="*/ 0 h 314194"/>
+              <a:gd name="connsiteX9" fmla="*/ 715765 w 932344"/>
+              <a:gd name="connsiteY9" fmla="*/ 9668 h 314194"/>
+              <a:gd name="connsiteX10" fmla="*/ 724078 w 932344"/>
+              <a:gd name="connsiteY10" fmla="*/ 9668 h 314194"/>
+              <a:gd name="connsiteX11" fmla="*/ 724078 w 932344"/>
+              <a:gd name="connsiteY11" fmla="*/ 21357 h 314194"/>
+              <a:gd name="connsiteX12" fmla="*/ 932344 w 932344"/>
+              <a:gd name="connsiteY12" fmla="*/ 314193 h 314194"/>
+              <a:gd name="connsiteX13" fmla="*/ 918351 w 932344"/>
+              <a:gd name="connsiteY13" fmla="*/ 314193 h 314194"/>
+              <a:gd name="connsiteX14" fmla="*/ 905956 w 932344"/>
+              <a:gd name="connsiteY14" fmla="*/ 298552 h 314194"/>
+              <a:gd name="connsiteX15" fmla="*/ 799843 w 932344"/>
+              <a:gd name="connsiteY15" fmla="*/ 239716 h 314194"/>
+              <a:gd name="connsiteX16" fmla="*/ 735757 w 932344"/>
+              <a:gd name="connsiteY16" fmla="*/ 223985 h 314194"/>
+              <a:gd name="connsiteX17" fmla="*/ 708033 w 932344"/>
+              <a:gd name="connsiteY17" fmla="*/ 222786 h 314194"/>
+              <a:gd name="connsiteX18" fmla="*/ 697489 w 932344"/>
+              <a:gd name="connsiteY18" fmla="*/ 218419 h 314194"/>
+              <a:gd name="connsiteX19" fmla="*/ 15963 w 932344"/>
+              <a:gd name="connsiteY19" fmla="*/ 218419 h 314194"/>
+              <a:gd name="connsiteX20" fmla="*/ 4676 w 932344"/>
+              <a:gd name="connsiteY20" fmla="*/ 223095 h 314194"/>
+              <a:gd name="connsiteX21" fmla="*/ 871 w 932344"/>
+              <a:gd name="connsiteY21" fmla="*/ 232279 h 314194"/>
+              <a:gd name="connsiteX22" fmla="*/ 871 w 932344"/>
+              <a:gd name="connsiteY22" fmla="*/ 9668 h 314194"/>
+              <a:gd name="connsiteX23" fmla="*/ 702013 w 932344"/>
+              <a:gd name="connsiteY23" fmla="*/ 9668 h 314194"/>
+            </a:gdLst>
+            <a:ahLst/>
+            <a:cxnLst>
+              <a:cxn ang="0">
+                <a:pos x="connsiteX0" y="connsiteY0"/>
+              </a:cxn>
+              <a:cxn ang="0">
+                <a:pos x="connsiteX1" y="connsiteY1"/>
+              </a:cxn>
+              <a:cxn ang="0">
+                <a:pos x="connsiteX2" y="connsiteY2"/>
+              </a:cxn>
+              <a:cxn ang="0">
+                <a:pos x="connsiteX3" y="connsiteY3"/>
+              </a:cxn>
+              <a:cxn ang="0">
+                <a:pos x="connsiteX4" y="connsiteY4"/>
+              </a:cxn>
+              <a:cxn ang="0">
+                <a:pos x="connsiteX5" y="connsiteY5"/>
+              </a:cxn>
+              <a:cxn ang="0">
+                <a:pos x="connsiteX6" y="connsiteY6"/>
+              </a:cxn>
+              <a:cxn ang="0">
+                <a:pos x="connsiteX7" y="connsiteY7"/>
+              </a:cxn>
+              <a:cxn ang="0">
+                <a:pos x="connsiteX8" y="connsiteY8"/>
+              </a:cxn>
+              <a:cxn ang="0">
+                <a:pos x="connsiteX9" y="connsiteY9"/>
+              </a:cxn>
+              <a:cxn ang="0">
+                <a:pos x="connsiteX10" y="connsiteY10"/>
+              </a:cxn>
+              <a:cxn ang="0">
+                <a:pos x="connsiteX11" y="connsiteY11"/>
+              </a:cxn>
+              <a:cxn ang="0">
+                <a:pos x="connsiteX12" y="connsiteY12"/>
+              </a:cxn>
+              <a:cxn ang="0">
+                <a:pos x="connsiteX13" y="connsiteY13"/>
+              </a:cxn>
+              <a:cxn ang="0">
+                <a:pos x="connsiteX14" y="connsiteY14"/>
+              </a:cxn>
+              <a:cxn ang="0">
+                <a:pos x="connsiteX15" y="connsiteY15"/>
+              </a:cxn>
+              <a:cxn ang="0">
+                <a:pos x="connsiteX16" y="connsiteY16"/>
+              </a:cxn>
+              <a:cxn ang="0">
+                <a:pos x="connsiteX17" y="connsiteY17"/>
+              </a:cxn>
+              <a:cxn ang="0">
+                <a:pos x="connsiteX18" y="connsiteY18"/>
+              </a:cxn>
+              <a:cxn ang="0">
+                <a:pos x="connsiteX19" y="connsiteY19"/>
+              </a:cxn>
+              <a:cxn ang="0">
+                <a:pos x="connsiteX20" y="connsiteY20"/>
+              </a:cxn>
+              <a:cxn ang="0">
+                <a:pos x="connsiteX21" y="connsiteY21"/>
+              </a:cxn>
+              <a:cxn ang="0">
+                <a:pos x="connsiteX22" y="connsiteY22"/>
+              </a:cxn>
+              <a:cxn ang="0">
+                <a:pos x="connsiteX23" y="connsiteY23"/>
+              </a:cxn>
+            </a:cxnLst>
+            <a:rect l="l" t="t" r="r" b="b"/>
+            <a:pathLst>
+              <a:path w="932344" h="314194">
+                <a:moveTo>
+                  <a:pt x="871" y="300334"/>
+                </a:moveTo>
+                <a:lnTo>
+                  <a:pt x="4676" y="309519"/>
+                </a:lnTo>
+                <a:cubicBezTo>
+                  <a:pt x="7564" y="312407"/>
+                  <a:pt x="11555" y="314194"/>
+                  <a:pt x="15963" y="314194"/>
+                </a:cubicBezTo>
+                <a:lnTo>
+                  <a:pt x="871" y="314194"/>
+                </a:lnTo>
+                <a:close/>
+                <a:moveTo>
+                  <a:pt x="871" y="232279"/>
+                </a:moveTo>
+                <a:lnTo>
+                  <a:pt x="871" y="300334"/>
+                </a:lnTo>
+                <a:lnTo>
+                  <a:pt x="0" y="298231"/>
+                </a:lnTo>
+                <a:lnTo>
+                  <a:pt x="0" y="234382"/>
+                </a:lnTo>
+                <a:close/>
+                <a:moveTo>
+                  <a:pt x="708889" y="0"/>
+                </a:moveTo>
+                <a:lnTo>
+                  <a:pt x="715765" y="9668"/>
+                </a:lnTo>
+                <a:lnTo>
+                  <a:pt x="724078" y="9668"/>
+                </a:lnTo>
+                <a:lnTo>
+                  <a:pt x="724078" y="21357"/>
+                </a:lnTo>
+                <a:lnTo>
+                  <a:pt x="932344" y="314193"/>
+                </a:lnTo>
+                <a:lnTo>
+                  <a:pt x="918351" y="314193"/>
+                </a:lnTo>
+                <a:lnTo>
+                  <a:pt x="905956" y="298552"/>
+                </a:lnTo>
+                <a:cubicBezTo>
+                  <a:pt x="881307" y="276131"/>
+                  <a:pt x="843988" y="254748"/>
+                  <a:pt x="799843" y="239716"/>
+                </a:cubicBezTo>
+                <a:cubicBezTo>
+                  <a:pt x="777770" y="232200"/>
+                  <a:pt x="756080" y="226983"/>
+                  <a:pt x="735757" y="223985"/>
+                </a:cubicBezTo>
+                <a:lnTo>
+                  <a:pt x="708033" y="222786"/>
+                </a:lnTo>
+                <a:lnTo>
+                  <a:pt x="697489" y="218419"/>
+                </a:lnTo>
+                <a:lnTo>
+                  <a:pt x="15963" y="218419"/>
+                </a:lnTo>
+                <a:cubicBezTo>
+                  <a:pt x="11555" y="218419"/>
+                  <a:pt x="7564" y="220206"/>
+                  <a:pt x="4676" y="223095"/>
+                </a:cubicBezTo>
+                <a:lnTo>
+                  <a:pt x="871" y="232279"/>
+                </a:lnTo>
+                <a:lnTo>
+                  <a:pt x="871" y="9668"/>
+                </a:lnTo>
+                <a:lnTo>
+                  <a:pt x="702013" y="9668"/>
+                </a:lnTo>
+                <a:close/>
+              </a:path>
+            </a:pathLst>
+          </a:custGeom>
+          <a:solidFill>
+            <a:srgbClr val="99E4E8"/>
+          </a:solidFill>
+          <a:ln>
+            <a:solidFill>
+              <a:srgbClr val="456769"/>
+            </a:solidFill>
+          </a:ln>
+        </p:spPr>
+        <p:style>
+          <a:lnRef idx="2">
+            <a:schemeClr val="accent1">
+              <a:shade val="50000"/>
+            </a:schemeClr>
+          </a:lnRef>
+          <a:fillRef idx="1">
+            <a:schemeClr val="accent1"/>
+          </a:fillRef>
+          <a:effectRef idx="0">
+            <a:schemeClr val="accent1"/>
+          </a:effectRef>
+          <a:fontRef idx="minor">
+            <a:schemeClr val="lt1"/>
+          </a:fontRef>
+        </p:style>
+        <p:txBody>
+          <a:bodyPr rot="0" spcFirstLastPara="0" vertOverflow="overflow" horzOverflow="overflow" vert="horz" wrap="square" lIns="91440" tIns="45720" rIns="91440" bIns="45720" numCol="1" spcCol="0" rtlCol="0" fromWordArt="0" anchor="ctr" anchorCtr="0" forceAA="0" compatLnSpc="1">
+            <a:prstTxWarp prst="textNoShape">
+              <a:avLst/>
+            </a:prstTxWarp>
+            <a:noAutofit/>
+          </a:bodyPr>
+          <a:lstStyle/>
+          <a:p>
+            <a:pPr algn="ctr"/>
+            <a:endParaRPr lang="zh-TW" altLang="en-US" sz="1200" dirty="0"/>
+          </a:p>
+        </p:txBody>
+      </p:sp>
+      <p:sp>
+        <p:nvSpPr>
+          <p:cNvPr id="3" name="橢圓 2"/>
+          <p:cNvSpPr/>
+          <p:nvPr/>
+        </p:nvSpPr>
+        <p:spPr>
+          <a:xfrm>
+            <a:off x="1289119" y="1243791"/>
+            <a:ext cx="455123" cy="455123"/>
+          </a:xfrm>
+          <a:prstGeom prst="ellipse">
+            <a:avLst/>
+          </a:prstGeom>
+          <a:solidFill>
+            <a:srgbClr val="9CE0FF"/>
+          </a:solidFill>
+        </p:spPr>
+        <p:style>
+          <a:lnRef idx="2">
+            <a:schemeClr val="accent1">
+              <a:shade val="50000"/>
+            </a:schemeClr>
+          </a:lnRef>
+          <a:fillRef idx="1">
+            <a:schemeClr val="accent1"/>
+          </a:fillRef>
+          <a:effectRef idx="0">
+            <a:schemeClr val="accent1"/>
+          </a:effectRef>
+          <a:fontRef idx="minor">
+            <a:schemeClr val="lt1"/>
+          </a:fontRef>
+        </p:style>
+        <p:txBody>
+          <a:bodyPr rot="0" spcFirstLastPara="0" vertOverflow="overflow" horzOverflow="overflow" vert="horz" wrap="square" lIns="91440" tIns="45720" rIns="91440" bIns="45720" numCol="1" spcCol="0" rtlCol="0" fromWordArt="0" anchor="ctr" anchorCtr="0" forceAA="0" compatLnSpc="1">
+            <a:prstTxWarp prst="textNoShape">
+              <a:avLst/>
+            </a:prstTxWarp>
+            <a:noAutofit/>
+          </a:bodyPr>
+          <a:lstStyle/>
+          <a:p>
+            <a:pPr algn="ctr"/>
+            <a:r>
+              <a:rPr lang="en-US" altLang="zh-TW" dirty="0" smtClean="0">
+                <a:solidFill>
+                  <a:schemeClr val="tx1"/>
+                </a:solidFill>
+              </a:rPr>
+              <a:t>1</a:t>
+            </a:r>
+            <a:endParaRPr lang="zh-TW" altLang="en-US" dirty="0">
+              <a:solidFill>
+                <a:schemeClr val="tx1"/>
+              </a:solidFill>
+            </a:endParaRPr>
+          </a:p>
+        </p:txBody>
+      </p:sp>
+      <p:sp>
+        <p:nvSpPr>
+          <p:cNvPr id="50" name="矩形 49"/>
+          <p:cNvSpPr/>
+          <p:nvPr/>
+        </p:nvSpPr>
+        <p:spPr>
+          <a:xfrm>
+            <a:off x="7734300" y="1263878"/>
+            <a:ext cx="465264" cy="406402"/>
+          </a:xfrm>
+          <a:prstGeom prst="rect">
+            <a:avLst/>
+          </a:prstGeom>
+          <a:noFill/>
+          <a:ln>
+            <a:noFill/>
+          </a:ln>
+        </p:spPr>
+        <p:style>
+          <a:lnRef idx="0">
+            <a:scrgbClr r="0" g="0" b="0"/>
+          </a:lnRef>
+          <a:fillRef idx="0">
+            <a:scrgbClr r="0" g="0" b="0"/>
+          </a:fillRef>
+          <a:effectRef idx="0">
+            <a:scrgbClr r="0" g="0" b="0"/>
+          </a:effectRef>
+          <a:fontRef idx="minor">
+            <a:schemeClr val="lt1"/>
+          </a:fontRef>
+        </p:style>
+        <p:txBody>
+          <a:bodyPr rtlCol="0" anchor="ctr"/>
+          <a:lstStyle/>
+          <a:p>
+            <a:r>
+              <a:rPr lang="en-US" altLang="zh-TW" dirty="0" smtClean="0">
+                <a:ln w="0"/>
+                <a:solidFill>
+                  <a:schemeClr val="bg1"/>
+                </a:solidFill>
+                <a:effectLst>
+                  <a:outerShdw blurRad="38100" dist="19050" dir="2700000" algn="tl" rotWithShape="0">
+                    <a:schemeClr val="dk1">
+                      <a:alpha val="40000"/>
+                    </a:schemeClr>
+                  </a:outerShdw>
+                </a:effectLst>
+              </a:rPr>
+              <a:t>18</a:t>
+            </a:r>
+            <a:endParaRPr lang="zh-TW" altLang="en-US" dirty="0">
+              <a:ln w="0"/>
+              <a:solidFill>
+                <a:schemeClr val="bg1"/>
+              </a:solidFill>
+              <a:effectLst>
+                <a:outerShdw blurRad="38100" dist="19050" dir="2700000" algn="tl" rotWithShape="0">
+                  <a:schemeClr val="dk1">
+                    <a:alpha val="40000"/>
+                  </a:schemeClr>
+                </a:outerShdw>
+              </a:effectLst>
+            </a:endParaRPr>
+          </a:p>
+        </p:txBody>
+      </p:sp>
+      <p:sp>
+        <p:nvSpPr>
+          <p:cNvPr id="51" name="文字方塊 50"/>
+          <p:cNvSpPr txBox="1"/>
+          <p:nvPr/>
+        </p:nvSpPr>
+        <p:spPr>
+          <a:xfrm>
+            <a:off x="566453" y="1018367"/>
+            <a:ext cx="546163" cy="307777"/>
+          </a:xfrm>
+          <a:prstGeom prst="rect">
+            <a:avLst/>
+          </a:prstGeom>
+          <a:noFill/>
+        </p:spPr>
+        <p:txBody>
+          <a:bodyPr wrap="square" rtlCol="0">
+            <a:spAutoFit/>
+          </a:bodyPr>
+          <a:lstStyle/>
+          <a:p>
+            <a:r>
+              <a:rPr lang="zh-TW" altLang="en-US" sz="1400" dirty="0" smtClean="0"/>
+              <a:t>投票</a:t>
+            </a:r>
+            <a:endParaRPr lang="zh-TW" altLang="en-US" dirty="0"/>
+          </a:p>
+        </p:txBody>
+      </p:sp>
+      <p:sp>
+        <p:nvSpPr>
+          <p:cNvPr id="52" name="文字方塊 51"/>
+          <p:cNvSpPr txBox="1"/>
+          <p:nvPr/>
+        </p:nvSpPr>
+        <p:spPr>
+          <a:xfrm>
+            <a:off x="568067" y="1545025"/>
+            <a:ext cx="546163" cy="307777"/>
+          </a:xfrm>
+          <a:prstGeom prst="rect">
+            <a:avLst/>
+          </a:prstGeom>
+          <a:noFill/>
+        </p:spPr>
+        <p:txBody>
+          <a:bodyPr wrap="square" rtlCol="0">
+            <a:spAutoFit/>
+          </a:bodyPr>
+          <a:lstStyle/>
+          <a:p>
+            <a:r>
+              <a:rPr lang="zh-TW" altLang="en-US" sz="1400" dirty="0" smtClean="0"/>
+              <a:t>更新</a:t>
+            </a:r>
+            <a:endParaRPr lang="zh-TW" altLang="en-US" dirty="0"/>
+          </a:p>
+        </p:txBody>
+      </p:sp>
+      <p:sp>
+        <p:nvSpPr>
+          <p:cNvPr id="54" name="矩形 53"/>
+          <p:cNvSpPr/>
+          <p:nvPr/>
+        </p:nvSpPr>
+        <p:spPr>
+          <a:xfrm>
+            <a:off x="1544391" y="2688944"/>
+            <a:ext cx="6701835" cy="463088"/>
+          </a:xfrm>
+          <a:prstGeom prst="rect">
+            <a:avLst/>
+          </a:prstGeom>
+          <a:solidFill>
+            <a:srgbClr val="456769"/>
+          </a:solidFill>
+          <a:ln>
+            <a:solidFill>
+              <a:srgbClr val="456769"/>
+            </a:solidFill>
+          </a:ln>
+        </p:spPr>
+        <p:style>
+          <a:lnRef idx="2">
+            <a:schemeClr val="accent1">
+              <a:shade val="50000"/>
+            </a:schemeClr>
+          </a:lnRef>
+          <a:fillRef idx="1">
+            <a:schemeClr val="accent1"/>
+          </a:fillRef>
+          <a:effectRef idx="0">
+            <a:schemeClr val="accent1"/>
+          </a:effectRef>
+          <a:fontRef idx="minor">
+            <a:schemeClr val="lt1"/>
+          </a:fontRef>
+        </p:style>
+        <p:txBody>
+          <a:bodyPr rtlCol="0" anchor="ctr"/>
+          <a:lstStyle/>
+          <a:p>
+            <a:pPr algn="ctr"/>
+            <a:endParaRPr lang="zh-TW" altLang="en-US"/>
+          </a:p>
+        </p:txBody>
+      </p:sp>
+      <p:sp>
+        <p:nvSpPr>
+          <p:cNvPr id="55" name="矩形 54"/>
+          <p:cNvSpPr/>
+          <p:nvPr/>
+        </p:nvSpPr>
+        <p:spPr>
+          <a:xfrm>
+            <a:off x="1631717" y="2724342"/>
+            <a:ext cx="4350770" cy="399011"/>
+          </a:xfrm>
+          <a:prstGeom prst="rect">
+            <a:avLst/>
+          </a:prstGeom>
+          <a:solidFill>
+            <a:srgbClr val="9CFFE8"/>
+          </a:solidFill>
+        </p:spPr>
+        <p:style>
+          <a:lnRef idx="2">
+            <a:schemeClr val="accent1">
+              <a:shade val="50000"/>
+            </a:schemeClr>
+          </a:lnRef>
+          <a:fillRef idx="1">
+            <a:schemeClr val="accent1"/>
+          </a:fillRef>
+          <a:effectRef idx="0">
+            <a:schemeClr val="accent1"/>
+          </a:effectRef>
+          <a:fontRef idx="minor">
+            <a:schemeClr val="lt1"/>
+          </a:fontRef>
+        </p:style>
+        <p:txBody>
+          <a:bodyPr rtlCol="0" anchor="ctr"/>
+          <a:lstStyle/>
+          <a:p>
+            <a:pPr algn="ctr"/>
+            <a:endParaRPr lang="zh-TW" altLang="en-US"/>
+          </a:p>
+        </p:txBody>
+      </p:sp>
+      <p:sp>
+        <p:nvSpPr>
+          <p:cNvPr id="56" name="矩形 55"/>
+          <p:cNvSpPr/>
+          <p:nvPr/>
+        </p:nvSpPr>
+        <p:spPr>
+          <a:xfrm>
+            <a:off x="2311890" y="2713304"/>
+            <a:ext cx="1437705" cy="406402"/>
+          </a:xfrm>
+          <a:prstGeom prst="rect">
+            <a:avLst/>
+          </a:prstGeom>
+          <a:noFill/>
+          <a:ln>
+            <a:noFill/>
+          </a:ln>
+        </p:spPr>
+        <p:style>
+          <a:lnRef idx="0">
+            <a:scrgbClr r="0" g="0" b="0"/>
+          </a:lnRef>
+          <a:fillRef idx="0">
+            <a:scrgbClr r="0" g="0" b="0"/>
+          </a:fillRef>
+          <a:effectRef idx="0">
+            <a:scrgbClr r="0" g="0" b="0"/>
+          </a:effectRef>
+          <a:fontRef idx="minor">
+            <a:schemeClr val="lt1"/>
+          </a:fontRef>
+        </p:style>
+        <p:txBody>
+          <a:bodyPr rtlCol="0" anchor="ctr"/>
+          <a:lstStyle/>
+          <a:p>
+            <a:r>
+              <a:rPr lang="zh-TW" altLang="en-US" dirty="0" smtClean="0">
+                <a:ln w="0"/>
+                <a:solidFill>
+                  <a:schemeClr val="tx1"/>
+                </a:solidFill>
+                <a:effectLst>
+                  <a:outerShdw blurRad="38100" dist="19050" dir="2700000" algn="tl" rotWithShape="0">
+                    <a:schemeClr val="dk1">
+                      <a:alpha val="40000"/>
+                    </a:schemeClr>
+                  </a:outerShdw>
+                </a:effectLst>
+              </a:rPr>
+              <a:t>主題</a:t>
+            </a:r>
+            <a:r>
+              <a:rPr lang="en-US" altLang="zh-TW" dirty="0" smtClean="0">
+                <a:ln w="0"/>
+                <a:solidFill>
+                  <a:schemeClr val="tx1"/>
+                </a:solidFill>
+                <a:effectLst>
+                  <a:outerShdw blurRad="38100" dist="19050" dir="2700000" algn="tl" rotWithShape="0">
+                    <a:schemeClr val="dk1">
+                      <a:alpha val="40000"/>
+                    </a:schemeClr>
+                  </a:outerShdw>
+                </a:effectLst>
+              </a:rPr>
+              <a:t>!!!!!!!!</a:t>
+            </a:r>
+            <a:endParaRPr lang="zh-TW" altLang="en-US" dirty="0">
+              <a:ln w="0"/>
+              <a:solidFill>
+                <a:schemeClr val="tx1"/>
+              </a:solidFill>
+              <a:effectLst>
+                <a:outerShdw blurRad="38100" dist="19050" dir="2700000" algn="tl" rotWithShape="0">
+                  <a:schemeClr val="dk1">
+                    <a:alpha val="40000"/>
+                  </a:schemeClr>
+                </a:outerShdw>
+              </a:effectLst>
+            </a:endParaRPr>
+          </a:p>
+        </p:txBody>
+      </p:sp>
+      <p:sp>
+        <p:nvSpPr>
+          <p:cNvPr id="57" name="矩形 56"/>
+          <p:cNvSpPr/>
+          <p:nvPr/>
+        </p:nvSpPr>
+        <p:spPr>
+          <a:xfrm>
+            <a:off x="5665365" y="2727308"/>
+            <a:ext cx="311488" cy="406402"/>
+          </a:xfrm>
+          <a:prstGeom prst="rect">
+            <a:avLst/>
+          </a:prstGeom>
+          <a:noFill/>
+          <a:ln>
+            <a:noFill/>
+          </a:ln>
+        </p:spPr>
+        <p:style>
+          <a:lnRef idx="0">
+            <a:scrgbClr r="0" g="0" b="0"/>
+          </a:lnRef>
+          <a:fillRef idx="0">
+            <a:scrgbClr r="0" g="0" b="0"/>
+          </a:fillRef>
+          <a:effectRef idx="0">
+            <a:scrgbClr r="0" g="0" b="0"/>
+          </a:effectRef>
+          <a:fontRef idx="minor">
+            <a:schemeClr val="lt1"/>
+          </a:fontRef>
+        </p:style>
+        <p:txBody>
+          <a:bodyPr rtlCol="0" anchor="ctr"/>
+          <a:lstStyle/>
+          <a:p>
+            <a:r>
+              <a:rPr lang="en-US" altLang="zh-TW" dirty="0" smtClean="0">
+                <a:ln w="0"/>
+                <a:solidFill>
+                  <a:srgbClr val="FF0000"/>
+                </a:solidFill>
+                <a:effectLst>
+                  <a:outerShdw blurRad="38100" dist="19050" dir="2700000" algn="tl" rotWithShape="0">
+                    <a:schemeClr val="dk1">
+                      <a:alpha val="40000"/>
+                    </a:schemeClr>
+                  </a:outerShdw>
+                </a:effectLst>
+              </a:rPr>
+              <a:t>6</a:t>
+            </a:r>
+            <a:endParaRPr lang="zh-TW" altLang="en-US" dirty="0">
+              <a:ln w="0"/>
+              <a:solidFill>
+                <a:srgbClr val="FF0000"/>
+              </a:solidFill>
+              <a:effectLst>
+                <a:outerShdw blurRad="38100" dist="19050" dir="2700000" algn="tl" rotWithShape="0">
+                  <a:schemeClr val="dk1">
+                    <a:alpha val="40000"/>
+                  </a:schemeClr>
+                </a:outerShdw>
+              </a:effectLst>
+            </a:endParaRPr>
+          </a:p>
+        </p:txBody>
+      </p:sp>
+      <p:sp>
+        <p:nvSpPr>
+          <p:cNvPr id="58" name="手繪多邊形 57"/>
+          <p:cNvSpPr/>
+          <p:nvPr/>
+        </p:nvSpPr>
+        <p:spPr>
+          <a:xfrm flipV="1">
+            <a:off x="539750" y="2918744"/>
+            <a:ext cx="845122" cy="352445"/>
+          </a:xfrm>
+          <a:custGeom>
+            <a:avLst/>
+            <a:gdLst>
+              <a:gd name="connsiteX0" fmla="*/ 871 w 932344"/>
+              <a:gd name="connsiteY0" fmla="*/ 300334 h 314194"/>
+              <a:gd name="connsiteX1" fmla="*/ 4676 w 932344"/>
+              <a:gd name="connsiteY1" fmla="*/ 309519 h 314194"/>
+              <a:gd name="connsiteX2" fmla="*/ 15963 w 932344"/>
+              <a:gd name="connsiteY2" fmla="*/ 314194 h 314194"/>
+              <a:gd name="connsiteX3" fmla="*/ 871 w 932344"/>
+              <a:gd name="connsiteY3" fmla="*/ 314194 h 314194"/>
+              <a:gd name="connsiteX4" fmla="*/ 871 w 932344"/>
+              <a:gd name="connsiteY4" fmla="*/ 232279 h 314194"/>
+              <a:gd name="connsiteX5" fmla="*/ 871 w 932344"/>
+              <a:gd name="connsiteY5" fmla="*/ 300334 h 314194"/>
+              <a:gd name="connsiteX6" fmla="*/ 0 w 932344"/>
+              <a:gd name="connsiteY6" fmla="*/ 298231 h 314194"/>
+              <a:gd name="connsiteX7" fmla="*/ 0 w 932344"/>
+              <a:gd name="connsiteY7" fmla="*/ 234382 h 314194"/>
+              <a:gd name="connsiteX8" fmla="*/ 708889 w 932344"/>
+              <a:gd name="connsiteY8" fmla="*/ 0 h 314194"/>
+              <a:gd name="connsiteX9" fmla="*/ 715765 w 932344"/>
+              <a:gd name="connsiteY9" fmla="*/ 9668 h 314194"/>
+              <a:gd name="connsiteX10" fmla="*/ 724078 w 932344"/>
+              <a:gd name="connsiteY10" fmla="*/ 9668 h 314194"/>
+              <a:gd name="connsiteX11" fmla="*/ 724078 w 932344"/>
+              <a:gd name="connsiteY11" fmla="*/ 21357 h 314194"/>
+              <a:gd name="connsiteX12" fmla="*/ 932344 w 932344"/>
+              <a:gd name="connsiteY12" fmla="*/ 314193 h 314194"/>
+              <a:gd name="connsiteX13" fmla="*/ 918351 w 932344"/>
+              <a:gd name="connsiteY13" fmla="*/ 314193 h 314194"/>
+              <a:gd name="connsiteX14" fmla="*/ 905956 w 932344"/>
+              <a:gd name="connsiteY14" fmla="*/ 298552 h 314194"/>
+              <a:gd name="connsiteX15" fmla="*/ 799843 w 932344"/>
+              <a:gd name="connsiteY15" fmla="*/ 239716 h 314194"/>
+              <a:gd name="connsiteX16" fmla="*/ 735757 w 932344"/>
+              <a:gd name="connsiteY16" fmla="*/ 223985 h 314194"/>
+              <a:gd name="connsiteX17" fmla="*/ 708033 w 932344"/>
+              <a:gd name="connsiteY17" fmla="*/ 222786 h 314194"/>
+              <a:gd name="connsiteX18" fmla="*/ 697489 w 932344"/>
+              <a:gd name="connsiteY18" fmla="*/ 218419 h 314194"/>
+              <a:gd name="connsiteX19" fmla="*/ 15963 w 932344"/>
+              <a:gd name="connsiteY19" fmla="*/ 218419 h 314194"/>
+              <a:gd name="connsiteX20" fmla="*/ 4676 w 932344"/>
+              <a:gd name="connsiteY20" fmla="*/ 223095 h 314194"/>
+              <a:gd name="connsiteX21" fmla="*/ 871 w 932344"/>
+              <a:gd name="connsiteY21" fmla="*/ 232279 h 314194"/>
+              <a:gd name="connsiteX22" fmla="*/ 871 w 932344"/>
+              <a:gd name="connsiteY22" fmla="*/ 9668 h 314194"/>
+              <a:gd name="connsiteX23" fmla="*/ 702013 w 932344"/>
+              <a:gd name="connsiteY23" fmla="*/ 9668 h 314194"/>
+            </a:gdLst>
+            <a:ahLst/>
+            <a:cxnLst>
+              <a:cxn ang="0">
+                <a:pos x="connsiteX0" y="connsiteY0"/>
+              </a:cxn>
+              <a:cxn ang="0">
+                <a:pos x="connsiteX1" y="connsiteY1"/>
+              </a:cxn>
+              <a:cxn ang="0">
+                <a:pos x="connsiteX2" y="connsiteY2"/>
+              </a:cxn>
+              <a:cxn ang="0">
+                <a:pos x="connsiteX3" y="connsiteY3"/>
+              </a:cxn>
+              <a:cxn ang="0">
+                <a:pos x="connsiteX4" y="connsiteY4"/>
+              </a:cxn>
+              <a:cxn ang="0">
+                <a:pos x="connsiteX5" y="connsiteY5"/>
+              </a:cxn>
+              <a:cxn ang="0">
+                <a:pos x="connsiteX6" y="connsiteY6"/>
+              </a:cxn>
+              <a:cxn ang="0">
+                <a:pos x="connsiteX7" y="connsiteY7"/>
+              </a:cxn>
+              <a:cxn ang="0">
+                <a:pos x="connsiteX8" y="connsiteY8"/>
+              </a:cxn>
+              <a:cxn ang="0">
+                <a:pos x="connsiteX9" y="connsiteY9"/>
+              </a:cxn>
+              <a:cxn ang="0">
+                <a:pos x="connsiteX10" y="connsiteY10"/>
+              </a:cxn>
+              <a:cxn ang="0">
+                <a:pos x="connsiteX11" y="connsiteY11"/>
+              </a:cxn>
+              <a:cxn ang="0">
+                <a:pos x="connsiteX12" y="connsiteY12"/>
+              </a:cxn>
+              <a:cxn ang="0">
+                <a:pos x="connsiteX13" y="connsiteY13"/>
+              </a:cxn>
+              <a:cxn ang="0">
+                <a:pos x="connsiteX14" y="connsiteY14"/>
+              </a:cxn>
+              <a:cxn ang="0">
+                <a:pos x="connsiteX15" y="connsiteY15"/>
+              </a:cxn>
+              <a:cxn ang="0">
+                <a:pos x="connsiteX16" y="connsiteY16"/>
+              </a:cxn>
+              <a:cxn ang="0">
+                <a:pos x="connsiteX17" y="connsiteY17"/>
+              </a:cxn>
+              <a:cxn ang="0">
+                <a:pos x="connsiteX18" y="connsiteY18"/>
+              </a:cxn>
+              <a:cxn ang="0">
+                <a:pos x="connsiteX19" y="connsiteY19"/>
+              </a:cxn>
+              <a:cxn ang="0">
+                <a:pos x="connsiteX20" y="connsiteY20"/>
+              </a:cxn>
+              <a:cxn ang="0">
+                <a:pos x="connsiteX21" y="connsiteY21"/>
+              </a:cxn>
+              <a:cxn ang="0">
+                <a:pos x="connsiteX22" y="connsiteY22"/>
+              </a:cxn>
+              <a:cxn ang="0">
+                <a:pos x="connsiteX23" y="connsiteY23"/>
+              </a:cxn>
+            </a:cxnLst>
+            <a:rect l="l" t="t" r="r" b="b"/>
+            <a:pathLst>
+              <a:path w="932344" h="314194">
+                <a:moveTo>
+                  <a:pt x="871" y="300334"/>
+                </a:moveTo>
+                <a:lnTo>
+                  <a:pt x="4676" y="309519"/>
+                </a:lnTo>
+                <a:cubicBezTo>
+                  <a:pt x="7564" y="312407"/>
+                  <a:pt x="11555" y="314194"/>
+                  <a:pt x="15963" y="314194"/>
+                </a:cubicBezTo>
+                <a:lnTo>
+                  <a:pt x="871" y="314194"/>
+                </a:lnTo>
+                <a:close/>
+                <a:moveTo>
+                  <a:pt x="871" y="232279"/>
+                </a:moveTo>
+                <a:lnTo>
+                  <a:pt x="871" y="300334"/>
+                </a:lnTo>
+                <a:lnTo>
+                  <a:pt x="0" y="298231"/>
+                </a:lnTo>
+                <a:lnTo>
+                  <a:pt x="0" y="234382"/>
+                </a:lnTo>
+                <a:close/>
+                <a:moveTo>
+                  <a:pt x="708889" y="0"/>
+                </a:moveTo>
+                <a:lnTo>
+                  <a:pt x="715765" y="9668"/>
+                </a:lnTo>
+                <a:lnTo>
+                  <a:pt x="724078" y="9668"/>
+                </a:lnTo>
+                <a:lnTo>
+                  <a:pt x="724078" y="21357"/>
+                </a:lnTo>
+                <a:lnTo>
+                  <a:pt x="932344" y="314193"/>
+                </a:lnTo>
+                <a:lnTo>
+                  <a:pt x="918351" y="314193"/>
+                </a:lnTo>
+                <a:lnTo>
+                  <a:pt x="905956" y="298552"/>
+                </a:lnTo>
+                <a:cubicBezTo>
+                  <a:pt x="881307" y="276131"/>
+                  <a:pt x="843988" y="254748"/>
+                  <a:pt x="799843" y="239716"/>
+                </a:cubicBezTo>
+                <a:cubicBezTo>
+                  <a:pt x="777770" y="232200"/>
+                  <a:pt x="756080" y="226983"/>
+                  <a:pt x="735757" y="223985"/>
+                </a:cubicBezTo>
+                <a:lnTo>
+                  <a:pt x="708033" y="222786"/>
+                </a:lnTo>
+                <a:lnTo>
+                  <a:pt x="697489" y="218419"/>
+                </a:lnTo>
+                <a:lnTo>
+                  <a:pt x="15963" y="218419"/>
+                </a:lnTo>
+                <a:cubicBezTo>
+                  <a:pt x="11555" y="218419"/>
+                  <a:pt x="7564" y="220206"/>
+                  <a:pt x="4676" y="223095"/>
+                </a:cubicBezTo>
+                <a:lnTo>
+                  <a:pt x="871" y="232279"/>
+                </a:lnTo>
+                <a:lnTo>
+                  <a:pt x="871" y="9668"/>
+                </a:lnTo>
+                <a:lnTo>
+                  <a:pt x="702013" y="9668"/>
+                </a:lnTo>
+                <a:close/>
+              </a:path>
+            </a:pathLst>
+          </a:custGeom>
+          <a:solidFill>
+            <a:srgbClr val="99E4E8"/>
+          </a:solidFill>
+          <a:ln>
+            <a:solidFill>
+              <a:srgbClr val="456769"/>
+            </a:solidFill>
+          </a:ln>
+        </p:spPr>
+        <p:style>
+          <a:lnRef idx="2">
+            <a:schemeClr val="accent1">
+              <a:shade val="50000"/>
+            </a:schemeClr>
+          </a:lnRef>
+          <a:fillRef idx="1">
+            <a:schemeClr val="accent1"/>
+          </a:fillRef>
+          <a:effectRef idx="0">
+            <a:schemeClr val="accent1"/>
+          </a:effectRef>
+          <a:fontRef idx="minor">
+            <a:schemeClr val="lt1"/>
+          </a:fontRef>
+        </p:style>
+        <p:txBody>
+          <a:bodyPr rot="0" spcFirstLastPara="0" vertOverflow="overflow" horzOverflow="overflow" vert="horz" wrap="square" lIns="91440" tIns="45720" rIns="91440" bIns="45720" numCol="1" spcCol="0" rtlCol="0" fromWordArt="0" anchor="ctr" anchorCtr="0" forceAA="0" compatLnSpc="1">
+            <a:prstTxWarp prst="textNoShape">
+              <a:avLst/>
+            </a:prstTxWarp>
+            <a:noAutofit/>
+          </a:bodyPr>
+          <a:lstStyle/>
+          <a:p>
+            <a:pPr algn="ctr"/>
+            <a:endParaRPr lang="zh-TW" altLang="en-US"/>
+          </a:p>
+        </p:txBody>
+      </p:sp>
+      <p:sp>
+        <p:nvSpPr>
+          <p:cNvPr id="59" name="手繪多邊形 58"/>
+          <p:cNvSpPr/>
+          <p:nvPr/>
+        </p:nvSpPr>
+        <p:spPr>
+          <a:xfrm>
+            <a:off x="539749" y="2488469"/>
+            <a:ext cx="829753" cy="402704"/>
+          </a:xfrm>
+          <a:custGeom>
+            <a:avLst/>
+            <a:gdLst>
+              <a:gd name="connsiteX0" fmla="*/ 871 w 932344"/>
+              <a:gd name="connsiteY0" fmla="*/ 300334 h 314194"/>
+              <a:gd name="connsiteX1" fmla="*/ 4676 w 932344"/>
+              <a:gd name="connsiteY1" fmla="*/ 309519 h 314194"/>
+              <a:gd name="connsiteX2" fmla="*/ 15963 w 932344"/>
+              <a:gd name="connsiteY2" fmla="*/ 314194 h 314194"/>
+              <a:gd name="connsiteX3" fmla="*/ 871 w 932344"/>
+              <a:gd name="connsiteY3" fmla="*/ 314194 h 314194"/>
+              <a:gd name="connsiteX4" fmla="*/ 871 w 932344"/>
+              <a:gd name="connsiteY4" fmla="*/ 232279 h 314194"/>
+              <a:gd name="connsiteX5" fmla="*/ 871 w 932344"/>
+              <a:gd name="connsiteY5" fmla="*/ 300334 h 314194"/>
+              <a:gd name="connsiteX6" fmla="*/ 0 w 932344"/>
+              <a:gd name="connsiteY6" fmla="*/ 298231 h 314194"/>
+              <a:gd name="connsiteX7" fmla="*/ 0 w 932344"/>
+              <a:gd name="connsiteY7" fmla="*/ 234382 h 314194"/>
+              <a:gd name="connsiteX8" fmla="*/ 708889 w 932344"/>
+              <a:gd name="connsiteY8" fmla="*/ 0 h 314194"/>
+              <a:gd name="connsiteX9" fmla="*/ 715765 w 932344"/>
+              <a:gd name="connsiteY9" fmla="*/ 9668 h 314194"/>
+              <a:gd name="connsiteX10" fmla="*/ 724078 w 932344"/>
+              <a:gd name="connsiteY10" fmla="*/ 9668 h 314194"/>
+              <a:gd name="connsiteX11" fmla="*/ 724078 w 932344"/>
+              <a:gd name="connsiteY11" fmla="*/ 21357 h 314194"/>
+              <a:gd name="connsiteX12" fmla="*/ 932344 w 932344"/>
+              <a:gd name="connsiteY12" fmla="*/ 314193 h 314194"/>
+              <a:gd name="connsiteX13" fmla="*/ 918351 w 932344"/>
+              <a:gd name="connsiteY13" fmla="*/ 314193 h 314194"/>
+              <a:gd name="connsiteX14" fmla="*/ 905956 w 932344"/>
+              <a:gd name="connsiteY14" fmla="*/ 298552 h 314194"/>
+              <a:gd name="connsiteX15" fmla="*/ 799843 w 932344"/>
+              <a:gd name="connsiteY15" fmla="*/ 239716 h 314194"/>
+              <a:gd name="connsiteX16" fmla="*/ 735757 w 932344"/>
+              <a:gd name="connsiteY16" fmla="*/ 223985 h 314194"/>
+              <a:gd name="connsiteX17" fmla="*/ 708033 w 932344"/>
+              <a:gd name="connsiteY17" fmla="*/ 222786 h 314194"/>
+              <a:gd name="connsiteX18" fmla="*/ 697489 w 932344"/>
+              <a:gd name="connsiteY18" fmla="*/ 218419 h 314194"/>
+              <a:gd name="connsiteX19" fmla="*/ 15963 w 932344"/>
+              <a:gd name="connsiteY19" fmla="*/ 218419 h 314194"/>
+              <a:gd name="connsiteX20" fmla="*/ 4676 w 932344"/>
+              <a:gd name="connsiteY20" fmla="*/ 223095 h 314194"/>
+              <a:gd name="connsiteX21" fmla="*/ 871 w 932344"/>
+              <a:gd name="connsiteY21" fmla="*/ 232279 h 314194"/>
+              <a:gd name="connsiteX22" fmla="*/ 871 w 932344"/>
+              <a:gd name="connsiteY22" fmla="*/ 9668 h 314194"/>
+              <a:gd name="connsiteX23" fmla="*/ 702013 w 932344"/>
+              <a:gd name="connsiteY23" fmla="*/ 9668 h 314194"/>
+            </a:gdLst>
+            <a:ahLst/>
+            <a:cxnLst>
+              <a:cxn ang="0">
+                <a:pos x="connsiteX0" y="connsiteY0"/>
+              </a:cxn>
+              <a:cxn ang="0">
+                <a:pos x="connsiteX1" y="connsiteY1"/>
+              </a:cxn>
+              <a:cxn ang="0">
+                <a:pos x="connsiteX2" y="connsiteY2"/>
+              </a:cxn>
+              <a:cxn ang="0">
+                <a:pos x="connsiteX3" y="connsiteY3"/>
+              </a:cxn>
+              <a:cxn ang="0">
+                <a:pos x="connsiteX4" y="connsiteY4"/>
+              </a:cxn>
+              <a:cxn ang="0">
+                <a:pos x="connsiteX5" y="connsiteY5"/>
+              </a:cxn>
+              <a:cxn ang="0">
+                <a:pos x="connsiteX6" y="connsiteY6"/>
+              </a:cxn>
+              <a:cxn ang="0">
+                <a:pos x="connsiteX7" y="connsiteY7"/>
+              </a:cxn>
+              <a:cxn ang="0">
+                <a:pos x="connsiteX8" y="connsiteY8"/>
+              </a:cxn>
+              <a:cxn ang="0">
+                <a:pos x="connsiteX9" y="connsiteY9"/>
+              </a:cxn>
+              <a:cxn ang="0">
+                <a:pos x="connsiteX10" y="connsiteY10"/>
+              </a:cxn>
+              <a:cxn ang="0">
+                <a:pos x="connsiteX11" y="connsiteY11"/>
+              </a:cxn>
+              <a:cxn ang="0">
+                <a:pos x="connsiteX12" y="connsiteY12"/>
+              </a:cxn>
+              <a:cxn ang="0">
+                <a:pos x="connsiteX13" y="connsiteY13"/>
+              </a:cxn>
+              <a:cxn ang="0">
+                <a:pos x="connsiteX14" y="connsiteY14"/>
+              </a:cxn>
+              <a:cxn ang="0">
+                <a:pos x="connsiteX15" y="connsiteY15"/>
+              </a:cxn>
+              <a:cxn ang="0">
+                <a:pos x="connsiteX16" y="connsiteY16"/>
+              </a:cxn>
+              <a:cxn ang="0">
+                <a:pos x="connsiteX17" y="connsiteY17"/>
+              </a:cxn>
+              <a:cxn ang="0">
+                <a:pos x="connsiteX18" y="connsiteY18"/>
+              </a:cxn>
+              <a:cxn ang="0">
+                <a:pos x="connsiteX19" y="connsiteY19"/>
+              </a:cxn>
+              <a:cxn ang="0">
+                <a:pos x="connsiteX20" y="connsiteY20"/>
+              </a:cxn>
+              <a:cxn ang="0">
+                <a:pos x="connsiteX21" y="connsiteY21"/>
+              </a:cxn>
+              <a:cxn ang="0">
+                <a:pos x="connsiteX22" y="connsiteY22"/>
+              </a:cxn>
+              <a:cxn ang="0">
+                <a:pos x="connsiteX23" y="connsiteY23"/>
+              </a:cxn>
+            </a:cxnLst>
+            <a:rect l="l" t="t" r="r" b="b"/>
+            <a:pathLst>
+              <a:path w="932344" h="314194">
+                <a:moveTo>
+                  <a:pt x="871" y="300334"/>
+                </a:moveTo>
+                <a:lnTo>
+                  <a:pt x="4676" y="309519"/>
+                </a:lnTo>
+                <a:cubicBezTo>
+                  <a:pt x="7564" y="312407"/>
+                  <a:pt x="11555" y="314194"/>
+                  <a:pt x="15963" y="314194"/>
+                </a:cubicBezTo>
+                <a:lnTo>
+                  <a:pt x="871" y="314194"/>
+                </a:lnTo>
+                <a:close/>
+                <a:moveTo>
+                  <a:pt x="871" y="232279"/>
+                </a:moveTo>
+                <a:lnTo>
+                  <a:pt x="871" y="300334"/>
+                </a:lnTo>
+                <a:lnTo>
+                  <a:pt x="0" y="298231"/>
+                </a:lnTo>
+                <a:lnTo>
+                  <a:pt x="0" y="234382"/>
+                </a:lnTo>
+                <a:close/>
+                <a:moveTo>
+                  <a:pt x="708889" y="0"/>
+                </a:moveTo>
+                <a:lnTo>
+                  <a:pt x="715765" y="9668"/>
+                </a:lnTo>
+                <a:lnTo>
+                  <a:pt x="724078" y="9668"/>
+                </a:lnTo>
+                <a:lnTo>
+                  <a:pt x="724078" y="21357"/>
+                </a:lnTo>
+                <a:lnTo>
+                  <a:pt x="932344" y="314193"/>
+                </a:lnTo>
+                <a:lnTo>
+                  <a:pt x="918351" y="314193"/>
+                </a:lnTo>
+                <a:lnTo>
+                  <a:pt x="905956" y="298552"/>
+                </a:lnTo>
+                <a:cubicBezTo>
+                  <a:pt x="881307" y="276131"/>
+                  <a:pt x="843988" y="254748"/>
+                  <a:pt x="799843" y="239716"/>
+                </a:cubicBezTo>
+                <a:cubicBezTo>
+                  <a:pt x="777770" y="232200"/>
+                  <a:pt x="756080" y="226983"/>
+                  <a:pt x="735757" y="223985"/>
+                </a:cubicBezTo>
+                <a:lnTo>
+                  <a:pt x="708033" y="222786"/>
+                </a:lnTo>
+                <a:lnTo>
+                  <a:pt x="697489" y="218419"/>
+                </a:lnTo>
+                <a:lnTo>
+                  <a:pt x="15963" y="218419"/>
+                </a:lnTo>
+                <a:cubicBezTo>
+                  <a:pt x="11555" y="218419"/>
+                  <a:pt x="7564" y="220206"/>
+                  <a:pt x="4676" y="223095"/>
+                </a:cubicBezTo>
+                <a:lnTo>
+                  <a:pt x="871" y="232279"/>
+                </a:lnTo>
+                <a:lnTo>
+                  <a:pt x="871" y="9668"/>
+                </a:lnTo>
+                <a:lnTo>
+                  <a:pt x="702013" y="9668"/>
+                </a:lnTo>
+                <a:close/>
+              </a:path>
+            </a:pathLst>
+          </a:custGeom>
+          <a:solidFill>
+            <a:srgbClr val="99E4E8"/>
+          </a:solidFill>
+          <a:ln>
+            <a:solidFill>
+              <a:srgbClr val="456769"/>
+            </a:solidFill>
+          </a:ln>
+        </p:spPr>
+        <p:style>
+          <a:lnRef idx="2">
+            <a:schemeClr val="accent1">
+              <a:shade val="50000"/>
+            </a:schemeClr>
+          </a:lnRef>
+          <a:fillRef idx="1">
+            <a:schemeClr val="accent1"/>
+          </a:fillRef>
+          <a:effectRef idx="0">
+            <a:schemeClr val="accent1"/>
+          </a:effectRef>
+          <a:fontRef idx="minor">
+            <a:schemeClr val="lt1"/>
+          </a:fontRef>
+        </p:style>
+        <p:txBody>
+          <a:bodyPr rot="0" spcFirstLastPara="0" vertOverflow="overflow" horzOverflow="overflow" vert="horz" wrap="square" lIns="91440" tIns="45720" rIns="91440" bIns="45720" numCol="1" spcCol="0" rtlCol="0" fromWordArt="0" anchor="ctr" anchorCtr="0" forceAA="0" compatLnSpc="1">
+            <a:prstTxWarp prst="textNoShape">
+              <a:avLst/>
+            </a:prstTxWarp>
+            <a:noAutofit/>
+          </a:bodyPr>
+          <a:lstStyle/>
+          <a:p>
+            <a:pPr algn="ctr"/>
+            <a:endParaRPr lang="zh-TW" altLang="en-US" sz="1200" dirty="0"/>
+          </a:p>
+        </p:txBody>
+      </p:sp>
+      <p:sp>
+        <p:nvSpPr>
+          <p:cNvPr id="60" name="橢圓 59"/>
+          <p:cNvSpPr/>
+          <p:nvPr/>
+        </p:nvSpPr>
+        <p:spPr>
+          <a:xfrm>
+            <a:off x="1289119" y="2688943"/>
+            <a:ext cx="455123" cy="455123"/>
+          </a:xfrm>
+          <a:prstGeom prst="ellipse">
+            <a:avLst/>
+          </a:prstGeom>
+          <a:solidFill>
+            <a:srgbClr val="9CE0FF"/>
+          </a:solidFill>
+        </p:spPr>
+        <p:style>
+          <a:lnRef idx="2">
+            <a:schemeClr val="accent1">
+              <a:shade val="50000"/>
+            </a:schemeClr>
+          </a:lnRef>
+          <a:fillRef idx="1">
+            <a:schemeClr val="accent1"/>
+          </a:fillRef>
+          <a:effectRef idx="0">
+            <a:schemeClr val="accent1"/>
+          </a:effectRef>
+          <a:fontRef idx="minor">
+            <a:schemeClr val="lt1"/>
+          </a:fontRef>
+        </p:style>
+        <p:txBody>
+          <a:bodyPr rot="0" spcFirstLastPara="0" vertOverflow="overflow" horzOverflow="overflow" vert="horz" wrap="square" lIns="91440" tIns="45720" rIns="91440" bIns="45720" numCol="1" spcCol="0" rtlCol="0" fromWordArt="0" anchor="ctr" anchorCtr="0" forceAA="0" compatLnSpc="1">
+            <a:prstTxWarp prst="textNoShape">
+              <a:avLst/>
+            </a:prstTxWarp>
+            <a:noAutofit/>
+          </a:bodyPr>
+          <a:lstStyle/>
+          <a:p>
+            <a:pPr algn="ctr"/>
+            <a:r>
+              <a:rPr lang="en-US" altLang="zh-TW" dirty="0" smtClean="0">
+                <a:solidFill>
+                  <a:schemeClr val="tx1"/>
+                </a:solidFill>
+              </a:rPr>
+              <a:t>2</a:t>
+            </a:r>
+            <a:endParaRPr lang="zh-TW" altLang="en-US" dirty="0">
+              <a:solidFill>
+                <a:schemeClr val="tx1"/>
+              </a:solidFill>
+            </a:endParaRPr>
+          </a:p>
+        </p:txBody>
+      </p:sp>
+      <p:sp>
+        <p:nvSpPr>
+          <p:cNvPr id="61" name="矩形 60"/>
+          <p:cNvSpPr/>
+          <p:nvPr/>
+        </p:nvSpPr>
+        <p:spPr>
+          <a:xfrm>
+            <a:off x="7734300" y="2709030"/>
+            <a:ext cx="465264" cy="406402"/>
+          </a:xfrm>
+          <a:prstGeom prst="rect">
+            <a:avLst/>
+          </a:prstGeom>
+          <a:noFill/>
+          <a:ln>
+            <a:noFill/>
+          </a:ln>
+        </p:spPr>
+        <p:style>
+          <a:lnRef idx="0">
+            <a:scrgbClr r="0" g="0" b="0"/>
+          </a:lnRef>
+          <a:fillRef idx="0">
+            <a:scrgbClr r="0" g="0" b="0"/>
+          </a:fillRef>
+          <a:effectRef idx="0">
+            <a:scrgbClr r="0" g="0" b="0"/>
+          </a:effectRef>
+          <a:fontRef idx="minor">
+            <a:schemeClr val="lt1"/>
+          </a:fontRef>
+        </p:style>
+        <p:txBody>
+          <a:bodyPr rtlCol="0" anchor="ctr"/>
+          <a:lstStyle/>
+          <a:p>
+            <a:r>
+              <a:rPr lang="en-US" altLang="zh-TW" dirty="0" smtClean="0">
+                <a:ln w="0"/>
+                <a:solidFill>
+                  <a:schemeClr val="bg1"/>
+                </a:solidFill>
+                <a:effectLst>
+                  <a:outerShdw blurRad="38100" dist="19050" dir="2700000" algn="tl" rotWithShape="0">
+                    <a:schemeClr val="dk1">
+                      <a:alpha val="40000"/>
+                    </a:schemeClr>
+                  </a:outerShdw>
+                </a:effectLst>
+              </a:rPr>
+              <a:t>18</a:t>
+            </a:r>
+            <a:endParaRPr lang="zh-TW" altLang="en-US" dirty="0">
+              <a:ln w="0"/>
+              <a:solidFill>
+                <a:schemeClr val="bg1"/>
+              </a:solidFill>
+              <a:effectLst>
+                <a:outerShdw blurRad="38100" dist="19050" dir="2700000" algn="tl" rotWithShape="0">
+                  <a:schemeClr val="dk1">
+                    <a:alpha val="40000"/>
+                  </a:schemeClr>
+                </a:outerShdw>
+              </a:effectLst>
+            </a:endParaRPr>
+          </a:p>
+        </p:txBody>
+      </p:sp>
+      <p:sp>
+        <p:nvSpPr>
+          <p:cNvPr id="62" name="文字方塊 61"/>
+          <p:cNvSpPr txBox="1"/>
+          <p:nvPr/>
+        </p:nvSpPr>
+        <p:spPr>
+          <a:xfrm>
+            <a:off x="566453" y="2463519"/>
+            <a:ext cx="546163" cy="307777"/>
+          </a:xfrm>
+          <a:prstGeom prst="rect">
+            <a:avLst/>
+          </a:prstGeom>
+          <a:noFill/>
+        </p:spPr>
+        <p:txBody>
+          <a:bodyPr wrap="square" rtlCol="0">
+            <a:spAutoFit/>
+          </a:bodyPr>
+          <a:lstStyle/>
+          <a:p>
+            <a:r>
+              <a:rPr lang="zh-TW" altLang="en-US" sz="1400" dirty="0" smtClean="0"/>
+              <a:t>投票</a:t>
+            </a:r>
+            <a:endParaRPr lang="zh-TW" altLang="en-US" dirty="0"/>
+          </a:p>
+        </p:txBody>
+      </p:sp>
+      <p:sp>
+        <p:nvSpPr>
+          <p:cNvPr id="63" name="文字方塊 62"/>
+          <p:cNvSpPr txBox="1"/>
+          <p:nvPr/>
+        </p:nvSpPr>
+        <p:spPr>
+          <a:xfrm>
+            <a:off x="568067" y="2990177"/>
+            <a:ext cx="546163" cy="307777"/>
+          </a:xfrm>
+          <a:prstGeom prst="rect">
+            <a:avLst/>
+          </a:prstGeom>
+          <a:noFill/>
+        </p:spPr>
+        <p:txBody>
+          <a:bodyPr wrap="square" rtlCol="0">
+            <a:spAutoFit/>
+          </a:bodyPr>
+          <a:lstStyle/>
+          <a:p>
+            <a:r>
+              <a:rPr lang="zh-TW" altLang="en-US" sz="1400" dirty="0" smtClean="0"/>
+              <a:t>更新</a:t>
+            </a:r>
+            <a:endParaRPr lang="zh-TW" altLang="en-US" dirty="0"/>
+          </a:p>
+        </p:txBody>
+      </p:sp>
+      <p:sp>
+        <p:nvSpPr>
+          <p:cNvPr id="65" name="矩形 64"/>
+          <p:cNvSpPr/>
+          <p:nvPr/>
+        </p:nvSpPr>
+        <p:spPr>
+          <a:xfrm>
+            <a:off x="1571095" y="4197704"/>
+            <a:ext cx="6701835" cy="463088"/>
+          </a:xfrm>
+          <a:prstGeom prst="rect">
+            <a:avLst/>
+          </a:prstGeom>
+          <a:solidFill>
+            <a:srgbClr val="456769"/>
+          </a:solidFill>
+          <a:ln>
+            <a:solidFill>
+              <a:srgbClr val="456769"/>
+            </a:solidFill>
+          </a:ln>
+        </p:spPr>
+        <p:style>
+          <a:lnRef idx="2">
+            <a:schemeClr val="accent1">
+              <a:shade val="50000"/>
+            </a:schemeClr>
+          </a:lnRef>
+          <a:fillRef idx="1">
+            <a:schemeClr val="accent1"/>
+          </a:fillRef>
+          <a:effectRef idx="0">
+            <a:schemeClr val="accent1"/>
+          </a:effectRef>
+          <a:fontRef idx="minor">
+            <a:schemeClr val="lt1"/>
+          </a:fontRef>
+        </p:style>
+        <p:txBody>
+          <a:bodyPr rtlCol="0" anchor="ctr"/>
+          <a:lstStyle/>
+          <a:p>
+            <a:pPr algn="ctr"/>
+            <a:endParaRPr lang="zh-TW" altLang="en-US"/>
+          </a:p>
+        </p:txBody>
+      </p:sp>
+      <p:sp>
+        <p:nvSpPr>
+          <p:cNvPr id="66" name="矩形 65"/>
+          <p:cNvSpPr/>
+          <p:nvPr/>
+        </p:nvSpPr>
+        <p:spPr>
+          <a:xfrm>
+            <a:off x="1658421" y="4233102"/>
+            <a:ext cx="4350770" cy="399011"/>
+          </a:xfrm>
+          <a:prstGeom prst="rect">
+            <a:avLst/>
+          </a:prstGeom>
+          <a:solidFill>
+            <a:srgbClr val="9CFFE8"/>
+          </a:solidFill>
+        </p:spPr>
+        <p:style>
+          <a:lnRef idx="2">
+            <a:schemeClr val="accent1">
+              <a:shade val="50000"/>
+            </a:schemeClr>
+          </a:lnRef>
+          <a:fillRef idx="1">
+            <a:schemeClr val="accent1"/>
+          </a:fillRef>
+          <a:effectRef idx="0">
+            <a:schemeClr val="accent1"/>
+          </a:effectRef>
+          <a:fontRef idx="minor">
+            <a:schemeClr val="lt1"/>
+          </a:fontRef>
+        </p:style>
+        <p:txBody>
+          <a:bodyPr rtlCol="0" anchor="ctr"/>
+          <a:lstStyle/>
+          <a:p>
+            <a:pPr algn="ctr"/>
+            <a:endParaRPr lang="zh-TW" altLang="en-US"/>
+          </a:p>
+        </p:txBody>
+      </p:sp>
+      <p:sp>
+        <p:nvSpPr>
+          <p:cNvPr id="67" name="矩形 66"/>
+          <p:cNvSpPr/>
+          <p:nvPr/>
+        </p:nvSpPr>
+        <p:spPr>
+          <a:xfrm>
+            <a:off x="2338594" y="4222064"/>
+            <a:ext cx="1437705" cy="406402"/>
+          </a:xfrm>
+          <a:prstGeom prst="rect">
+            <a:avLst/>
+          </a:prstGeom>
+          <a:noFill/>
+          <a:ln>
+            <a:noFill/>
+          </a:ln>
+        </p:spPr>
+        <p:style>
+          <a:lnRef idx="0">
+            <a:scrgbClr r="0" g="0" b="0"/>
+          </a:lnRef>
+          <a:fillRef idx="0">
+            <a:scrgbClr r="0" g="0" b="0"/>
+          </a:fillRef>
+          <a:effectRef idx="0">
+            <a:scrgbClr r="0" g="0" b="0"/>
+          </a:effectRef>
+          <a:fontRef idx="minor">
+            <a:schemeClr val="lt1"/>
+          </a:fontRef>
+        </p:style>
+        <p:txBody>
+          <a:bodyPr rtlCol="0" anchor="ctr"/>
+          <a:lstStyle/>
+          <a:p>
+            <a:r>
+              <a:rPr lang="zh-TW" altLang="en-US" dirty="0" smtClean="0">
+                <a:ln w="0"/>
+                <a:solidFill>
+                  <a:schemeClr val="tx1"/>
+                </a:solidFill>
+                <a:effectLst>
+                  <a:outerShdw blurRad="38100" dist="19050" dir="2700000" algn="tl" rotWithShape="0">
+                    <a:schemeClr val="dk1">
+                      <a:alpha val="40000"/>
+                    </a:schemeClr>
+                  </a:outerShdw>
+                </a:effectLst>
+              </a:rPr>
+              <a:t>主題</a:t>
+            </a:r>
+            <a:r>
+              <a:rPr lang="en-US" altLang="zh-TW" dirty="0" smtClean="0">
+                <a:ln w="0"/>
+                <a:solidFill>
+                  <a:schemeClr val="tx1"/>
+                </a:solidFill>
+                <a:effectLst>
+                  <a:outerShdw blurRad="38100" dist="19050" dir="2700000" algn="tl" rotWithShape="0">
+                    <a:schemeClr val="dk1">
+                      <a:alpha val="40000"/>
+                    </a:schemeClr>
+                  </a:outerShdw>
+                </a:effectLst>
+              </a:rPr>
+              <a:t>!!!!!!!!</a:t>
+            </a:r>
+            <a:endParaRPr lang="zh-TW" altLang="en-US" dirty="0">
+              <a:ln w="0"/>
+              <a:solidFill>
+                <a:schemeClr val="tx1"/>
+              </a:solidFill>
+              <a:effectLst>
+                <a:outerShdw blurRad="38100" dist="19050" dir="2700000" algn="tl" rotWithShape="0">
+                  <a:schemeClr val="dk1">
+                    <a:alpha val="40000"/>
+                  </a:schemeClr>
+                </a:outerShdw>
+              </a:effectLst>
+            </a:endParaRPr>
+          </a:p>
+        </p:txBody>
+      </p:sp>
+      <p:sp>
+        <p:nvSpPr>
+          <p:cNvPr id="68" name="矩形 67"/>
+          <p:cNvSpPr/>
+          <p:nvPr/>
+        </p:nvSpPr>
+        <p:spPr>
+          <a:xfrm>
+            <a:off x="5692069" y="4236068"/>
+            <a:ext cx="311488" cy="406402"/>
+          </a:xfrm>
+          <a:prstGeom prst="rect">
+            <a:avLst/>
+          </a:prstGeom>
+          <a:noFill/>
+          <a:ln>
+            <a:noFill/>
+          </a:ln>
+        </p:spPr>
+        <p:style>
+          <a:lnRef idx="0">
+            <a:scrgbClr r="0" g="0" b="0"/>
+          </a:lnRef>
+          <a:fillRef idx="0">
+            <a:scrgbClr r="0" g="0" b="0"/>
+          </a:fillRef>
+          <a:effectRef idx="0">
+            <a:scrgbClr r="0" g="0" b="0"/>
+          </a:effectRef>
+          <a:fontRef idx="minor">
+            <a:schemeClr val="lt1"/>
+          </a:fontRef>
+        </p:style>
+        <p:txBody>
+          <a:bodyPr rtlCol="0" anchor="ctr"/>
+          <a:lstStyle/>
+          <a:p>
+            <a:r>
+              <a:rPr lang="en-US" altLang="zh-TW" dirty="0" smtClean="0">
+                <a:ln w="0"/>
+                <a:solidFill>
+                  <a:srgbClr val="FF0000"/>
+                </a:solidFill>
+                <a:effectLst>
+                  <a:outerShdw blurRad="38100" dist="19050" dir="2700000" algn="tl" rotWithShape="0">
+                    <a:schemeClr val="dk1">
+                      <a:alpha val="40000"/>
+                    </a:schemeClr>
+                  </a:outerShdw>
+                </a:effectLst>
+              </a:rPr>
+              <a:t>6</a:t>
+            </a:r>
+            <a:endParaRPr lang="zh-TW" altLang="en-US" dirty="0">
+              <a:ln w="0"/>
+              <a:solidFill>
+                <a:srgbClr val="FF0000"/>
+              </a:solidFill>
+              <a:effectLst>
+                <a:outerShdw blurRad="38100" dist="19050" dir="2700000" algn="tl" rotWithShape="0">
+                  <a:schemeClr val="dk1">
+                    <a:alpha val="40000"/>
+                  </a:schemeClr>
+                </a:outerShdw>
+              </a:effectLst>
+            </a:endParaRPr>
+          </a:p>
+        </p:txBody>
+      </p:sp>
+      <p:sp>
+        <p:nvSpPr>
+          <p:cNvPr id="69" name="手繪多邊形 68"/>
+          <p:cNvSpPr/>
+          <p:nvPr/>
+        </p:nvSpPr>
+        <p:spPr>
+          <a:xfrm flipV="1">
+            <a:off x="566454" y="4427504"/>
+            <a:ext cx="845122" cy="352445"/>
+          </a:xfrm>
+          <a:custGeom>
+            <a:avLst/>
+            <a:gdLst>
+              <a:gd name="connsiteX0" fmla="*/ 871 w 932344"/>
+              <a:gd name="connsiteY0" fmla="*/ 300334 h 314194"/>
+              <a:gd name="connsiteX1" fmla="*/ 4676 w 932344"/>
+              <a:gd name="connsiteY1" fmla="*/ 309519 h 314194"/>
+              <a:gd name="connsiteX2" fmla="*/ 15963 w 932344"/>
+              <a:gd name="connsiteY2" fmla="*/ 314194 h 314194"/>
+              <a:gd name="connsiteX3" fmla="*/ 871 w 932344"/>
+              <a:gd name="connsiteY3" fmla="*/ 314194 h 314194"/>
+              <a:gd name="connsiteX4" fmla="*/ 871 w 932344"/>
+              <a:gd name="connsiteY4" fmla="*/ 232279 h 314194"/>
+              <a:gd name="connsiteX5" fmla="*/ 871 w 932344"/>
+              <a:gd name="connsiteY5" fmla="*/ 300334 h 314194"/>
+              <a:gd name="connsiteX6" fmla="*/ 0 w 932344"/>
+              <a:gd name="connsiteY6" fmla="*/ 298231 h 314194"/>
+              <a:gd name="connsiteX7" fmla="*/ 0 w 932344"/>
+              <a:gd name="connsiteY7" fmla="*/ 234382 h 314194"/>
+              <a:gd name="connsiteX8" fmla="*/ 708889 w 932344"/>
+              <a:gd name="connsiteY8" fmla="*/ 0 h 314194"/>
+              <a:gd name="connsiteX9" fmla="*/ 715765 w 932344"/>
+              <a:gd name="connsiteY9" fmla="*/ 9668 h 314194"/>
+              <a:gd name="connsiteX10" fmla="*/ 724078 w 932344"/>
+              <a:gd name="connsiteY10" fmla="*/ 9668 h 314194"/>
+              <a:gd name="connsiteX11" fmla="*/ 724078 w 932344"/>
+              <a:gd name="connsiteY11" fmla="*/ 21357 h 314194"/>
+              <a:gd name="connsiteX12" fmla="*/ 932344 w 932344"/>
+              <a:gd name="connsiteY12" fmla="*/ 314193 h 314194"/>
+              <a:gd name="connsiteX13" fmla="*/ 918351 w 932344"/>
+              <a:gd name="connsiteY13" fmla="*/ 314193 h 314194"/>
+              <a:gd name="connsiteX14" fmla="*/ 905956 w 932344"/>
+              <a:gd name="connsiteY14" fmla="*/ 298552 h 314194"/>
+              <a:gd name="connsiteX15" fmla="*/ 799843 w 932344"/>
+              <a:gd name="connsiteY15" fmla="*/ 239716 h 314194"/>
+              <a:gd name="connsiteX16" fmla="*/ 735757 w 932344"/>
+              <a:gd name="connsiteY16" fmla="*/ 223985 h 314194"/>
+              <a:gd name="connsiteX17" fmla="*/ 708033 w 932344"/>
+              <a:gd name="connsiteY17" fmla="*/ 222786 h 314194"/>
+              <a:gd name="connsiteX18" fmla="*/ 697489 w 932344"/>
+              <a:gd name="connsiteY18" fmla="*/ 218419 h 314194"/>
+              <a:gd name="connsiteX19" fmla="*/ 15963 w 932344"/>
+              <a:gd name="connsiteY19" fmla="*/ 218419 h 314194"/>
+              <a:gd name="connsiteX20" fmla="*/ 4676 w 932344"/>
+              <a:gd name="connsiteY20" fmla="*/ 223095 h 314194"/>
+              <a:gd name="connsiteX21" fmla="*/ 871 w 932344"/>
+              <a:gd name="connsiteY21" fmla="*/ 232279 h 314194"/>
+              <a:gd name="connsiteX22" fmla="*/ 871 w 932344"/>
+              <a:gd name="connsiteY22" fmla="*/ 9668 h 314194"/>
+              <a:gd name="connsiteX23" fmla="*/ 702013 w 932344"/>
+              <a:gd name="connsiteY23" fmla="*/ 9668 h 314194"/>
+            </a:gdLst>
+            <a:ahLst/>
+            <a:cxnLst>
+              <a:cxn ang="0">
+                <a:pos x="connsiteX0" y="connsiteY0"/>
+              </a:cxn>
+              <a:cxn ang="0">
+                <a:pos x="connsiteX1" y="connsiteY1"/>
+              </a:cxn>
+              <a:cxn ang="0">
+                <a:pos x="connsiteX2" y="connsiteY2"/>
+              </a:cxn>
+              <a:cxn ang="0">
+                <a:pos x="connsiteX3" y="connsiteY3"/>
+              </a:cxn>
+              <a:cxn ang="0">
+                <a:pos x="connsiteX4" y="connsiteY4"/>
+              </a:cxn>
+              <a:cxn ang="0">
+                <a:pos x="connsiteX5" y="connsiteY5"/>
+              </a:cxn>
+              <a:cxn ang="0">
+                <a:pos x="connsiteX6" y="connsiteY6"/>
+              </a:cxn>
+              <a:cxn ang="0">
+                <a:pos x="connsiteX7" y="connsiteY7"/>
+              </a:cxn>
+              <a:cxn ang="0">
+                <a:pos x="connsiteX8" y="connsiteY8"/>
+              </a:cxn>
+              <a:cxn ang="0">
+                <a:pos x="connsiteX9" y="connsiteY9"/>
+              </a:cxn>
+              <a:cxn ang="0">
+                <a:pos x="connsiteX10" y="connsiteY10"/>
+              </a:cxn>
+              <a:cxn ang="0">
+                <a:pos x="connsiteX11" y="connsiteY11"/>
+              </a:cxn>
+              <a:cxn ang="0">
+                <a:pos x="connsiteX12" y="connsiteY12"/>
+              </a:cxn>
+              <a:cxn ang="0">
+                <a:pos x="connsiteX13" y="connsiteY13"/>
+              </a:cxn>
+              <a:cxn ang="0">
+                <a:pos x="connsiteX14" y="connsiteY14"/>
+              </a:cxn>
+              <a:cxn ang="0">
+                <a:pos x="connsiteX15" y="connsiteY15"/>
+              </a:cxn>
+              <a:cxn ang="0">
+                <a:pos x="connsiteX16" y="connsiteY16"/>
+              </a:cxn>
+              <a:cxn ang="0">
+                <a:pos x="connsiteX17" y="connsiteY17"/>
+              </a:cxn>
+              <a:cxn ang="0">
+                <a:pos x="connsiteX18" y="connsiteY18"/>
+              </a:cxn>
+              <a:cxn ang="0">
+                <a:pos x="connsiteX19" y="connsiteY19"/>
+              </a:cxn>
+              <a:cxn ang="0">
+                <a:pos x="connsiteX20" y="connsiteY20"/>
+              </a:cxn>
+              <a:cxn ang="0">
+                <a:pos x="connsiteX21" y="connsiteY21"/>
+              </a:cxn>
+              <a:cxn ang="0">
+                <a:pos x="connsiteX22" y="connsiteY22"/>
+              </a:cxn>
+              <a:cxn ang="0">
+                <a:pos x="connsiteX23" y="connsiteY23"/>
+              </a:cxn>
+            </a:cxnLst>
+            <a:rect l="l" t="t" r="r" b="b"/>
+            <a:pathLst>
+              <a:path w="932344" h="314194">
+                <a:moveTo>
+                  <a:pt x="871" y="300334"/>
+                </a:moveTo>
+                <a:lnTo>
+                  <a:pt x="4676" y="309519"/>
+                </a:lnTo>
+                <a:cubicBezTo>
+                  <a:pt x="7564" y="312407"/>
+                  <a:pt x="11555" y="314194"/>
+                  <a:pt x="15963" y="314194"/>
+                </a:cubicBezTo>
+                <a:lnTo>
+                  <a:pt x="871" y="314194"/>
+                </a:lnTo>
+                <a:close/>
+                <a:moveTo>
+                  <a:pt x="871" y="232279"/>
+                </a:moveTo>
+                <a:lnTo>
+                  <a:pt x="871" y="300334"/>
+                </a:lnTo>
+                <a:lnTo>
+                  <a:pt x="0" y="298231"/>
+                </a:lnTo>
+                <a:lnTo>
+                  <a:pt x="0" y="234382"/>
+                </a:lnTo>
+                <a:close/>
+                <a:moveTo>
+                  <a:pt x="708889" y="0"/>
+                </a:moveTo>
+                <a:lnTo>
+                  <a:pt x="715765" y="9668"/>
+                </a:lnTo>
+                <a:lnTo>
+                  <a:pt x="724078" y="9668"/>
+                </a:lnTo>
+                <a:lnTo>
+                  <a:pt x="724078" y="21357"/>
+                </a:lnTo>
+                <a:lnTo>
+                  <a:pt x="932344" y="314193"/>
+                </a:lnTo>
+                <a:lnTo>
+                  <a:pt x="918351" y="314193"/>
+                </a:lnTo>
+                <a:lnTo>
+                  <a:pt x="905956" y="298552"/>
+                </a:lnTo>
+                <a:cubicBezTo>
+                  <a:pt x="881307" y="276131"/>
+                  <a:pt x="843988" y="254748"/>
+                  <a:pt x="799843" y="239716"/>
+                </a:cubicBezTo>
+                <a:cubicBezTo>
+                  <a:pt x="777770" y="232200"/>
+                  <a:pt x="756080" y="226983"/>
+                  <a:pt x="735757" y="223985"/>
+                </a:cubicBezTo>
+                <a:lnTo>
+                  <a:pt x="708033" y="222786"/>
+                </a:lnTo>
+                <a:lnTo>
+                  <a:pt x="697489" y="218419"/>
+                </a:lnTo>
+                <a:lnTo>
+                  <a:pt x="15963" y="218419"/>
+                </a:lnTo>
+                <a:cubicBezTo>
+                  <a:pt x="11555" y="218419"/>
+                  <a:pt x="7564" y="220206"/>
+                  <a:pt x="4676" y="223095"/>
+                </a:cubicBezTo>
+                <a:lnTo>
+                  <a:pt x="871" y="232279"/>
+                </a:lnTo>
+                <a:lnTo>
+                  <a:pt x="871" y="9668"/>
+                </a:lnTo>
+                <a:lnTo>
+                  <a:pt x="702013" y="9668"/>
+                </a:lnTo>
+                <a:close/>
+              </a:path>
+            </a:pathLst>
+          </a:custGeom>
+          <a:solidFill>
+            <a:srgbClr val="99E4E8"/>
+          </a:solidFill>
+          <a:ln>
+            <a:solidFill>
+              <a:srgbClr val="456769"/>
+            </a:solidFill>
+          </a:ln>
+        </p:spPr>
+        <p:style>
+          <a:lnRef idx="2">
+            <a:schemeClr val="accent1">
+              <a:shade val="50000"/>
+            </a:schemeClr>
+          </a:lnRef>
+          <a:fillRef idx="1">
+            <a:schemeClr val="accent1"/>
+          </a:fillRef>
+          <a:effectRef idx="0">
+            <a:schemeClr val="accent1"/>
+          </a:effectRef>
+          <a:fontRef idx="minor">
+            <a:schemeClr val="lt1"/>
+          </a:fontRef>
+        </p:style>
+        <p:txBody>
+          <a:bodyPr rot="0" spcFirstLastPara="0" vertOverflow="overflow" horzOverflow="overflow" vert="horz" wrap="square" lIns="91440" tIns="45720" rIns="91440" bIns="45720" numCol="1" spcCol="0" rtlCol="0" fromWordArt="0" anchor="ctr" anchorCtr="0" forceAA="0" compatLnSpc="1">
+            <a:prstTxWarp prst="textNoShape">
+              <a:avLst/>
+            </a:prstTxWarp>
+            <a:noAutofit/>
+          </a:bodyPr>
+          <a:lstStyle/>
+          <a:p>
+            <a:pPr algn="ctr"/>
+            <a:endParaRPr lang="zh-TW" altLang="en-US"/>
+          </a:p>
+        </p:txBody>
+      </p:sp>
+      <p:sp>
+        <p:nvSpPr>
+          <p:cNvPr id="70" name="手繪多邊形 69"/>
+          <p:cNvSpPr/>
+          <p:nvPr/>
+        </p:nvSpPr>
+        <p:spPr>
+          <a:xfrm>
+            <a:off x="566453" y="3997229"/>
+            <a:ext cx="829753" cy="402704"/>
+          </a:xfrm>
+          <a:custGeom>
+            <a:avLst/>
+            <a:gdLst>
+              <a:gd name="connsiteX0" fmla="*/ 871 w 932344"/>
+              <a:gd name="connsiteY0" fmla="*/ 300334 h 314194"/>
+              <a:gd name="connsiteX1" fmla="*/ 4676 w 932344"/>
+              <a:gd name="connsiteY1" fmla="*/ 309519 h 314194"/>
+              <a:gd name="connsiteX2" fmla="*/ 15963 w 932344"/>
+              <a:gd name="connsiteY2" fmla="*/ 314194 h 314194"/>
+              <a:gd name="connsiteX3" fmla="*/ 871 w 932344"/>
+              <a:gd name="connsiteY3" fmla="*/ 314194 h 314194"/>
+              <a:gd name="connsiteX4" fmla="*/ 871 w 932344"/>
+              <a:gd name="connsiteY4" fmla="*/ 232279 h 314194"/>
+              <a:gd name="connsiteX5" fmla="*/ 871 w 932344"/>
+              <a:gd name="connsiteY5" fmla="*/ 300334 h 314194"/>
+              <a:gd name="connsiteX6" fmla="*/ 0 w 932344"/>
+              <a:gd name="connsiteY6" fmla="*/ 298231 h 314194"/>
+              <a:gd name="connsiteX7" fmla="*/ 0 w 932344"/>
+              <a:gd name="connsiteY7" fmla="*/ 234382 h 314194"/>
+              <a:gd name="connsiteX8" fmla="*/ 708889 w 932344"/>
+              <a:gd name="connsiteY8" fmla="*/ 0 h 314194"/>
+              <a:gd name="connsiteX9" fmla="*/ 715765 w 932344"/>
+              <a:gd name="connsiteY9" fmla="*/ 9668 h 314194"/>
+              <a:gd name="connsiteX10" fmla="*/ 724078 w 932344"/>
+              <a:gd name="connsiteY10" fmla="*/ 9668 h 314194"/>
+              <a:gd name="connsiteX11" fmla="*/ 724078 w 932344"/>
+              <a:gd name="connsiteY11" fmla="*/ 21357 h 314194"/>
+              <a:gd name="connsiteX12" fmla="*/ 932344 w 932344"/>
+              <a:gd name="connsiteY12" fmla="*/ 314193 h 314194"/>
+              <a:gd name="connsiteX13" fmla="*/ 918351 w 932344"/>
+              <a:gd name="connsiteY13" fmla="*/ 314193 h 314194"/>
+              <a:gd name="connsiteX14" fmla="*/ 905956 w 932344"/>
+              <a:gd name="connsiteY14" fmla="*/ 298552 h 314194"/>
+              <a:gd name="connsiteX15" fmla="*/ 799843 w 932344"/>
+              <a:gd name="connsiteY15" fmla="*/ 239716 h 314194"/>
+              <a:gd name="connsiteX16" fmla="*/ 735757 w 932344"/>
+              <a:gd name="connsiteY16" fmla="*/ 223985 h 314194"/>
+              <a:gd name="connsiteX17" fmla="*/ 708033 w 932344"/>
+              <a:gd name="connsiteY17" fmla="*/ 222786 h 314194"/>
+              <a:gd name="connsiteX18" fmla="*/ 697489 w 932344"/>
+              <a:gd name="connsiteY18" fmla="*/ 218419 h 314194"/>
+              <a:gd name="connsiteX19" fmla="*/ 15963 w 932344"/>
+              <a:gd name="connsiteY19" fmla="*/ 218419 h 314194"/>
+              <a:gd name="connsiteX20" fmla="*/ 4676 w 932344"/>
+              <a:gd name="connsiteY20" fmla="*/ 223095 h 314194"/>
+              <a:gd name="connsiteX21" fmla="*/ 871 w 932344"/>
+              <a:gd name="connsiteY21" fmla="*/ 232279 h 314194"/>
+              <a:gd name="connsiteX22" fmla="*/ 871 w 932344"/>
+              <a:gd name="connsiteY22" fmla="*/ 9668 h 314194"/>
+              <a:gd name="connsiteX23" fmla="*/ 702013 w 932344"/>
+              <a:gd name="connsiteY23" fmla="*/ 9668 h 314194"/>
+            </a:gdLst>
+            <a:ahLst/>
+            <a:cxnLst>
+              <a:cxn ang="0">
+                <a:pos x="connsiteX0" y="connsiteY0"/>
+              </a:cxn>
+              <a:cxn ang="0">
+                <a:pos x="connsiteX1" y="connsiteY1"/>
+              </a:cxn>
+              <a:cxn ang="0">
+                <a:pos x="connsiteX2" y="connsiteY2"/>
+              </a:cxn>
+              <a:cxn ang="0">
+                <a:pos x="connsiteX3" y="connsiteY3"/>
+              </a:cxn>
+              <a:cxn ang="0">
+                <a:pos x="connsiteX4" y="connsiteY4"/>
+              </a:cxn>
+              <a:cxn ang="0">
+                <a:pos x="connsiteX5" y="connsiteY5"/>
+              </a:cxn>
+              <a:cxn ang="0">
+                <a:pos x="connsiteX6" y="connsiteY6"/>
+              </a:cxn>
+              <a:cxn ang="0">
+                <a:pos x="connsiteX7" y="connsiteY7"/>
+              </a:cxn>
+              <a:cxn ang="0">
+                <a:pos x="connsiteX8" y="connsiteY8"/>
+              </a:cxn>
+              <a:cxn ang="0">
+                <a:pos x="connsiteX9" y="connsiteY9"/>
+              </a:cxn>
+              <a:cxn ang="0">
+                <a:pos x="connsiteX10" y="connsiteY10"/>
+              </a:cxn>
+              <a:cxn ang="0">
+                <a:pos x="connsiteX11" y="connsiteY11"/>
+              </a:cxn>
+              <a:cxn ang="0">
+                <a:pos x="connsiteX12" y="connsiteY12"/>
+              </a:cxn>
+              <a:cxn ang="0">
+                <a:pos x="connsiteX13" y="connsiteY13"/>
+              </a:cxn>
+              <a:cxn ang="0">
+                <a:pos x="connsiteX14" y="connsiteY14"/>
+              </a:cxn>
+              <a:cxn ang="0">
+                <a:pos x="connsiteX15" y="connsiteY15"/>
+              </a:cxn>
+              <a:cxn ang="0">
+                <a:pos x="connsiteX16" y="connsiteY16"/>
+              </a:cxn>
+              <a:cxn ang="0">
+                <a:pos x="connsiteX17" y="connsiteY17"/>
+              </a:cxn>
+              <a:cxn ang="0">
+                <a:pos x="connsiteX18" y="connsiteY18"/>
+              </a:cxn>
+              <a:cxn ang="0">
+                <a:pos x="connsiteX19" y="connsiteY19"/>
+              </a:cxn>
+              <a:cxn ang="0">
+                <a:pos x="connsiteX20" y="connsiteY20"/>
+              </a:cxn>
+              <a:cxn ang="0">
+                <a:pos x="connsiteX21" y="connsiteY21"/>
+              </a:cxn>
+              <a:cxn ang="0">
+                <a:pos x="connsiteX22" y="connsiteY22"/>
+              </a:cxn>
+              <a:cxn ang="0">
+                <a:pos x="connsiteX23" y="connsiteY23"/>
+              </a:cxn>
+            </a:cxnLst>
+            <a:rect l="l" t="t" r="r" b="b"/>
+            <a:pathLst>
+              <a:path w="932344" h="314194">
+                <a:moveTo>
+                  <a:pt x="871" y="300334"/>
+                </a:moveTo>
+                <a:lnTo>
+                  <a:pt x="4676" y="309519"/>
+                </a:lnTo>
+                <a:cubicBezTo>
+                  <a:pt x="7564" y="312407"/>
+                  <a:pt x="11555" y="314194"/>
+                  <a:pt x="15963" y="314194"/>
+                </a:cubicBezTo>
+                <a:lnTo>
+                  <a:pt x="871" y="314194"/>
+                </a:lnTo>
+                <a:close/>
+                <a:moveTo>
+                  <a:pt x="871" y="232279"/>
+                </a:moveTo>
+                <a:lnTo>
+                  <a:pt x="871" y="300334"/>
+                </a:lnTo>
+                <a:lnTo>
+                  <a:pt x="0" y="298231"/>
+                </a:lnTo>
+                <a:lnTo>
+                  <a:pt x="0" y="234382"/>
+                </a:lnTo>
+                <a:close/>
+                <a:moveTo>
+                  <a:pt x="708889" y="0"/>
+                </a:moveTo>
+                <a:lnTo>
+                  <a:pt x="715765" y="9668"/>
+                </a:lnTo>
+                <a:lnTo>
+                  <a:pt x="724078" y="9668"/>
+                </a:lnTo>
+                <a:lnTo>
+                  <a:pt x="724078" y="21357"/>
+                </a:lnTo>
+                <a:lnTo>
+                  <a:pt x="932344" y="314193"/>
+                </a:lnTo>
+                <a:lnTo>
+                  <a:pt x="918351" y="314193"/>
+                </a:lnTo>
+                <a:lnTo>
+                  <a:pt x="905956" y="298552"/>
+                </a:lnTo>
+                <a:cubicBezTo>
+                  <a:pt x="881307" y="276131"/>
+                  <a:pt x="843988" y="254748"/>
+                  <a:pt x="799843" y="239716"/>
+                </a:cubicBezTo>
+                <a:cubicBezTo>
+                  <a:pt x="777770" y="232200"/>
+                  <a:pt x="756080" y="226983"/>
+                  <a:pt x="735757" y="223985"/>
+                </a:cubicBezTo>
+                <a:lnTo>
+                  <a:pt x="708033" y="222786"/>
+                </a:lnTo>
+                <a:lnTo>
+                  <a:pt x="697489" y="218419"/>
+                </a:lnTo>
+                <a:lnTo>
+                  <a:pt x="15963" y="218419"/>
+                </a:lnTo>
+                <a:cubicBezTo>
+                  <a:pt x="11555" y="218419"/>
+                  <a:pt x="7564" y="220206"/>
+                  <a:pt x="4676" y="223095"/>
+                </a:cubicBezTo>
+                <a:lnTo>
+                  <a:pt x="871" y="232279"/>
+                </a:lnTo>
+                <a:lnTo>
+                  <a:pt x="871" y="9668"/>
+                </a:lnTo>
+                <a:lnTo>
+                  <a:pt x="702013" y="9668"/>
+                </a:lnTo>
+                <a:close/>
+              </a:path>
+            </a:pathLst>
+          </a:custGeom>
+          <a:solidFill>
+            <a:srgbClr val="99E4E8"/>
+          </a:solidFill>
+          <a:ln>
+            <a:solidFill>
+              <a:srgbClr val="456769"/>
+            </a:solidFill>
+          </a:ln>
+        </p:spPr>
+        <p:style>
+          <a:lnRef idx="2">
+            <a:schemeClr val="accent1">
+              <a:shade val="50000"/>
+            </a:schemeClr>
+          </a:lnRef>
+          <a:fillRef idx="1">
+            <a:schemeClr val="accent1"/>
+          </a:fillRef>
+          <a:effectRef idx="0">
+            <a:schemeClr val="accent1"/>
+          </a:effectRef>
+          <a:fontRef idx="minor">
+            <a:schemeClr val="lt1"/>
+          </a:fontRef>
+        </p:style>
+        <p:txBody>
+          <a:bodyPr rot="0" spcFirstLastPara="0" vertOverflow="overflow" horzOverflow="overflow" vert="horz" wrap="square" lIns="91440" tIns="45720" rIns="91440" bIns="45720" numCol="1" spcCol="0" rtlCol="0" fromWordArt="0" anchor="ctr" anchorCtr="0" forceAA="0" compatLnSpc="1">
+            <a:prstTxWarp prst="textNoShape">
+              <a:avLst/>
+            </a:prstTxWarp>
+            <a:noAutofit/>
+          </a:bodyPr>
+          <a:lstStyle/>
+          <a:p>
+            <a:pPr algn="ctr"/>
+            <a:endParaRPr lang="zh-TW" altLang="en-US" sz="1200" dirty="0"/>
+          </a:p>
+        </p:txBody>
+      </p:sp>
+      <p:sp>
+        <p:nvSpPr>
+          <p:cNvPr id="71" name="橢圓 70"/>
+          <p:cNvSpPr/>
+          <p:nvPr/>
+        </p:nvSpPr>
+        <p:spPr>
+          <a:xfrm>
+            <a:off x="1315823" y="4197703"/>
+            <a:ext cx="455123" cy="455123"/>
+          </a:xfrm>
+          <a:prstGeom prst="ellipse">
+            <a:avLst/>
+          </a:prstGeom>
+          <a:solidFill>
+            <a:srgbClr val="9CE0FF"/>
+          </a:solidFill>
+        </p:spPr>
+        <p:style>
+          <a:lnRef idx="2">
+            <a:schemeClr val="accent1">
+              <a:shade val="50000"/>
+            </a:schemeClr>
+          </a:lnRef>
+          <a:fillRef idx="1">
+            <a:schemeClr val="accent1"/>
+          </a:fillRef>
+          <a:effectRef idx="0">
+            <a:schemeClr val="accent1"/>
+          </a:effectRef>
+          <a:fontRef idx="minor">
+            <a:schemeClr val="lt1"/>
+          </a:fontRef>
+        </p:style>
+        <p:txBody>
+          <a:bodyPr rot="0" spcFirstLastPara="0" vertOverflow="overflow" horzOverflow="overflow" vert="horz" wrap="square" lIns="91440" tIns="45720" rIns="91440" bIns="45720" numCol="1" spcCol="0" rtlCol="0" fromWordArt="0" anchor="ctr" anchorCtr="0" forceAA="0" compatLnSpc="1">
+            <a:prstTxWarp prst="textNoShape">
+              <a:avLst/>
+            </a:prstTxWarp>
+            <a:noAutofit/>
+          </a:bodyPr>
+          <a:lstStyle/>
+          <a:p>
+            <a:pPr algn="ctr"/>
+            <a:r>
+              <a:rPr lang="en-US" altLang="zh-TW" dirty="0" smtClean="0">
+                <a:solidFill>
+                  <a:schemeClr val="tx1"/>
+                </a:solidFill>
+              </a:rPr>
+              <a:t>3</a:t>
+            </a:r>
+            <a:endParaRPr lang="zh-TW" altLang="en-US" dirty="0">
+              <a:solidFill>
+                <a:schemeClr val="tx1"/>
+              </a:solidFill>
+            </a:endParaRPr>
+          </a:p>
+        </p:txBody>
+      </p:sp>
+      <p:sp>
+        <p:nvSpPr>
+          <p:cNvPr id="72" name="矩形 71"/>
+          <p:cNvSpPr/>
+          <p:nvPr/>
+        </p:nvSpPr>
+        <p:spPr>
+          <a:xfrm>
+            <a:off x="7761004" y="4217790"/>
+            <a:ext cx="465264" cy="406402"/>
+          </a:xfrm>
+          <a:prstGeom prst="rect">
+            <a:avLst/>
+          </a:prstGeom>
+          <a:noFill/>
+          <a:ln>
+            <a:noFill/>
+          </a:ln>
+        </p:spPr>
+        <p:style>
+          <a:lnRef idx="0">
+            <a:scrgbClr r="0" g="0" b="0"/>
+          </a:lnRef>
+          <a:fillRef idx="0">
+            <a:scrgbClr r="0" g="0" b="0"/>
+          </a:fillRef>
+          <a:effectRef idx="0">
+            <a:scrgbClr r="0" g="0" b="0"/>
+          </a:effectRef>
+          <a:fontRef idx="minor">
+            <a:schemeClr val="lt1"/>
+          </a:fontRef>
+        </p:style>
+        <p:txBody>
+          <a:bodyPr rtlCol="0" anchor="ctr"/>
+          <a:lstStyle/>
+          <a:p>
+            <a:r>
+              <a:rPr lang="en-US" altLang="zh-TW" dirty="0" smtClean="0">
+                <a:ln w="0"/>
+                <a:solidFill>
+                  <a:schemeClr val="bg1"/>
+                </a:solidFill>
+                <a:effectLst>
+                  <a:outerShdw blurRad="38100" dist="19050" dir="2700000" algn="tl" rotWithShape="0">
+                    <a:schemeClr val="dk1">
+                      <a:alpha val="40000"/>
+                    </a:schemeClr>
+                  </a:outerShdw>
+                </a:effectLst>
+              </a:rPr>
+              <a:t>18</a:t>
+            </a:r>
+            <a:endParaRPr lang="zh-TW" altLang="en-US" dirty="0">
+              <a:ln w="0"/>
+              <a:solidFill>
+                <a:schemeClr val="bg1"/>
+              </a:solidFill>
+              <a:effectLst>
+                <a:outerShdw blurRad="38100" dist="19050" dir="2700000" algn="tl" rotWithShape="0">
+                  <a:schemeClr val="dk1">
+                    <a:alpha val="40000"/>
+                  </a:schemeClr>
+                </a:outerShdw>
+              </a:effectLst>
+            </a:endParaRPr>
+          </a:p>
+        </p:txBody>
+      </p:sp>
+      <p:sp>
+        <p:nvSpPr>
+          <p:cNvPr id="73" name="文字方塊 72"/>
+          <p:cNvSpPr txBox="1"/>
+          <p:nvPr/>
+        </p:nvSpPr>
+        <p:spPr>
+          <a:xfrm>
+            <a:off x="593157" y="3972279"/>
+            <a:ext cx="546163" cy="307777"/>
+          </a:xfrm>
+          <a:prstGeom prst="rect">
+            <a:avLst/>
+          </a:prstGeom>
+          <a:noFill/>
+        </p:spPr>
+        <p:txBody>
+          <a:bodyPr wrap="square" rtlCol="0">
+            <a:spAutoFit/>
+          </a:bodyPr>
+          <a:lstStyle/>
+          <a:p>
+            <a:r>
+              <a:rPr lang="zh-TW" altLang="en-US" sz="1400" dirty="0" smtClean="0"/>
+              <a:t>投票</a:t>
+            </a:r>
+            <a:endParaRPr lang="zh-TW" altLang="en-US" dirty="0"/>
+          </a:p>
+        </p:txBody>
+      </p:sp>
+      <p:sp>
+        <p:nvSpPr>
+          <p:cNvPr id="74" name="文字方塊 73"/>
+          <p:cNvSpPr txBox="1"/>
+          <p:nvPr/>
+        </p:nvSpPr>
+        <p:spPr>
+          <a:xfrm>
+            <a:off x="594771" y="4498937"/>
+            <a:ext cx="546163" cy="307777"/>
+          </a:xfrm>
+          <a:prstGeom prst="rect">
+            <a:avLst/>
+          </a:prstGeom>
+          <a:noFill/>
+        </p:spPr>
+        <p:txBody>
+          <a:bodyPr wrap="square" rtlCol="0">
+            <a:spAutoFit/>
+          </a:bodyPr>
+          <a:lstStyle/>
+          <a:p>
+            <a:r>
+              <a:rPr lang="zh-TW" altLang="en-US" sz="1400" dirty="0" smtClean="0"/>
+              <a:t>更新</a:t>
+            </a:r>
+            <a:endParaRPr lang="zh-TW" altLang="en-US" dirty="0"/>
+          </a:p>
+        </p:txBody>
+      </p:sp>
+    </p:spTree>
+    <p:extLst>
+      <p:ext uri="{BB962C8B-B14F-4D97-AF65-F5344CB8AC3E}">
+        <p14:creationId xmlns:p14="http://schemas.microsoft.com/office/powerpoint/2010/main" val="2838514606"/>
+      </p:ext>
+    </p:extLst>
+  </p:cSld>
+  <p:clrMapOvr>
+    <a:masterClrMapping/>
+  </p:clrMapOvr>
+</p:sld>
+</file>
+
 <file path=ppt/slides/slide2.xml><?xml version="1.0" encoding="utf-8"?>
 <p:sld xmlns:a="http://schemas.openxmlformats.org/drawingml/2006/main" xmlns:r="http://schemas.openxmlformats.org/officeDocument/2006/relationships" xmlns:p="http://schemas.openxmlformats.org/presentationml/2006/main">
   <p:cSld>
@@ -22819,7 +26295,37 @@
       </a:bgFillStyleLst>
     </a:fmtScheme>
   </a:themeElements>
-  <a:objectDefaults/>
+  <a:objectDefaults>
+    <a:spDef>
+      <a:spPr>
+        <a:solidFill>
+          <a:srgbClr val="99E4E8"/>
+        </a:solidFill>
+      </a:spPr>
+      <a:bodyPr rtlCol="0" anchor="ctr"/>
+      <a:lstStyle>
+        <a:defPPr algn="ctr">
+          <a:defRPr/>
+        </a:defPPr>
+      </a:lstStyle>
+      <a:style>
+        <a:lnRef idx="2">
+          <a:schemeClr val="accent1">
+            <a:shade val="50000"/>
+          </a:schemeClr>
+        </a:lnRef>
+        <a:fillRef idx="1">
+          <a:schemeClr val="accent1"/>
+        </a:fillRef>
+        <a:effectRef idx="0">
+          <a:schemeClr val="accent1"/>
+        </a:effectRef>
+        <a:fontRef idx="minor">
+          <a:schemeClr val="lt1"/>
+        </a:fontRef>
+      </a:style>
+    </a:spDef>
+  </a:objectDefaults>
   <a:extraClrSchemeLst/>
   <a:extLst>
     <a:ext uri="{05A4C25C-085E-4340-85A3-A5531E510DB2}">
